--- a/document/Mid_Presentation_templet.pptx
+++ b/document/Mid_Presentation_templet.pptx
@@ -5,70 +5,65 @@
     <p:sldMasterId id="2147483671" r:id="rId1"/>
   </p:sldMasterIdLst>
   <p:notesMasterIdLst>
-    <p:notesMasterId r:id="rId22"/>
+    <p:notesMasterId r:id="rId17"/>
   </p:notesMasterIdLst>
   <p:handoutMasterIdLst>
-    <p:handoutMasterId r:id="rId23"/>
+    <p:handoutMasterId r:id="rId18"/>
   </p:handoutMasterIdLst>
   <p:sldIdLst>
     <p:sldId id="362" r:id="rId2"/>
     <p:sldId id="348" r:id="rId3"/>
-    <p:sldId id="349" r:id="rId4"/>
-    <p:sldId id="352" r:id="rId5"/>
-    <p:sldId id="357" r:id="rId6"/>
-    <p:sldId id="361" r:id="rId7"/>
-    <p:sldId id="363" r:id="rId8"/>
-    <p:sldId id="364" r:id="rId9"/>
-    <p:sldId id="369" r:id="rId10"/>
-    <p:sldId id="370" r:id="rId11"/>
-    <p:sldId id="365" r:id="rId12"/>
-    <p:sldId id="371" r:id="rId13"/>
-    <p:sldId id="367" r:id="rId14"/>
+    <p:sldId id="352" r:id="rId4"/>
+    <p:sldId id="357" r:id="rId5"/>
+    <p:sldId id="361" r:id="rId6"/>
+    <p:sldId id="363" r:id="rId7"/>
+    <p:sldId id="364" r:id="rId8"/>
+    <p:sldId id="369" r:id="rId9"/>
+    <p:sldId id="370" r:id="rId10"/>
+    <p:sldId id="365" r:id="rId11"/>
+    <p:sldId id="371" r:id="rId12"/>
+    <p:sldId id="367" r:id="rId13"/>
+    <p:sldId id="355" r:id="rId14"/>
     <p:sldId id="351" r:id="rId15"/>
-    <p:sldId id="354" r:id="rId16"/>
-    <p:sldId id="356" r:id="rId17"/>
-    <p:sldId id="355" r:id="rId18"/>
-    <p:sldId id="358" r:id="rId19"/>
-    <p:sldId id="359" r:id="rId20"/>
-    <p:sldId id="360" r:id="rId21"/>
+    <p:sldId id="360" r:id="rId16"/>
   </p:sldIdLst>
   <p:sldSz cx="9144000" cy="6858000" type="screen4x3"/>
   <p:notesSz cx="6858000" cy="9144000"/>
   <p:embeddedFontLst>
     <p:embeddedFont>
-      <p:font typeface="맑은 고딕" pitchFamily="50" charset="-127"/>
-      <p:regular r:id="rId24"/>
-      <p:bold r:id="rId25"/>
+      <p:font typeface="나눔고딕" pitchFamily="50" charset="-127"/>
+      <p:regular r:id="rId19"/>
+      <p:bold r:id="rId20"/>
     </p:embeddedFont>
     <p:embeddedFont>
-      <p:font typeface="나눔고딕" charset="-127"/>
+      <p:font typeface="Georgia" pitchFamily="18" charset="0"/>
+      <p:regular r:id="rId21"/>
+      <p:bold r:id="rId22"/>
+      <p:italic r:id="rId23"/>
+      <p:boldItalic r:id="rId24"/>
+    </p:embeddedFont>
+    <p:embeddedFont>
+      <p:font typeface="HY목각파임B" pitchFamily="18" charset="-127"/>
+      <p:regular r:id="rId25"/>
+    </p:embeddedFont>
+    <p:embeddedFont>
+      <p:font typeface="맑은 고딕" pitchFamily="50" charset="-127"/>
       <p:regular r:id="rId26"/>
       <p:bold r:id="rId27"/>
     </p:embeddedFont>
     <p:embeddedFont>
-      <p:font typeface="Calibri" pitchFamily="34" charset="0"/>
+      <p:font typeface="Segoe UI" pitchFamily="34" charset="0"/>
       <p:regular r:id="rId28"/>
       <p:bold r:id="rId29"/>
       <p:italic r:id="rId30"/>
       <p:boldItalic r:id="rId31"/>
     </p:embeddedFont>
     <p:embeddedFont>
-      <p:font typeface="Segoe UI" pitchFamily="34" charset="0"/>
+      <p:font typeface="Calibri" pitchFamily="34" charset="0"/>
       <p:regular r:id="rId32"/>
       <p:bold r:id="rId33"/>
       <p:italic r:id="rId34"/>
       <p:boldItalic r:id="rId35"/>
-    </p:embeddedFont>
-    <p:embeddedFont>
-      <p:font typeface="HY목각파임B" pitchFamily="18" charset="-127"/>
-      <p:regular r:id="rId36"/>
-    </p:embeddedFont>
-    <p:embeddedFont>
-      <p:font typeface="Georgia" pitchFamily="18" charset="0"/>
-      <p:regular r:id="rId37"/>
-      <p:bold r:id="rId38"/>
-      <p:italic r:id="rId39"/>
-      <p:boldItalic r:id="rId40"/>
     </p:embeddedFont>
   </p:embeddedFontLst>
   <p:defaultTextStyle>
@@ -253,7 +248,7 @@
             <a:fld id="{68F88C59-319B-4332-9A1D-2A62CFCB00D8}" type="datetimeFigureOut">
               <a:rPr lang="en-US" altLang="ko-KR" smtClean="0"/>
               <a:pPr latinLnBrk="1"/>
-              <a:t>11/2/2012</a:t>
+              <a:t>11/4/2012</a:t>
             </a:fld>
             <a:endParaRPr lang="ko-KR" dirty="0"/>
           </a:p>
@@ -1275,334 +1270,6 @@
 </p:notes>
 </file>
 
-<file path=ppt/notesSlides/notesSlide16.xml><?xml version="1.0" encoding="utf-8"?>
-<p:notes xmlns:a="http://schemas.openxmlformats.org/drawingml/2006/main" xmlns:r="http://schemas.openxmlformats.org/officeDocument/2006/relationships" xmlns:p="http://schemas.openxmlformats.org/presentationml/2006/main">
-  <p:cSld>
-    <p:spTree>
-      <p:nvGrpSpPr>
-        <p:cNvPr id="1" name=""/>
-        <p:cNvGrpSpPr/>
-        <p:nvPr/>
-      </p:nvGrpSpPr>
-      <p:grpSpPr>
-        <a:xfrm>
-          <a:off x="0" y="0"/>
-          <a:ext cx="0" cy="0"/>
-          <a:chOff x="0" y="0"/>
-          <a:chExt cx="0" cy="0"/>
-        </a:xfrm>
-      </p:grpSpPr>
-      <p:sp>
-        <p:nvSpPr>
-          <p:cNvPr id="2" name="Slide Image Placeholder 1"/>
-          <p:cNvSpPr>
-            <a:spLocks noGrp="1" noRot="1" noChangeAspect="1"/>
-          </p:cNvSpPr>
-          <p:nvPr>
-            <p:ph type="sldImg"/>
-          </p:nvPr>
-        </p:nvSpPr>
-        <p:spPr/>
-      </p:sp>
-      <p:sp>
-        <p:nvSpPr>
-          <p:cNvPr id="3" name="Notes Placeholder 2"/>
-          <p:cNvSpPr>
-            <a:spLocks noGrp="1"/>
-          </p:cNvSpPr>
-          <p:nvPr>
-            <p:ph type="body" idx="1"/>
-          </p:nvPr>
-        </p:nvSpPr>
-        <p:spPr/>
-        <p:txBody>
-          <a:bodyPr>
-            <a:normAutofit/>
-          </a:bodyPr>
-          <a:lstStyle/>
-          <a:p>
-            <a:endParaRPr lang="ko-KR" dirty="0"/>
-          </a:p>
-        </p:txBody>
-      </p:sp>
-      <p:sp>
-        <p:nvSpPr>
-          <p:cNvPr id="4" name="Slide Number Placeholder 3"/>
-          <p:cNvSpPr>
-            <a:spLocks noGrp="1"/>
-          </p:cNvSpPr>
-          <p:nvPr>
-            <p:ph type="sldNum" sz="quarter" idx="10"/>
-          </p:nvPr>
-        </p:nvSpPr>
-        <p:spPr/>
-        <p:txBody>
-          <a:bodyPr/>
-          <a:lstStyle/>
-          <a:p>
-            <a:fld id="{9B26CD33-4337-4529-948A-94F6960B2374}" type="slidenum">
-              <a:rPr lang="en-US" altLang="ko-KR" smtClean="0"/>
-              <a:pPr/>
-              <a:t>16</a:t>
-            </a:fld>
-            <a:endParaRPr lang="ko-KR" dirty="0"/>
-          </a:p>
-        </p:txBody>
-      </p:sp>
-    </p:spTree>
-  </p:cSld>
-  <p:clrMapOvr>
-    <a:masterClrMapping/>
-  </p:clrMapOvr>
-</p:notes>
-</file>
-
-<file path=ppt/notesSlides/notesSlide17.xml><?xml version="1.0" encoding="utf-8"?>
-<p:notes xmlns:a="http://schemas.openxmlformats.org/drawingml/2006/main" xmlns:r="http://schemas.openxmlformats.org/officeDocument/2006/relationships" xmlns:p="http://schemas.openxmlformats.org/presentationml/2006/main">
-  <p:cSld>
-    <p:spTree>
-      <p:nvGrpSpPr>
-        <p:cNvPr id="1" name=""/>
-        <p:cNvGrpSpPr/>
-        <p:nvPr/>
-      </p:nvGrpSpPr>
-      <p:grpSpPr>
-        <a:xfrm>
-          <a:off x="0" y="0"/>
-          <a:ext cx="0" cy="0"/>
-          <a:chOff x="0" y="0"/>
-          <a:chExt cx="0" cy="0"/>
-        </a:xfrm>
-      </p:grpSpPr>
-      <p:sp>
-        <p:nvSpPr>
-          <p:cNvPr id="2" name="Slide Image Placeholder 1"/>
-          <p:cNvSpPr>
-            <a:spLocks noGrp="1" noRot="1" noChangeAspect="1"/>
-          </p:cNvSpPr>
-          <p:nvPr>
-            <p:ph type="sldImg"/>
-          </p:nvPr>
-        </p:nvSpPr>
-        <p:spPr/>
-      </p:sp>
-      <p:sp>
-        <p:nvSpPr>
-          <p:cNvPr id="3" name="Notes Placeholder 2"/>
-          <p:cNvSpPr>
-            <a:spLocks noGrp="1"/>
-          </p:cNvSpPr>
-          <p:nvPr>
-            <p:ph type="body" idx="1"/>
-          </p:nvPr>
-        </p:nvSpPr>
-        <p:spPr/>
-        <p:txBody>
-          <a:bodyPr>
-            <a:normAutofit/>
-          </a:bodyPr>
-          <a:lstStyle/>
-          <a:p>
-            <a:endParaRPr lang="ko-KR" dirty="0"/>
-          </a:p>
-        </p:txBody>
-      </p:sp>
-      <p:sp>
-        <p:nvSpPr>
-          <p:cNvPr id="4" name="Slide Number Placeholder 3"/>
-          <p:cNvSpPr>
-            <a:spLocks noGrp="1"/>
-          </p:cNvSpPr>
-          <p:nvPr>
-            <p:ph type="sldNum" sz="quarter" idx="10"/>
-          </p:nvPr>
-        </p:nvSpPr>
-        <p:spPr/>
-        <p:txBody>
-          <a:bodyPr/>
-          <a:lstStyle/>
-          <a:p>
-            <a:fld id="{9B26CD33-4337-4529-948A-94F6960B2374}" type="slidenum">
-              <a:rPr lang="en-US" altLang="ko-KR" smtClean="0"/>
-              <a:pPr/>
-              <a:t>17</a:t>
-            </a:fld>
-            <a:endParaRPr lang="ko-KR" dirty="0"/>
-          </a:p>
-        </p:txBody>
-      </p:sp>
-    </p:spTree>
-  </p:cSld>
-  <p:clrMapOvr>
-    <a:masterClrMapping/>
-  </p:clrMapOvr>
-</p:notes>
-</file>
-
-<file path=ppt/notesSlides/notesSlide18.xml><?xml version="1.0" encoding="utf-8"?>
-<p:notes xmlns:a="http://schemas.openxmlformats.org/drawingml/2006/main" xmlns:r="http://schemas.openxmlformats.org/officeDocument/2006/relationships" xmlns:p="http://schemas.openxmlformats.org/presentationml/2006/main">
-  <p:cSld>
-    <p:spTree>
-      <p:nvGrpSpPr>
-        <p:cNvPr id="1" name=""/>
-        <p:cNvGrpSpPr/>
-        <p:nvPr/>
-      </p:nvGrpSpPr>
-      <p:grpSpPr>
-        <a:xfrm>
-          <a:off x="0" y="0"/>
-          <a:ext cx="0" cy="0"/>
-          <a:chOff x="0" y="0"/>
-          <a:chExt cx="0" cy="0"/>
-        </a:xfrm>
-      </p:grpSpPr>
-      <p:sp>
-        <p:nvSpPr>
-          <p:cNvPr id="2" name="Slide Image Placeholder 1"/>
-          <p:cNvSpPr>
-            <a:spLocks noGrp="1" noRot="1" noChangeAspect="1"/>
-          </p:cNvSpPr>
-          <p:nvPr>
-            <p:ph type="sldImg"/>
-          </p:nvPr>
-        </p:nvSpPr>
-        <p:spPr/>
-      </p:sp>
-      <p:sp>
-        <p:nvSpPr>
-          <p:cNvPr id="3" name="Notes Placeholder 2"/>
-          <p:cNvSpPr>
-            <a:spLocks noGrp="1"/>
-          </p:cNvSpPr>
-          <p:nvPr>
-            <p:ph type="body" idx="1"/>
-          </p:nvPr>
-        </p:nvSpPr>
-        <p:spPr/>
-        <p:txBody>
-          <a:bodyPr>
-            <a:normAutofit/>
-          </a:bodyPr>
-          <a:lstStyle/>
-          <a:p>
-            <a:endParaRPr lang="ko-KR" dirty="0"/>
-          </a:p>
-        </p:txBody>
-      </p:sp>
-      <p:sp>
-        <p:nvSpPr>
-          <p:cNvPr id="4" name="Slide Number Placeholder 3"/>
-          <p:cNvSpPr>
-            <a:spLocks noGrp="1"/>
-          </p:cNvSpPr>
-          <p:nvPr>
-            <p:ph type="sldNum" sz="quarter" idx="10"/>
-          </p:nvPr>
-        </p:nvSpPr>
-        <p:spPr/>
-        <p:txBody>
-          <a:bodyPr/>
-          <a:lstStyle/>
-          <a:p>
-            <a:fld id="{9B26CD33-4337-4529-948A-94F6960B2374}" type="slidenum">
-              <a:rPr lang="en-US" altLang="ko-KR" smtClean="0"/>
-              <a:pPr/>
-              <a:t>18</a:t>
-            </a:fld>
-            <a:endParaRPr lang="ko-KR" dirty="0"/>
-          </a:p>
-        </p:txBody>
-      </p:sp>
-    </p:spTree>
-  </p:cSld>
-  <p:clrMapOvr>
-    <a:masterClrMapping/>
-  </p:clrMapOvr>
-</p:notes>
-</file>
-
-<file path=ppt/notesSlides/notesSlide19.xml><?xml version="1.0" encoding="utf-8"?>
-<p:notes xmlns:a="http://schemas.openxmlformats.org/drawingml/2006/main" xmlns:r="http://schemas.openxmlformats.org/officeDocument/2006/relationships" xmlns:p="http://schemas.openxmlformats.org/presentationml/2006/main">
-  <p:cSld>
-    <p:spTree>
-      <p:nvGrpSpPr>
-        <p:cNvPr id="1" name=""/>
-        <p:cNvGrpSpPr/>
-        <p:nvPr/>
-      </p:nvGrpSpPr>
-      <p:grpSpPr>
-        <a:xfrm>
-          <a:off x="0" y="0"/>
-          <a:ext cx="0" cy="0"/>
-          <a:chOff x="0" y="0"/>
-          <a:chExt cx="0" cy="0"/>
-        </a:xfrm>
-      </p:grpSpPr>
-      <p:sp>
-        <p:nvSpPr>
-          <p:cNvPr id="2" name="Slide Image Placeholder 1"/>
-          <p:cNvSpPr>
-            <a:spLocks noGrp="1" noRot="1" noChangeAspect="1"/>
-          </p:cNvSpPr>
-          <p:nvPr>
-            <p:ph type="sldImg"/>
-          </p:nvPr>
-        </p:nvSpPr>
-        <p:spPr/>
-      </p:sp>
-      <p:sp>
-        <p:nvSpPr>
-          <p:cNvPr id="3" name="Notes Placeholder 2"/>
-          <p:cNvSpPr>
-            <a:spLocks noGrp="1"/>
-          </p:cNvSpPr>
-          <p:nvPr>
-            <p:ph type="body" idx="1"/>
-          </p:nvPr>
-        </p:nvSpPr>
-        <p:spPr/>
-        <p:txBody>
-          <a:bodyPr>
-            <a:normAutofit/>
-          </a:bodyPr>
-          <a:lstStyle/>
-          <a:p>
-            <a:endParaRPr lang="ko-KR" dirty="0"/>
-          </a:p>
-        </p:txBody>
-      </p:sp>
-      <p:sp>
-        <p:nvSpPr>
-          <p:cNvPr id="4" name="Slide Number Placeholder 3"/>
-          <p:cNvSpPr>
-            <a:spLocks noGrp="1"/>
-          </p:cNvSpPr>
-          <p:nvPr>
-            <p:ph type="sldNum" sz="quarter" idx="10"/>
-          </p:nvPr>
-        </p:nvSpPr>
-        <p:spPr/>
-        <p:txBody>
-          <a:bodyPr/>
-          <a:lstStyle/>
-          <a:p>
-            <a:fld id="{9B26CD33-4337-4529-948A-94F6960B2374}" type="slidenum">
-              <a:rPr lang="en-US" altLang="ko-KR" smtClean="0"/>
-              <a:pPr/>
-              <a:t>19</a:t>
-            </a:fld>
-            <a:endParaRPr lang="ko-KR" dirty="0"/>
-          </a:p>
-        </p:txBody>
-      </p:sp>
-    </p:spTree>
-  </p:cSld>
-  <p:clrMapOvr>
-    <a:masterClrMapping/>
-  </p:clrMapOvr>
-</p:notes>
-</file>
-
 <file path=ppt/notesSlides/notesSlide2.xml><?xml version="1.0" encoding="utf-8"?>
 <p:notes xmlns:a="http://schemas.openxmlformats.org/drawingml/2006/main" xmlns:r="http://schemas.openxmlformats.org/officeDocument/2006/relationships" xmlns:p="http://schemas.openxmlformats.org/presentationml/2006/main">
   <p:cSld>
@@ -1672,88 +1339,6 @@
               <a:rPr lang="en-US" altLang="ko-KR" smtClean="0"/>
               <a:pPr/>
               <a:t>2</a:t>
-            </a:fld>
-            <a:endParaRPr lang="ko-KR" dirty="0"/>
-          </a:p>
-        </p:txBody>
-      </p:sp>
-    </p:spTree>
-  </p:cSld>
-  <p:clrMapOvr>
-    <a:masterClrMapping/>
-  </p:clrMapOvr>
-</p:notes>
-</file>
-
-<file path=ppt/notesSlides/notesSlide20.xml><?xml version="1.0" encoding="utf-8"?>
-<p:notes xmlns:a="http://schemas.openxmlformats.org/drawingml/2006/main" xmlns:r="http://schemas.openxmlformats.org/officeDocument/2006/relationships" xmlns:p="http://schemas.openxmlformats.org/presentationml/2006/main">
-  <p:cSld>
-    <p:spTree>
-      <p:nvGrpSpPr>
-        <p:cNvPr id="1" name=""/>
-        <p:cNvGrpSpPr/>
-        <p:nvPr/>
-      </p:nvGrpSpPr>
-      <p:grpSpPr>
-        <a:xfrm>
-          <a:off x="0" y="0"/>
-          <a:ext cx="0" cy="0"/>
-          <a:chOff x="0" y="0"/>
-          <a:chExt cx="0" cy="0"/>
-        </a:xfrm>
-      </p:grpSpPr>
-      <p:sp>
-        <p:nvSpPr>
-          <p:cNvPr id="2" name="Slide Image Placeholder 1"/>
-          <p:cNvSpPr>
-            <a:spLocks noGrp="1" noRot="1" noChangeAspect="1"/>
-          </p:cNvSpPr>
-          <p:nvPr>
-            <p:ph type="sldImg"/>
-          </p:nvPr>
-        </p:nvSpPr>
-        <p:spPr/>
-      </p:sp>
-      <p:sp>
-        <p:nvSpPr>
-          <p:cNvPr id="3" name="Notes Placeholder 2"/>
-          <p:cNvSpPr>
-            <a:spLocks noGrp="1"/>
-          </p:cNvSpPr>
-          <p:nvPr>
-            <p:ph type="body" idx="1"/>
-          </p:nvPr>
-        </p:nvSpPr>
-        <p:spPr/>
-        <p:txBody>
-          <a:bodyPr>
-            <a:normAutofit/>
-          </a:bodyPr>
-          <a:lstStyle/>
-          <a:p>
-            <a:endParaRPr lang="ko-KR" dirty="0"/>
-          </a:p>
-        </p:txBody>
-      </p:sp>
-      <p:sp>
-        <p:nvSpPr>
-          <p:cNvPr id="4" name="Slide Number Placeholder 3"/>
-          <p:cNvSpPr>
-            <a:spLocks noGrp="1"/>
-          </p:cNvSpPr>
-          <p:nvPr>
-            <p:ph type="sldNum" sz="quarter" idx="10"/>
-          </p:nvPr>
-        </p:nvSpPr>
-        <p:spPr/>
-        <p:txBody>
-          <a:bodyPr/>
-          <a:lstStyle/>
-          <a:p>
-            <a:fld id="{9B26CD33-4337-4529-948A-94F6960B2374}" type="slidenum">
-              <a:rPr lang="en-US" altLang="ko-KR" smtClean="0"/>
-              <a:pPr/>
-              <a:t>20</a:t>
             </a:fld>
             <a:endParaRPr lang="ko-KR" dirty="0"/>
           </a:p>
@@ -2455,7 +2040,7 @@
             <a:fld id="{ACB2EC6F-6501-4E04-BD6C-A8A6CABB2C5B}" type="datetimeFigureOut">
               <a:rPr lang="en-US" altLang="ko-KR" smtClean="0"/>
               <a:pPr/>
-              <a:t>11/2/2012</a:t>
+              <a:t>11/4/2012</a:t>
             </a:fld>
             <a:endParaRPr kumimoji="0" lang="ko-KR" altLang="en-US"/>
           </a:p>
@@ -2597,7 +2182,7 @@
                 </a:solidFill>
               </a:rPr>
               <a:pPr latinLnBrk="1"/>
-              <a:t>11/2/2012</a:t>
+              <a:t>11/4/2012</a:t>
             </a:fld>
             <a:endParaRPr kumimoji="0" lang="ko-KR" sz="1200">
               <a:solidFill>
@@ -2907,7 +2492,7 @@
                 </a:solidFill>
               </a:rPr>
               <a:pPr latinLnBrk="1"/>
-              <a:t>11/2/2012</a:t>
+              <a:t>11/4/2012</a:t>
             </a:fld>
             <a:endParaRPr kumimoji="0" lang="ko-KR" sz="1200">
               <a:solidFill>
@@ -3290,7 +2875,7 @@
                 </a:solidFill>
               </a:rPr>
               <a:pPr latinLnBrk="1"/>
-              <a:t>11/2/2012</a:t>
+              <a:t>11/4/2012</a:t>
             </a:fld>
             <a:endParaRPr kumimoji="0" lang="ko-KR" sz="1200">
               <a:solidFill>
@@ -3979,7 +3564,7 @@
                 </a:solidFill>
               </a:rPr>
               <a:pPr latinLnBrk="1"/>
-              <a:t>11/2/2012</a:t>
+              <a:t>11/4/2012</a:t>
             </a:fld>
             <a:endParaRPr kumimoji="0" lang="ko-KR" sz="1200">
               <a:solidFill>
@@ -4559,7 +4144,7 @@
                 </a:solidFill>
               </a:rPr>
               <a:pPr latinLnBrk="1"/>
-              <a:t>11/2/2012</a:t>
+              <a:t>11/4/2012</a:t>
             </a:fld>
             <a:endParaRPr kumimoji="0" lang="ko-KR" sz="1200">
               <a:solidFill>
@@ -4789,7 +4374,7 @@
                 </a:solidFill>
               </a:rPr>
               <a:pPr latinLnBrk="1"/>
-              <a:t>11/2/2012</a:t>
+              <a:t>11/4/2012</a:t>
             </a:fld>
             <a:endParaRPr kumimoji="0" lang="ko-KR" sz="1200">
               <a:solidFill>
@@ -5070,7 +4655,7 @@
                 </a:solidFill>
               </a:rPr>
               <a:pPr latinLnBrk="1"/>
-              <a:t>11/2/2012</a:t>
+              <a:t>11/4/2012</a:t>
             </a:fld>
             <a:endParaRPr kumimoji="0" lang="ko-KR" sz="1200">
               <a:solidFill>
@@ -5307,7 +4892,7 @@
                 </a:solidFill>
               </a:rPr>
               <a:pPr latinLnBrk="1"/>
-              <a:t>11/2/2012</a:t>
+              <a:t>11/4/2012</a:t>
             </a:fld>
             <a:endParaRPr kumimoji="0" lang="ko-KR" sz="1200">
               <a:solidFill>
@@ -5650,7 +5235,7 @@
                 </a:solidFill>
               </a:rPr>
               <a:pPr latinLnBrk="1"/>
-              <a:t>11/2/2012</a:t>
+              <a:t>11/4/2012</a:t>
             </a:fld>
             <a:endParaRPr kumimoji="0" lang="ko-KR" sz="1200">
               <a:solidFill>
@@ -6420,7 +6005,7 @@
                 </a:solidFill>
               </a:rPr>
               <a:pPr/>
-              <a:t>11/2/2012</a:t>
+              <a:t>11/4/2012</a:t>
             </a:fld>
             <a:endParaRPr lang="en-US">
               <a:solidFill>
@@ -7041,13 +6626,6 @@
               </a:rPr>
               <a:t>AKROPOLIS</a:t>
             </a:r>
-            <a:endParaRPr lang="en-US" altLang="ko-KR" sz="4000" b="1" spc="650" dirty="0" smtClean="0">
-              <a:solidFill>
-                <a:schemeClr val="bg1"/>
-              </a:solidFill>
-              <a:latin typeface="맑은 고딕" pitchFamily="50" charset="-127"/>
-              <a:ea typeface="맑은 고딕" pitchFamily="50" charset="-127"/>
-            </a:endParaRPr>
           </a:p>
         </p:txBody>
       </p:sp>
@@ -7265,13 +6843,6 @@
               </a:rPr>
               <a:t> Young, Choi Hwan Jong</a:t>
             </a:r>
-            <a:endParaRPr lang="en-US" altLang="ko-KR" sz="2400" b="1" spc="-150" dirty="0" smtClean="0">
-              <a:solidFill>
-                <a:schemeClr val="bg1"/>
-              </a:solidFill>
-              <a:latin typeface="맑은 고딕" pitchFamily="50" charset="-127"/>
-              <a:ea typeface="맑은 고딕" pitchFamily="50" charset="-127"/>
-            </a:endParaRPr>
           </a:p>
         </p:txBody>
       </p:sp>
@@ -7595,7 +7166,7 @@
                 <a:latin typeface="맑은 고딕" pitchFamily="50" charset="-127"/>
                 <a:ea typeface="맑은 고딕" pitchFamily="50" charset="-127"/>
               </a:rPr>
-              <a:t>모든 유저는 토론에 대하여 찬반 투표를 할 수 있으나 토론의 참여자 만이 의견을 표현할 수 있다</a:t>
+              <a:t>토론을 열게 된 유저는 그 토론의 사회자가 되고 그 토론을 지속적으로 관리할 권한과 책임을 가지게 된다</a:t>
             </a:r>
             <a:r>
               <a:rPr lang="en-US" altLang="ko-KR" sz="2000" dirty="0" smtClean="0">
@@ -7631,7 +7202,21 @@
                 <a:latin typeface="맑은 고딕" pitchFamily="50" charset="-127"/>
                 <a:ea typeface="맑은 고딕" pitchFamily="50" charset="-127"/>
               </a:rPr>
-              <a:t>토론의 비 참여자는 토론 참여 신청을 통해 사회자의 허가를 받아 토론에 참여할 수 있습니다</a:t>
+              <a:t>토론을 열었을 시에는 사회자의 </a:t>
+            </a:r>
+            <a:r>
+              <a:rPr lang="ko-KR" altLang="en-US" sz="2000" dirty="0" err="1" smtClean="0">
+                <a:latin typeface="맑은 고딕" pitchFamily="50" charset="-127"/>
+                <a:ea typeface="맑은 고딕" pitchFamily="50" charset="-127"/>
+              </a:rPr>
+              <a:t>팔로워</a:t>
+            </a:r>
+            <a:r>
+              <a:rPr lang="ko-KR" altLang="en-US" sz="2000" dirty="0" smtClean="0">
+                <a:latin typeface="맑은 고딕" pitchFamily="50" charset="-127"/>
+                <a:ea typeface="맑은 고딕" pitchFamily="50" charset="-127"/>
+              </a:rPr>
+              <a:t> 들에게 사회자에 의해 토론이 열렸음을 알려 쉽게 토론에 참여할 수 있도록 도와주게 됩니다</a:t>
             </a:r>
             <a:r>
               <a:rPr lang="en-US" altLang="ko-KR" sz="2000" dirty="0" smtClean="0">
@@ -7640,6 +7225,10 @@
               </a:rPr>
               <a:t>.</a:t>
             </a:r>
+            <a:endParaRPr lang="en-US" altLang="ko-KR" sz="2000" dirty="0">
+              <a:latin typeface="맑은 고딕" pitchFamily="50" charset="-127"/>
+              <a:ea typeface="맑은 고딕" pitchFamily="50" charset="-127"/>
+            </a:endParaRPr>
           </a:p>
           <a:p>
             <a:pPr marL="285750" indent="-285750">
@@ -7649,7 +7238,7 @@
               <a:buFont typeface="Arial" pitchFamily="34" charset="0"/>
               <a:buChar char="•"/>
             </a:pPr>
-            <a:endParaRPr lang="en-US" altLang="ko-KR" sz="2000" dirty="0" smtClean="0">
+            <a:endParaRPr lang="en-US" altLang="ko-KR" sz="2000" dirty="0">
               <a:latin typeface="맑은 고딕" pitchFamily="50" charset="-127"/>
               <a:ea typeface="맑은 고딕" pitchFamily="50" charset="-127"/>
             </a:endParaRPr>
@@ -7667,12 +7256,57 @@
                 <a:latin typeface="맑은 고딕" pitchFamily="50" charset="-127"/>
                 <a:ea typeface="맑은 고딕" pitchFamily="50" charset="-127"/>
               </a:rPr>
-              <a:t>다른 토론자들의 신고를 받은 토론자는 사회자에 의해 추방당할 수 있다</a:t>
-            </a:r>
-            <a:endParaRPr lang="en-US" altLang="ko-KR" sz="2000" dirty="0">
-              <a:latin typeface="맑은 고딕" pitchFamily="50" charset="-127"/>
-              <a:ea typeface="맑은 고딕" pitchFamily="50" charset="-127"/>
-            </a:endParaRPr>
+              <a:t>사회자는 토론의 소주제</a:t>
+            </a:r>
+            <a:r>
+              <a:rPr lang="en-US" altLang="ko-KR" sz="2000" dirty="0" smtClean="0">
+                <a:latin typeface="맑은 고딕" pitchFamily="50" charset="-127"/>
+                <a:ea typeface="맑은 고딕" pitchFamily="50" charset="-127"/>
+              </a:rPr>
+              <a:t>, </a:t>
+            </a:r>
+            <a:r>
+              <a:rPr lang="ko-KR" altLang="en-US" sz="2000" dirty="0" smtClean="0">
+                <a:latin typeface="맑은 고딕" pitchFamily="50" charset="-127"/>
+                <a:ea typeface="맑은 고딕" pitchFamily="50" charset="-127"/>
+              </a:rPr>
+              <a:t>토론 시간</a:t>
+            </a:r>
+            <a:r>
+              <a:rPr lang="en-US" altLang="ko-KR" sz="2000" dirty="0" smtClean="0">
+                <a:latin typeface="맑은 고딕" pitchFamily="50" charset="-127"/>
+                <a:ea typeface="맑은 고딕" pitchFamily="50" charset="-127"/>
+              </a:rPr>
+              <a:t>, </a:t>
+            </a:r>
+            <a:r>
+              <a:rPr lang="ko-KR" altLang="en-US" sz="2000" dirty="0" smtClean="0">
+                <a:latin typeface="맑은 고딕" pitchFamily="50" charset="-127"/>
+                <a:ea typeface="맑은 고딕" pitchFamily="50" charset="-127"/>
+              </a:rPr>
+              <a:t>토론자</a:t>
+            </a:r>
+            <a:r>
+              <a:rPr lang="en-US" altLang="ko-KR" sz="2000" dirty="0" smtClean="0">
+                <a:latin typeface="맑은 고딕" pitchFamily="50" charset="-127"/>
+                <a:ea typeface="맑은 고딕" pitchFamily="50" charset="-127"/>
+              </a:rPr>
+              <a:t>, </a:t>
+            </a:r>
+            <a:r>
+              <a:rPr lang="ko-KR" altLang="en-US" sz="2000" dirty="0" smtClean="0">
+                <a:latin typeface="맑은 고딕" pitchFamily="50" charset="-127"/>
+                <a:ea typeface="맑은 고딕" pitchFamily="50" charset="-127"/>
+              </a:rPr>
+              <a:t>의견들을 관리하며 토론의 원활한 진행을 돕는다</a:t>
+            </a:r>
+            <a:r>
+              <a:rPr lang="en-US" altLang="ko-KR" sz="2000" dirty="0" smtClean="0">
+                <a:latin typeface="맑은 고딕" pitchFamily="50" charset="-127"/>
+                <a:ea typeface="맑은 고딕" pitchFamily="50" charset="-127"/>
+              </a:rPr>
+              <a:t>.</a:t>
+            </a:r>
           </a:p>
         </p:txBody>
       </p:sp>
@@ -7824,7 +7458,7 @@
                 <a:latin typeface="나눔고딕" pitchFamily="50" charset="-127"/>
                 <a:ea typeface="나눔고딕" pitchFamily="50" charset="-127"/>
               </a:rPr>
-              <a:t>토론</a:t>
+              <a:t>사회자</a:t>
             </a:r>
             <a:endParaRPr lang="ko-KR" altLang="en-US" sz="4000" b="1" spc="300" dirty="0">
               <a:solidFill>
@@ -7839,7 +7473,7 @@
     </p:spTree>
     <p:extLst>
       <p:ext uri="{BB962C8B-B14F-4D97-AF65-F5344CB8AC3E}">
-        <p14:creationId xmlns:p14="http://schemas.microsoft.com/office/powerpoint/2010/main" val="1125555501"/>
+        <p14:creationId xmlns:p14="http://schemas.microsoft.com/office/powerpoint/2010/main" val="2328770469"/>
       </p:ext>
     </p:extLst>
   </p:cSld>
@@ -8134,7 +7768,7 @@
         <p:spPr>
           <a:xfrm>
             <a:off x="467544" y="2420888"/>
-            <a:ext cx="8208912" cy="3785652"/>
+            <a:ext cx="8208912" cy="1015663"/>
           </a:xfrm>
           <a:prstGeom prst="rect">
             <a:avLst/>
@@ -8159,139 +7793,31 @@
                 <a:latin typeface="맑은 고딕" pitchFamily="50" charset="-127"/>
                 <a:ea typeface="맑은 고딕" pitchFamily="50" charset="-127"/>
               </a:rPr>
-              <a:t>토론을 열게 된 유저는 그 토론의 사회자가 되고 그 토론을 지속적으로 관리할 권한과 책임을 가지게 된다</a:t>
-            </a:r>
-            <a:r>
-              <a:rPr lang="en-US" altLang="ko-KR" sz="2000" dirty="0" smtClean="0">
+              <a:t>사회자는 찬반 입장의 의견을 적을 수 없으며 남긴 글은 중립 입장의 사회자</a:t>
+            </a:r>
+            <a:r>
+              <a:rPr lang="ko-KR" altLang="en-US" sz="2000" dirty="0" smtClean="0">
+                <a:solidFill>
+                  <a:srgbClr val="FF0000"/>
+                </a:solidFill>
                 <a:latin typeface="맑은 고딕" pitchFamily="50" charset="-127"/>
                 <a:ea typeface="맑은 고딕" pitchFamily="50" charset="-127"/>
               </a:rPr>
-              <a:t>.</a:t>
-            </a:r>
-          </a:p>
-          <a:p>
-            <a:pPr marL="285750" indent="-285750">
-              <a:lnSpc>
-                <a:spcPct val="150000"/>
-              </a:lnSpc>
-              <a:buFont typeface="Arial" pitchFamily="34" charset="0"/>
-              <a:buChar char="•"/>
-            </a:pPr>
-            <a:endParaRPr lang="en-US" altLang="ko-KR" sz="2000" dirty="0" smtClean="0">
-              <a:latin typeface="맑은 고딕" pitchFamily="50" charset="-127"/>
-              <a:ea typeface="맑은 고딕" pitchFamily="50" charset="-127"/>
-            </a:endParaRPr>
-          </a:p>
-          <a:p>
-            <a:pPr marL="285750" indent="-285750">
-              <a:lnSpc>
-                <a:spcPct val="150000"/>
-              </a:lnSpc>
-              <a:buFont typeface="Arial" pitchFamily="34" charset="0"/>
-              <a:buChar char="•"/>
-            </a:pPr>
+              <a:t> </a:t>
+            </a:r>
+            <a:r>
+              <a:rPr lang="ko-KR" altLang="en-US" sz="2000" dirty="0" err="1" smtClean="0">
+                <a:latin typeface="맑은 고딕" pitchFamily="50" charset="-127"/>
+                <a:ea typeface="맑은 고딕" pitchFamily="50" charset="-127"/>
+              </a:rPr>
+              <a:t>멘트로</a:t>
+            </a:r>
             <a:r>
               <a:rPr lang="ko-KR" altLang="en-US" sz="2000" dirty="0" smtClean="0">
                 <a:latin typeface="맑은 고딕" pitchFamily="50" charset="-127"/>
                 <a:ea typeface="맑은 고딕" pitchFamily="50" charset="-127"/>
               </a:rPr>
-              <a:t>토론을 열었을 시에는 사회자의 </a:t>
-            </a:r>
-            <a:r>
-              <a:rPr lang="ko-KR" altLang="en-US" sz="2000" dirty="0" err="1" smtClean="0">
-                <a:latin typeface="맑은 고딕" pitchFamily="50" charset="-127"/>
-                <a:ea typeface="맑은 고딕" pitchFamily="50" charset="-127"/>
-              </a:rPr>
-              <a:t>팔로워</a:t>
-            </a:r>
-            <a:r>
-              <a:rPr lang="ko-KR" altLang="en-US" sz="2000" dirty="0" smtClean="0">
-                <a:latin typeface="맑은 고딕" pitchFamily="50" charset="-127"/>
-                <a:ea typeface="맑은 고딕" pitchFamily="50" charset="-127"/>
-              </a:rPr>
-              <a:t> 들에게 사회자에 의해 토론이 열렸음을 알려 쉽게 토론에 참여할 수 있도록 도와주게 됩니다</a:t>
-            </a:r>
-            <a:r>
-              <a:rPr lang="en-US" altLang="ko-KR" sz="2000" dirty="0" smtClean="0">
-                <a:latin typeface="맑은 고딕" pitchFamily="50" charset="-127"/>
-                <a:ea typeface="맑은 고딕" pitchFamily="50" charset="-127"/>
-              </a:rPr>
-              <a:t>.</a:t>
-            </a:r>
-            <a:endParaRPr lang="en-US" altLang="ko-KR" sz="2000" dirty="0">
-              <a:latin typeface="맑은 고딕" pitchFamily="50" charset="-127"/>
-              <a:ea typeface="맑은 고딕" pitchFamily="50" charset="-127"/>
-            </a:endParaRPr>
-          </a:p>
-          <a:p>
-            <a:pPr marL="285750" indent="-285750">
-              <a:lnSpc>
-                <a:spcPct val="150000"/>
-              </a:lnSpc>
-              <a:buFont typeface="Arial" pitchFamily="34" charset="0"/>
-              <a:buChar char="•"/>
-            </a:pPr>
-            <a:endParaRPr lang="en-US" altLang="ko-KR" sz="2000" dirty="0">
-              <a:latin typeface="맑은 고딕" pitchFamily="50" charset="-127"/>
-              <a:ea typeface="맑은 고딕" pitchFamily="50" charset="-127"/>
-            </a:endParaRPr>
-          </a:p>
-          <a:p>
-            <a:pPr marL="285750" indent="-285750">
-              <a:lnSpc>
-                <a:spcPct val="150000"/>
-              </a:lnSpc>
-              <a:buFont typeface="Arial" pitchFamily="34" charset="0"/>
-              <a:buChar char="•"/>
-            </a:pPr>
-            <a:r>
-              <a:rPr lang="ko-KR" altLang="en-US" sz="2000" dirty="0" smtClean="0">
-                <a:latin typeface="맑은 고딕" pitchFamily="50" charset="-127"/>
-                <a:ea typeface="맑은 고딕" pitchFamily="50" charset="-127"/>
-              </a:rPr>
-              <a:t>사회자는 토론의 소주제</a:t>
-            </a:r>
-            <a:r>
-              <a:rPr lang="en-US" altLang="ko-KR" sz="2000" dirty="0" smtClean="0">
-                <a:latin typeface="맑은 고딕" pitchFamily="50" charset="-127"/>
-                <a:ea typeface="맑은 고딕" pitchFamily="50" charset="-127"/>
-              </a:rPr>
-              <a:t>, </a:t>
-            </a:r>
-            <a:r>
-              <a:rPr lang="ko-KR" altLang="en-US" sz="2000" dirty="0" smtClean="0">
-                <a:latin typeface="맑은 고딕" pitchFamily="50" charset="-127"/>
-                <a:ea typeface="맑은 고딕" pitchFamily="50" charset="-127"/>
-              </a:rPr>
-              <a:t>토론 시간</a:t>
-            </a:r>
-            <a:r>
-              <a:rPr lang="en-US" altLang="ko-KR" sz="2000" dirty="0" smtClean="0">
-                <a:latin typeface="맑은 고딕" pitchFamily="50" charset="-127"/>
-                <a:ea typeface="맑은 고딕" pitchFamily="50" charset="-127"/>
-              </a:rPr>
-              <a:t>, </a:t>
-            </a:r>
-            <a:r>
-              <a:rPr lang="ko-KR" altLang="en-US" sz="2000" dirty="0" smtClean="0">
-                <a:latin typeface="맑은 고딕" pitchFamily="50" charset="-127"/>
-                <a:ea typeface="맑은 고딕" pitchFamily="50" charset="-127"/>
-              </a:rPr>
-              <a:t>토론자</a:t>
-            </a:r>
-            <a:r>
-              <a:rPr lang="en-US" altLang="ko-KR" sz="2000" dirty="0" smtClean="0">
-                <a:latin typeface="맑은 고딕" pitchFamily="50" charset="-127"/>
-                <a:ea typeface="맑은 고딕" pitchFamily="50" charset="-127"/>
-              </a:rPr>
-              <a:t>, </a:t>
-            </a:r>
-            <a:r>
-              <a:rPr lang="ko-KR" altLang="en-US" sz="2000" dirty="0" smtClean="0">
-                <a:latin typeface="맑은 고딕" pitchFamily="50" charset="-127"/>
-                <a:ea typeface="맑은 고딕" pitchFamily="50" charset="-127"/>
-              </a:rPr>
-              <a:t>의견들을 관리하며 토론의 원활한 진행을 돕는다</a:t>
+              <a:t> 적히게 됩니다</a:t>
             </a:r>
             <a:r>
               <a:rPr lang="en-US" altLang="ko-KR" sz="2000" dirty="0" smtClean="0">
@@ -8466,7 +7992,7 @@
     </p:spTree>
     <p:extLst>
       <p:ext uri="{BB962C8B-B14F-4D97-AF65-F5344CB8AC3E}">
-        <p14:creationId xmlns:p14="http://schemas.microsoft.com/office/powerpoint/2010/main" val="2328770469"/>
+        <p14:creationId xmlns:p14="http://schemas.microsoft.com/office/powerpoint/2010/main" val="1860731286"/>
       </p:ext>
     </p:extLst>
   </p:cSld>
@@ -8761,7 +8287,7 @@
         <p:spPr>
           <a:xfrm>
             <a:off x="467544" y="2420888"/>
-            <a:ext cx="8208912" cy="1015663"/>
+            <a:ext cx="8208912" cy="3785652"/>
           </a:xfrm>
           <a:prstGeom prst="rect">
             <a:avLst/>
@@ -8786,21 +8312,111 @@
                 <a:latin typeface="맑은 고딕" pitchFamily="50" charset="-127"/>
                 <a:ea typeface="맑은 고딕" pitchFamily="50" charset="-127"/>
               </a:rPr>
-              <a:t>사회자는 찬반 입장의 의견을 적을 수 없으며 남긴 글은 중립 입장의 사회자 </a:t>
+              <a:t>토론자는 나쁜 토론자에 대하여 신고를 할 수 있으며 각 소주제 당 하나의 의견에 명예를 주어 토론자에게 명예를 줄 수 있습니다</a:t>
+            </a:r>
+            <a:endParaRPr lang="en-US" altLang="ko-KR" sz="2000" dirty="0" smtClean="0">
+              <a:latin typeface="맑은 고딕" pitchFamily="50" charset="-127"/>
+              <a:ea typeface="맑은 고딕" pitchFamily="50" charset="-127"/>
+            </a:endParaRPr>
+          </a:p>
+          <a:p>
+            <a:pPr marL="285750" indent="-285750">
+              <a:lnSpc>
+                <a:spcPct val="150000"/>
+              </a:lnSpc>
+              <a:buFont typeface="Arial" pitchFamily="34" charset="0"/>
+              <a:buChar char="•"/>
+            </a:pPr>
+            <a:endParaRPr lang="en-US" altLang="ko-KR" sz="2000" dirty="0" smtClean="0">
+              <a:latin typeface="맑은 고딕" pitchFamily="50" charset="-127"/>
+              <a:ea typeface="맑은 고딕" pitchFamily="50" charset="-127"/>
+            </a:endParaRPr>
+          </a:p>
+          <a:p>
+            <a:pPr marL="285750" indent="-285750">
+              <a:lnSpc>
+                <a:spcPct val="150000"/>
+              </a:lnSpc>
+              <a:buFont typeface="Arial" pitchFamily="34" charset="0"/>
+              <a:buChar char="•"/>
+            </a:pPr>
+            <a:r>
+              <a:rPr lang="ko-KR" altLang="en-US" sz="2000" dirty="0" smtClean="0">
+                <a:latin typeface="맑은 고딕" pitchFamily="50" charset="-127"/>
+                <a:ea typeface="맑은 고딕" pitchFamily="50" charset="-127"/>
+              </a:rPr>
+              <a:t>토론자는 타 토론자 또는 사회자를 </a:t>
             </a:r>
             <a:r>
               <a:rPr lang="ko-KR" altLang="en-US" sz="2000" dirty="0" err="1" smtClean="0">
                 <a:latin typeface="맑은 고딕" pitchFamily="50" charset="-127"/>
                 <a:ea typeface="맑은 고딕" pitchFamily="50" charset="-127"/>
               </a:rPr>
-              <a:t>멘트로</a:t>
+              <a:t>팔로우</a:t>
             </a:r>
             <a:r>
               <a:rPr lang="ko-KR" altLang="en-US" sz="2000" dirty="0" smtClean="0">
                 <a:latin typeface="맑은 고딕" pitchFamily="50" charset="-127"/>
                 <a:ea typeface="맑은 고딕" pitchFamily="50" charset="-127"/>
               </a:rPr>
-              <a:t> 적히게 됩니다</a:t>
+              <a:t> 할 수 있으며 이후 </a:t>
+            </a:r>
+            <a:r>
+              <a:rPr lang="ko-KR" altLang="en-US" sz="2000" dirty="0" smtClean="0">
+                <a:latin typeface="맑은 고딕" pitchFamily="50" charset="-127"/>
+                <a:ea typeface="맑은 고딕" pitchFamily="50" charset="-127"/>
+              </a:rPr>
+              <a:t>대상의 </a:t>
+            </a:r>
+            <a:r>
+              <a:rPr lang="ko-KR" altLang="en-US" sz="2000" dirty="0" smtClean="0">
+                <a:latin typeface="맑은 고딕" pitchFamily="50" charset="-127"/>
+                <a:ea typeface="맑은 고딕" pitchFamily="50" charset="-127"/>
+              </a:rPr>
+              <a:t>토론 </a:t>
+            </a:r>
+            <a:r>
+              <a:rPr lang="ko-KR" altLang="en-US" sz="2000" dirty="0" smtClean="0">
+                <a:latin typeface="맑은 고딕" pitchFamily="50" charset="-127"/>
+                <a:ea typeface="맑은 고딕" pitchFamily="50" charset="-127"/>
+              </a:rPr>
+              <a:t>개설 또는 참여 정보를 받을 수 있습니다</a:t>
+            </a:r>
+            <a:r>
+              <a:rPr lang="en-US" altLang="ko-KR" sz="2000" dirty="0" smtClean="0">
+                <a:latin typeface="맑은 고딕" pitchFamily="50" charset="-127"/>
+                <a:ea typeface="맑은 고딕" pitchFamily="50" charset="-127"/>
+              </a:rPr>
+              <a:t>.</a:t>
+            </a:r>
+          </a:p>
+          <a:p>
+            <a:pPr marL="285750" indent="-285750">
+              <a:lnSpc>
+                <a:spcPct val="150000"/>
+              </a:lnSpc>
+              <a:buFont typeface="Arial" pitchFamily="34" charset="0"/>
+              <a:buChar char="•"/>
+            </a:pPr>
+            <a:endParaRPr lang="en-US" altLang="ko-KR" sz="2000" dirty="0">
+              <a:latin typeface="맑은 고딕" pitchFamily="50" charset="-127"/>
+              <a:ea typeface="맑은 고딕" pitchFamily="50" charset="-127"/>
+            </a:endParaRPr>
+          </a:p>
+          <a:p>
+            <a:pPr marL="285750" indent="-285750">
+              <a:lnSpc>
+                <a:spcPct val="150000"/>
+              </a:lnSpc>
+              <a:buFont typeface="Arial" pitchFamily="34" charset="0"/>
+              <a:buChar char="•"/>
+            </a:pPr>
+            <a:r>
+              <a:rPr lang="ko-KR" altLang="en-US" sz="2000" dirty="0" smtClean="0">
+                <a:latin typeface="맑은 고딕" pitchFamily="50" charset="-127"/>
+                <a:ea typeface="맑은 고딕" pitchFamily="50" charset="-127"/>
+              </a:rPr>
+              <a:t>토론자는 찬반 한쪽에만 의견을 적을 수 있으며 한번 정해진 입장을 바꿀 수 없습니다</a:t>
             </a:r>
             <a:r>
               <a:rPr lang="en-US" altLang="ko-KR" sz="2000" dirty="0" smtClean="0">
@@ -8960,7 +8576,7 @@
                 <a:latin typeface="나눔고딕" pitchFamily="50" charset="-127"/>
                 <a:ea typeface="나눔고딕" pitchFamily="50" charset="-127"/>
               </a:rPr>
-              <a:t>사회자</a:t>
+              <a:t>토론자</a:t>
             </a:r>
             <a:endParaRPr lang="ko-KR" altLang="en-US" sz="4000" b="1" spc="300" dirty="0">
               <a:solidFill>
@@ -8975,7 +8591,7 @@
     </p:spTree>
     <p:extLst>
       <p:ext uri="{BB962C8B-B14F-4D97-AF65-F5344CB8AC3E}">
-        <p14:creationId xmlns:p14="http://schemas.microsoft.com/office/powerpoint/2010/main" val="1860731286"/>
+        <p14:creationId xmlns:p14="http://schemas.microsoft.com/office/powerpoint/2010/main" val="3197365313"/>
       </p:ext>
     </p:extLst>
   </p:cSld>
@@ -8994,7 +8610,7 @@
 </file>
 
 <file path=ppt/slides/slide13.xml><?xml version="1.0" encoding="utf-8"?>
-<p:sld xmlns:a="http://schemas.openxmlformats.org/drawingml/2006/main" xmlns:r="http://schemas.openxmlformats.org/officeDocument/2006/relationships" xmlns:p="http://schemas.openxmlformats.org/presentationml/2006/main">
+<p:sld xmlns:a="http://schemas.openxmlformats.org/drawingml/2006/main" xmlns:r="http://schemas.openxmlformats.org/officeDocument/2006/relationships" xmlns:p="http://schemas.openxmlformats.org/presentationml/2006/main" showMasterSp="0">
   <p:cSld>
     <p:spTree>
       <p:nvGrpSpPr>
@@ -9045,41 +8661,6 @@
           </a:fontRef>
         </p:style>
       </p:cxnSp>
-      <p:cxnSp>
-        <p:nvCxnSpPr>
-          <p:cNvPr id="19" name="직선 연결선 18"/>
-          <p:cNvCxnSpPr/>
-          <p:nvPr/>
-        </p:nvCxnSpPr>
-        <p:spPr>
-          <a:xfrm>
-            <a:off x="251520" y="2132856"/>
-            <a:ext cx="8640960" cy="0"/>
-          </a:xfrm>
-          <a:prstGeom prst="line">
-            <a:avLst/>
-          </a:prstGeom>
-          <a:ln w="3175">
-            <a:solidFill>
-              <a:srgbClr val="68727E"/>
-            </a:solidFill>
-          </a:ln>
-        </p:spPr>
-        <p:style>
-          <a:lnRef idx="1">
-            <a:schemeClr val="accent1"/>
-          </a:lnRef>
-          <a:fillRef idx="0">
-            <a:schemeClr val="accent1"/>
-          </a:fillRef>
-          <a:effectRef idx="0">
-            <a:schemeClr val="accent1"/>
-          </a:effectRef>
-          <a:fontRef idx="minor">
-            <a:schemeClr val="tx1"/>
-          </a:fontRef>
-        </p:style>
-      </p:cxnSp>
       <p:sp>
         <p:nvSpPr>
           <p:cNvPr id="12" name="TextBox 11"/>
@@ -9088,8 +8669,8 @@
         </p:nvSpPr>
         <p:spPr>
           <a:xfrm>
-            <a:off x="179512" y="461805"/>
-            <a:ext cx="2232248" cy="424732"/>
+            <a:off x="179512" y="461804"/>
+            <a:ext cx="6696744" cy="424732"/>
           </a:xfrm>
           <a:prstGeom prst="rect">
             <a:avLst/>
@@ -9108,29 +8689,35 @@
               </a:lnSpc>
             </a:pPr>
             <a:r>
-              <a:rPr lang="ko-KR" altLang="en-US" sz="2400" b="1" spc="300" dirty="0" smtClean="0">
-                <a:solidFill>
-                  <a:srgbClr val="00A204"/>
-                </a:solidFill>
+              <a:rPr lang="ko-KR" altLang="en-US" sz="2400" spc="-30" dirty="0" smtClean="0">
+                <a:gradFill>
+                  <a:gsLst>
+                    <a:gs pos="0">
+                      <a:srgbClr val="C00000"/>
+                    </a:gs>
+                    <a:gs pos="100000">
+                      <a:srgbClr val="C00000"/>
+                    </a:gs>
+                  </a:gsLst>
+                  <a:lin ang="5400000" scaled="0"/>
+                </a:gradFill>
                 <a:latin typeface="나눔고딕" pitchFamily="50" charset="-127"/>
                 <a:ea typeface="나눔고딕" pitchFamily="50" charset="-127"/>
               </a:rPr>
-              <a:t>어떻게</a:t>
-            </a:r>
-            <a:r>
-              <a:rPr lang="en-US" altLang="ko-KR" sz="2400" b="1" spc="300" dirty="0" smtClean="0">
-                <a:solidFill>
-                  <a:srgbClr val="00A204"/>
-                </a:solidFill>
-                <a:latin typeface="나눔고딕" pitchFamily="50" charset="-127"/>
-                <a:ea typeface="나눔고딕" pitchFamily="50" charset="-127"/>
-              </a:rPr>
-              <a:t>?</a:t>
-            </a:r>
-            <a:endParaRPr lang="ko-KR" altLang="en-US" sz="2400" b="1" spc="300" dirty="0">
-              <a:solidFill>
-                <a:srgbClr val="00A204"/>
-              </a:solidFill>
+              <a:t>메인 디자인</a:t>
+            </a:r>
+            <a:endParaRPr lang="ko-KR" altLang="en-US" sz="2400" spc="-30" dirty="0">
+              <a:gradFill>
+                <a:gsLst>
+                  <a:gs pos="0">
+                    <a:srgbClr val="C00000"/>
+                  </a:gs>
+                  <a:gs pos="100000">
+                    <a:srgbClr val="C00000"/>
+                  </a:gs>
+                </a:gsLst>
+                <a:lin ang="5400000" scaled="0"/>
+              </a:gradFill>
               <a:latin typeface="나눔고딕" pitchFamily="50" charset="-127"/>
               <a:ea typeface="나눔고딕" pitchFamily="50" charset="-127"/>
             </a:endParaRPr>
@@ -9139,7 +8726,7 @@
       </p:sp>
       <p:sp>
         <p:nvSpPr>
-          <p:cNvPr id="21" name="TextBox 20"/>
+          <p:cNvPr id="16" name="TextBox 15"/>
           <p:cNvSpPr txBox="1"/>
           <p:nvPr/>
         </p:nvSpPr>
@@ -9175,7 +8762,20 @@
                 <a:latin typeface="나눔고딕" pitchFamily="50" charset="-127"/>
                 <a:ea typeface="나눔고딕" pitchFamily="50" charset="-127"/>
               </a:rPr>
-              <a:t>Portfolio</a:t>
+              <a:t>Design Plan   |   </a:t>
+            </a:r>
+            <a:r>
+              <a:rPr lang="ko-KR" altLang="en-US" sz="700" b="1" dirty="0" smtClean="0">
+                <a:solidFill>
+                  <a:schemeClr val="tx1">
+                    <a:lumMod val="75000"/>
+                    <a:lumOff val="25000"/>
+                  </a:schemeClr>
+                </a:solidFill>
+                <a:latin typeface="나눔고딕" pitchFamily="50" charset="-127"/>
+                <a:ea typeface="나눔고딕" pitchFamily="50" charset="-127"/>
+              </a:rPr>
+              <a:t>구역</a:t>
             </a:r>
             <a:endParaRPr lang="ko-KR" altLang="en-US" sz="700" b="1" dirty="0">
               <a:solidFill>
@@ -9192,7 +8792,421 @@
       </p:sp>
       <p:sp>
         <p:nvSpPr>
-          <p:cNvPr id="46" name="TextBox 45"/>
+          <p:cNvPr id="26" name="TextBox 25"/>
+          <p:cNvSpPr txBox="1"/>
+          <p:nvPr/>
+        </p:nvSpPr>
+        <p:spPr>
+          <a:xfrm>
+            <a:off x="971600" y="6021288"/>
+            <a:ext cx="1512168" cy="387798"/>
+          </a:xfrm>
+          <a:prstGeom prst="rect">
+            <a:avLst/>
+          </a:prstGeom>
+          <a:noFill/>
+        </p:spPr>
+        <p:txBody>
+          <a:bodyPr wrap="square" rtlCol="0">
+            <a:spAutoFit/>
+          </a:bodyPr>
+          <a:lstStyle/>
+          <a:p>
+            <a:pPr algn="ctr">
+              <a:lnSpc>
+                <a:spcPct val="120000"/>
+              </a:lnSpc>
+            </a:pPr>
+            <a:r>
+              <a:rPr lang="en-US" altLang="ko-KR" sz="800" b="1" dirty="0" smtClean="0">
+                <a:gradFill>
+                  <a:gsLst>
+                    <a:gs pos="0">
+                      <a:schemeClr val="tx1">
+                        <a:lumMod val="75000"/>
+                        <a:lumOff val="25000"/>
+                      </a:schemeClr>
+                    </a:gs>
+                    <a:gs pos="100000">
+                      <a:schemeClr val="tx1">
+                        <a:lumMod val="75000"/>
+                        <a:lumOff val="25000"/>
+                      </a:schemeClr>
+                    </a:gs>
+                  </a:gsLst>
+                  <a:lin ang="5400000" scaled="0"/>
+                </a:gradFill>
+                <a:latin typeface="나눔고딕" pitchFamily="50" charset="-127"/>
+                <a:ea typeface="나눔고딕" pitchFamily="50" charset="-127"/>
+              </a:rPr>
+              <a:t>2 Seminar Room</a:t>
+            </a:r>
+          </a:p>
+          <a:p>
+            <a:pPr algn="ctr">
+              <a:lnSpc>
+                <a:spcPct val="120000"/>
+              </a:lnSpc>
+            </a:pPr>
+            <a:r>
+              <a:rPr lang="en-US" altLang="ko-KR" sz="800" b="1" dirty="0" smtClean="0">
+                <a:gradFill>
+                  <a:gsLst>
+                    <a:gs pos="0">
+                      <a:schemeClr val="tx1">
+                        <a:lumMod val="75000"/>
+                        <a:lumOff val="25000"/>
+                      </a:schemeClr>
+                    </a:gs>
+                    <a:gs pos="100000">
+                      <a:schemeClr val="tx1">
+                        <a:lumMod val="75000"/>
+                        <a:lumOff val="25000"/>
+                      </a:schemeClr>
+                    </a:gs>
+                  </a:gsLst>
+                  <a:lin ang="5400000" scaled="0"/>
+                </a:gradFill>
+                <a:latin typeface="나눔고딕" pitchFamily="50" charset="-127"/>
+                <a:ea typeface="나눔고딕" pitchFamily="50" charset="-127"/>
+              </a:rPr>
+              <a:t>60</a:t>
+            </a:r>
+            <a:r>
+              <a:rPr lang="ko-KR" altLang="en-US" sz="800" b="1" dirty="0" smtClean="0">
+                <a:gradFill>
+                  <a:gsLst>
+                    <a:gs pos="0">
+                      <a:schemeClr val="tx1">
+                        <a:lumMod val="75000"/>
+                        <a:lumOff val="25000"/>
+                      </a:schemeClr>
+                    </a:gs>
+                    <a:gs pos="100000">
+                      <a:schemeClr val="tx1">
+                        <a:lumMod val="75000"/>
+                        <a:lumOff val="25000"/>
+                      </a:schemeClr>
+                    </a:gs>
+                  </a:gsLst>
+                  <a:lin ang="5400000" scaled="0"/>
+                </a:gradFill>
+                <a:latin typeface="나눔고딕" pitchFamily="50" charset="-127"/>
+                <a:ea typeface="나눔고딕" pitchFamily="50" charset="-127"/>
+              </a:rPr>
+              <a:t>인 입실 </a:t>
+            </a:r>
+            <a:r>
+              <a:rPr lang="en-US" altLang="ko-KR" sz="800" b="1" dirty="0" smtClean="0">
+                <a:gradFill>
+                  <a:gsLst>
+                    <a:gs pos="0">
+                      <a:schemeClr val="tx1">
+                        <a:lumMod val="75000"/>
+                        <a:lumOff val="25000"/>
+                      </a:schemeClr>
+                    </a:gs>
+                    <a:gs pos="100000">
+                      <a:schemeClr val="tx1">
+                        <a:lumMod val="75000"/>
+                        <a:lumOff val="25000"/>
+                      </a:schemeClr>
+                    </a:gs>
+                  </a:gsLst>
+                  <a:lin ang="5400000" scaled="0"/>
+                </a:gradFill>
+                <a:latin typeface="나눔고딕" pitchFamily="50" charset="-127"/>
+                <a:ea typeface="나눔고딕" pitchFamily="50" charset="-127"/>
+              </a:rPr>
+              <a:t>x 2</a:t>
+            </a:r>
+            <a:endParaRPr lang="ko-KR" altLang="en-US" sz="800" b="1" dirty="0">
+              <a:gradFill>
+                <a:gsLst>
+                  <a:gs pos="0">
+                    <a:schemeClr val="tx1">
+                      <a:lumMod val="75000"/>
+                      <a:lumOff val="25000"/>
+                    </a:schemeClr>
+                  </a:gs>
+                  <a:gs pos="100000">
+                    <a:schemeClr val="tx1">
+                      <a:lumMod val="75000"/>
+                      <a:lumOff val="25000"/>
+                    </a:schemeClr>
+                  </a:gs>
+                </a:gsLst>
+                <a:lin ang="5400000" scaled="0"/>
+              </a:gradFill>
+              <a:latin typeface="나눔고딕" pitchFamily="50" charset="-127"/>
+              <a:ea typeface="나눔고딕" pitchFamily="50" charset="-127"/>
+            </a:endParaRPr>
+          </a:p>
+        </p:txBody>
+      </p:sp>
+      <p:sp>
+        <p:nvSpPr>
+          <p:cNvPr id="27" name="TextBox 26"/>
+          <p:cNvSpPr txBox="1"/>
+          <p:nvPr/>
+        </p:nvSpPr>
+        <p:spPr>
+          <a:xfrm>
+            <a:off x="3787536" y="6021288"/>
+            <a:ext cx="1512168" cy="387798"/>
+          </a:xfrm>
+          <a:prstGeom prst="rect">
+            <a:avLst/>
+          </a:prstGeom>
+          <a:noFill/>
+        </p:spPr>
+        <p:txBody>
+          <a:bodyPr wrap="square" rtlCol="0">
+            <a:spAutoFit/>
+          </a:bodyPr>
+          <a:lstStyle/>
+          <a:p>
+            <a:pPr algn="ctr">
+              <a:lnSpc>
+                <a:spcPct val="120000"/>
+              </a:lnSpc>
+            </a:pPr>
+            <a:r>
+              <a:rPr lang="en-US" altLang="ko-KR" sz="800" b="1" dirty="0" smtClean="0">
+                <a:gradFill>
+                  <a:gsLst>
+                    <a:gs pos="0">
+                      <a:schemeClr val="tx1">
+                        <a:lumMod val="75000"/>
+                        <a:lumOff val="25000"/>
+                      </a:schemeClr>
+                    </a:gs>
+                    <a:gs pos="100000">
+                      <a:schemeClr val="tx1">
+                        <a:lumMod val="75000"/>
+                        <a:lumOff val="25000"/>
+                      </a:schemeClr>
+                    </a:gs>
+                  </a:gsLst>
+                  <a:lin ang="5400000" scaled="0"/>
+                </a:gradFill>
+                <a:latin typeface="나눔고딕" pitchFamily="50" charset="-127"/>
+                <a:ea typeface="나눔고딕" pitchFamily="50" charset="-127"/>
+              </a:rPr>
+              <a:t>1 Seminar Room</a:t>
+            </a:r>
+          </a:p>
+          <a:p>
+            <a:pPr algn="ctr">
+              <a:lnSpc>
+                <a:spcPct val="120000"/>
+              </a:lnSpc>
+            </a:pPr>
+            <a:r>
+              <a:rPr lang="en-US" altLang="ko-KR" sz="800" b="1" dirty="0" smtClean="0">
+                <a:gradFill>
+                  <a:gsLst>
+                    <a:gs pos="0">
+                      <a:schemeClr val="tx1">
+                        <a:lumMod val="75000"/>
+                        <a:lumOff val="25000"/>
+                      </a:schemeClr>
+                    </a:gs>
+                    <a:gs pos="100000">
+                      <a:schemeClr val="tx1">
+                        <a:lumMod val="75000"/>
+                        <a:lumOff val="25000"/>
+                      </a:schemeClr>
+                    </a:gs>
+                  </a:gsLst>
+                  <a:lin ang="5400000" scaled="0"/>
+                </a:gradFill>
+                <a:latin typeface="나눔고딕" pitchFamily="50" charset="-127"/>
+                <a:ea typeface="나눔고딕" pitchFamily="50" charset="-127"/>
+              </a:rPr>
+              <a:t>120</a:t>
+            </a:r>
+            <a:r>
+              <a:rPr lang="ko-KR" altLang="en-US" sz="800" b="1" dirty="0" smtClean="0">
+                <a:gradFill>
+                  <a:gsLst>
+                    <a:gs pos="0">
+                      <a:schemeClr val="tx1">
+                        <a:lumMod val="75000"/>
+                        <a:lumOff val="25000"/>
+                      </a:schemeClr>
+                    </a:gs>
+                    <a:gs pos="100000">
+                      <a:schemeClr val="tx1">
+                        <a:lumMod val="75000"/>
+                        <a:lumOff val="25000"/>
+                      </a:schemeClr>
+                    </a:gs>
+                  </a:gsLst>
+                  <a:lin ang="5400000" scaled="0"/>
+                </a:gradFill>
+                <a:latin typeface="나눔고딕" pitchFamily="50" charset="-127"/>
+                <a:ea typeface="나눔고딕" pitchFamily="50" charset="-127"/>
+              </a:rPr>
+              <a:t>인 입실 </a:t>
+            </a:r>
+            <a:r>
+              <a:rPr lang="en-US" altLang="ko-KR" sz="800" b="1" dirty="0" smtClean="0">
+                <a:gradFill>
+                  <a:gsLst>
+                    <a:gs pos="0">
+                      <a:schemeClr val="tx1">
+                        <a:lumMod val="75000"/>
+                        <a:lumOff val="25000"/>
+                      </a:schemeClr>
+                    </a:gs>
+                    <a:gs pos="100000">
+                      <a:schemeClr val="tx1">
+                        <a:lumMod val="75000"/>
+                        <a:lumOff val="25000"/>
+                      </a:schemeClr>
+                    </a:gs>
+                  </a:gsLst>
+                  <a:lin ang="5400000" scaled="0"/>
+                </a:gradFill>
+                <a:latin typeface="나눔고딕" pitchFamily="50" charset="-127"/>
+                <a:ea typeface="나눔고딕" pitchFamily="50" charset="-127"/>
+              </a:rPr>
+              <a:t>x 1</a:t>
+            </a:r>
+            <a:endParaRPr lang="ko-KR" altLang="en-US" sz="800" b="1" dirty="0">
+              <a:gradFill>
+                <a:gsLst>
+                  <a:gs pos="0">
+                    <a:schemeClr val="tx1">
+                      <a:lumMod val="75000"/>
+                      <a:lumOff val="25000"/>
+                    </a:schemeClr>
+                  </a:gs>
+                  <a:gs pos="100000">
+                    <a:schemeClr val="tx1">
+                      <a:lumMod val="75000"/>
+                      <a:lumOff val="25000"/>
+                    </a:schemeClr>
+                  </a:gs>
+                </a:gsLst>
+                <a:lin ang="5400000" scaled="0"/>
+              </a:gradFill>
+              <a:latin typeface="나눔고딕" pitchFamily="50" charset="-127"/>
+              <a:ea typeface="나눔고딕" pitchFamily="50" charset="-127"/>
+            </a:endParaRPr>
+          </a:p>
+        </p:txBody>
+      </p:sp>
+      <p:sp>
+        <p:nvSpPr>
+          <p:cNvPr id="28" name="TextBox 27"/>
+          <p:cNvSpPr txBox="1"/>
+          <p:nvPr/>
+        </p:nvSpPr>
+        <p:spPr>
+          <a:xfrm>
+            <a:off x="6759336" y="6021288"/>
+            <a:ext cx="1512168" cy="387798"/>
+          </a:xfrm>
+          <a:prstGeom prst="rect">
+            <a:avLst/>
+          </a:prstGeom>
+          <a:noFill/>
+        </p:spPr>
+        <p:txBody>
+          <a:bodyPr wrap="square" rtlCol="0">
+            <a:spAutoFit/>
+          </a:bodyPr>
+          <a:lstStyle/>
+          <a:p>
+            <a:pPr algn="ctr">
+              <a:lnSpc>
+                <a:spcPct val="120000"/>
+              </a:lnSpc>
+            </a:pPr>
+            <a:r>
+              <a:rPr lang="en-US" altLang="ko-KR" sz="800" b="1" dirty="0" smtClean="0">
+                <a:gradFill>
+                  <a:gsLst>
+                    <a:gs pos="0">
+                      <a:schemeClr val="tx1">
+                        <a:lumMod val="75000"/>
+                        <a:lumOff val="25000"/>
+                      </a:schemeClr>
+                    </a:gs>
+                    <a:gs pos="100000">
+                      <a:schemeClr val="tx1">
+                        <a:lumMod val="75000"/>
+                        <a:lumOff val="25000"/>
+                      </a:schemeClr>
+                    </a:gs>
+                  </a:gsLst>
+                  <a:lin ang="5400000" scaled="0"/>
+                </a:gradFill>
+                <a:latin typeface="나눔고딕" pitchFamily="50" charset="-127"/>
+                <a:ea typeface="나눔고딕" pitchFamily="50" charset="-127"/>
+              </a:rPr>
+              <a:t>Open Dining</a:t>
+            </a:r>
+          </a:p>
+          <a:p>
+            <a:pPr algn="ctr">
+              <a:lnSpc>
+                <a:spcPct val="120000"/>
+              </a:lnSpc>
+            </a:pPr>
+            <a:r>
+              <a:rPr lang="ko-KR" altLang="en-US" sz="800" b="1" dirty="0" smtClean="0">
+                <a:gradFill>
+                  <a:gsLst>
+                    <a:gs pos="0">
+                      <a:schemeClr val="tx1">
+                        <a:lumMod val="75000"/>
+                        <a:lumOff val="25000"/>
+                      </a:schemeClr>
+                    </a:gs>
+                    <a:gs pos="100000">
+                      <a:schemeClr val="tx1">
+                        <a:lumMod val="75000"/>
+                        <a:lumOff val="25000"/>
+                      </a:schemeClr>
+                    </a:gs>
+                  </a:gsLst>
+                  <a:lin ang="5400000" scaled="0"/>
+                </a:gradFill>
+                <a:latin typeface="나눔고딕" pitchFamily="50" charset="-127"/>
+                <a:ea typeface="나눔고딕" pitchFamily="50" charset="-127"/>
+              </a:rPr>
+              <a:t>마주보고 앉는 형식</a:t>
+            </a:r>
+            <a:endParaRPr lang="ko-KR" altLang="en-US" sz="800" b="1" dirty="0">
+              <a:gradFill>
+                <a:gsLst>
+                  <a:gs pos="0">
+                    <a:schemeClr val="tx1">
+                      <a:lumMod val="75000"/>
+                      <a:lumOff val="25000"/>
+                    </a:schemeClr>
+                  </a:gs>
+                  <a:gs pos="100000">
+                    <a:schemeClr val="tx1">
+                      <a:lumMod val="75000"/>
+                      <a:lumOff val="25000"/>
+                    </a:schemeClr>
+                  </a:gs>
+                </a:gsLst>
+                <a:lin ang="5400000" scaled="0"/>
+              </a:gradFill>
+              <a:latin typeface="나눔고딕" pitchFamily="50" charset="-127"/>
+              <a:ea typeface="나눔고딕" pitchFamily="50" charset="-127"/>
+            </a:endParaRPr>
+          </a:p>
+        </p:txBody>
+      </p:sp>
+      <p:sp>
+        <p:nvSpPr>
+          <p:cNvPr id="11" name="TextBox 10"/>
           <p:cNvSpPr txBox="1"/>
           <p:nvPr/>
         </p:nvSpPr>
@@ -9261,301 +9275,7 @@
           </a:p>
         </p:txBody>
       </p:sp>
-      <p:sp>
-        <p:nvSpPr>
-          <p:cNvPr id="48" name="TextBox 47"/>
-          <p:cNvSpPr txBox="1"/>
-          <p:nvPr/>
-        </p:nvSpPr>
-        <p:spPr>
-          <a:xfrm>
-            <a:off x="467544" y="2420888"/>
-            <a:ext cx="8208912" cy="3785652"/>
-          </a:xfrm>
-          <a:prstGeom prst="rect">
-            <a:avLst/>
-          </a:prstGeom>
-          <a:noFill/>
-        </p:spPr>
-        <p:txBody>
-          <a:bodyPr wrap="square" rtlCol="0">
-            <a:spAutoFit/>
-          </a:bodyPr>
-          <a:lstStyle/>
-          <a:p>
-            <a:pPr marL="285750" indent="-285750">
-              <a:lnSpc>
-                <a:spcPct val="150000"/>
-              </a:lnSpc>
-              <a:buFont typeface="Arial" pitchFamily="34" charset="0"/>
-              <a:buChar char="•"/>
-            </a:pPr>
-            <a:r>
-              <a:rPr lang="ko-KR" altLang="en-US" sz="2000" dirty="0" smtClean="0">
-                <a:latin typeface="맑은 고딕" pitchFamily="50" charset="-127"/>
-                <a:ea typeface="맑은 고딕" pitchFamily="50" charset="-127"/>
-              </a:rPr>
-              <a:t>토론자는 나쁜 토론자에 대하여 신고를 할 수 있으며 각 소주제 당 하나의 의견에 명예를 주어 토론자에게 명예를 줄 수 있습니다</a:t>
-            </a:r>
-            <a:endParaRPr lang="en-US" altLang="ko-KR" sz="2000" dirty="0" smtClean="0">
-              <a:latin typeface="맑은 고딕" pitchFamily="50" charset="-127"/>
-              <a:ea typeface="맑은 고딕" pitchFamily="50" charset="-127"/>
-            </a:endParaRPr>
-          </a:p>
-          <a:p>
-            <a:pPr marL="285750" indent="-285750">
-              <a:lnSpc>
-                <a:spcPct val="150000"/>
-              </a:lnSpc>
-              <a:buFont typeface="Arial" pitchFamily="34" charset="0"/>
-              <a:buChar char="•"/>
-            </a:pPr>
-            <a:endParaRPr lang="en-US" altLang="ko-KR" sz="2000" dirty="0" smtClean="0">
-              <a:latin typeface="맑은 고딕" pitchFamily="50" charset="-127"/>
-              <a:ea typeface="맑은 고딕" pitchFamily="50" charset="-127"/>
-            </a:endParaRPr>
-          </a:p>
-          <a:p>
-            <a:pPr marL="285750" indent="-285750">
-              <a:lnSpc>
-                <a:spcPct val="150000"/>
-              </a:lnSpc>
-              <a:buFont typeface="Arial" pitchFamily="34" charset="0"/>
-              <a:buChar char="•"/>
-            </a:pPr>
-            <a:r>
-              <a:rPr lang="ko-KR" altLang="en-US" sz="2000" dirty="0" smtClean="0">
-                <a:latin typeface="맑은 고딕" pitchFamily="50" charset="-127"/>
-                <a:ea typeface="맑은 고딕" pitchFamily="50" charset="-127"/>
-              </a:rPr>
-              <a:t>토론자는 타 토론자 또는 사회자를 </a:t>
-            </a:r>
-            <a:r>
-              <a:rPr lang="ko-KR" altLang="en-US" sz="2000" dirty="0" err="1" smtClean="0">
-                <a:latin typeface="맑은 고딕" pitchFamily="50" charset="-127"/>
-                <a:ea typeface="맑은 고딕" pitchFamily="50" charset="-127"/>
-              </a:rPr>
-              <a:t>팔로우</a:t>
-            </a:r>
-            <a:r>
-              <a:rPr lang="ko-KR" altLang="en-US" sz="2000" dirty="0" smtClean="0">
-                <a:latin typeface="맑은 고딕" pitchFamily="50" charset="-127"/>
-                <a:ea typeface="맑은 고딕" pitchFamily="50" charset="-127"/>
-              </a:rPr>
-              <a:t> 할 수 있으며 이후 토론토론의 개설 또는 참여 정보를 받을 수 있습니다</a:t>
-            </a:r>
-            <a:r>
-              <a:rPr lang="en-US" altLang="ko-KR" sz="2000" dirty="0" smtClean="0">
-                <a:latin typeface="맑은 고딕" pitchFamily="50" charset="-127"/>
-                <a:ea typeface="맑은 고딕" pitchFamily="50" charset="-127"/>
-              </a:rPr>
-              <a:t>.</a:t>
-            </a:r>
-          </a:p>
-          <a:p>
-            <a:pPr marL="285750" indent="-285750">
-              <a:lnSpc>
-                <a:spcPct val="150000"/>
-              </a:lnSpc>
-              <a:buFont typeface="Arial" pitchFamily="34" charset="0"/>
-              <a:buChar char="•"/>
-            </a:pPr>
-            <a:endParaRPr lang="en-US" altLang="ko-KR" sz="2000" dirty="0">
-              <a:latin typeface="맑은 고딕" pitchFamily="50" charset="-127"/>
-              <a:ea typeface="맑은 고딕" pitchFamily="50" charset="-127"/>
-            </a:endParaRPr>
-          </a:p>
-          <a:p>
-            <a:pPr marL="285750" indent="-285750">
-              <a:lnSpc>
-                <a:spcPct val="150000"/>
-              </a:lnSpc>
-              <a:buFont typeface="Arial" pitchFamily="34" charset="0"/>
-              <a:buChar char="•"/>
-            </a:pPr>
-            <a:r>
-              <a:rPr lang="ko-KR" altLang="en-US" sz="2000" dirty="0" smtClean="0">
-                <a:latin typeface="맑은 고딕" pitchFamily="50" charset="-127"/>
-                <a:ea typeface="맑은 고딕" pitchFamily="50" charset="-127"/>
-              </a:rPr>
-              <a:t>토론자는 찬반 한쪽에만 의견을 적을 수 있으며 한번 정해진 입장을 바꿀 수 없습니다</a:t>
-            </a:r>
-            <a:r>
-              <a:rPr lang="en-US" altLang="ko-KR" sz="2000" dirty="0" smtClean="0">
-                <a:latin typeface="맑은 고딕" pitchFamily="50" charset="-127"/>
-                <a:ea typeface="맑은 고딕" pitchFamily="50" charset="-127"/>
-              </a:rPr>
-              <a:t>.</a:t>
-            </a:r>
-          </a:p>
-        </p:txBody>
-      </p:sp>
-      <p:grpSp>
-        <p:nvGrpSpPr>
-          <p:cNvPr id="49" name="그룹 48"/>
-          <p:cNvGrpSpPr/>
-          <p:nvPr/>
-        </p:nvGrpSpPr>
-        <p:grpSpPr>
-          <a:xfrm>
-            <a:off x="7956376" y="242064"/>
-            <a:ext cx="1080120" cy="450632"/>
-            <a:chOff x="3563888" y="683404"/>
-            <a:chExt cx="1080120" cy="450632"/>
-          </a:xfrm>
-        </p:grpSpPr>
-        <p:sp>
-          <p:nvSpPr>
-            <p:cNvPr id="50" name="TextBox 49"/>
-            <p:cNvSpPr txBox="1"/>
-            <p:nvPr/>
-          </p:nvSpPr>
-          <p:spPr>
-            <a:xfrm>
-              <a:off x="3563888" y="764704"/>
-              <a:ext cx="906034" cy="369332"/>
-            </a:xfrm>
-            <a:prstGeom prst="rect">
-              <a:avLst/>
-            </a:prstGeom>
-            <a:noFill/>
-          </p:spPr>
-          <p:txBody>
-            <a:bodyPr wrap="square" rtlCol="0">
-              <a:spAutoFit/>
-            </a:bodyPr>
-            <a:lstStyle/>
-            <a:p>
-              <a:r>
-                <a:rPr lang="en-US" altLang="ko-KR" b="1" spc="-300" dirty="0" err="1" smtClean="0">
-                  <a:solidFill>
-                    <a:srgbClr val="00A204"/>
-                  </a:solidFill>
-                  <a:latin typeface="Segoe UI" pitchFamily="34" charset="0"/>
-                  <a:ea typeface="Segoe UI" pitchFamily="34" charset="0"/>
-                  <a:cs typeface="Segoe UI" pitchFamily="34" charset="0"/>
-                </a:rPr>
-                <a:t>Akropolis</a:t>
-              </a:r>
-              <a:r>
-                <a:rPr lang="en-US" altLang="ko-KR" b="1" spc="-300" dirty="0" smtClean="0">
-                  <a:solidFill>
-                    <a:srgbClr val="00A204"/>
-                  </a:solidFill>
-                  <a:latin typeface="Segoe UI" pitchFamily="34" charset="0"/>
-                  <a:ea typeface="Segoe UI" pitchFamily="34" charset="0"/>
-                  <a:cs typeface="Segoe UI" pitchFamily="34" charset="0"/>
-                </a:rPr>
-                <a:t>  </a:t>
-              </a:r>
-              <a:endParaRPr lang="ko-KR" altLang="en-US" b="1" spc="-300" dirty="0">
-                <a:solidFill>
-                  <a:srgbClr val="00A204"/>
-                </a:solidFill>
-                <a:latin typeface="Segoe UI" pitchFamily="34" charset="0"/>
-                <a:ea typeface="HY목각파임B" pitchFamily="18" charset="-127"/>
-                <a:cs typeface="Segoe UI" pitchFamily="34" charset="0"/>
-              </a:endParaRPr>
-            </a:p>
-          </p:txBody>
-        </p:sp>
-        <p:sp>
-          <p:nvSpPr>
-            <p:cNvPr id="51" name="TextBox 50"/>
-            <p:cNvSpPr txBox="1"/>
-            <p:nvPr/>
-          </p:nvSpPr>
-          <p:spPr>
-            <a:xfrm>
-              <a:off x="4295836" y="683404"/>
-              <a:ext cx="348172" cy="369332"/>
-            </a:xfrm>
-            <a:prstGeom prst="rect">
-              <a:avLst/>
-            </a:prstGeom>
-            <a:noFill/>
-          </p:spPr>
-          <p:txBody>
-            <a:bodyPr wrap="none" rtlCol="0">
-              <a:spAutoFit/>
-            </a:bodyPr>
-            <a:lstStyle/>
-            <a:p>
-              <a:r>
-                <a:rPr lang="en-US" altLang="ko-KR" b="1" dirty="0" smtClean="0">
-                  <a:solidFill>
-                    <a:srgbClr val="00A204"/>
-                  </a:solidFill>
-                  <a:latin typeface="Segoe UI" pitchFamily="34" charset="0"/>
-                  <a:ea typeface="Segoe UI" pitchFamily="34" charset="0"/>
-                  <a:cs typeface="Segoe UI" pitchFamily="34" charset="0"/>
-                </a:rPr>
-                <a:t>+</a:t>
-              </a:r>
-              <a:endParaRPr lang="ko-KR" altLang="en-US" b="1" dirty="0">
-                <a:solidFill>
-                  <a:srgbClr val="00A204"/>
-                </a:solidFill>
-                <a:latin typeface="Segoe UI" pitchFamily="34" charset="0"/>
-                <a:cs typeface="Segoe UI" pitchFamily="34" charset="0"/>
-              </a:endParaRPr>
-            </a:p>
-          </p:txBody>
-        </p:sp>
-      </p:grpSp>
-      <p:sp>
-        <p:nvSpPr>
-          <p:cNvPr id="11" name="TextBox 10"/>
-          <p:cNvSpPr txBox="1"/>
-          <p:nvPr/>
-        </p:nvSpPr>
-        <p:spPr>
-          <a:xfrm>
-            <a:off x="3653898" y="1073135"/>
-            <a:ext cx="1836204" cy="646331"/>
-          </a:xfrm>
-          <a:prstGeom prst="rect">
-            <a:avLst/>
-          </a:prstGeom>
-          <a:noFill/>
-        </p:spPr>
-        <p:txBody>
-          <a:bodyPr wrap="square" rtlCol="0">
-            <a:spAutoFit/>
-          </a:bodyPr>
-          <a:lstStyle/>
-          <a:p>
-            <a:pPr algn="ctr">
-              <a:lnSpc>
-                <a:spcPct val="90000"/>
-              </a:lnSpc>
-            </a:pPr>
-            <a:r>
-              <a:rPr lang="ko-KR" altLang="en-US" sz="4000" b="1" spc="300" dirty="0" smtClean="0">
-                <a:solidFill>
-                  <a:srgbClr val="00A204"/>
-                </a:solidFill>
-                <a:latin typeface="나눔고딕" pitchFamily="50" charset="-127"/>
-                <a:ea typeface="나눔고딕" pitchFamily="50" charset="-127"/>
-              </a:rPr>
-              <a:t>토론자</a:t>
-            </a:r>
-            <a:endParaRPr lang="ko-KR" altLang="en-US" sz="4000" b="1" spc="300" dirty="0">
-              <a:solidFill>
-                <a:srgbClr val="00A204"/>
-              </a:solidFill>
-              <a:latin typeface="나눔고딕" pitchFamily="50" charset="-127"/>
-              <a:ea typeface="나눔고딕" pitchFamily="50" charset="-127"/>
-            </a:endParaRPr>
-          </a:p>
-        </p:txBody>
-      </p:sp>
     </p:spTree>
-    <p:extLst>
-      <p:ext uri="{BB962C8B-B14F-4D97-AF65-F5344CB8AC3E}">
-        <p14:creationId xmlns:p14="http://schemas.microsoft.com/office/powerpoint/2010/main" val="3197365313"/>
-      </p:ext>
-    </p:extLst>
   </p:cSld>
   <p:clrMapOvr>
     <a:masterClrMapping/>
@@ -9623,41 +9343,6 @@
           </a:fontRef>
         </p:style>
       </p:cxnSp>
-      <p:cxnSp>
-        <p:nvCxnSpPr>
-          <p:cNvPr id="19" name="직선 연결선 18"/>
-          <p:cNvCxnSpPr/>
-          <p:nvPr/>
-        </p:nvCxnSpPr>
-        <p:spPr>
-          <a:xfrm>
-            <a:off x="251520" y="2060848"/>
-            <a:ext cx="8640960" cy="0"/>
-          </a:xfrm>
-          <a:prstGeom prst="line">
-            <a:avLst/>
-          </a:prstGeom>
-          <a:ln w="3175">
-            <a:solidFill>
-              <a:srgbClr val="68727E"/>
-            </a:solidFill>
-          </a:ln>
-        </p:spPr>
-        <p:style>
-          <a:lnRef idx="1">
-            <a:schemeClr val="accent1"/>
-          </a:lnRef>
-          <a:fillRef idx="0">
-            <a:schemeClr val="accent1"/>
-          </a:fillRef>
-          <a:effectRef idx="0">
-            <a:schemeClr val="accent1"/>
-          </a:effectRef>
-          <a:fontRef idx="minor">
-            <a:schemeClr val="tx1"/>
-          </a:fontRef>
-        </p:style>
-      </p:cxnSp>
       <p:sp>
         <p:nvSpPr>
           <p:cNvPr id="12" name="TextBox 11"/>
@@ -9686,7 +9371,7 @@
               </a:lnSpc>
             </a:pPr>
             <a:r>
-              <a:rPr lang="en-US" altLang="ko-KR" sz="2000" spc="300" dirty="0" smtClean="0">
+              <a:rPr lang="ko-KR" altLang="en-US" sz="2000" spc="300" dirty="0" smtClean="0">
                 <a:gradFill>
                   <a:gsLst>
                     <a:gs pos="0">
@@ -9701,7 +9386,7 @@
                 <a:latin typeface="나눔고딕" pitchFamily="50" charset="-127"/>
                 <a:ea typeface="나눔고딕" pitchFamily="50" charset="-127"/>
               </a:rPr>
-              <a:t>TITLE</a:t>
+              <a:t>일정</a:t>
             </a:r>
             <a:endParaRPr lang="ko-KR" altLang="en-US" sz="2000" spc="300" dirty="0">
               <a:gradFill>
@@ -9715,1167 +9400,6 @@
                 </a:gsLst>
                 <a:lin ang="5400000" scaled="0"/>
               </a:gradFill>
-              <a:latin typeface="나눔고딕" pitchFamily="50" charset="-127"/>
-              <a:ea typeface="나눔고딕" pitchFamily="50" charset="-127"/>
-            </a:endParaRPr>
-          </a:p>
-        </p:txBody>
-      </p:sp>
-      <p:sp>
-        <p:nvSpPr>
-          <p:cNvPr id="13" name="TextBox 12"/>
-          <p:cNvSpPr txBox="1"/>
-          <p:nvPr/>
-        </p:nvSpPr>
-        <p:spPr>
-          <a:xfrm>
-            <a:off x="179512" y="2104458"/>
-            <a:ext cx="8712968" cy="757130"/>
-          </a:xfrm>
-          <a:prstGeom prst="rect">
-            <a:avLst/>
-          </a:prstGeom>
-          <a:noFill/>
-        </p:spPr>
-        <p:txBody>
-          <a:bodyPr wrap="square" rtlCol="0">
-            <a:spAutoFit/>
-          </a:bodyPr>
-          <a:lstStyle/>
-          <a:p>
-            <a:pPr>
-              <a:lnSpc>
-                <a:spcPct val="120000"/>
-              </a:lnSpc>
-            </a:pPr>
-            <a:r>
-              <a:rPr lang="ko-KR" altLang="en-US" sz="1200" spc="-20" dirty="0" smtClean="0">
-                <a:gradFill>
-                  <a:gsLst>
-                    <a:gs pos="0">
-                      <a:schemeClr val="tx1">
-                        <a:lumMod val="75000"/>
-                        <a:lumOff val="25000"/>
-                      </a:schemeClr>
-                    </a:gs>
-                    <a:gs pos="100000">
-                      <a:schemeClr val="tx1">
-                        <a:lumMod val="75000"/>
-                        <a:lumOff val="25000"/>
-                      </a:schemeClr>
-                    </a:gs>
-                  </a:gsLst>
-                  <a:lin ang="5400000" scaled="0"/>
-                </a:gradFill>
-                <a:latin typeface="나눔고딕" pitchFamily="50" charset="-127"/>
-                <a:ea typeface="나눔고딕" pitchFamily="50" charset="-127"/>
-              </a:rPr>
-              <a:t>내용을 작성하세요</a:t>
-            </a:r>
-            <a:r>
-              <a:rPr lang="en-US" altLang="ko-KR" sz="1200" spc="-20" dirty="0" smtClean="0">
-                <a:gradFill>
-                  <a:gsLst>
-                    <a:gs pos="0">
-                      <a:schemeClr val="tx1">
-                        <a:lumMod val="75000"/>
-                        <a:lumOff val="25000"/>
-                      </a:schemeClr>
-                    </a:gs>
-                    <a:gs pos="100000">
-                      <a:schemeClr val="tx1">
-                        <a:lumMod val="75000"/>
-                        <a:lumOff val="25000"/>
-                      </a:schemeClr>
-                    </a:gs>
-                  </a:gsLst>
-                  <a:lin ang="5400000" scaled="0"/>
-                </a:gradFill>
-                <a:latin typeface="나눔고딕" pitchFamily="50" charset="-127"/>
-                <a:ea typeface="나눔고딕" pitchFamily="50" charset="-127"/>
-              </a:rPr>
-              <a:t>.</a:t>
-            </a:r>
-          </a:p>
-          <a:p>
-            <a:pPr>
-              <a:lnSpc>
-                <a:spcPct val="120000"/>
-              </a:lnSpc>
-            </a:pPr>
-            <a:r>
-              <a:rPr lang="ko-KR" altLang="en-US" sz="1200" spc="-20" dirty="0" smtClean="0">
-                <a:gradFill>
-                  <a:gsLst>
-                    <a:gs pos="0">
-                      <a:schemeClr val="tx1">
-                        <a:lumMod val="75000"/>
-                        <a:lumOff val="25000"/>
-                      </a:schemeClr>
-                    </a:gs>
-                    <a:gs pos="100000">
-                      <a:schemeClr val="tx1">
-                        <a:lumMod val="75000"/>
-                        <a:lumOff val="25000"/>
-                      </a:schemeClr>
-                    </a:gs>
-                  </a:gsLst>
-                  <a:lin ang="5400000" scaled="0"/>
-                </a:gradFill>
-                <a:latin typeface="나눔고딕" pitchFamily="50" charset="-127"/>
-                <a:ea typeface="나눔고딕" pitchFamily="50" charset="-127"/>
-              </a:rPr>
-              <a:t>본문은 </a:t>
-            </a:r>
-            <a:r>
-              <a:rPr lang="ko-KR" altLang="en-US" sz="1200" spc="-20" dirty="0" err="1" smtClean="0">
-                <a:gradFill>
-                  <a:gsLst>
-                    <a:gs pos="0">
-                      <a:schemeClr val="tx1">
-                        <a:lumMod val="75000"/>
-                        <a:lumOff val="25000"/>
-                      </a:schemeClr>
-                    </a:gs>
-                    <a:gs pos="100000">
-                      <a:schemeClr val="tx1">
-                        <a:lumMod val="75000"/>
-                        <a:lumOff val="25000"/>
-                      </a:schemeClr>
-                    </a:gs>
-                  </a:gsLst>
-                  <a:lin ang="5400000" scaled="0"/>
-                </a:gradFill>
-                <a:latin typeface="나눔고딕" pitchFamily="50" charset="-127"/>
-                <a:ea typeface="나눔고딕" pitchFamily="50" charset="-127"/>
-              </a:rPr>
-              <a:t>나눔고딕</a:t>
-            </a:r>
-            <a:r>
-              <a:rPr lang="ko-KR" altLang="en-US" sz="1200" spc="-20" dirty="0" smtClean="0">
-                <a:gradFill>
-                  <a:gsLst>
-                    <a:gs pos="0">
-                      <a:schemeClr val="tx1">
-                        <a:lumMod val="75000"/>
-                        <a:lumOff val="25000"/>
-                      </a:schemeClr>
-                    </a:gs>
-                    <a:gs pos="100000">
-                      <a:schemeClr val="tx1">
-                        <a:lumMod val="75000"/>
-                        <a:lumOff val="25000"/>
-                      </a:schemeClr>
-                    </a:gs>
-                  </a:gsLst>
-                  <a:lin ang="5400000" scaled="0"/>
-                </a:gradFill>
-                <a:latin typeface="나눔고딕" pitchFamily="50" charset="-127"/>
-                <a:ea typeface="나눔고딕" pitchFamily="50" charset="-127"/>
-              </a:rPr>
-              <a:t> </a:t>
-            </a:r>
-            <a:r>
-              <a:rPr lang="en-US" altLang="ko-KR" sz="1200" spc="-20" dirty="0" smtClean="0">
-                <a:gradFill>
-                  <a:gsLst>
-                    <a:gs pos="0">
-                      <a:schemeClr val="tx1">
-                        <a:lumMod val="75000"/>
-                        <a:lumOff val="25000"/>
-                      </a:schemeClr>
-                    </a:gs>
-                    <a:gs pos="100000">
-                      <a:schemeClr val="tx1">
-                        <a:lumMod val="75000"/>
-                        <a:lumOff val="25000"/>
-                      </a:schemeClr>
-                    </a:gs>
-                  </a:gsLst>
-                  <a:lin ang="5400000" scaled="0"/>
-                </a:gradFill>
-                <a:latin typeface="나눔고딕" pitchFamily="50" charset="-127"/>
-                <a:ea typeface="나눔고딕" pitchFamily="50" charset="-127"/>
-              </a:rPr>
-              <a:t>R, 12pt / </a:t>
-            </a:r>
-            <a:r>
-              <a:rPr lang="ko-KR" altLang="en-US" sz="1200" spc="-20" dirty="0" smtClean="0">
-                <a:gradFill>
-                  <a:gsLst>
-                    <a:gs pos="0">
-                      <a:schemeClr val="tx1">
-                        <a:lumMod val="75000"/>
-                        <a:lumOff val="25000"/>
-                      </a:schemeClr>
-                    </a:gs>
-                    <a:gs pos="100000">
-                      <a:schemeClr val="tx1">
-                        <a:lumMod val="75000"/>
-                        <a:lumOff val="25000"/>
-                      </a:schemeClr>
-                    </a:gs>
-                  </a:gsLst>
-                  <a:lin ang="5400000" scaled="0"/>
-                </a:gradFill>
-                <a:latin typeface="나눔고딕" pitchFamily="50" charset="-127"/>
-                <a:ea typeface="나눔고딕" pitchFamily="50" charset="-127"/>
-              </a:rPr>
-              <a:t>글자 간격은 좁게 </a:t>
-            </a:r>
-            <a:r>
-              <a:rPr lang="en-US" altLang="ko-KR" sz="1200" spc="-20" dirty="0" smtClean="0">
-                <a:gradFill>
-                  <a:gsLst>
-                    <a:gs pos="0">
-                      <a:schemeClr val="tx1">
-                        <a:lumMod val="75000"/>
-                        <a:lumOff val="25000"/>
-                      </a:schemeClr>
-                    </a:gs>
-                    <a:gs pos="100000">
-                      <a:schemeClr val="tx1">
-                        <a:lumMod val="75000"/>
-                        <a:lumOff val="25000"/>
-                      </a:schemeClr>
-                    </a:gs>
-                  </a:gsLst>
-                  <a:lin ang="5400000" scaled="0"/>
-                </a:gradFill>
-                <a:latin typeface="나눔고딕" pitchFamily="50" charset="-127"/>
-                <a:ea typeface="나눔고딕" pitchFamily="50" charset="-127"/>
-              </a:rPr>
-              <a:t>0.2pt / </a:t>
-            </a:r>
-            <a:r>
-              <a:rPr lang="ko-KR" altLang="en-US" sz="1200" spc="-20" dirty="0" smtClean="0">
-                <a:gradFill>
-                  <a:gsLst>
-                    <a:gs pos="0">
-                      <a:schemeClr val="tx1">
-                        <a:lumMod val="75000"/>
-                        <a:lumOff val="25000"/>
-                      </a:schemeClr>
-                    </a:gs>
-                    <a:gs pos="100000">
-                      <a:schemeClr val="tx1">
-                        <a:lumMod val="75000"/>
-                        <a:lumOff val="25000"/>
-                      </a:schemeClr>
-                    </a:gs>
-                  </a:gsLst>
-                  <a:lin ang="5400000" scaled="0"/>
-                </a:gradFill>
-                <a:latin typeface="나눔고딕" pitchFamily="50" charset="-127"/>
-                <a:ea typeface="나눔고딕" pitchFamily="50" charset="-127"/>
-              </a:rPr>
-              <a:t>줄 간격은 </a:t>
-            </a:r>
-            <a:r>
-              <a:rPr lang="en-US" altLang="ko-KR" sz="1200" spc="-20" dirty="0" smtClean="0">
-                <a:gradFill>
-                  <a:gsLst>
-                    <a:gs pos="0">
-                      <a:schemeClr val="tx1">
-                        <a:lumMod val="75000"/>
-                        <a:lumOff val="25000"/>
-                      </a:schemeClr>
-                    </a:gs>
-                    <a:gs pos="100000">
-                      <a:schemeClr val="tx1">
-                        <a:lumMod val="75000"/>
-                        <a:lumOff val="25000"/>
-                      </a:schemeClr>
-                    </a:gs>
-                  </a:gsLst>
-                  <a:lin ang="5400000" scaled="0"/>
-                </a:gradFill>
-                <a:latin typeface="나눔고딕" pitchFamily="50" charset="-127"/>
-                <a:ea typeface="나눔고딕" pitchFamily="50" charset="-127"/>
-              </a:rPr>
-              <a:t>1.2</a:t>
-            </a:r>
-            <a:r>
-              <a:rPr lang="ko-KR" altLang="en-US" sz="1200" spc="-20" dirty="0" smtClean="0">
-                <a:gradFill>
-                  <a:gsLst>
-                    <a:gs pos="0">
-                      <a:schemeClr val="tx1">
-                        <a:lumMod val="75000"/>
-                        <a:lumOff val="25000"/>
-                      </a:schemeClr>
-                    </a:gs>
-                    <a:gs pos="100000">
-                      <a:schemeClr val="tx1">
-                        <a:lumMod val="75000"/>
-                        <a:lumOff val="25000"/>
-                      </a:schemeClr>
-                    </a:gs>
-                  </a:gsLst>
-                  <a:lin ang="5400000" scaled="0"/>
-                </a:gradFill>
-                <a:latin typeface="나눔고딕" pitchFamily="50" charset="-127"/>
-                <a:ea typeface="나눔고딕" pitchFamily="50" charset="-127"/>
-              </a:rPr>
-              <a:t>배를 권장합니다</a:t>
-            </a:r>
-            <a:r>
-              <a:rPr lang="en-US" altLang="ko-KR" sz="1200" spc="-20" dirty="0" smtClean="0">
-                <a:gradFill>
-                  <a:gsLst>
-                    <a:gs pos="0">
-                      <a:schemeClr val="tx1">
-                        <a:lumMod val="75000"/>
-                        <a:lumOff val="25000"/>
-                      </a:schemeClr>
-                    </a:gs>
-                    <a:gs pos="100000">
-                      <a:schemeClr val="tx1">
-                        <a:lumMod val="75000"/>
-                        <a:lumOff val="25000"/>
-                      </a:schemeClr>
-                    </a:gs>
-                  </a:gsLst>
-                  <a:lin ang="5400000" scaled="0"/>
-                </a:gradFill>
-                <a:latin typeface="나눔고딕" pitchFamily="50" charset="-127"/>
-                <a:ea typeface="나눔고딕" pitchFamily="50" charset="-127"/>
-              </a:rPr>
-              <a:t>.</a:t>
-            </a:r>
-          </a:p>
-          <a:p>
-            <a:pPr>
-              <a:lnSpc>
-                <a:spcPct val="120000"/>
-              </a:lnSpc>
-            </a:pPr>
-            <a:r>
-              <a:rPr lang="ko-KR" altLang="en-US" sz="1200" spc="-20" dirty="0" smtClean="0">
-                <a:gradFill>
-                  <a:gsLst>
-                    <a:gs pos="0">
-                      <a:schemeClr val="tx1">
-                        <a:lumMod val="75000"/>
-                        <a:lumOff val="25000"/>
-                      </a:schemeClr>
-                    </a:gs>
-                    <a:gs pos="100000">
-                      <a:schemeClr val="tx1">
-                        <a:lumMod val="75000"/>
-                        <a:lumOff val="25000"/>
-                      </a:schemeClr>
-                    </a:gs>
-                  </a:gsLst>
-                  <a:lin ang="5400000" scaled="0"/>
-                </a:gradFill>
-                <a:latin typeface="나눔고딕" pitchFamily="50" charset="-127"/>
-                <a:ea typeface="나눔고딕" pitchFamily="50" charset="-127"/>
-              </a:rPr>
-              <a:t>상황에 따라 조절하실 수 있습니다</a:t>
-            </a:r>
-            <a:r>
-              <a:rPr lang="en-US" altLang="ko-KR" sz="1200" spc="-20" dirty="0" smtClean="0">
-                <a:gradFill>
-                  <a:gsLst>
-                    <a:gs pos="0">
-                      <a:schemeClr val="tx1">
-                        <a:lumMod val="75000"/>
-                        <a:lumOff val="25000"/>
-                      </a:schemeClr>
-                    </a:gs>
-                    <a:gs pos="100000">
-                      <a:schemeClr val="tx1">
-                        <a:lumMod val="75000"/>
-                        <a:lumOff val="25000"/>
-                      </a:schemeClr>
-                    </a:gs>
-                  </a:gsLst>
-                  <a:lin ang="5400000" scaled="0"/>
-                </a:gradFill>
-                <a:latin typeface="나눔고딕" pitchFamily="50" charset="-127"/>
-                <a:ea typeface="나눔고딕" pitchFamily="50" charset="-127"/>
-              </a:rPr>
-              <a:t>.</a:t>
-            </a:r>
-          </a:p>
-        </p:txBody>
-      </p:sp>
-      <p:sp>
-        <p:nvSpPr>
-          <p:cNvPr id="14" name="타원 13"/>
-          <p:cNvSpPr/>
-          <p:nvPr/>
-        </p:nvSpPr>
-        <p:spPr>
-          <a:xfrm>
-            <a:off x="-252536" y="3068960"/>
-            <a:ext cx="2736304" cy="2736304"/>
-          </a:xfrm>
-          <a:prstGeom prst="ellipse">
-            <a:avLst/>
-          </a:prstGeom>
-          <a:solidFill>
-            <a:srgbClr val="C00000">
-              <a:alpha val="85000"/>
-            </a:srgbClr>
-          </a:solidFill>
-          <a:ln>
-            <a:noFill/>
-          </a:ln>
-        </p:spPr>
-        <p:style>
-          <a:lnRef idx="2">
-            <a:schemeClr val="accent1">
-              <a:shade val="50000"/>
-            </a:schemeClr>
-          </a:lnRef>
-          <a:fillRef idx="1">
-            <a:schemeClr val="accent1"/>
-          </a:fillRef>
-          <a:effectRef idx="0">
-            <a:schemeClr val="accent1"/>
-          </a:effectRef>
-          <a:fontRef idx="minor">
-            <a:schemeClr val="lt1"/>
-          </a:fontRef>
-        </p:style>
-        <p:txBody>
-          <a:bodyPr rtlCol="0" anchor="ctr"/>
-          <a:lstStyle/>
-          <a:p>
-            <a:pPr algn="ctr"/>
-            <a:r>
-              <a:rPr lang="ko-KR" altLang="en-US" spc="80" dirty="0" smtClean="0">
-                <a:solidFill>
-                  <a:schemeClr val="bg1"/>
-                </a:solidFill>
-                <a:latin typeface="나눔고딕" pitchFamily="50" charset="-127"/>
-                <a:ea typeface="나눔고딕" pitchFamily="50" charset="-127"/>
-              </a:rPr>
-              <a:t>내용</a:t>
-            </a:r>
-          </a:p>
-        </p:txBody>
-      </p:sp>
-      <p:sp>
-        <p:nvSpPr>
-          <p:cNvPr id="16" name="타원 15"/>
-          <p:cNvSpPr/>
-          <p:nvPr/>
-        </p:nvSpPr>
-        <p:spPr>
-          <a:xfrm>
-            <a:off x="2051720" y="3068960"/>
-            <a:ext cx="2736304" cy="2736304"/>
-          </a:xfrm>
-          <a:prstGeom prst="ellipse">
-            <a:avLst/>
-          </a:prstGeom>
-          <a:solidFill>
-            <a:srgbClr val="C00000">
-              <a:alpha val="85000"/>
-            </a:srgbClr>
-          </a:solidFill>
-          <a:ln>
-            <a:noFill/>
-          </a:ln>
-        </p:spPr>
-        <p:style>
-          <a:lnRef idx="2">
-            <a:schemeClr val="accent1">
-              <a:shade val="50000"/>
-            </a:schemeClr>
-          </a:lnRef>
-          <a:fillRef idx="1">
-            <a:schemeClr val="accent1"/>
-          </a:fillRef>
-          <a:effectRef idx="0">
-            <a:schemeClr val="accent1"/>
-          </a:effectRef>
-          <a:fontRef idx="minor">
-            <a:schemeClr val="lt1"/>
-          </a:fontRef>
-        </p:style>
-        <p:txBody>
-          <a:bodyPr rtlCol="0" anchor="ctr"/>
-          <a:lstStyle/>
-          <a:p>
-            <a:pPr algn="ctr"/>
-            <a:r>
-              <a:rPr lang="ko-KR" altLang="en-US" spc="80" dirty="0" smtClean="0">
-                <a:latin typeface="나눔고딕" pitchFamily="50" charset="-127"/>
-                <a:ea typeface="나눔고딕" pitchFamily="50" charset="-127"/>
-              </a:rPr>
-              <a:t>내용</a:t>
-            </a:r>
-            <a:endParaRPr lang="ko-KR" altLang="en-US" spc="80" dirty="0">
-              <a:latin typeface="나눔고딕" pitchFamily="50" charset="-127"/>
-              <a:ea typeface="나눔고딕" pitchFamily="50" charset="-127"/>
-            </a:endParaRPr>
-          </a:p>
-        </p:txBody>
-      </p:sp>
-      <p:sp>
-        <p:nvSpPr>
-          <p:cNvPr id="17" name="타원 16"/>
-          <p:cNvSpPr/>
-          <p:nvPr/>
-        </p:nvSpPr>
-        <p:spPr>
-          <a:xfrm>
-            <a:off x="4355976" y="3068960"/>
-            <a:ext cx="2736304" cy="2736304"/>
-          </a:xfrm>
-          <a:prstGeom prst="ellipse">
-            <a:avLst/>
-          </a:prstGeom>
-          <a:solidFill>
-            <a:srgbClr val="C00000">
-              <a:alpha val="85000"/>
-            </a:srgbClr>
-          </a:solidFill>
-          <a:ln>
-            <a:noFill/>
-          </a:ln>
-        </p:spPr>
-        <p:style>
-          <a:lnRef idx="2">
-            <a:schemeClr val="accent1">
-              <a:shade val="50000"/>
-            </a:schemeClr>
-          </a:lnRef>
-          <a:fillRef idx="1">
-            <a:schemeClr val="accent1"/>
-          </a:fillRef>
-          <a:effectRef idx="0">
-            <a:schemeClr val="accent1"/>
-          </a:effectRef>
-          <a:fontRef idx="minor">
-            <a:schemeClr val="lt1"/>
-          </a:fontRef>
-        </p:style>
-        <p:txBody>
-          <a:bodyPr rtlCol="0" anchor="ctr"/>
-          <a:lstStyle/>
-          <a:p>
-            <a:pPr algn="ctr"/>
-            <a:r>
-              <a:rPr lang="ko-KR" altLang="en-US" spc="80" dirty="0" smtClean="0">
-                <a:latin typeface="나눔고딕" pitchFamily="50" charset="-127"/>
-                <a:ea typeface="나눔고딕" pitchFamily="50" charset="-127"/>
-              </a:rPr>
-              <a:t>내용</a:t>
-            </a:r>
-            <a:endParaRPr lang="ko-KR" altLang="en-US" spc="80" dirty="0">
-              <a:latin typeface="나눔고딕" pitchFamily="50" charset="-127"/>
-              <a:ea typeface="나눔고딕" pitchFamily="50" charset="-127"/>
-            </a:endParaRPr>
-          </a:p>
-        </p:txBody>
-      </p:sp>
-      <p:sp>
-        <p:nvSpPr>
-          <p:cNvPr id="18" name="타원 17"/>
-          <p:cNvSpPr/>
-          <p:nvPr/>
-        </p:nvSpPr>
-        <p:spPr>
-          <a:xfrm>
-            <a:off x="6660232" y="3068960"/>
-            <a:ext cx="2736304" cy="2736304"/>
-          </a:xfrm>
-          <a:prstGeom prst="ellipse">
-            <a:avLst/>
-          </a:prstGeom>
-          <a:solidFill>
-            <a:srgbClr val="C00000">
-              <a:alpha val="85000"/>
-            </a:srgbClr>
-          </a:solidFill>
-          <a:ln>
-            <a:noFill/>
-          </a:ln>
-        </p:spPr>
-        <p:style>
-          <a:lnRef idx="2">
-            <a:schemeClr val="accent1">
-              <a:shade val="50000"/>
-            </a:schemeClr>
-          </a:lnRef>
-          <a:fillRef idx="1">
-            <a:schemeClr val="accent1"/>
-          </a:fillRef>
-          <a:effectRef idx="0">
-            <a:schemeClr val="accent1"/>
-          </a:effectRef>
-          <a:fontRef idx="minor">
-            <a:schemeClr val="lt1"/>
-          </a:fontRef>
-        </p:style>
-        <p:txBody>
-          <a:bodyPr rtlCol="0" anchor="ctr"/>
-          <a:lstStyle/>
-          <a:p>
-            <a:pPr algn="ctr"/>
-            <a:r>
-              <a:rPr lang="ko-KR" altLang="en-US" sz="1600" spc="80" dirty="0" smtClean="0">
-                <a:latin typeface="나눔고딕" pitchFamily="50" charset="-127"/>
-                <a:ea typeface="나눔고딕" pitchFamily="50" charset="-127"/>
-              </a:rPr>
-              <a:t>내용</a:t>
-            </a:r>
-            <a:endParaRPr lang="ko-KR" altLang="en-US" sz="1600" spc="80" dirty="0">
-              <a:latin typeface="나눔고딕" pitchFamily="50" charset="-127"/>
-              <a:ea typeface="나눔고딕" pitchFamily="50" charset="-127"/>
-            </a:endParaRPr>
-          </a:p>
-        </p:txBody>
-      </p:sp>
-      <p:sp>
-        <p:nvSpPr>
-          <p:cNvPr id="25" name="TextBox 24"/>
-          <p:cNvSpPr txBox="1"/>
-          <p:nvPr/>
-        </p:nvSpPr>
-        <p:spPr>
-          <a:xfrm>
-            <a:off x="4427984" y="476672"/>
-            <a:ext cx="2304256" cy="249299"/>
-          </a:xfrm>
-          <a:prstGeom prst="rect">
-            <a:avLst/>
-          </a:prstGeom>
-          <a:noFill/>
-        </p:spPr>
-        <p:txBody>
-          <a:bodyPr wrap="square" rtlCol="0">
-            <a:spAutoFit/>
-          </a:bodyPr>
-          <a:lstStyle/>
-          <a:p>
-            <a:pPr>
-              <a:lnSpc>
-                <a:spcPct val="85000"/>
-              </a:lnSpc>
-            </a:pPr>
-            <a:r>
-              <a:rPr lang="ko-KR" altLang="en-US" sz="1200" spc="-20" dirty="0" smtClean="0">
-                <a:gradFill>
-                  <a:gsLst>
-                    <a:gs pos="0">
-                      <a:schemeClr val="tx1">
-                        <a:lumMod val="75000"/>
-                        <a:lumOff val="25000"/>
-                      </a:schemeClr>
-                    </a:gs>
-                    <a:gs pos="100000">
-                      <a:schemeClr val="tx1">
-                        <a:lumMod val="75000"/>
-                        <a:lumOff val="25000"/>
-                      </a:schemeClr>
-                    </a:gs>
-                  </a:gsLst>
-                  <a:lin ang="5400000" scaled="0"/>
-                </a:gradFill>
-                <a:latin typeface="나눔고딕" pitchFamily="50" charset="-127"/>
-                <a:ea typeface="나눔고딕" pitchFamily="50" charset="-127"/>
-              </a:rPr>
-              <a:t>내용을 작성하세요</a:t>
-            </a:r>
-            <a:r>
-              <a:rPr lang="en-US" altLang="ko-KR" sz="1200" spc="-20" dirty="0" smtClean="0">
-                <a:gradFill>
-                  <a:gsLst>
-                    <a:gs pos="0">
-                      <a:schemeClr val="tx1">
-                        <a:lumMod val="75000"/>
-                        <a:lumOff val="25000"/>
-                      </a:schemeClr>
-                    </a:gs>
-                    <a:gs pos="100000">
-                      <a:schemeClr val="tx1">
-                        <a:lumMod val="75000"/>
-                        <a:lumOff val="25000"/>
-                      </a:schemeClr>
-                    </a:gs>
-                  </a:gsLst>
-                  <a:lin ang="5400000" scaled="0"/>
-                </a:gradFill>
-                <a:latin typeface="나눔고딕" pitchFamily="50" charset="-127"/>
-                <a:ea typeface="나눔고딕" pitchFamily="50" charset="-127"/>
-              </a:rPr>
-              <a:t>.</a:t>
-            </a:r>
-            <a:endParaRPr lang="ko-KR" altLang="en-US" sz="1200" spc="-20" dirty="0">
-              <a:gradFill>
-                <a:gsLst>
-                  <a:gs pos="0">
-                    <a:schemeClr val="tx1">
-                      <a:lumMod val="75000"/>
-                      <a:lumOff val="25000"/>
-                    </a:schemeClr>
-                  </a:gs>
-                  <a:gs pos="100000">
-                    <a:schemeClr val="tx1">
-                      <a:lumMod val="75000"/>
-                      <a:lumOff val="25000"/>
-                    </a:schemeClr>
-                  </a:gs>
-                </a:gsLst>
-                <a:lin ang="5400000" scaled="0"/>
-              </a:gradFill>
-              <a:latin typeface="나눔고딕" pitchFamily="50" charset="-127"/>
-              <a:ea typeface="나눔고딕" pitchFamily="50" charset="-127"/>
-            </a:endParaRPr>
-          </a:p>
-        </p:txBody>
-      </p:sp>
-      <p:sp>
-        <p:nvSpPr>
-          <p:cNvPr id="26" name="TextBox 25"/>
-          <p:cNvSpPr txBox="1"/>
-          <p:nvPr/>
-        </p:nvSpPr>
-        <p:spPr>
-          <a:xfrm>
-            <a:off x="4427984" y="692696"/>
-            <a:ext cx="2304256" cy="923330"/>
-          </a:xfrm>
-          <a:prstGeom prst="rect">
-            <a:avLst/>
-          </a:prstGeom>
-          <a:noFill/>
-        </p:spPr>
-        <p:txBody>
-          <a:bodyPr wrap="square" rtlCol="0">
-            <a:spAutoFit/>
-          </a:bodyPr>
-          <a:lstStyle/>
-          <a:p>
-            <a:pPr>
-              <a:lnSpc>
-                <a:spcPct val="150000"/>
-              </a:lnSpc>
-            </a:pPr>
-            <a:r>
-              <a:rPr lang="en-US" altLang="ko-KR" sz="1200" spc="-20" dirty="0" smtClean="0">
-                <a:gradFill>
-                  <a:gsLst>
-                    <a:gs pos="0">
-                      <a:schemeClr val="tx1">
-                        <a:lumMod val="75000"/>
-                        <a:lumOff val="25000"/>
-                      </a:schemeClr>
-                    </a:gs>
-                    <a:gs pos="100000">
-                      <a:schemeClr val="tx1">
-                        <a:lumMod val="75000"/>
-                        <a:lumOff val="25000"/>
-                      </a:schemeClr>
-                    </a:gs>
-                  </a:gsLst>
-                  <a:lin ang="5400000" scaled="0"/>
-                </a:gradFill>
-                <a:latin typeface="나눔고딕" pitchFamily="50" charset="-127"/>
-                <a:ea typeface="나눔고딕" pitchFamily="50" charset="-127"/>
-              </a:rPr>
-              <a:t>- </a:t>
-            </a:r>
-            <a:r>
-              <a:rPr lang="ko-KR" altLang="en-US" sz="1200" spc="-20" dirty="0" smtClean="0">
-                <a:gradFill>
-                  <a:gsLst>
-                    <a:gs pos="0">
-                      <a:schemeClr val="tx1">
-                        <a:lumMod val="75000"/>
-                        <a:lumOff val="25000"/>
-                      </a:schemeClr>
-                    </a:gs>
-                    <a:gs pos="100000">
-                      <a:schemeClr val="tx1">
-                        <a:lumMod val="75000"/>
-                        <a:lumOff val="25000"/>
-                      </a:schemeClr>
-                    </a:gs>
-                  </a:gsLst>
-                  <a:lin ang="5400000" scaled="0"/>
-                </a:gradFill>
-                <a:latin typeface="나눔고딕" pitchFamily="50" charset="-127"/>
-                <a:ea typeface="나눔고딕" pitchFamily="50" charset="-127"/>
-              </a:rPr>
-              <a:t>상세항목의 내용</a:t>
-            </a:r>
-            <a:endParaRPr lang="en-US" altLang="ko-KR" sz="1200" spc="-20" dirty="0" smtClean="0">
-              <a:gradFill>
-                <a:gsLst>
-                  <a:gs pos="0">
-                    <a:schemeClr val="tx1">
-                      <a:lumMod val="75000"/>
-                      <a:lumOff val="25000"/>
-                    </a:schemeClr>
-                  </a:gs>
-                  <a:gs pos="100000">
-                    <a:schemeClr val="tx1">
-                      <a:lumMod val="75000"/>
-                      <a:lumOff val="25000"/>
-                    </a:schemeClr>
-                  </a:gs>
-                </a:gsLst>
-                <a:lin ang="5400000" scaled="0"/>
-              </a:gradFill>
-              <a:latin typeface="나눔고딕" pitchFamily="50" charset="-127"/>
-              <a:ea typeface="나눔고딕" pitchFamily="50" charset="-127"/>
-            </a:endParaRPr>
-          </a:p>
-          <a:p>
-            <a:pPr>
-              <a:lnSpc>
-                <a:spcPct val="150000"/>
-              </a:lnSpc>
-              <a:buFontTx/>
-              <a:buChar char="-"/>
-            </a:pPr>
-            <a:r>
-              <a:rPr lang="en-US" altLang="ko-KR" sz="1200" spc="-20" dirty="0" smtClean="0">
-                <a:gradFill>
-                  <a:gsLst>
-                    <a:gs pos="0">
-                      <a:schemeClr val="tx1">
-                        <a:lumMod val="75000"/>
-                        <a:lumOff val="25000"/>
-                      </a:schemeClr>
-                    </a:gs>
-                    <a:gs pos="100000">
-                      <a:schemeClr val="tx1">
-                        <a:lumMod val="75000"/>
-                        <a:lumOff val="25000"/>
-                      </a:schemeClr>
-                    </a:gs>
-                  </a:gsLst>
-                  <a:lin ang="5400000" scaled="0"/>
-                </a:gradFill>
-                <a:latin typeface="나눔고딕" pitchFamily="50" charset="-127"/>
-                <a:ea typeface="나눔고딕" pitchFamily="50" charset="-127"/>
-              </a:rPr>
-              <a:t> </a:t>
-            </a:r>
-            <a:r>
-              <a:rPr lang="ko-KR" altLang="en-US" sz="1200" spc="-20" dirty="0" smtClean="0">
-                <a:gradFill>
-                  <a:gsLst>
-                    <a:gs pos="0">
-                      <a:schemeClr val="tx1">
-                        <a:lumMod val="75000"/>
-                        <a:lumOff val="25000"/>
-                      </a:schemeClr>
-                    </a:gs>
-                    <a:gs pos="100000">
-                      <a:schemeClr val="tx1">
-                        <a:lumMod val="75000"/>
-                        <a:lumOff val="25000"/>
-                      </a:schemeClr>
-                    </a:gs>
-                  </a:gsLst>
-                  <a:lin ang="5400000" scaled="0"/>
-                </a:gradFill>
-                <a:latin typeface="나눔고딕" pitchFamily="50" charset="-127"/>
-                <a:ea typeface="나눔고딕" pitchFamily="50" charset="-127"/>
-              </a:rPr>
-              <a:t>상세항목의 내용</a:t>
-            </a:r>
-            <a:endParaRPr lang="en-US" altLang="ko-KR" sz="1200" spc="-20" dirty="0" smtClean="0">
-              <a:gradFill>
-                <a:gsLst>
-                  <a:gs pos="0">
-                    <a:schemeClr val="tx1">
-                      <a:lumMod val="75000"/>
-                      <a:lumOff val="25000"/>
-                    </a:schemeClr>
-                  </a:gs>
-                  <a:gs pos="100000">
-                    <a:schemeClr val="tx1">
-                      <a:lumMod val="75000"/>
-                      <a:lumOff val="25000"/>
-                    </a:schemeClr>
-                  </a:gs>
-                </a:gsLst>
-                <a:lin ang="5400000" scaled="0"/>
-              </a:gradFill>
-              <a:latin typeface="나눔고딕" pitchFamily="50" charset="-127"/>
-              <a:ea typeface="나눔고딕" pitchFamily="50" charset="-127"/>
-            </a:endParaRPr>
-          </a:p>
-          <a:p>
-            <a:pPr>
-              <a:lnSpc>
-                <a:spcPct val="150000"/>
-              </a:lnSpc>
-              <a:buFontTx/>
-              <a:buChar char="-"/>
-            </a:pPr>
-            <a:r>
-              <a:rPr lang="en-US" altLang="ko-KR" sz="1200" spc="-20" dirty="0" smtClean="0">
-                <a:gradFill>
-                  <a:gsLst>
-                    <a:gs pos="0">
-                      <a:schemeClr val="tx1">
-                        <a:lumMod val="75000"/>
-                        <a:lumOff val="25000"/>
-                      </a:schemeClr>
-                    </a:gs>
-                    <a:gs pos="100000">
-                      <a:schemeClr val="tx1">
-                        <a:lumMod val="75000"/>
-                        <a:lumOff val="25000"/>
-                      </a:schemeClr>
-                    </a:gs>
-                  </a:gsLst>
-                  <a:lin ang="5400000" scaled="0"/>
-                </a:gradFill>
-                <a:latin typeface="나눔고딕" pitchFamily="50" charset="-127"/>
-                <a:ea typeface="나눔고딕" pitchFamily="50" charset="-127"/>
-              </a:rPr>
-              <a:t> </a:t>
-            </a:r>
-            <a:r>
-              <a:rPr lang="ko-KR" altLang="en-US" sz="1200" spc="-20" dirty="0" smtClean="0">
-                <a:gradFill>
-                  <a:gsLst>
-                    <a:gs pos="0">
-                      <a:schemeClr val="tx1">
-                        <a:lumMod val="75000"/>
-                        <a:lumOff val="25000"/>
-                      </a:schemeClr>
-                    </a:gs>
-                    <a:gs pos="100000">
-                      <a:schemeClr val="tx1">
-                        <a:lumMod val="75000"/>
-                        <a:lumOff val="25000"/>
-                      </a:schemeClr>
-                    </a:gs>
-                  </a:gsLst>
-                  <a:lin ang="5400000" scaled="0"/>
-                </a:gradFill>
-                <a:latin typeface="나눔고딕" pitchFamily="50" charset="-127"/>
-                <a:ea typeface="나눔고딕" pitchFamily="50" charset="-127"/>
-              </a:rPr>
-              <a:t>상세항목의 내용</a:t>
-            </a:r>
-            <a:endParaRPr lang="ko-KR" altLang="en-US" sz="1200" spc="-20" dirty="0">
-              <a:gradFill>
-                <a:gsLst>
-                  <a:gs pos="0">
-                    <a:schemeClr val="tx1">
-                      <a:lumMod val="75000"/>
-                      <a:lumOff val="25000"/>
-                    </a:schemeClr>
-                  </a:gs>
-                  <a:gs pos="100000">
-                    <a:schemeClr val="tx1">
-                      <a:lumMod val="75000"/>
-                      <a:lumOff val="25000"/>
-                    </a:schemeClr>
-                  </a:gs>
-                </a:gsLst>
-                <a:lin ang="5400000" scaled="0"/>
-              </a:gradFill>
-              <a:latin typeface="나눔고딕" pitchFamily="50" charset="-127"/>
-              <a:ea typeface="나눔고딕" pitchFamily="50" charset="-127"/>
-            </a:endParaRPr>
-          </a:p>
-        </p:txBody>
-      </p:sp>
-      <p:sp>
-        <p:nvSpPr>
-          <p:cNvPr id="28" name="TextBox 27"/>
-          <p:cNvSpPr txBox="1"/>
-          <p:nvPr/>
-        </p:nvSpPr>
-        <p:spPr>
-          <a:xfrm>
-            <a:off x="918712" y="4581128"/>
-            <a:ext cx="412293" cy="238527"/>
-          </a:xfrm>
-          <a:prstGeom prst="rect">
-            <a:avLst/>
-          </a:prstGeom>
-          <a:noFill/>
-        </p:spPr>
-        <p:txBody>
-          <a:bodyPr wrap="none" rtlCol="0">
-            <a:spAutoFit/>
-          </a:bodyPr>
-          <a:lstStyle/>
-          <a:p>
-            <a:pPr algn="ctr"/>
-            <a:r>
-              <a:rPr lang="ko-KR" altLang="en-US" sz="950" dirty="0" smtClean="0">
-                <a:solidFill>
-                  <a:schemeClr val="tx1">
-                    <a:lumMod val="85000"/>
-                    <a:lumOff val="15000"/>
-                  </a:schemeClr>
-                </a:solidFill>
-                <a:latin typeface="나눔고딕" pitchFamily="50" charset="-127"/>
-                <a:ea typeface="나눔고딕" pitchFamily="50" charset="-127"/>
-              </a:rPr>
-              <a:t>내용</a:t>
-            </a:r>
-            <a:endParaRPr lang="ko-KR" altLang="en-US" sz="950" dirty="0">
-              <a:solidFill>
-                <a:schemeClr val="tx1">
-                  <a:lumMod val="85000"/>
-                  <a:lumOff val="15000"/>
-                </a:schemeClr>
-              </a:solidFill>
-              <a:latin typeface="나눔고딕" pitchFamily="50" charset="-127"/>
-              <a:ea typeface="나눔고딕" pitchFamily="50" charset="-127"/>
-            </a:endParaRPr>
-          </a:p>
-        </p:txBody>
-      </p:sp>
-      <p:sp>
-        <p:nvSpPr>
-          <p:cNvPr id="29" name="TextBox 28"/>
-          <p:cNvSpPr txBox="1"/>
-          <p:nvPr/>
-        </p:nvSpPr>
-        <p:spPr>
-          <a:xfrm>
-            <a:off x="3212753" y="4581128"/>
-            <a:ext cx="412293" cy="238527"/>
-          </a:xfrm>
-          <a:prstGeom prst="rect">
-            <a:avLst/>
-          </a:prstGeom>
-          <a:noFill/>
-        </p:spPr>
-        <p:txBody>
-          <a:bodyPr wrap="none" rtlCol="0">
-            <a:spAutoFit/>
-          </a:bodyPr>
-          <a:lstStyle/>
-          <a:p>
-            <a:pPr algn="ctr"/>
-            <a:r>
-              <a:rPr lang="ko-KR" altLang="en-US" sz="950" dirty="0" smtClean="0">
-                <a:solidFill>
-                  <a:schemeClr val="tx1">
-                    <a:lumMod val="85000"/>
-                    <a:lumOff val="15000"/>
-                  </a:schemeClr>
-                </a:solidFill>
-                <a:latin typeface="나눔고딕" pitchFamily="50" charset="-127"/>
-                <a:ea typeface="나눔고딕" pitchFamily="50" charset="-127"/>
-              </a:rPr>
-              <a:t>내용</a:t>
-            </a:r>
-            <a:endParaRPr lang="ko-KR" altLang="en-US" sz="950" dirty="0">
-              <a:solidFill>
-                <a:schemeClr val="tx1">
-                  <a:lumMod val="85000"/>
-                  <a:lumOff val="15000"/>
-                </a:schemeClr>
-              </a:solidFill>
-              <a:latin typeface="나눔고딕" pitchFamily="50" charset="-127"/>
-              <a:ea typeface="나눔고딕" pitchFamily="50" charset="-127"/>
-            </a:endParaRPr>
-          </a:p>
-        </p:txBody>
-      </p:sp>
-      <p:sp>
-        <p:nvSpPr>
-          <p:cNvPr id="30" name="TextBox 29"/>
-          <p:cNvSpPr txBox="1"/>
-          <p:nvPr/>
-        </p:nvSpPr>
-        <p:spPr>
-          <a:xfrm>
-            <a:off x="5518632" y="4581128"/>
-            <a:ext cx="412293" cy="238527"/>
-          </a:xfrm>
-          <a:prstGeom prst="rect">
-            <a:avLst/>
-          </a:prstGeom>
-          <a:noFill/>
-        </p:spPr>
-        <p:txBody>
-          <a:bodyPr wrap="none" rtlCol="0">
-            <a:spAutoFit/>
-          </a:bodyPr>
-          <a:lstStyle/>
-          <a:p>
-            <a:pPr algn="ctr"/>
-            <a:r>
-              <a:rPr lang="ko-KR" altLang="en-US" sz="950" dirty="0" smtClean="0">
-                <a:solidFill>
-                  <a:schemeClr val="tx1">
-                    <a:lumMod val="85000"/>
-                    <a:lumOff val="15000"/>
-                  </a:schemeClr>
-                </a:solidFill>
-                <a:latin typeface="나눔고딕" pitchFamily="50" charset="-127"/>
-                <a:ea typeface="나눔고딕" pitchFamily="50" charset="-127"/>
-              </a:rPr>
-              <a:t>내용</a:t>
-            </a:r>
-            <a:endParaRPr lang="ko-KR" altLang="en-US" sz="950" dirty="0">
-              <a:solidFill>
-                <a:schemeClr val="tx1">
-                  <a:lumMod val="85000"/>
-                  <a:lumOff val="15000"/>
-                </a:schemeClr>
-              </a:solidFill>
-              <a:latin typeface="나눔고딕" pitchFamily="50" charset="-127"/>
-              <a:ea typeface="나눔고딕" pitchFamily="50" charset="-127"/>
-            </a:endParaRPr>
-          </a:p>
-        </p:txBody>
-      </p:sp>
-      <p:sp>
-        <p:nvSpPr>
-          <p:cNvPr id="31" name="TextBox 30"/>
-          <p:cNvSpPr txBox="1"/>
-          <p:nvPr/>
-        </p:nvSpPr>
-        <p:spPr>
-          <a:xfrm>
-            <a:off x="7816559" y="4581128"/>
-            <a:ext cx="412293" cy="238527"/>
-          </a:xfrm>
-          <a:prstGeom prst="rect">
-            <a:avLst/>
-          </a:prstGeom>
-          <a:noFill/>
-        </p:spPr>
-        <p:txBody>
-          <a:bodyPr wrap="none" rtlCol="0">
-            <a:spAutoFit/>
-          </a:bodyPr>
-          <a:lstStyle/>
-          <a:p>
-            <a:pPr algn="ctr"/>
-            <a:r>
-              <a:rPr lang="ko-KR" altLang="en-US" sz="950" dirty="0" smtClean="0">
-                <a:solidFill>
-                  <a:schemeClr val="tx1">
-                    <a:lumMod val="85000"/>
-                    <a:lumOff val="15000"/>
-                  </a:schemeClr>
-                </a:solidFill>
-                <a:latin typeface="나눔고딕" pitchFamily="50" charset="-127"/>
-                <a:ea typeface="나눔고딕" pitchFamily="50" charset="-127"/>
-              </a:rPr>
-              <a:t>내용</a:t>
-            </a:r>
-            <a:endParaRPr lang="ko-KR" altLang="en-US" sz="950" dirty="0">
-              <a:solidFill>
-                <a:schemeClr val="tx1">
-                  <a:lumMod val="85000"/>
-                  <a:lumOff val="15000"/>
-                </a:schemeClr>
-              </a:solidFill>
               <a:latin typeface="나눔고딕" pitchFamily="50" charset="-127"/>
               <a:ea typeface="나눔고딕" pitchFamily="50" charset="-127"/>
             </a:endParaRPr>
@@ -11039,86 +9563,16 @@
           <a:chExt cx="0" cy="0"/>
         </a:xfrm>
       </p:grpSpPr>
-      <p:cxnSp>
-        <p:nvCxnSpPr>
-          <p:cNvPr id="15" name="직선 연결선 14"/>
-          <p:cNvCxnSpPr/>
-          <p:nvPr/>
-        </p:nvCxnSpPr>
-        <p:spPr>
-          <a:xfrm>
-            <a:off x="251520" y="332656"/>
-            <a:ext cx="8640960" cy="0"/>
-          </a:xfrm>
-          <a:prstGeom prst="line">
-            <a:avLst/>
-          </a:prstGeom>
-          <a:ln w="3175">
-            <a:solidFill>
-              <a:srgbClr val="68727E"/>
-            </a:solidFill>
-          </a:ln>
-        </p:spPr>
-        <p:style>
-          <a:lnRef idx="1">
-            <a:schemeClr val="accent1"/>
-          </a:lnRef>
-          <a:fillRef idx="0">
-            <a:schemeClr val="accent1"/>
-          </a:fillRef>
-          <a:effectRef idx="0">
-            <a:schemeClr val="accent1"/>
-          </a:effectRef>
-          <a:fontRef idx="minor">
-            <a:schemeClr val="tx1"/>
-          </a:fontRef>
-        </p:style>
-      </p:cxnSp>
-      <p:cxnSp>
-        <p:nvCxnSpPr>
-          <p:cNvPr id="19" name="직선 연결선 18"/>
-          <p:cNvCxnSpPr/>
-          <p:nvPr/>
-        </p:nvCxnSpPr>
-        <p:spPr>
-          <a:xfrm>
-            <a:off x="251520" y="2060848"/>
-            <a:ext cx="8640960" cy="0"/>
-          </a:xfrm>
-          <a:prstGeom prst="line">
-            <a:avLst/>
-          </a:prstGeom>
-          <a:ln w="3175">
-            <a:solidFill>
-              <a:srgbClr val="68727E"/>
-            </a:solidFill>
-          </a:ln>
-        </p:spPr>
-        <p:style>
-          <a:lnRef idx="1">
-            <a:schemeClr val="accent1"/>
-          </a:lnRef>
-          <a:fillRef idx="0">
-            <a:schemeClr val="accent1"/>
-          </a:fillRef>
-          <a:effectRef idx="0">
-            <a:schemeClr val="accent1"/>
-          </a:effectRef>
-          <a:fontRef idx="minor">
-            <a:schemeClr val="tx1"/>
-          </a:fontRef>
-        </p:style>
-      </p:cxnSp>
-      <p:sp>
-        <p:nvSpPr>
-          <p:cNvPr id="12" name="TextBox 11"/>
+      <p:sp>
+        <p:nvSpPr>
+          <p:cNvPr id="20" name="TextBox 19"/>
           <p:cNvSpPr txBox="1"/>
           <p:nvPr/>
         </p:nvSpPr>
         <p:spPr>
           <a:xfrm>
-            <a:off x="179512" y="461805"/>
-            <a:ext cx="2232248" cy="923330"/>
+            <a:off x="1295636" y="2918032"/>
+            <a:ext cx="6552728" cy="720197"/>
           </a:xfrm>
           <a:prstGeom prst="rect">
             <a:avLst/>
@@ -11133,729 +9587,32 @@
           <a:p>
             <a:pPr>
               <a:lnSpc>
-                <a:spcPct val="90000"/>
+                <a:spcPct val="85000"/>
               </a:lnSpc>
             </a:pPr>
             <a:r>
-              <a:rPr lang="en-US" altLang="ko-KR" sz="2000" spc="300" dirty="0" smtClean="0">
-                <a:gradFill>
-                  <a:gsLst>
-                    <a:gs pos="0">
-                      <a:srgbClr val="C00000"/>
-                    </a:gs>
-                    <a:gs pos="100000">
-                      <a:srgbClr val="C00000"/>
-                    </a:gs>
-                  </a:gsLst>
-                  <a:lin ang="5400000" scaled="0"/>
-                </a:gradFill>
-                <a:latin typeface="나눔고딕" pitchFamily="50" charset="-127"/>
-                <a:ea typeface="나눔고딕" pitchFamily="50" charset="-127"/>
-              </a:rPr>
-              <a:t>SPACE DESIGN</a:t>
-            </a:r>
-          </a:p>
-          <a:p>
-            <a:pPr>
-              <a:lnSpc>
-                <a:spcPct val="90000"/>
-              </a:lnSpc>
-            </a:pPr>
-            <a:r>
-              <a:rPr lang="en-US" altLang="ko-KR" sz="2000" spc="300" dirty="0" smtClean="0">
-                <a:gradFill>
-                  <a:gsLst>
-                    <a:gs pos="0">
-                      <a:srgbClr val="C00000"/>
-                    </a:gs>
-                    <a:gs pos="100000">
-                      <a:srgbClr val="C00000"/>
-                    </a:gs>
-                  </a:gsLst>
-                  <a:lin ang="5400000" scaled="0"/>
-                </a:gradFill>
-                <a:latin typeface="나눔고딕" pitchFamily="50" charset="-127"/>
-                <a:ea typeface="나눔고딕" pitchFamily="50" charset="-127"/>
-              </a:rPr>
-              <a:t>CONCEPT</a:t>
-            </a:r>
-            <a:endParaRPr lang="ko-KR" altLang="en-US" sz="2000" spc="300" dirty="0">
-              <a:gradFill>
-                <a:gsLst>
-                  <a:gs pos="0">
-                    <a:srgbClr val="C00000"/>
-                  </a:gs>
-                  <a:gs pos="100000">
-                    <a:srgbClr val="C00000"/>
-                  </a:gs>
-                </a:gsLst>
-                <a:lin ang="5400000" scaled="0"/>
-              </a:gradFill>
-              <a:latin typeface="나눔고딕" pitchFamily="50" charset="-127"/>
-              <a:ea typeface="나눔고딕" pitchFamily="50" charset="-127"/>
-            </a:endParaRPr>
-          </a:p>
-        </p:txBody>
-      </p:sp>
-      <p:sp>
-        <p:nvSpPr>
-          <p:cNvPr id="13" name="TextBox 12"/>
-          <p:cNvSpPr txBox="1"/>
-          <p:nvPr/>
-        </p:nvSpPr>
-        <p:spPr>
-          <a:xfrm>
-            <a:off x="179512" y="2060848"/>
-            <a:ext cx="4176464" cy="566309"/>
-          </a:xfrm>
-          <a:prstGeom prst="rect">
-            <a:avLst/>
-          </a:prstGeom>
-          <a:noFill/>
-        </p:spPr>
-        <p:txBody>
-          <a:bodyPr wrap="square" rtlCol="0">
-            <a:spAutoFit/>
-          </a:bodyPr>
-          <a:lstStyle/>
-          <a:p>
-            <a:pPr>
-              <a:lnSpc>
-                <a:spcPct val="120000"/>
-              </a:lnSpc>
-            </a:pPr>
-            <a:r>
-              <a:rPr lang="en-US" altLang="ko-KR" sz="2800" dirty="0" smtClean="0">
-                <a:gradFill>
-                  <a:gsLst>
-                    <a:gs pos="0">
-                      <a:schemeClr val="tx1">
-                        <a:lumMod val="75000"/>
-                        <a:lumOff val="25000"/>
-                      </a:schemeClr>
-                    </a:gs>
-                    <a:gs pos="100000">
-                      <a:schemeClr val="tx1">
-                        <a:lumMod val="75000"/>
-                        <a:lumOff val="25000"/>
-                      </a:schemeClr>
-                    </a:gs>
-                  </a:gsLst>
-                  <a:lin ang="5400000" scaled="0"/>
-                </a:gradFill>
-                <a:latin typeface="나눔고딕" pitchFamily="50" charset="-127"/>
-                <a:ea typeface="나눔고딕" pitchFamily="50" charset="-127"/>
-              </a:rPr>
-              <a:t>“Design Concept, </a:t>
-            </a:r>
-            <a:r>
-              <a:rPr lang="en-US" altLang="ko-KR" sz="2800" dirty="0" err="1" smtClean="0">
-                <a:gradFill>
-                  <a:gsLst>
-                    <a:gs pos="0">
-                      <a:schemeClr val="tx1">
-                        <a:lumMod val="75000"/>
-                        <a:lumOff val="25000"/>
-                      </a:schemeClr>
-                    </a:gs>
-                    <a:gs pos="100000">
-                      <a:schemeClr val="tx1">
-                        <a:lumMod val="75000"/>
-                        <a:lumOff val="25000"/>
-                      </a:schemeClr>
-                    </a:gs>
-                  </a:gsLst>
-                  <a:lin ang="5400000" scaled="0"/>
-                </a:gradFill>
-                <a:latin typeface="나눔고딕" pitchFamily="50" charset="-127"/>
-                <a:ea typeface="나눔고딕" pitchFamily="50" charset="-127"/>
-              </a:rPr>
-              <a:t>Here.</a:t>
-            </a:r>
-            <a:r>
-              <a:rPr lang="en-US" altLang="ko-KR" sz="2800" dirty="0" smtClean="0">
-                <a:gradFill>
-                  <a:gsLst>
-                    <a:gs pos="0">
-                      <a:schemeClr val="tx1">
-                        <a:lumMod val="75000"/>
-                        <a:lumOff val="25000"/>
-                      </a:schemeClr>
-                    </a:gs>
-                    <a:gs pos="100000">
-                      <a:schemeClr val="tx1">
-                        <a:lumMod val="75000"/>
-                        <a:lumOff val="25000"/>
-                      </a:schemeClr>
-                    </a:gs>
-                  </a:gsLst>
-                  <a:lin ang="5400000" scaled="0"/>
-                </a:gradFill>
-                <a:latin typeface="나눔고딕" pitchFamily="50" charset="-127"/>
-                <a:ea typeface="나눔고딕" pitchFamily="50" charset="-127"/>
-              </a:rPr>
-              <a:t>”</a:t>
-            </a:r>
-          </a:p>
-        </p:txBody>
-      </p:sp>
-      <p:sp>
-        <p:nvSpPr>
-          <p:cNvPr id="24" name="TextBox 23"/>
-          <p:cNvSpPr txBox="1"/>
-          <p:nvPr/>
-        </p:nvSpPr>
-        <p:spPr>
-          <a:xfrm>
-            <a:off x="4427984" y="2060848"/>
-            <a:ext cx="4320480" cy="1131079"/>
-          </a:xfrm>
-          <a:prstGeom prst="rect">
-            <a:avLst/>
-          </a:prstGeom>
-          <a:noFill/>
-        </p:spPr>
-        <p:txBody>
-          <a:bodyPr wrap="square" rtlCol="0">
-            <a:spAutoFit/>
-          </a:bodyPr>
-          <a:lstStyle/>
-          <a:p>
-            <a:pPr>
-              <a:lnSpc>
-                <a:spcPct val="150000"/>
-              </a:lnSpc>
-            </a:pPr>
-            <a:r>
-              <a:rPr lang="ko-KR" altLang="en-US" sz="900" spc="-30" dirty="0" smtClean="0">
-                <a:gradFill>
-                  <a:gsLst>
-                    <a:gs pos="0">
-                      <a:schemeClr val="tx1">
-                        <a:lumMod val="75000"/>
-                        <a:lumOff val="25000"/>
-                      </a:schemeClr>
-                    </a:gs>
-                    <a:gs pos="100000">
-                      <a:schemeClr val="tx1">
-                        <a:lumMod val="75000"/>
-                        <a:lumOff val="25000"/>
-                      </a:schemeClr>
-                    </a:gs>
-                  </a:gsLst>
-                  <a:lin ang="5400000" scaled="0"/>
-                </a:gradFill>
-                <a:latin typeface="나눔고딕" pitchFamily="50" charset="-127"/>
-                <a:ea typeface="나눔고딕" pitchFamily="50" charset="-127"/>
-              </a:rPr>
-              <a:t>내용을 작성하세요</a:t>
-            </a:r>
-            <a:r>
-              <a:rPr lang="en-US" altLang="ko-KR" sz="900" spc="-30" dirty="0" smtClean="0">
-                <a:gradFill>
-                  <a:gsLst>
-                    <a:gs pos="0">
-                      <a:schemeClr val="tx1">
-                        <a:lumMod val="75000"/>
-                        <a:lumOff val="25000"/>
-                      </a:schemeClr>
-                    </a:gs>
-                    <a:gs pos="100000">
-                      <a:schemeClr val="tx1">
-                        <a:lumMod val="75000"/>
-                        <a:lumOff val="25000"/>
-                      </a:schemeClr>
-                    </a:gs>
-                  </a:gsLst>
-                  <a:lin ang="5400000" scaled="0"/>
-                </a:gradFill>
-                <a:latin typeface="나눔고딕" pitchFamily="50" charset="-127"/>
-                <a:ea typeface="나눔고딕" pitchFamily="50" charset="-127"/>
-              </a:rPr>
-              <a:t>.</a:t>
-            </a:r>
-          </a:p>
-          <a:p>
-            <a:pPr>
-              <a:lnSpc>
-                <a:spcPct val="150000"/>
-              </a:lnSpc>
-            </a:pPr>
-            <a:r>
-              <a:rPr lang="ko-KR" altLang="en-US" sz="900" spc="-30" dirty="0" smtClean="0">
-                <a:gradFill>
-                  <a:gsLst>
-                    <a:gs pos="0">
-                      <a:schemeClr val="tx1">
-                        <a:lumMod val="75000"/>
-                        <a:lumOff val="25000"/>
-                      </a:schemeClr>
-                    </a:gs>
-                    <a:gs pos="100000">
-                      <a:schemeClr val="tx1">
-                        <a:lumMod val="75000"/>
-                        <a:lumOff val="25000"/>
-                      </a:schemeClr>
-                    </a:gs>
-                  </a:gsLst>
-                  <a:lin ang="5400000" scaled="0"/>
-                </a:gradFill>
-                <a:latin typeface="나눔고딕" pitchFamily="50" charset="-127"/>
-                <a:ea typeface="나눔고딕" pitchFamily="50" charset="-127"/>
-              </a:rPr>
-              <a:t>세부 설명 내용은 </a:t>
-            </a:r>
-            <a:r>
-              <a:rPr lang="ko-KR" altLang="en-US" sz="900" spc="-30" dirty="0" err="1" smtClean="0">
-                <a:gradFill>
-                  <a:gsLst>
-                    <a:gs pos="0">
-                      <a:schemeClr val="tx1">
-                        <a:lumMod val="75000"/>
-                        <a:lumOff val="25000"/>
-                      </a:schemeClr>
-                    </a:gs>
-                    <a:gs pos="100000">
-                      <a:schemeClr val="tx1">
-                        <a:lumMod val="75000"/>
-                        <a:lumOff val="25000"/>
-                      </a:schemeClr>
-                    </a:gs>
-                  </a:gsLst>
-                  <a:lin ang="5400000" scaled="0"/>
-                </a:gradFill>
-                <a:latin typeface="나눔고딕" pitchFamily="50" charset="-127"/>
-                <a:ea typeface="나눔고딕" pitchFamily="50" charset="-127"/>
-              </a:rPr>
-              <a:t>나눔고딕</a:t>
-            </a:r>
-            <a:r>
-              <a:rPr lang="ko-KR" altLang="en-US" sz="900" spc="-30" dirty="0" smtClean="0">
-                <a:gradFill>
-                  <a:gsLst>
-                    <a:gs pos="0">
-                      <a:schemeClr val="tx1">
-                        <a:lumMod val="75000"/>
-                        <a:lumOff val="25000"/>
-                      </a:schemeClr>
-                    </a:gs>
-                    <a:gs pos="100000">
-                      <a:schemeClr val="tx1">
-                        <a:lumMod val="75000"/>
-                        <a:lumOff val="25000"/>
-                      </a:schemeClr>
-                    </a:gs>
-                  </a:gsLst>
-                  <a:lin ang="5400000" scaled="0"/>
-                </a:gradFill>
-                <a:latin typeface="나눔고딕" pitchFamily="50" charset="-127"/>
-                <a:ea typeface="나눔고딕" pitchFamily="50" charset="-127"/>
-              </a:rPr>
-              <a:t> </a:t>
-            </a:r>
-            <a:r>
-              <a:rPr lang="en-US" altLang="ko-KR" sz="900" spc="-30" dirty="0" smtClean="0">
-                <a:gradFill>
-                  <a:gsLst>
-                    <a:gs pos="0">
-                      <a:schemeClr val="tx1">
-                        <a:lumMod val="75000"/>
-                        <a:lumOff val="25000"/>
-                      </a:schemeClr>
-                    </a:gs>
-                    <a:gs pos="100000">
-                      <a:schemeClr val="tx1">
-                        <a:lumMod val="75000"/>
-                        <a:lumOff val="25000"/>
-                      </a:schemeClr>
-                    </a:gs>
-                  </a:gsLst>
-                  <a:lin ang="5400000" scaled="0"/>
-                </a:gradFill>
-                <a:latin typeface="나눔고딕" pitchFamily="50" charset="-127"/>
-                <a:ea typeface="나눔고딕" pitchFamily="50" charset="-127"/>
-              </a:rPr>
-              <a:t>R, 9pt</a:t>
-            </a:r>
-            <a:r>
-              <a:rPr lang="ko-KR" altLang="en-US" sz="900" spc="-30" dirty="0" smtClean="0">
-                <a:gradFill>
-                  <a:gsLst>
-                    <a:gs pos="0">
-                      <a:schemeClr val="tx1">
-                        <a:lumMod val="75000"/>
-                        <a:lumOff val="25000"/>
-                      </a:schemeClr>
-                    </a:gs>
-                    <a:gs pos="100000">
-                      <a:schemeClr val="tx1">
-                        <a:lumMod val="75000"/>
-                        <a:lumOff val="25000"/>
-                      </a:schemeClr>
-                    </a:gs>
-                  </a:gsLst>
-                  <a:lin ang="5400000" scaled="0"/>
-                </a:gradFill>
-                <a:latin typeface="나눔고딕" pitchFamily="50" charset="-127"/>
-                <a:ea typeface="나눔고딕" pitchFamily="50" charset="-127"/>
-              </a:rPr>
-              <a:t>를 권장합니다</a:t>
-            </a:r>
-            <a:r>
-              <a:rPr lang="en-US" altLang="ko-KR" sz="900" spc="-30" dirty="0" smtClean="0">
-                <a:gradFill>
-                  <a:gsLst>
-                    <a:gs pos="0">
-                      <a:schemeClr val="tx1">
-                        <a:lumMod val="75000"/>
-                        <a:lumOff val="25000"/>
-                      </a:schemeClr>
-                    </a:gs>
-                    <a:gs pos="100000">
-                      <a:schemeClr val="tx1">
-                        <a:lumMod val="75000"/>
-                        <a:lumOff val="25000"/>
-                      </a:schemeClr>
-                    </a:gs>
-                  </a:gsLst>
-                  <a:lin ang="5400000" scaled="0"/>
-                </a:gradFill>
-                <a:latin typeface="나눔고딕" pitchFamily="50" charset="-127"/>
-                <a:ea typeface="나눔고딕" pitchFamily="50" charset="-127"/>
-              </a:rPr>
-              <a:t>.</a:t>
-            </a:r>
-          </a:p>
-          <a:p>
-            <a:pPr>
-              <a:lnSpc>
-                <a:spcPct val="150000"/>
-              </a:lnSpc>
-            </a:pPr>
-            <a:r>
-              <a:rPr lang="ko-KR" altLang="en-US" sz="900" spc="-30" dirty="0" smtClean="0">
-                <a:gradFill>
-                  <a:gsLst>
-                    <a:gs pos="0">
-                      <a:schemeClr val="tx1">
-                        <a:lumMod val="75000"/>
-                        <a:lumOff val="25000"/>
-                      </a:schemeClr>
-                    </a:gs>
-                    <a:gs pos="100000">
-                      <a:schemeClr val="tx1">
-                        <a:lumMod val="75000"/>
-                        <a:lumOff val="25000"/>
-                      </a:schemeClr>
-                    </a:gs>
-                  </a:gsLst>
-                  <a:lin ang="5400000" scaled="0"/>
-                </a:gradFill>
-                <a:latin typeface="나눔고딕" pitchFamily="50" charset="-127"/>
-                <a:ea typeface="나눔고딕" pitchFamily="50" charset="-127"/>
-              </a:rPr>
-              <a:t>글자 간격은 좁게 </a:t>
-            </a:r>
-            <a:r>
-              <a:rPr lang="en-US" altLang="ko-KR" sz="900" spc="-30" dirty="0" smtClean="0">
-                <a:gradFill>
-                  <a:gsLst>
-                    <a:gs pos="0">
-                      <a:schemeClr val="tx1">
-                        <a:lumMod val="75000"/>
-                        <a:lumOff val="25000"/>
-                      </a:schemeClr>
-                    </a:gs>
-                    <a:gs pos="100000">
-                      <a:schemeClr val="tx1">
-                        <a:lumMod val="75000"/>
-                        <a:lumOff val="25000"/>
-                      </a:schemeClr>
-                    </a:gs>
-                  </a:gsLst>
-                  <a:lin ang="5400000" scaled="0"/>
-                </a:gradFill>
-                <a:latin typeface="나눔고딕" pitchFamily="50" charset="-127"/>
-                <a:ea typeface="나눔고딕" pitchFamily="50" charset="-127"/>
-              </a:rPr>
-              <a:t>0.3pt</a:t>
-            </a:r>
-            <a:r>
-              <a:rPr lang="ko-KR" altLang="en-US" sz="900" spc="-30" dirty="0" smtClean="0">
-                <a:gradFill>
-                  <a:gsLst>
-                    <a:gs pos="0">
-                      <a:schemeClr val="tx1">
-                        <a:lumMod val="75000"/>
-                        <a:lumOff val="25000"/>
-                      </a:schemeClr>
-                    </a:gs>
-                    <a:gs pos="100000">
-                      <a:schemeClr val="tx1">
-                        <a:lumMod val="75000"/>
-                        <a:lumOff val="25000"/>
-                      </a:schemeClr>
-                    </a:gs>
-                  </a:gsLst>
-                  <a:lin ang="5400000" scaled="0"/>
-                </a:gradFill>
-                <a:latin typeface="나눔고딕" pitchFamily="50" charset="-127"/>
-                <a:ea typeface="나눔고딕" pitchFamily="50" charset="-127"/>
-              </a:rPr>
-              <a:t>를</a:t>
-            </a:r>
-            <a:r>
-              <a:rPr lang="en-US" altLang="ko-KR" sz="900" spc="-30" dirty="0" smtClean="0">
-                <a:gradFill>
-                  <a:gsLst>
-                    <a:gs pos="0">
-                      <a:schemeClr val="tx1">
-                        <a:lumMod val="75000"/>
-                        <a:lumOff val="25000"/>
-                      </a:schemeClr>
-                    </a:gs>
-                    <a:gs pos="100000">
-                      <a:schemeClr val="tx1">
-                        <a:lumMod val="75000"/>
-                        <a:lumOff val="25000"/>
-                      </a:schemeClr>
-                    </a:gs>
-                  </a:gsLst>
-                  <a:lin ang="5400000" scaled="0"/>
-                </a:gradFill>
-                <a:latin typeface="나눔고딕" pitchFamily="50" charset="-127"/>
-                <a:ea typeface="나눔고딕" pitchFamily="50" charset="-127"/>
-              </a:rPr>
-              <a:t>,</a:t>
-            </a:r>
-          </a:p>
-          <a:p>
-            <a:pPr>
-              <a:lnSpc>
-                <a:spcPct val="150000"/>
-              </a:lnSpc>
-            </a:pPr>
-            <a:r>
-              <a:rPr lang="ko-KR" altLang="en-US" sz="900" spc="-30" dirty="0" smtClean="0">
-                <a:gradFill>
-                  <a:gsLst>
-                    <a:gs pos="0">
-                      <a:schemeClr val="tx1">
-                        <a:lumMod val="75000"/>
-                        <a:lumOff val="25000"/>
-                      </a:schemeClr>
-                    </a:gs>
-                    <a:gs pos="100000">
-                      <a:schemeClr val="tx1">
-                        <a:lumMod val="75000"/>
-                        <a:lumOff val="25000"/>
-                      </a:schemeClr>
-                    </a:gs>
-                  </a:gsLst>
-                  <a:lin ang="5400000" scaled="0"/>
-                </a:gradFill>
-                <a:latin typeface="나눔고딕" pitchFamily="50" charset="-127"/>
-                <a:ea typeface="나눔고딕" pitchFamily="50" charset="-127"/>
-              </a:rPr>
-              <a:t>줄 간격은 </a:t>
-            </a:r>
-            <a:r>
-              <a:rPr lang="en-US" altLang="ko-KR" sz="900" spc="-30" dirty="0" smtClean="0">
-                <a:gradFill>
-                  <a:gsLst>
-                    <a:gs pos="0">
-                      <a:schemeClr val="tx1">
-                        <a:lumMod val="75000"/>
-                        <a:lumOff val="25000"/>
-                      </a:schemeClr>
-                    </a:gs>
-                    <a:gs pos="100000">
-                      <a:schemeClr val="tx1">
-                        <a:lumMod val="75000"/>
-                        <a:lumOff val="25000"/>
-                      </a:schemeClr>
-                    </a:gs>
-                  </a:gsLst>
-                  <a:lin ang="5400000" scaled="0"/>
-                </a:gradFill>
-                <a:latin typeface="나눔고딕" pitchFamily="50" charset="-127"/>
-                <a:ea typeface="나눔고딕" pitchFamily="50" charset="-127"/>
-              </a:rPr>
-              <a:t>1.5</a:t>
-            </a:r>
-            <a:r>
-              <a:rPr lang="ko-KR" altLang="en-US" sz="900" spc="-30" dirty="0" smtClean="0">
-                <a:gradFill>
-                  <a:gsLst>
-                    <a:gs pos="0">
-                      <a:schemeClr val="tx1">
-                        <a:lumMod val="75000"/>
-                        <a:lumOff val="25000"/>
-                      </a:schemeClr>
-                    </a:gs>
-                    <a:gs pos="100000">
-                      <a:schemeClr val="tx1">
-                        <a:lumMod val="75000"/>
-                        <a:lumOff val="25000"/>
-                      </a:schemeClr>
-                    </a:gs>
-                  </a:gsLst>
-                  <a:lin ang="5400000" scaled="0"/>
-                </a:gradFill>
-                <a:latin typeface="나눔고딕" pitchFamily="50" charset="-127"/>
-                <a:ea typeface="나눔고딕" pitchFamily="50" charset="-127"/>
-              </a:rPr>
-              <a:t>배를 권장합니다</a:t>
-            </a:r>
-            <a:r>
-              <a:rPr lang="en-US" altLang="ko-KR" sz="900" spc="-30" dirty="0" smtClean="0">
-                <a:gradFill>
-                  <a:gsLst>
-                    <a:gs pos="0">
-                      <a:schemeClr val="tx1">
-                        <a:lumMod val="75000"/>
-                        <a:lumOff val="25000"/>
-                      </a:schemeClr>
-                    </a:gs>
-                    <a:gs pos="100000">
-                      <a:schemeClr val="tx1">
-                        <a:lumMod val="75000"/>
-                        <a:lumOff val="25000"/>
-                      </a:schemeClr>
-                    </a:gs>
-                  </a:gsLst>
-                  <a:lin ang="5400000" scaled="0"/>
-                </a:gradFill>
-                <a:latin typeface="나눔고딕" pitchFamily="50" charset="-127"/>
-                <a:ea typeface="나눔고딕" pitchFamily="50" charset="-127"/>
-              </a:rPr>
-              <a:t>.</a:t>
-            </a:r>
-          </a:p>
-          <a:p>
-            <a:pPr>
-              <a:lnSpc>
-                <a:spcPct val="150000"/>
-              </a:lnSpc>
-            </a:pPr>
-            <a:r>
-              <a:rPr lang="ko-KR" altLang="en-US" sz="900" spc="-30" dirty="0" smtClean="0">
-                <a:gradFill>
-                  <a:gsLst>
-                    <a:gs pos="0">
-                      <a:schemeClr val="tx1">
-                        <a:lumMod val="75000"/>
-                        <a:lumOff val="25000"/>
-                      </a:schemeClr>
-                    </a:gs>
-                    <a:gs pos="100000">
-                      <a:schemeClr val="tx1">
-                        <a:lumMod val="75000"/>
-                        <a:lumOff val="25000"/>
-                      </a:schemeClr>
-                    </a:gs>
-                  </a:gsLst>
-                  <a:lin ang="5400000" scaled="0"/>
-                </a:gradFill>
-                <a:latin typeface="나눔고딕" pitchFamily="50" charset="-127"/>
-                <a:ea typeface="나눔고딕" pitchFamily="50" charset="-127"/>
-              </a:rPr>
-              <a:t>상황에 따라 조정하실 수 있습니다</a:t>
-            </a:r>
-            <a:r>
-              <a:rPr lang="en-US" altLang="ko-KR" sz="900" spc="-30" dirty="0" smtClean="0">
-                <a:gradFill>
-                  <a:gsLst>
-                    <a:gs pos="0">
-                      <a:schemeClr val="tx1">
-                        <a:lumMod val="75000"/>
-                        <a:lumOff val="25000"/>
-                      </a:schemeClr>
-                    </a:gs>
-                    <a:gs pos="100000">
-                      <a:schemeClr val="tx1">
-                        <a:lumMod val="75000"/>
-                        <a:lumOff val="25000"/>
-                      </a:schemeClr>
-                    </a:gs>
-                  </a:gsLst>
-                  <a:lin ang="5400000" scaled="0"/>
-                </a:gradFill>
-                <a:latin typeface="나눔고딕" pitchFamily="50" charset="-127"/>
-                <a:ea typeface="나눔고딕" pitchFamily="50" charset="-127"/>
-              </a:rPr>
-              <a:t>.</a:t>
-            </a:r>
-            <a:endParaRPr lang="ko-KR" altLang="en-US" sz="900" spc="-30" dirty="0">
-              <a:gradFill>
-                <a:gsLst>
-                  <a:gs pos="0">
-                    <a:schemeClr val="tx1">
-                      <a:lumMod val="75000"/>
-                      <a:lumOff val="25000"/>
-                    </a:schemeClr>
-                  </a:gs>
-                  <a:gs pos="100000">
-                    <a:schemeClr val="tx1">
-                      <a:lumMod val="75000"/>
-                      <a:lumOff val="25000"/>
-                    </a:schemeClr>
-                  </a:gs>
-                </a:gsLst>
-                <a:lin ang="5400000" scaled="0"/>
-              </a:gradFill>
-              <a:latin typeface="나눔고딕" pitchFamily="50" charset="-127"/>
-              <a:ea typeface="나눔고딕" pitchFamily="50" charset="-127"/>
-            </a:endParaRPr>
-          </a:p>
-        </p:txBody>
-      </p:sp>
-      <p:sp>
-        <p:nvSpPr>
-          <p:cNvPr id="32" name="TextBox 31"/>
-          <p:cNvSpPr txBox="1"/>
-          <p:nvPr/>
-        </p:nvSpPr>
-        <p:spPr>
-          <a:xfrm>
-            <a:off x="179512" y="92643"/>
-            <a:ext cx="2339976" cy="178510"/>
-          </a:xfrm>
-          <a:prstGeom prst="rect">
-            <a:avLst/>
-          </a:prstGeom>
-          <a:noFill/>
-        </p:spPr>
-        <p:txBody>
-          <a:bodyPr wrap="square" rtlCol="0">
-            <a:spAutoFit/>
-          </a:bodyPr>
-          <a:lstStyle/>
-          <a:p>
-            <a:pPr>
-              <a:lnSpc>
-                <a:spcPct val="80000"/>
-              </a:lnSpc>
-            </a:pPr>
-            <a:r>
-              <a:rPr lang="en-US" altLang="ko-KR" sz="700" b="1" dirty="0" smtClean="0">
+              <a:rPr lang="en-US" altLang="ko-KR" sz="4800" dirty="0" smtClean="0">
                 <a:solidFill>
-                  <a:schemeClr val="tx1">
-                    <a:lumMod val="75000"/>
-                    <a:lumOff val="25000"/>
-                  </a:schemeClr>
+                  <a:srgbClr val="00A204"/>
                 </a:solidFill>
                 <a:latin typeface="나눔고딕" pitchFamily="50" charset="-127"/>
                 <a:ea typeface="나눔고딕" pitchFamily="50" charset="-127"/>
               </a:rPr>
-              <a:t>Space design concept</a:t>
-            </a:r>
-            <a:endParaRPr lang="ko-KR" altLang="en-US" sz="700" b="1" dirty="0">
+              <a:t>QA &amp;&amp; </a:t>
+            </a:r>
+            <a:r>
+              <a:rPr lang="ko-KR" altLang="en-US" sz="4800" dirty="0" smtClean="0">
+                <a:solidFill>
+                  <a:srgbClr val="00A204"/>
+                </a:solidFill>
+                <a:latin typeface="나눔고딕" pitchFamily="50" charset="-127"/>
+                <a:ea typeface="나눔고딕" pitchFamily="50" charset="-127"/>
+              </a:rPr>
+              <a:t>의견</a:t>
+            </a:r>
+            <a:endParaRPr lang="ko-KR" altLang="en-US" sz="4800" dirty="0">
               <a:solidFill>
-                <a:schemeClr val="tx1">
-                  <a:lumMod val="75000"/>
-                  <a:lumOff val="25000"/>
-                </a:schemeClr>
+                <a:srgbClr val="00A204"/>
               </a:solidFill>
               <a:latin typeface="나눔고딕" pitchFamily="50" charset="-127"/>
               <a:ea typeface="나눔고딕" pitchFamily="50" charset="-127"/>
@@ -11863,246 +9620,15 @@
           </a:p>
         </p:txBody>
       </p:sp>
-      <p:pic>
-        <p:nvPicPr>
-          <p:cNvPr id="1026" name="Picture 2" descr="C:\Documents and Settings\nhn\바탕 화면\이미지소스\인테리어\gf-33.jpg"/>
-          <p:cNvPicPr>
-            <a:picLocks noChangeAspect="1" noChangeArrowheads="1"/>
-          </p:cNvPicPr>
-          <p:nvPr/>
-        </p:nvPicPr>
-        <p:blipFill>
-          <a:blip r:embed="rId3" cstate="email"/>
-          <a:srcRect/>
-          <a:stretch>
-            <a:fillRect/>
-          </a:stretch>
-        </p:blipFill>
-        <p:spPr bwMode="auto">
-          <a:xfrm>
-            <a:off x="251521" y="3719913"/>
-            <a:ext cx="4248471" cy="2877439"/>
-          </a:xfrm>
-          <a:prstGeom prst="rect">
-            <a:avLst/>
-          </a:prstGeom>
-          <a:noFill/>
-        </p:spPr>
-      </p:pic>
-      <p:pic>
-        <p:nvPicPr>
-          <p:cNvPr id="1027" name="Picture 3" descr="C:\Documents and Settings\nhn\바탕 화면\이미지소스\인테리어\green01.jpg"/>
-          <p:cNvPicPr>
-            <a:picLocks noChangeAspect="1" noChangeArrowheads="1"/>
-          </p:cNvPicPr>
-          <p:nvPr/>
-        </p:nvPicPr>
-        <p:blipFill>
-          <a:blip r:embed="rId4" cstate="email"/>
-          <a:srcRect/>
-          <a:stretch>
-            <a:fillRect/>
-          </a:stretch>
-        </p:blipFill>
-        <p:spPr bwMode="auto">
-          <a:xfrm>
-            <a:off x="4572000" y="3716746"/>
-            <a:ext cx="4294022" cy="2884080"/>
-          </a:xfrm>
-          <a:prstGeom prst="rect">
-            <a:avLst/>
-          </a:prstGeom>
-          <a:noFill/>
-        </p:spPr>
-      </p:pic>
-      <p:sp>
-        <p:nvSpPr>
-          <p:cNvPr id="14" name="TextBox 13"/>
-          <p:cNvSpPr txBox="1"/>
-          <p:nvPr/>
-        </p:nvSpPr>
-        <p:spPr>
-          <a:xfrm>
-            <a:off x="6660232" y="92643"/>
-            <a:ext cx="2339976" cy="178510"/>
-          </a:xfrm>
-          <a:prstGeom prst="rect">
-            <a:avLst/>
-          </a:prstGeom>
-          <a:noFill/>
-        </p:spPr>
-        <p:txBody>
-          <a:bodyPr wrap="square" rtlCol="0">
-            <a:spAutoFit/>
-          </a:bodyPr>
-          <a:lstStyle/>
-          <a:p>
-            <a:pPr algn="r">
-              <a:lnSpc>
-                <a:spcPct val="80000"/>
-              </a:lnSpc>
-            </a:pPr>
-            <a:fld id="{828B5CB4-B095-413D-B8C5-1DA2C2E14324}" type="slidenum">
-              <a:rPr lang="en-US" altLang="ko-KR" sz="700" b="1" smtClean="0">
-                <a:solidFill>
-                  <a:schemeClr val="tx1">
-                    <a:lumMod val="75000"/>
-                    <a:lumOff val="25000"/>
-                  </a:schemeClr>
-                </a:solidFill>
-                <a:latin typeface="나눔고딕" pitchFamily="50" charset="-127"/>
-                <a:ea typeface="나눔고딕" pitchFamily="50" charset="-127"/>
-              </a:rPr>
-              <a:pPr algn="r">
-                <a:lnSpc>
-                  <a:spcPct val="80000"/>
-                </a:lnSpc>
-              </a:pPr>
-              <a:t>15</a:t>
-            </a:fld>
-            <a:r>
-              <a:rPr lang="en-US" altLang="ko-KR" sz="700" b="1" dirty="0" smtClean="0">
-                <a:solidFill>
-                  <a:schemeClr val="tx1">
-                    <a:lumMod val="75000"/>
-                    <a:lumOff val="25000"/>
-                  </a:schemeClr>
-                </a:solidFill>
-                <a:latin typeface="나눔고딕" pitchFamily="50" charset="-127"/>
-                <a:ea typeface="나눔고딕" pitchFamily="50" charset="-127"/>
-              </a:rPr>
-              <a:t>   |  42</a:t>
-            </a:r>
-            <a:endParaRPr lang="ko-KR" altLang="en-US" sz="700" b="1" dirty="0">
-              <a:solidFill>
-                <a:schemeClr val="tx1">
-                  <a:lumMod val="75000"/>
-                  <a:lumOff val="25000"/>
-                </a:schemeClr>
-              </a:solidFill>
-              <a:latin typeface="나눔고딕" pitchFamily="50" charset="-127"/>
-              <a:ea typeface="나눔고딕" pitchFamily="50" charset="-127"/>
-            </a:endParaRPr>
-          </a:p>
-        </p:txBody>
-      </p:sp>
-    </p:spTree>
-  </p:cSld>
-  <p:clrMapOvr>
-    <a:masterClrMapping/>
-  </p:clrMapOvr>
-  <p:transition/>
-  <p:timing>
-    <p:tnLst>
-      <p:par>
-        <p:cTn id="1" dur="indefinite" restart="never" nodeType="tmRoot"/>
-      </p:par>
-    </p:tnLst>
-  </p:timing>
-</p:sld>
-</file>
-
-<file path=ppt/slides/slide16.xml><?xml version="1.0" encoding="utf-8"?>
-<p:sld xmlns:a="http://schemas.openxmlformats.org/drawingml/2006/main" xmlns:r="http://schemas.openxmlformats.org/officeDocument/2006/relationships" xmlns:p="http://schemas.openxmlformats.org/presentationml/2006/main" showMasterSp="0">
-  <p:cSld>
-    <p:spTree>
-      <p:nvGrpSpPr>
-        <p:cNvPr id="1" name=""/>
-        <p:cNvGrpSpPr/>
-        <p:nvPr/>
-      </p:nvGrpSpPr>
-      <p:grpSpPr>
-        <a:xfrm>
-          <a:off x="0" y="0"/>
-          <a:ext cx="0" cy="0"/>
-          <a:chOff x="0" y="0"/>
-          <a:chExt cx="0" cy="0"/>
-        </a:xfrm>
-      </p:grpSpPr>
-      <p:sp>
-        <p:nvSpPr>
-          <p:cNvPr id="20" name="TextBox 19"/>
-          <p:cNvSpPr txBox="1"/>
-          <p:nvPr/>
-        </p:nvSpPr>
-        <p:spPr>
-          <a:xfrm>
-            <a:off x="179512" y="3573016"/>
-            <a:ext cx="6552728" cy="615553"/>
-          </a:xfrm>
-          <a:prstGeom prst="rect">
-            <a:avLst/>
-          </a:prstGeom>
-          <a:noFill/>
-        </p:spPr>
-        <p:txBody>
-          <a:bodyPr wrap="square" rtlCol="0">
-            <a:spAutoFit/>
-          </a:bodyPr>
-          <a:lstStyle/>
-          <a:p>
-            <a:pPr>
-              <a:lnSpc>
-                <a:spcPct val="85000"/>
-              </a:lnSpc>
-            </a:pPr>
-            <a:r>
-              <a:rPr lang="ko-KR" altLang="en-US" sz="4000" spc="-150" dirty="0" smtClean="0">
-                <a:gradFill>
-                  <a:gsLst>
-                    <a:gs pos="0">
-                      <a:schemeClr val="tx1">
-                        <a:lumMod val="75000"/>
-                        <a:lumOff val="25000"/>
-                      </a:schemeClr>
-                    </a:gs>
-                    <a:gs pos="100000">
-                      <a:schemeClr val="tx1">
-                        <a:lumMod val="75000"/>
-                        <a:lumOff val="25000"/>
-                      </a:schemeClr>
-                    </a:gs>
-                  </a:gsLst>
-                  <a:lin ang="5400000" scaled="0"/>
-                </a:gradFill>
-                <a:latin typeface="나눔고딕" pitchFamily="50" charset="-127"/>
-                <a:ea typeface="나눔고딕" pitchFamily="50" charset="-127"/>
-              </a:rPr>
-              <a:t>공간별 디자인계획 </a:t>
-            </a:r>
-            <a:endParaRPr lang="ko-KR" altLang="en-US" sz="4000" spc="-150" dirty="0">
-              <a:gradFill>
-                <a:gsLst>
-                  <a:gs pos="0">
-                    <a:schemeClr val="tx1">
-                      <a:lumMod val="75000"/>
-                      <a:lumOff val="25000"/>
-                    </a:schemeClr>
-                  </a:gs>
-                  <a:gs pos="100000">
-                    <a:schemeClr val="tx1">
-                      <a:lumMod val="75000"/>
-                      <a:lumOff val="25000"/>
-                    </a:schemeClr>
-                  </a:gs>
-                </a:gsLst>
-                <a:lin ang="5400000" scaled="0"/>
-              </a:gradFill>
-              <a:latin typeface="나눔고딕" pitchFamily="50" charset="-127"/>
-              <a:ea typeface="나눔고딕" pitchFamily="50" charset="-127"/>
-            </a:endParaRPr>
-          </a:p>
-        </p:txBody>
-      </p:sp>
       <p:cxnSp>
         <p:nvCxnSpPr>
-          <p:cNvPr id="19" name="직선 연결선 18"/>
+          <p:cNvPr id="11" name="직선 연결선 10"/>
           <p:cNvCxnSpPr/>
           <p:nvPr/>
         </p:nvCxnSpPr>
         <p:spPr>
           <a:xfrm>
-            <a:off x="251520" y="3429000"/>
+            <a:off x="251520" y="332656"/>
             <a:ext cx="8640960" cy="0"/>
           </a:xfrm>
           <a:prstGeom prst="line">
@@ -12132,54 +9658,16 @@
           </a:fontRef>
         </p:style>
       </p:cxnSp>
-      <p:cxnSp>
-        <p:nvCxnSpPr>
-          <p:cNvPr id="11" name="직선 연결선 10"/>
-          <p:cNvCxnSpPr/>
-          <p:nvPr/>
-        </p:nvCxnSpPr>
-        <p:spPr>
-          <a:xfrm>
-            <a:off x="251520" y="332656"/>
-            <a:ext cx="8640960" cy="0"/>
-          </a:xfrm>
-          <a:prstGeom prst="line">
-            <a:avLst/>
-          </a:prstGeom>
-          <a:ln w="3175">
-            <a:solidFill>
-              <a:schemeClr val="tx1">
-                <a:lumMod val="75000"/>
-                <a:lumOff val="25000"/>
-              </a:schemeClr>
-            </a:solidFill>
-          </a:ln>
-        </p:spPr>
-        <p:style>
-          <a:lnRef idx="1">
-            <a:schemeClr val="accent1"/>
-          </a:lnRef>
-          <a:fillRef idx="0">
-            <a:schemeClr val="accent1"/>
-          </a:fillRef>
-          <a:effectRef idx="0">
-            <a:schemeClr val="accent1"/>
-          </a:effectRef>
-          <a:fontRef idx="minor">
-            <a:schemeClr val="tx1"/>
-          </a:fontRef>
-        </p:style>
-      </p:cxnSp>
-      <p:sp>
-        <p:nvSpPr>
-          <p:cNvPr id="6" name="TextBox 5"/>
+      <p:sp>
+        <p:nvSpPr>
+          <p:cNvPr id="4" name="TextBox 3"/>
           <p:cNvSpPr txBox="1"/>
           <p:nvPr/>
         </p:nvSpPr>
         <p:spPr>
           <a:xfrm>
-            <a:off x="6660232" y="92643"/>
-            <a:ext cx="2339976" cy="178510"/>
+            <a:off x="179512" y="6415444"/>
+            <a:ext cx="4039705" cy="253916"/>
           </a:xfrm>
           <a:prstGeom prst="rect">
             <a:avLst/>
@@ -12192,2775 +9680,65 @@
           </a:bodyPr>
           <a:lstStyle/>
           <a:p>
-            <a:pPr algn="r">
-              <a:lnSpc>
-                <a:spcPct val="80000"/>
-              </a:lnSpc>
-            </a:pPr>
-            <a:fld id="{828B5CB4-B095-413D-B8C5-1DA2C2E14324}" type="slidenum">
-              <a:rPr lang="en-US" altLang="ko-KR" sz="700" b="1" smtClean="0">
-                <a:solidFill>
-                  <a:schemeClr val="tx1">
-                    <a:lumMod val="75000"/>
-                    <a:lumOff val="25000"/>
-                  </a:schemeClr>
-                </a:solidFill>
-                <a:latin typeface="나눔고딕" pitchFamily="50" charset="-127"/>
-                <a:ea typeface="나눔고딕" pitchFamily="50" charset="-127"/>
-              </a:rPr>
-              <a:pPr algn="r">
-                <a:lnSpc>
-                  <a:spcPct val="80000"/>
-                </a:lnSpc>
-              </a:pPr>
-              <a:t>16</a:t>
-            </a:fld>
-            <a:r>
-              <a:rPr lang="en-US" altLang="ko-KR" sz="700" b="1" dirty="0" smtClean="0">
-                <a:solidFill>
-                  <a:schemeClr val="tx1">
-                    <a:lumMod val="75000"/>
-                    <a:lumOff val="25000"/>
-                  </a:schemeClr>
-                </a:solidFill>
-                <a:latin typeface="나눔고딕" pitchFamily="50" charset="-127"/>
-                <a:ea typeface="나눔고딕" pitchFamily="50" charset="-127"/>
-              </a:rPr>
-              <a:t>   |  42</a:t>
-            </a:r>
-            <a:endParaRPr lang="ko-KR" altLang="en-US" sz="700" b="1" dirty="0">
-              <a:solidFill>
-                <a:schemeClr val="tx1">
-                  <a:lumMod val="75000"/>
-                  <a:lumOff val="25000"/>
-                </a:schemeClr>
-              </a:solidFill>
-              <a:latin typeface="나눔고딕" pitchFamily="50" charset="-127"/>
-              <a:ea typeface="나눔고딕" pitchFamily="50" charset="-127"/>
-            </a:endParaRPr>
-          </a:p>
-        </p:txBody>
-      </p:sp>
-    </p:spTree>
-  </p:cSld>
-  <p:clrMapOvr>
-    <a:masterClrMapping/>
-  </p:clrMapOvr>
-  <p:transition/>
-  <p:timing>
-    <p:tnLst>
-      <p:par>
-        <p:cTn id="1" dur="indefinite" restart="never" nodeType="tmRoot"/>
-      </p:par>
-    </p:tnLst>
-  </p:timing>
-</p:sld>
-</file>
-
-<file path=ppt/slides/slide17.xml><?xml version="1.0" encoding="utf-8"?>
-<p:sld xmlns:a="http://schemas.openxmlformats.org/drawingml/2006/main" xmlns:r="http://schemas.openxmlformats.org/officeDocument/2006/relationships" xmlns:p="http://schemas.openxmlformats.org/presentationml/2006/main" showMasterSp="0">
-  <p:cSld>
-    <p:spTree>
-      <p:nvGrpSpPr>
-        <p:cNvPr id="1" name=""/>
-        <p:cNvGrpSpPr/>
-        <p:nvPr/>
-      </p:nvGrpSpPr>
-      <p:grpSpPr>
-        <a:xfrm>
-          <a:off x="0" y="0"/>
-          <a:ext cx="0" cy="0"/>
-          <a:chOff x="0" y="0"/>
-          <a:chExt cx="0" cy="0"/>
-        </a:xfrm>
-      </p:grpSpPr>
-      <p:cxnSp>
-        <p:nvCxnSpPr>
-          <p:cNvPr id="15" name="직선 연결선 14"/>
-          <p:cNvCxnSpPr/>
-          <p:nvPr/>
-        </p:nvCxnSpPr>
-        <p:spPr>
-          <a:xfrm>
-            <a:off x="251520" y="332656"/>
-            <a:ext cx="8640960" cy="0"/>
-          </a:xfrm>
-          <a:prstGeom prst="line">
-            <a:avLst/>
-          </a:prstGeom>
-          <a:ln w="3175">
-            <a:solidFill>
-              <a:srgbClr val="68727E"/>
-            </a:solidFill>
-          </a:ln>
-        </p:spPr>
-        <p:style>
-          <a:lnRef idx="1">
-            <a:schemeClr val="accent1"/>
-          </a:lnRef>
-          <a:fillRef idx="0">
-            <a:schemeClr val="accent1"/>
-          </a:fillRef>
-          <a:effectRef idx="0">
-            <a:schemeClr val="accent1"/>
-          </a:effectRef>
-          <a:fontRef idx="minor">
-            <a:schemeClr val="tx1"/>
-          </a:fontRef>
-        </p:style>
-      </p:cxnSp>
-      <p:sp>
-        <p:nvSpPr>
-          <p:cNvPr id="12" name="TextBox 11"/>
-          <p:cNvSpPr txBox="1"/>
-          <p:nvPr/>
-        </p:nvSpPr>
-        <p:spPr>
-          <a:xfrm>
-            <a:off x="179512" y="461804"/>
-            <a:ext cx="6696744" cy="424732"/>
-          </a:xfrm>
-          <a:prstGeom prst="rect">
-            <a:avLst/>
-          </a:prstGeom>
-          <a:noFill/>
-        </p:spPr>
-        <p:txBody>
-          <a:bodyPr wrap="square" rtlCol="0">
-            <a:spAutoFit/>
-          </a:bodyPr>
-          <a:lstStyle/>
-          <a:p>
-            <a:pPr>
-              <a:lnSpc>
-                <a:spcPct val="90000"/>
-              </a:lnSpc>
-            </a:pPr>
-            <a:r>
-              <a:rPr lang="ko-KR" altLang="en-US" sz="2400" spc="-30" dirty="0" smtClean="0">
-                <a:gradFill>
-                  <a:gsLst>
-                    <a:gs pos="0">
-                      <a:srgbClr val="C00000"/>
-                    </a:gs>
-                    <a:gs pos="100000">
-                      <a:srgbClr val="C00000"/>
-                    </a:gs>
-                  </a:gsLst>
-                  <a:lin ang="5400000" scaled="0"/>
-                </a:gradFill>
-                <a:latin typeface="나눔고딕" pitchFamily="50" charset="-127"/>
-                <a:ea typeface="나눔고딕" pitchFamily="50" charset="-127"/>
-              </a:rPr>
-              <a:t>구역 </a:t>
-            </a:r>
-            <a:r>
-              <a:rPr lang="en-US" altLang="ko-KR" sz="2400" spc="-30" dirty="0" smtClean="0">
-                <a:gradFill>
-                  <a:gsLst>
-                    <a:gs pos="0">
-                      <a:srgbClr val="C00000"/>
-                    </a:gs>
-                    <a:gs pos="100000">
-                      <a:srgbClr val="C00000"/>
-                    </a:gs>
-                  </a:gsLst>
-                  <a:lin ang="5400000" scaled="0"/>
-                </a:gradFill>
-                <a:latin typeface="나눔고딕" pitchFamily="50" charset="-127"/>
-                <a:ea typeface="나눔고딕" pitchFamily="50" charset="-127"/>
-              </a:rPr>
-              <a:t>: </a:t>
-            </a:r>
-            <a:r>
-              <a:rPr lang="ko-KR" altLang="en-US" sz="2400" spc="-30" dirty="0" smtClean="0">
-                <a:gradFill>
-                  <a:gsLst>
-                    <a:gs pos="0">
-                      <a:srgbClr val="C00000"/>
-                    </a:gs>
-                    <a:gs pos="100000">
-                      <a:srgbClr val="C00000"/>
-                    </a:gs>
-                  </a:gsLst>
-                  <a:lin ang="5400000" scaled="0"/>
-                </a:gradFill>
-                <a:latin typeface="나눔고딕" pitchFamily="50" charset="-127"/>
-                <a:ea typeface="나눔고딕" pitchFamily="50" charset="-127"/>
-              </a:rPr>
-              <a:t>용도</a:t>
-            </a:r>
-            <a:endParaRPr lang="ko-KR" altLang="en-US" sz="2400" spc="-30" dirty="0">
-              <a:gradFill>
-                <a:gsLst>
-                  <a:gs pos="0">
-                    <a:srgbClr val="C00000"/>
-                  </a:gs>
-                  <a:gs pos="100000">
-                    <a:srgbClr val="C00000"/>
-                  </a:gs>
-                </a:gsLst>
-                <a:lin ang="5400000" scaled="0"/>
-              </a:gradFill>
-              <a:latin typeface="나눔고딕" pitchFamily="50" charset="-127"/>
-              <a:ea typeface="나눔고딕" pitchFamily="50" charset="-127"/>
-            </a:endParaRPr>
-          </a:p>
-        </p:txBody>
-      </p:sp>
-      <p:sp>
-        <p:nvSpPr>
-          <p:cNvPr id="16" name="TextBox 15"/>
-          <p:cNvSpPr txBox="1"/>
-          <p:nvPr/>
-        </p:nvSpPr>
-        <p:spPr>
-          <a:xfrm>
-            <a:off x="179512" y="92643"/>
-            <a:ext cx="2339976" cy="178510"/>
-          </a:xfrm>
-          <a:prstGeom prst="rect">
-            <a:avLst/>
-          </a:prstGeom>
-          <a:noFill/>
-        </p:spPr>
-        <p:txBody>
-          <a:bodyPr wrap="square" rtlCol="0">
-            <a:spAutoFit/>
-          </a:bodyPr>
-          <a:lstStyle/>
-          <a:p>
-            <a:pPr>
-              <a:lnSpc>
-                <a:spcPct val="80000"/>
-              </a:lnSpc>
-            </a:pPr>
-            <a:r>
-              <a:rPr lang="en-US" altLang="ko-KR" sz="700" b="1" dirty="0" smtClean="0">
-                <a:solidFill>
-                  <a:schemeClr val="tx1">
-                    <a:lumMod val="75000"/>
-                    <a:lumOff val="25000"/>
-                  </a:schemeClr>
-                </a:solidFill>
-                <a:latin typeface="나눔고딕" pitchFamily="50" charset="-127"/>
-                <a:ea typeface="나눔고딕" pitchFamily="50" charset="-127"/>
-              </a:rPr>
-              <a:t>Design Plan   |   </a:t>
-            </a:r>
-            <a:r>
-              <a:rPr lang="ko-KR" altLang="en-US" sz="700" b="1" dirty="0" smtClean="0">
-                <a:solidFill>
-                  <a:schemeClr val="tx1">
-                    <a:lumMod val="75000"/>
-                    <a:lumOff val="25000"/>
-                  </a:schemeClr>
-                </a:solidFill>
-                <a:latin typeface="나눔고딕" pitchFamily="50" charset="-127"/>
-                <a:ea typeface="나눔고딕" pitchFamily="50" charset="-127"/>
-              </a:rPr>
-              <a:t>구역</a:t>
-            </a:r>
-            <a:endParaRPr lang="ko-KR" altLang="en-US" sz="700" b="1" dirty="0">
-              <a:solidFill>
-                <a:schemeClr val="tx1">
-                  <a:lumMod val="75000"/>
-                  <a:lumOff val="25000"/>
-                </a:schemeClr>
-              </a:solidFill>
-              <a:latin typeface="나눔고딕" pitchFamily="50" charset="-127"/>
-              <a:ea typeface="나눔고딕" pitchFamily="50" charset="-127"/>
-            </a:endParaRPr>
-          </a:p>
-        </p:txBody>
-      </p:sp>
-      <p:pic>
-        <p:nvPicPr>
-          <p:cNvPr id="3074" name="Picture 2" descr="C:\Documents and Settings\nhn\바탕 화면\이미지소스\도면01.png"/>
-          <p:cNvPicPr>
-            <a:picLocks noChangeAspect="1" noChangeArrowheads="1"/>
-          </p:cNvPicPr>
-          <p:nvPr/>
-        </p:nvPicPr>
-        <p:blipFill>
-          <a:blip r:embed="rId3" cstate="email"/>
-          <a:srcRect/>
-          <a:stretch>
-            <a:fillRect/>
-          </a:stretch>
-        </p:blipFill>
-        <p:spPr bwMode="auto">
-          <a:xfrm>
-            <a:off x="323527" y="1386921"/>
-            <a:ext cx="8280921" cy="4500353"/>
-          </a:xfrm>
-          <a:prstGeom prst="rect">
-            <a:avLst/>
-          </a:prstGeom>
-          <a:noFill/>
-        </p:spPr>
-      </p:pic>
-      <p:sp>
-        <p:nvSpPr>
-          <p:cNvPr id="26" name="TextBox 25"/>
-          <p:cNvSpPr txBox="1"/>
-          <p:nvPr/>
-        </p:nvSpPr>
-        <p:spPr>
-          <a:xfrm>
-            <a:off x="971600" y="6021288"/>
-            <a:ext cx="1512168" cy="387798"/>
-          </a:xfrm>
-          <a:prstGeom prst="rect">
-            <a:avLst/>
-          </a:prstGeom>
-          <a:noFill/>
-        </p:spPr>
-        <p:txBody>
-          <a:bodyPr wrap="square" rtlCol="0">
-            <a:spAutoFit/>
-          </a:bodyPr>
-          <a:lstStyle/>
-          <a:p>
-            <a:pPr algn="ctr">
-              <a:lnSpc>
-                <a:spcPct val="120000"/>
-              </a:lnSpc>
-            </a:pPr>
-            <a:r>
-              <a:rPr lang="en-US" altLang="ko-KR" sz="800" b="1" dirty="0" smtClean="0">
-                <a:gradFill>
-                  <a:gsLst>
-                    <a:gs pos="0">
-                      <a:schemeClr val="tx1">
-                        <a:lumMod val="75000"/>
-                        <a:lumOff val="25000"/>
-                      </a:schemeClr>
-                    </a:gs>
-                    <a:gs pos="100000">
-                      <a:schemeClr val="tx1">
-                        <a:lumMod val="75000"/>
-                        <a:lumOff val="25000"/>
-                      </a:schemeClr>
-                    </a:gs>
-                  </a:gsLst>
-                  <a:lin ang="5400000" scaled="0"/>
-                </a:gradFill>
-                <a:latin typeface="나눔고딕" pitchFamily="50" charset="-127"/>
-                <a:ea typeface="나눔고딕" pitchFamily="50" charset="-127"/>
-              </a:rPr>
-              <a:t>2 Seminar Room</a:t>
-            </a:r>
-          </a:p>
-          <a:p>
-            <a:pPr algn="ctr">
-              <a:lnSpc>
-                <a:spcPct val="120000"/>
-              </a:lnSpc>
-            </a:pPr>
-            <a:r>
-              <a:rPr lang="en-US" altLang="ko-KR" sz="800" b="1" dirty="0" smtClean="0">
-                <a:gradFill>
-                  <a:gsLst>
-                    <a:gs pos="0">
-                      <a:schemeClr val="tx1">
-                        <a:lumMod val="75000"/>
-                        <a:lumOff val="25000"/>
-                      </a:schemeClr>
-                    </a:gs>
-                    <a:gs pos="100000">
-                      <a:schemeClr val="tx1">
-                        <a:lumMod val="75000"/>
-                        <a:lumOff val="25000"/>
-                      </a:schemeClr>
-                    </a:gs>
-                  </a:gsLst>
-                  <a:lin ang="5400000" scaled="0"/>
-                </a:gradFill>
-                <a:latin typeface="나눔고딕" pitchFamily="50" charset="-127"/>
-                <a:ea typeface="나눔고딕" pitchFamily="50" charset="-127"/>
-              </a:rPr>
-              <a:t>60</a:t>
-            </a:r>
-            <a:r>
-              <a:rPr lang="ko-KR" altLang="en-US" sz="800" b="1" dirty="0" smtClean="0">
-                <a:gradFill>
-                  <a:gsLst>
-                    <a:gs pos="0">
-                      <a:schemeClr val="tx1">
-                        <a:lumMod val="75000"/>
-                        <a:lumOff val="25000"/>
-                      </a:schemeClr>
-                    </a:gs>
-                    <a:gs pos="100000">
-                      <a:schemeClr val="tx1">
-                        <a:lumMod val="75000"/>
-                        <a:lumOff val="25000"/>
-                      </a:schemeClr>
-                    </a:gs>
-                  </a:gsLst>
-                  <a:lin ang="5400000" scaled="0"/>
-                </a:gradFill>
-                <a:latin typeface="나눔고딕" pitchFamily="50" charset="-127"/>
-                <a:ea typeface="나눔고딕" pitchFamily="50" charset="-127"/>
-              </a:rPr>
-              <a:t>인 입실 </a:t>
-            </a:r>
-            <a:r>
-              <a:rPr lang="en-US" altLang="ko-KR" sz="800" b="1" dirty="0" smtClean="0">
-                <a:gradFill>
-                  <a:gsLst>
-                    <a:gs pos="0">
-                      <a:schemeClr val="tx1">
-                        <a:lumMod val="75000"/>
-                        <a:lumOff val="25000"/>
-                      </a:schemeClr>
-                    </a:gs>
-                    <a:gs pos="100000">
-                      <a:schemeClr val="tx1">
-                        <a:lumMod val="75000"/>
-                        <a:lumOff val="25000"/>
-                      </a:schemeClr>
-                    </a:gs>
-                  </a:gsLst>
-                  <a:lin ang="5400000" scaled="0"/>
-                </a:gradFill>
-                <a:latin typeface="나눔고딕" pitchFamily="50" charset="-127"/>
-                <a:ea typeface="나눔고딕" pitchFamily="50" charset="-127"/>
-              </a:rPr>
-              <a:t>x 2</a:t>
-            </a:r>
-            <a:endParaRPr lang="ko-KR" altLang="en-US" sz="800" b="1" dirty="0">
-              <a:gradFill>
-                <a:gsLst>
-                  <a:gs pos="0">
-                    <a:schemeClr val="tx1">
-                      <a:lumMod val="75000"/>
-                      <a:lumOff val="25000"/>
-                    </a:schemeClr>
-                  </a:gs>
-                  <a:gs pos="100000">
-                    <a:schemeClr val="tx1">
-                      <a:lumMod val="75000"/>
-                      <a:lumOff val="25000"/>
-                    </a:schemeClr>
-                  </a:gs>
-                </a:gsLst>
-                <a:lin ang="5400000" scaled="0"/>
-              </a:gradFill>
-              <a:latin typeface="나눔고딕" pitchFamily="50" charset="-127"/>
-              <a:ea typeface="나눔고딕" pitchFamily="50" charset="-127"/>
-            </a:endParaRPr>
-          </a:p>
-        </p:txBody>
-      </p:sp>
-      <p:sp>
-        <p:nvSpPr>
-          <p:cNvPr id="27" name="TextBox 26"/>
-          <p:cNvSpPr txBox="1"/>
-          <p:nvPr/>
-        </p:nvSpPr>
-        <p:spPr>
-          <a:xfrm>
-            <a:off x="3787536" y="6021288"/>
-            <a:ext cx="1512168" cy="387798"/>
-          </a:xfrm>
-          <a:prstGeom prst="rect">
-            <a:avLst/>
-          </a:prstGeom>
-          <a:noFill/>
-        </p:spPr>
-        <p:txBody>
-          <a:bodyPr wrap="square" rtlCol="0">
-            <a:spAutoFit/>
-          </a:bodyPr>
-          <a:lstStyle/>
-          <a:p>
-            <a:pPr algn="ctr">
-              <a:lnSpc>
-                <a:spcPct val="120000"/>
-              </a:lnSpc>
-            </a:pPr>
-            <a:r>
-              <a:rPr lang="en-US" altLang="ko-KR" sz="800" b="1" dirty="0" smtClean="0">
-                <a:gradFill>
-                  <a:gsLst>
-                    <a:gs pos="0">
-                      <a:schemeClr val="tx1">
-                        <a:lumMod val="75000"/>
-                        <a:lumOff val="25000"/>
-                      </a:schemeClr>
-                    </a:gs>
-                    <a:gs pos="100000">
-                      <a:schemeClr val="tx1">
-                        <a:lumMod val="75000"/>
-                        <a:lumOff val="25000"/>
-                      </a:schemeClr>
-                    </a:gs>
-                  </a:gsLst>
-                  <a:lin ang="5400000" scaled="0"/>
-                </a:gradFill>
-                <a:latin typeface="나눔고딕" pitchFamily="50" charset="-127"/>
-                <a:ea typeface="나눔고딕" pitchFamily="50" charset="-127"/>
-              </a:rPr>
-              <a:t>1 Seminar Room</a:t>
-            </a:r>
-          </a:p>
-          <a:p>
-            <a:pPr algn="ctr">
-              <a:lnSpc>
-                <a:spcPct val="120000"/>
-              </a:lnSpc>
-            </a:pPr>
-            <a:r>
-              <a:rPr lang="en-US" altLang="ko-KR" sz="800" b="1" dirty="0" smtClean="0">
-                <a:gradFill>
-                  <a:gsLst>
-                    <a:gs pos="0">
-                      <a:schemeClr val="tx1">
-                        <a:lumMod val="75000"/>
-                        <a:lumOff val="25000"/>
-                      </a:schemeClr>
-                    </a:gs>
-                    <a:gs pos="100000">
-                      <a:schemeClr val="tx1">
-                        <a:lumMod val="75000"/>
-                        <a:lumOff val="25000"/>
-                      </a:schemeClr>
-                    </a:gs>
-                  </a:gsLst>
-                  <a:lin ang="5400000" scaled="0"/>
-                </a:gradFill>
-                <a:latin typeface="나눔고딕" pitchFamily="50" charset="-127"/>
-                <a:ea typeface="나눔고딕" pitchFamily="50" charset="-127"/>
-              </a:rPr>
-              <a:t>120</a:t>
-            </a:r>
-            <a:r>
-              <a:rPr lang="ko-KR" altLang="en-US" sz="800" b="1" dirty="0" smtClean="0">
-                <a:gradFill>
-                  <a:gsLst>
-                    <a:gs pos="0">
-                      <a:schemeClr val="tx1">
-                        <a:lumMod val="75000"/>
-                        <a:lumOff val="25000"/>
-                      </a:schemeClr>
-                    </a:gs>
-                    <a:gs pos="100000">
-                      <a:schemeClr val="tx1">
-                        <a:lumMod val="75000"/>
-                        <a:lumOff val="25000"/>
-                      </a:schemeClr>
-                    </a:gs>
-                  </a:gsLst>
-                  <a:lin ang="5400000" scaled="0"/>
-                </a:gradFill>
-                <a:latin typeface="나눔고딕" pitchFamily="50" charset="-127"/>
-                <a:ea typeface="나눔고딕" pitchFamily="50" charset="-127"/>
-              </a:rPr>
-              <a:t>인 입실 </a:t>
-            </a:r>
-            <a:r>
-              <a:rPr lang="en-US" altLang="ko-KR" sz="800" b="1" dirty="0" smtClean="0">
-                <a:gradFill>
-                  <a:gsLst>
-                    <a:gs pos="0">
-                      <a:schemeClr val="tx1">
-                        <a:lumMod val="75000"/>
-                        <a:lumOff val="25000"/>
-                      </a:schemeClr>
-                    </a:gs>
-                    <a:gs pos="100000">
-                      <a:schemeClr val="tx1">
-                        <a:lumMod val="75000"/>
-                        <a:lumOff val="25000"/>
-                      </a:schemeClr>
-                    </a:gs>
-                  </a:gsLst>
-                  <a:lin ang="5400000" scaled="0"/>
-                </a:gradFill>
-                <a:latin typeface="나눔고딕" pitchFamily="50" charset="-127"/>
-                <a:ea typeface="나눔고딕" pitchFamily="50" charset="-127"/>
-              </a:rPr>
-              <a:t>x 1</a:t>
-            </a:r>
-            <a:endParaRPr lang="ko-KR" altLang="en-US" sz="800" b="1" dirty="0">
-              <a:gradFill>
-                <a:gsLst>
-                  <a:gs pos="0">
-                    <a:schemeClr val="tx1">
-                      <a:lumMod val="75000"/>
-                      <a:lumOff val="25000"/>
-                    </a:schemeClr>
-                  </a:gs>
-                  <a:gs pos="100000">
-                    <a:schemeClr val="tx1">
-                      <a:lumMod val="75000"/>
-                      <a:lumOff val="25000"/>
-                    </a:schemeClr>
-                  </a:gs>
-                </a:gsLst>
-                <a:lin ang="5400000" scaled="0"/>
-              </a:gradFill>
-              <a:latin typeface="나눔고딕" pitchFamily="50" charset="-127"/>
-              <a:ea typeface="나눔고딕" pitchFamily="50" charset="-127"/>
-            </a:endParaRPr>
-          </a:p>
-        </p:txBody>
-      </p:sp>
-      <p:sp>
-        <p:nvSpPr>
-          <p:cNvPr id="28" name="TextBox 27"/>
-          <p:cNvSpPr txBox="1"/>
-          <p:nvPr/>
-        </p:nvSpPr>
-        <p:spPr>
-          <a:xfrm>
-            <a:off x="6759336" y="6021288"/>
-            <a:ext cx="1512168" cy="387798"/>
-          </a:xfrm>
-          <a:prstGeom prst="rect">
-            <a:avLst/>
-          </a:prstGeom>
-          <a:noFill/>
-        </p:spPr>
-        <p:txBody>
-          <a:bodyPr wrap="square" rtlCol="0">
-            <a:spAutoFit/>
-          </a:bodyPr>
-          <a:lstStyle/>
-          <a:p>
-            <a:pPr algn="ctr">
-              <a:lnSpc>
-                <a:spcPct val="120000"/>
-              </a:lnSpc>
-            </a:pPr>
-            <a:r>
-              <a:rPr lang="en-US" altLang="ko-KR" sz="800" b="1" dirty="0" smtClean="0">
-                <a:gradFill>
-                  <a:gsLst>
-                    <a:gs pos="0">
-                      <a:schemeClr val="tx1">
-                        <a:lumMod val="75000"/>
-                        <a:lumOff val="25000"/>
-                      </a:schemeClr>
-                    </a:gs>
-                    <a:gs pos="100000">
-                      <a:schemeClr val="tx1">
-                        <a:lumMod val="75000"/>
-                        <a:lumOff val="25000"/>
-                      </a:schemeClr>
-                    </a:gs>
-                  </a:gsLst>
-                  <a:lin ang="5400000" scaled="0"/>
-                </a:gradFill>
-                <a:latin typeface="나눔고딕" pitchFamily="50" charset="-127"/>
-                <a:ea typeface="나눔고딕" pitchFamily="50" charset="-127"/>
-              </a:rPr>
-              <a:t>Open Dining</a:t>
-            </a:r>
-          </a:p>
-          <a:p>
-            <a:pPr algn="ctr">
-              <a:lnSpc>
-                <a:spcPct val="120000"/>
-              </a:lnSpc>
-            </a:pPr>
-            <a:r>
-              <a:rPr lang="ko-KR" altLang="en-US" sz="800" b="1" dirty="0" smtClean="0">
-                <a:gradFill>
-                  <a:gsLst>
-                    <a:gs pos="0">
-                      <a:schemeClr val="tx1">
-                        <a:lumMod val="75000"/>
-                        <a:lumOff val="25000"/>
-                      </a:schemeClr>
-                    </a:gs>
-                    <a:gs pos="100000">
-                      <a:schemeClr val="tx1">
-                        <a:lumMod val="75000"/>
-                        <a:lumOff val="25000"/>
-                      </a:schemeClr>
-                    </a:gs>
-                  </a:gsLst>
-                  <a:lin ang="5400000" scaled="0"/>
-                </a:gradFill>
-                <a:latin typeface="나눔고딕" pitchFamily="50" charset="-127"/>
-                <a:ea typeface="나눔고딕" pitchFamily="50" charset="-127"/>
-              </a:rPr>
-              <a:t>마주보고 앉는 형식</a:t>
-            </a:r>
-            <a:endParaRPr lang="ko-KR" altLang="en-US" sz="800" b="1" dirty="0">
-              <a:gradFill>
-                <a:gsLst>
-                  <a:gs pos="0">
-                    <a:schemeClr val="tx1">
-                      <a:lumMod val="75000"/>
-                      <a:lumOff val="25000"/>
-                    </a:schemeClr>
-                  </a:gs>
-                  <a:gs pos="100000">
-                    <a:schemeClr val="tx1">
-                      <a:lumMod val="75000"/>
-                      <a:lumOff val="25000"/>
-                    </a:schemeClr>
-                  </a:gs>
-                </a:gsLst>
-                <a:lin ang="5400000" scaled="0"/>
-              </a:gradFill>
-              <a:latin typeface="나눔고딕" pitchFamily="50" charset="-127"/>
-              <a:ea typeface="나눔고딕" pitchFamily="50" charset="-127"/>
-            </a:endParaRPr>
-          </a:p>
-        </p:txBody>
-      </p:sp>
-      <p:sp>
-        <p:nvSpPr>
-          <p:cNvPr id="11" name="TextBox 10"/>
-          <p:cNvSpPr txBox="1"/>
-          <p:nvPr/>
-        </p:nvSpPr>
-        <p:spPr>
-          <a:xfrm>
-            <a:off x="6660232" y="92643"/>
-            <a:ext cx="2339976" cy="178510"/>
-          </a:xfrm>
-          <a:prstGeom prst="rect">
-            <a:avLst/>
-          </a:prstGeom>
-          <a:noFill/>
-        </p:spPr>
-        <p:txBody>
-          <a:bodyPr wrap="square" rtlCol="0">
-            <a:spAutoFit/>
-          </a:bodyPr>
-          <a:lstStyle/>
-          <a:p>
-            <a:pPr algn="r">
-              <a:lnSpc>
-                <a:spcPct val="80000"/>
-              </a:lnSpc>
-            </a:pPr>
-            <a:fld id="{828B5CB4-B095-413D-B8C5-1DA2C2E14324}" type="slidenum">
-              <a:rPr lang="en-US" altLang="ko-KR" sz="700" b="1" smtClean="0">
-                <a:solidFill>
-                  <a:schemeClr val="tx1">
-                    <a:lumMod val="75000"/>
-                    <a:lumOff val="25000"/>
-                  </a:schemeClr>
-                </a:solidFill>
-                <a:latin typeface="나눔고딕" pitchFamily="50" charset="-127"/>
-                <a:ea typeface="나눔고딕" pitchFamily="50" charset="-127"/>
-              </a:rPr>
-              <a:pPr algn="r">
-                <a:lnSpc>
-                  <a:spcPct val="80000"/>
-                </a:lnSpc>
-              </a:pPr>
-              <a:t>17</a:t>
-            </a:fld>
-            <a:r>
-              <a:rPr lang="en-US" altLang="ko-KR" sz="700" b="1" dirty="0" smtClean="0">
-                <a:solidFill>
-                  <a:schemeClr val="tx1">
-                    <a:lumMod val="75000"/>
-                    <a:lumOff val="25000"/>
-                  </a:schemeClr>
-                </a:solidFill>
-                <a:latin typeface="나눔고딕" pitchFamily="50" charset="-127"/>
-                <a:ea typeface="나눔고딕" pitchFamily="50" charset="-127"/>
-              </a:rPr>
-              <a:t>   |  42</a:t>
-            </a:r>
-            <a:endParaRPr lang="ko-KR" altLang="en-US" sz="700" b="1" dirty="0">
-              <a:solidFill>
-                <a:schemeClr val="tx1">
-                  <a:lumMod val="75000"/>
-                  <a:lumOff val="25000"/>
-                </a:schemeClr>
-              </a:solidFill>
-              <a:latin typeface="나눔고딕" pitchFamily="50" charset="-127"/>
-              <a:ea typeface="나눔고딕" pitchFamily="50" charset="-127"/>
-            </a:endParaRPr>
-          </a:p>
-        </p:txBody>
-      </p:sp>
-    </p:spTree>
-  </p:cSld>
-  <p:clrMapOvr>
-    <a:masterClrMapping/>
-  </p:clrMapOvr>
-  <p:transition/>
-  <p:timing>
-    <p:tnLst>
-      <p:par>
-        <p:cTn id="1" dur="indefinite" restart="never" nodeType="tmRoot"/>
-      </p:par>
-    </p:tnLst>
-  </p:timing>
-</p:sld>
-</file>
-
-<file path=ppt/slides/slide18.xml><?xml version="1.0" encoding="utf-8"?>
-<p:sld xmlns:a="http://schemas.openxmlformats.org/drawingml/2006/main" xmlns:r="http://schemas.openxmlformats.org/officeDocument/2006/relationships" xmlns:p="http://schemas.openxmlformats.org/presentationml/2006/main" showMasterSp="0">
-  <p:cSld>
-    <p:spTree>
-      <p:nvGrpSpPr>
-        <p:cNvPr id="1" name=""/>
-        <p:cNvGrpSpPr/>
-        <p:nvPr/>
-      </p:nvGrpSpPr>
-      <p:grpSpPr>
-        <a:xfrm>
-          <a:off x="0" y="0"/>
-          <a:ext cx="0" cy="0"/>
-          <a:chOff x="0" y="0"/>
-          <a:chExt cx="0" cy="0"/>
-        </a:xfrm>
-      </p:grpSpPr>
-      <p:pic>
-        <p:nvPicPr>
-          <p:cNvPr id="2051" name="Picture 3" descr="C:\Documents and Settings\nhn\바탕 화면\이미지소스\스케치01.png"/>
-          <p:cNvPicPr>
-            <a:picLocks noChangeAspect="1" noChangeArrowheads="1"/>
-          </p:cNvPicPr>
-          <p:nvPr/>
-        </p:nvPicPr>
-        <p:blipFill>
-          <a:blip r:embed="rId3" cstate="email"/>
-          <a:srcRect b="3524"/>
-          <a:stretch>
-            <a:fillRect/>
-          </a:stretch>
-        </p:blipFill>
-        <p:spPr bwMode="auto">
-          <a:xfrm>
-            <a:off x="971600" y="539649"/>
-            <a:ext cx="8136904" cy="5913687"/>
-          </a:xfrm>
-          <a:prstGeom prst="rect">
-            <a:avLst/>
-          </a:prstGeom>
-          <a:noFill/>
-        </p:spPr>
-      </p:pic>
-      <p:sp>
-        <p:nvSpPr>
-          <p:cNvPr id="9" name="직사각형 8"/>
-          <p:cNvSpPr/>
-          <p:nvPr/>
-        </p:nvSpPr>
-        <p:spPr>
-          <a:xfrm>
-            <a:off x="323528" y="4239344"/>
-            <a:ext cx="2797200" cy="2286000"/>
-          </a:xfrm>
-          <a:prstGeom prst="rect">
-            <a:avLst/>
-          </a:prstGeom>
-          <a:solidFill>
-            <a:schemeClr val="bg1"/>
-          </a:solidFill>
-          <a:ln>
-            <a:noFill/>
-          </a:ln>
-          <a:effectLst>
-            <a:outerShdw blurRad="88900" algn="ctr" rotWithShape="0">
-              <a:prstClr val="black">
-                <a:alpha val="40000"/>
-              </a:prstClr>
-            </a:outerShdw>
-          </a:effectLst>
-        </p:spPr>
-        <p:style>
-          <a:lnRef idx="2">
-            <a:schemeClr val="accent1">
-              <a:shade val="50000"/>
-            </a:schemeClr>
-          </a:lnRef>
-          <a:fillRef idx="1">
-            <a:schemeClr val="accent1"/>
-          </a:fillRef>
-          <a:effectRef idx="0">
-            <a:schemeClr val="accent1"/>
-          </a:effectRef>
-          <a:fontRef idx="minor">
-            <a:schemeClr val="lt1"/>
-          </a:fontRef>
-        </p:style>
-        <p:txBody>
-          <a:bodyPr rtlCol="0" anchor="ctr"/>
-          <a:lstStyle/>
-          <a:p>
-            <a:pPr algn="ctr"/>
-            <a:endParaRPr lang="ko-KR" altLang="en-US"/>
-          </a:p>
-        </p:txBody>
-      </p:sp>
-      <p:cxnSp>
-        <p:nvCxnSpPr>
-          <p:cNvPr id="15" name="직선 연결선 14"/>
-          <p:cNvCxnSpPr/>
-          <p:nvPr/>
-        </p:nvCxnSpPr>
-        <p:spPr>
-          <a:xfrm>
-            <a:off x="251520" y="332656"/>
-            <a:ext cx="8640960" cy="0"/>
-          </a:xfrm>
-          <a:prstGeom prst="line">
-            <a:avLst/>
-          </a:prstGeom>
-          <a:ln w="3175">
-            <a:solidFill>
-              <a:srgbClr val="68727E"/>
-            </a:solidFill>
-          </a:ln>
-        </p:spPr>
-        <p:style>
-          <a:lnRef idx="1">
-            <a:schemeClr val="accent1"/>
-          </a:lnRef>
-          <a:fillRef idx="0">
-            <a:schemeClr val="accent1"/>
-          </a:fillRef>
-          <a:effectRef idx="0">
-            <a:schemeClr val="accent1"/>
-          </a:effectRef>
-          <a:fontRef idx="minor">
-            <a:schemeClr val="tx1"/>
-          </a:fontRef>
-        </p:style>
-      </p:cxnSp>
-      <p:sp>
-        <p:nvSpPr>
-          <p:cNvPr id="12" name="TextBox 11"/>
-          <p:cNvSpPr txBox="1"/>
-          <p:nvPr/>
-        </p:nvSpPr>
-        <p:spPr>
-          <a:xfrm>
-            <a:off x="179512" y="461804"/>
-            <a:ext cx="3672408" cy="424732"/>
-          </a:xfrm>
-          <a:prstGeom prst="rect">
-            <a:avLst/>
-          </a:prstGeom>
-          <a:noFill/>
-        </p:spPr>
-        <p:txBody>
-          <a:bodyPr wrap="square" rtlCol="0">
-            <a:spAutoFit/>
-          </a:bodyPr>
-          <a:lstStyle/>
-          <a:p>
-            <a:pPr>
-              <a:lnSpc>
-                <a:spcPct val="90000"/>
-              </a:lnSpc>
-            </a:pPr>
-            <a:r>
-              <a:rPr lang="ko-KR" altLang="en-US" sz="2400" spc="-30" dirty="0" smtClean="0">
-                <a:gradFill>
-                  <a:gsLst>
-                    <a:gs pos="0">
-                      <a:srgbClr val="C00000"/>
-                    </a:gs>
-                    <a:gs pos="100000">
-                      <a:srgbClr val="C00000"/>
-                    </a:gs>
-                  </a:gsLst>
-                  <a:lin ang="5400000" scaled="0"/>
-                </a:gradFill>
-                <a:latin typeface="나눔고딕" pitchFamily="50" charset="-127"/>
-                <a:ea typeface="나눔고딕" pitchFamily="50" charset="-127"/>
-              </a:rPr>
-              <a:t>구역 </a:t>
-            </a:r>
-            <a:r>
-              <a:rPr lang="en-US" altLang="ko-KR" sz="2400" spc="-30" dirty="0" smtClean="0">
-                <a:gradFill>
-                  <a:gsLst>
-                    <a:gs pos="0">
-                      <a:srgbClr val="C00000"/>
-                    </a:gs>
-                    <a:gs pos="100000">
-                      <a:srgbClr val="C00000"/>
-                    </a:gs>
-                  </a:gsLst>
-                  <a:lin ang="5400000" scaled="0"/>
-                </a:gradFill>
-                <a:latin typeface="나눔고딕" pitchFamily="50" charset="-127"/>
-                <a:ea typeface="나눔고딕" pitchFamily="50" charset="-127"/>
-              </a:rPr>
-              <a:t>: </a:t>
-            </a:r>
-            <a:r>
-              <a:rPr lang="ko-KR" altLang="en-US" sz="2400" spc="-30" dirty="0" smtClean="0">
-                <a:gradFill>
-                  <a:gsLst>
-                    <a:gs pos="0">
-                      <a:srgbClr val="C00000"/>
-                    </a:gs>
-                    <a:gs pos="100000">
-                      <a:srgbClr val="C00000"/>
-                    </a:gs>
-                  </a:gsLst>
-                  <a:lin ang="5400000" scaled="0"/>
-                </a:gradFill>
-                <a:latin typeface="나눔고딕" pitchFamily="50" charset="-127"/>
-                <a:ea typeface="나눔고딕" pitchFamily="50" charset="-127"/>
-              </a:rPr>
-              <a:t>용도</a:t>
-            </a:r>
-            <a:endParaRPr lang="ko-KR" altLang="en-US" sz="2400" spc="-30" dirty="0">
-              <a:gradFill>
-                <a:gsLst>
-                  <a:gs pos="0">
-                    <a:srgbClr val="C00000"/>
-                  </a:gs>
-                  <a:gs pos="100000">
-                    <a:srgbClr val="C00000"/>
-                  </a:gs>
-                </a:gsLst>
-                <a:lin ang="5400000" scaled="0"/>
-              </a:gradFill>
-              <a:latin typeface="나눔고딕" pitchFamily="50" charset="-127"/>
-              <a:ea typeface="나눔고딕" pitchFamily="50" charset="-127"/>
-            </a:endParaRPr>
-          </a:p>
-        </p:txBody>
-      </p:sp>
-      <p:sp>
-        <p:nvSpPr>
-          <p:cNvPr id="13" name="TextBox 12"/>
-          <p:cNvSpPr txBox="1"/>
-          <p:nvPr/>
-        </p:nvSpPr>
-        <p:spPr>
-          <a:xfrm>
-            <a:off x="179512" y="92643"/>
-            <a:ext cx="2339976" cy="178510"/>
-          </a:xfrm>
-          <a:prstGeom prst="rect">
-            <a:avLst/>
-          </a:prstGeom>
-          <a:noFill/>
-        </p:spPr>
-        <p:txBody>
-          <a:bodyPr wrap="square" rtlCol="0">
-            <a:spAutoFit/>
-          </a:bodyPr>
-          <a:lstStyle/>
-          <a:p>
-            <a:pPr>
-              <a:lnSpc>
-                <a:spcPct val="80000"/>
-              </a:lnSpc>
-            </a:pPr>
-            <a:r>
-              <a:rPr lang="en-US" altLang="ko-KR" sz="700" b="1" dirty="0" smtClean="0">
-                <a:solidFill>
-                  <a:schemeClr val="tx1">
-                    <a:lumMod val="75000"/>
-                    <a:lumOff val="25000"/>
-                  </a:schemeClr>
-                </a:solidFill>
-                <a:latin typeface="나눔고딕" pitchFamily="50" charset="-127"/>
-                <a:ea typeface="나눔고딕" pitchFamily="50" charset="-127"/>
-              </a:rPr>
-              <a:t>Design Plan   |   </a:t>
-            </a:r>
-            <a:r>
-              <a:rPr lang="ko-KR" altLang="en-US" sz="700" b="1" dirty="0" smtClean="0">
-                <a:solidFill>
-                  <a:schemeClr val="tx1">
-                    <a:lumMod val="75000"/>
-                    <a:lumOff val="25000"/>
-                  </a:schemeClr>
-                </a:solidFill>
-                <a:latin typeface="나눔고딕" pitchFamily="50" charset="-127"/>
-                <a:ea typeface="나눔고딕" pitchFamily="50" charset="-127"/>
-              </a:rPr>
-              <a:t>구역</a:t>
-            </a:r>
-            <a:endParaRPr lang="ko-KR" altLang="en-US" sz="700" b="1" dirty="0">
-              <a:solidFill>
-                <a:schemeClr val="tx1">
-                  <a:lumMod val="75000"/>
-                  <a:lumOff val="25000"/>
-                </a:schemeClr>
-              </a:solidFill>
-              <a:latin typeface="나눔고딕" pitchFamily="50" charset="-127"/>
-              <a:ea typeface="나눔고딕" pitchFamily="50" charset="-127"/>
-            </a:endParaRPr>
-          </a:p>
-        </p:txBody>
-      </p:sp>
-      <p:pic>
-        <p:nvPicPr>
-          <p:cNvPr id="7" name="Picture 5"/>
-          <p:cNvPicPr>
-            <a:picLocks noChangeAspect="1" noChangeArrowheads="1"/>
-          </p:cNvPicPr>
-          <p:nvPr/>
-        </p:nvPicPr>
-        <p:blipFill>
-          <a:blip r:embed="rId4" cstate="email"/>
-          <a:srcRect/>
-          <a:stretch>
-            <a:fillRect/>
-          </a:stretch>
-        </p:blipFill>
-        <p:spPr bwMode="auto">
-          <a:xfrm>
-            <a:off x="394840" y="4615557"/>
-            <a:ext cx="2664992" cy="1787697"/>
-          </a:xfrm>
-          <a:prstGeom prst="rect">
-            <a:avLst/>
-          </a:prstGeom>
-          <a:noFill/>
-          <a:ln w="127000">
-            <a:noFill/>
-            <a:miter lim="800000"/>
-            <a:headEnd/>
-            <a:tailEnd/>
-          </a:ln>
-          <a:effectLst/>
-        </p:spPr>
-      </p:pic>
-      <p:sp>
-        <p:nvSpPr>
-          <p:cNvPr id="8" name="직사각형 7"/>
-          <p:cNvSpPr/>
-          <p:nvPr/>
-        </p:nvSpPr>
-        <p:spPr>
-          <a:xfrm>
-            <a:off x="1403648" y="5751513"/>
-            <a:ext cx="1592982" cy="598081"/>
-          </a:xfrm>
-          <a:prstGeom prst="rect">
-            <a:avLst/>
-          </a:prstGeom>
-          <a:noFill/>
-          <a:ln w="57150">
-            <a:solidFill>
-              <a:srgbClr val="C00000"/>
-            </a:solidFill>
-            <a:miter lim="800000"/>
-          </a:ln>
-        </p:spPr>
-        <p:style>
-          <a:lnRef idx="2">
-            <a:schemeClr val="accent1">
-              <a:shade val="50000"/>
-            </a:schemeClr>
-          </a:lnRef>
-          <a:fillRef idx="1">
-            <a:schemeClr val="accent1"/>
-          </a:fillRef>
-          <a:effectRef idx="0">
-            <a:schemeClr val="accent1"/>
-          </a:effectRef>
-          <a:fontRef idx="minor">
-            <a:schemeClr val="lt1"/>
-          </a:fontRef>
-        </p:style>
-        <p:txBody>
-          <a:bodyPr rtlCol="0" anchor="ctr"/>
-          <a:lstStyle/>
-          <a:p>
-            <a:pPr algn="ctr"/>
-            <a:endParaRPr lang="ko-KR" altLang="en-US"/>
-          </a:p>
-        </p:txBody>
-      </p:sp>
-      <p:sp>
-        <p:nvSpPr>
-          <p:cNvPr id="16" name="TextBox 15"/>
-          <p:cNvSpPr txBox="1"/>
-          <p:nvPr/>
-        </p:nvSpPr>
-        <p:spPr>
-          <a:xfrm>
-            <a:off x="4427984" y="476672"/>
-            <a:ext cx="4320480" cy="1131079"/>
-          </a:xfrm>
-          <a:prstGeom prst="rect">
-            <a:avLst/>
-          </a:prstGeom>
-          <a:noFill/>
-        </p:spPr>
-        <p:txBody>
-          <a:bodyPr wrap="square" rtlCol="0">
-            <a:spAutoFit/>
-          </a:bodyPr>
-          <a:lstStyle/>
-          <a:p>
             <a:pPr>
               <a:lnSpc>
                 <a:spcPct val="150000"/>
               </a:lnSpc>
             </a:pPr>
             <a:r>
-              <a:rPr lang="ko-KR" altLang="en-US" sz="900" spc="-30" dirty="0" smtClean="0">
-                <a:gradFill>
-                  <a:gsLst>
-                    <a:gs pos="0">
-                      <a:schemeClr val="tx1">
-                        <a:lumMod val="75000"/>
-                        <a:lumOff val="25000"/>
-                      </a:schemeClr>
-                    </a:gs>
-                    <a:gs pos="100000">
-                      <a:schemeClr val="tx1">
-                        <a:lumMod val="75000"/>
-                        <a:lumOff val="25000"/>
-                      </a:schemeClr>
-                    </a:gs>
-                  </a:gsLst>
-                  <a:lin ang="5400000" scaled="0"/>
-                </a:gradFill>
-                <a:latin typeface="나눔고딕" pitchFamily="50" charset="-127"/>
-                <a:ea typeface="나눔고딕" pitchFamily="50" charset="-127"/>
-              </a:rPr>
-              <a:t>내용을 작성하세요</a:t>
-            </a:r>
-            <a:r>
-              <a:rPr lang="en-US" altLang="ko-KR" sz="900" spc="-30" dirty="0" smtClean="0">
-                <a:gradFill>
-                  <a:gsLst>
-                    <a:gs pos="0">
-                      <a:schemeClr val="tx1">
-                        <a:lumMod val="75000"/>
-                        <a:lumOff val="25000"/>
-                      </a:schemeClr>
-                    </a:gs>
-                    <a:gs pos="100000">
-                      <a:schemeClr val="tx1">
-                        <a:lumMod val="75000"/>
-                        <a:lumOff val="25000"/>
-                      </a:schemeClr>
-                    </a:gs>
-                  </a:gsLst>
-                  <a:lin ang="5400000" scaled="0"/>
-                </a:gradFill>
-                <a:latin typeface="나눔고딕" pitchFamily="50" charset="-127"/>
-                <a:ea typeface="나눔고딕" pitchFamily="50" charset="-127"/>
-              </a:rPr>
-              <a:t>.</a:t>
-            </a:r>
-          </a:p>
-          <a:p>
-            <a:pPr>
-              <a:lnSpc>
-                <a:spcPct val="150000"/>
-              </a:lnSpc>
-            </a:pPr>
-            <a:r>
-              <a:rPr lang="ko-KR" altLang="en-US" sz="900" spc="-30" dirty="0" smtClean="0">
-                <a:gradFill>
-                  <a:gsLst>
-                    <a:gs pos="0">
-                      <a:schemeClr val="tx1">
-                        <a:lumMod val="75000"/>
-                        <a:lumOff val="25000"/>
-                      </a:schemeClr>
-                    </a:gs>
-                    <a:gs pos="100000">
-                      <a:schemeClr val="tx1">
-                        <a:lumMod val="75000"/>
-                        <a:lumOff val="25000"/>
-                      </a:schemeClr>
-                    </a:gs>
-                  </a:gsLst>
-                  <a:lin ang="5400000" scaled="0"/>
-                </a:gradFill>
-                <a:latin typeface="나눔고딕" pitchFamily="50" charset="-127"/>
-                <a:ea typeface="나눔고딕" pitchFamily="50" charset="-127"/>
-              </a:rPr>
-              <a:t>세부 설명 내용은 </a:t>
-            </a:r>
-            <a:r>
-              <a:rPr lang="ko-KR" altLang="en-US" sz="900" spc="-30" dirty="0" err="1" smtClean="0">
-                <a:gradFill>
-                  <a:gsLst>
-                    <a:gs pos="0">
-                      <a:schemeClr val="tx1">
-                        <a:lumMod val="75000"/>
-                        <a:lumOff val="25000"/>
-                      </a:schemeClr>
-                    </a:gs>
-                    <a:gs pos="100000">
-                      <a:schemeClr val="tx1">
-                        <a:lumMod val="75000"/>
-                        <a:lumOff val="25000"/>
-                      </a:schemeClr>
-                    </a:gs>
-                  </a:gsLst>
-                  <a:lin ang="5400000" scaled="0"/>
-                </a:gradFill>
-                <a:latin typeface="나눔고딕" pitchFamily="50" charset="-127"/>
-                <a:ea typeface="나눔고딕" pitchFamily="50" charset="-127"/>
-              </a:rPr>
-              <a:t>나눔고딕</a:t>
-            </a:r>
-            <a:r>
-              <a:rPr lang="ko-KR" altLang="en-US" sz="900" spc="-30" dirty="0" smtClean="0">
-                <a:gradFill>
-                  <a:gsLst>
-                    <a:gs pos="0">
-                      <a:schemeClr val="tx1">
-                        <a:lumMod val="75000"/>
-                        <a:lumOff val="25000"/>
-                      </a:schemeClr>
-                    </a:gs>
-                    <a:gs pos="100000">
-                      <a:schemeClr val="tx1">
-                        <a:lumMod val="75000"/>
-                        <a:lumOff val="25000"/>
-                      </a:schemeClr>
-                    </a:gs>
-                  </a:gsLst>
-                  <a:lin ang="5400000" scaled="0"/>
-                </a:gradFill>
-                <a:latin typeface="나눔고딕" pitchFamily="50" charset="-127"/>
-                <a:ea typeface="나눔고딕" pitchFamily="50" charset="-127"/>
-              </a:rPr>
-              <a:t> </a:t>
-            </a:r>
-            <a:r>
-              <a:rPr lang="en-US" altLang="ko-KR" sz="900" spc="-30" dirty="0" smtClean="0">
-                <a:gradFill>
-                  <a:gsLst>
-                    <a:gs pos="0">
-                      <a:schemeClr val="tx1">
-                        <a:lumMod val="75000"/>
-                        <a:lumOff val="25000"/>
-                      </a:schemeClr>
-                    </a:gs>
-                    <a:gs pos="100000">
-                      <a:schemeClr val="tx1">
-                        <a:lumMod val="75000"/>
-                        <a:lumOff val="25000"/>
-                      </a:schemeClr>
-                    </a:gs>
-                  </a:gsLst>
-                  <a:lin ang="5400000" scaled="0"/>
-                </a:gradFill>
-                <a:latin typeface="나눔고딕" pitchFamily="50" charset="-127"/>
-                <a:ea typeface="나눔고딕" pitchFamily="50" charset="-127"/>
-              </a:rPr>
-              <a:t>R, 9pt</a:t>
-            </a:r>
-            <a:r>
-              <a:rPr lang="ko-KR" altLang="en-US" sz="900" spc="-30" dirty="0" smtClean="0">
-                <a:gradFill>
-                  <a:gsLst>
-                    <a:gs pos="0">
-                      <a:schemeClr val="tx1">
-                        <a:lumMod val="75000"/>
-                        <a:lumOff val="25000"/>
-                      </a:schemeClr>
-                    </a:gs>
-                    <a:gs pos="100000">
-                      <a:schemeClr val="tx1">
-                        <a:lumMod val="75000"/>
-                        <a:lumOff val="25000"/>
-                      </a:schemeClr>
-                    </a:gs>
-                  </a:gsLst>
-                  <a:lin ang="5400000" scaled="0"/>
-                </a:gradFill>
-                <a:latin typeface="나눔고딕" pitchFamily="50" charset="-127"/>
-                <a:ea typeface="나눔고딕" pitchFamily="50" charset="-127"/>
-              </a:rPr>
-              <a:t>를 권장합니다</a:t>
-            </a:r>
-            <a:r>
-              <a:rPr lang="en-US" altLang="ko-KR" sz="900" spc="-30" dirty="0" smtClean="0">
-                <a:gradFill>
-                  <a:gsLst>
-                    <a:gs pos="0">
-                      <a:schemeClr val="tx1">
-                        <a:lumMod val="75000"/>
-                        <a:lumOff val="25000"/>
-                      </a:schemeClr>
-                    </a:gs>
-                    <a:gs pos="100000">
-                      <a:schemeClr val="tx1">
-                        <a:lumMod val="75000"/>
-                        <a:lumOff val="25000"/>
-                      </a:schemeClr>
-                    </a:gs>
-                  </a:gsLst>
-                  <a:lin ang="5400000" scaled="0"/>
-                </a:gradFill>
-                <a:latin typeface="나눔고딕" pitchFamily="50" charset="-127"/>
-                <a:ea typeface="나눔고딕" pitchFamily="50" charset="-127"/>
-              </a:rPr>
-              <a:t>.</a:t>
-            </a:r>
-          </a:p>
-          <a:p>
-            <a:pPr>
-              <a:lnSpc>
-                <a:spcPct val="150000"/>
-              </a:lnSpc>
-            </a:pPr>
-            <a:r>
-              <a:rPr lang="ko-KR" altLang="en-US" sz="900" spc="-30" dirty="0" smtClean="0">
-                <a:gradFill>
-                  <a:gsLst>
-                    <a:gs pos="0">
-                      <a:schemeClr val="tx1">
-                        <a:lumMod val="75000"/>
-                        <a:lumOff val="25000"/>
-                      </a:schemeClr>
-                    </a:gs>
-                    <a:gs pos="100000">
-                      <a:schemeClr val="tx1">
-                        <a:lumMod val="75000"/>
-                        <a:lumOff val="25000"/>
-                      </a:schemeClr>
-                    </a:gs>
-                  </a:gsLst>
-                  <a:lin ang="5400000" scaled="0"/>
-                </a:gradFill>
-                <a:latin typeface="나눔고딕" pitchFamily="50" charset="-127"/>
-                <a:ea typeface="나눔고딕" pitchFamily="50" charset="-127"/>
-              </a:rPr>
-              <a:t>글자 간격은 좁게 </a:t>
-            </a:r>
-            <a:r>
-              <a:rPr lang="en-US" altLang="ko-KR" sz="900" spc="-30" dirty="0" smtClean="0">
-                <a:gradFill>
-                  <a:gsLst>
-                    <a:gs pos="0">
-                      <a:schemeClr val="tx1">
-                        <a:lumMod val="75000"/>
-                        <a:lumOff val="25000"/>
-                      </a:schemeClr>
-                    </a:gs>
-                    <a:gs pos="100000">
-                      <a:schemeClr val="tx1">
-                        <a:lumMod val="75000"/>
-                        <a:lumOff val="25000"/>
-                      </a:schemeClr>
-                    </a:gs>
-                  </a:gsLst>
-                  <a:lin ang="5400000" scaled="0"/>
-                </a:gradFill>
-                <a:latin typeface="나눔고딕" pitchFamily="50" charset="-127"/>
-                <a:ea typeface="나눔고딕" pitchFamily="50" charset="-127"/>
-              </a:rPr>
-              <a:t>0.3pt</a:t>
-            </a:r>
-            <a:r>
-              <a:rPr lang="ko-KR" altLang="en-US" sz="900" spc="-30" dirty="0" smtClean="0">
-                <a:gradFill>
-                  <a:gsLst>
-                    <a:gs pos="0">
-                      <a:schemeClr val="tx1">
-                        <a:lumMod val="75000"/>
-                        <a:lumOff val="25000"/>
-                      </a:schemeClr>
-                    </a:gs>
-                    <a:gs pos="100000">
-                      <a:schemeClr val="tx1">
-                        <a:lumMod val="75000"/>
-                        <a:lumOff val="25000"/>
-                      </a:schemeClr>
-                    </a:gs>
-                  </a:gsLst>
-                  <a:lin ang="5400000" scaled="0"/>
-                </a:gradFill>
-                <a:latin typeface="나눔고딕" pitchFamily="50" charset="-127"/>
-                <a:ea typeface="나눔고딕" pitchFamily="50" charset="-127"/>
-              </a:rPr>
-              <a:t>를</a:t>
-            </a:r>
-            <a:r>
-              <a:rPr lang="en-US" altLang="ko-KR" sz="900" spc="-30" dirty="0" smtClean="0">
-                <a:gradFill>
-                  <a:gsLst>
-                    <a:gs pos="0">
-                      <a:schemeClr val="tx1">
-                        <a:lumMod val="75000"/>
-                        <a:lumOff val="25000"/>
-                      </a:schemeClr>
-                    </a:gs>
-                    <a:gs pos="100000">
-                      <a:schemeClr val="tx1">
-                        <a:lumMod val="75000"/>
-                        <a:lumOff val="25000"/>
-                      </a:schemeClr>
-                    </a:gs>
-                  </a:gsLst>
-                  <a:lin ang="5400000" scaled="0"/>
-                </a:gradFill>
-                <a:latin typeface="나눔고딕" pitchFamily="50" charset="-127"/>
-                <a:ea typeface="나눔고딕" pitchFamily="50" charset="-127"/>
-              </a:rPr>
-              <a:t>,</a:t>
-            </a:r>
-          </a:p>
-          <a:p>
-            <a:pPr>
-              <a:lnSpc>
-                <a:spcPct val="150000"/>
-              </a:lnSpc>
-            </a:pPr>
-            <a:r>
-              <a:rPr lang="ko-KR" altLang="en-US" sz="900" spc="-30" dirty="0" smtClean="0">
-                <a:gradFill>
-                  <a:gsLst>
-                    <a:gs pos="0">
-                      <a:schemeClr val="tx1">
-                        <a:lumMod val="75000"/>
-                        <a:lumOff val="25000"/>
-                      </a:schemeClr>
-                    </a:gs>
-                    <a:gs pos="100000">
-                      <a:schemeClr val="tx1">
-                        <a:lumMod val="75000"/>
-                        <a:lumOff val="25000"/>
-                      </a:schemeClr>
-                    </a:gs>
-                  </a:gsLst>
-                  <a:lin ang="5400000" scaled="0"/>
-                </a:gradFill>
-                <a:latin typeface="나눔고딕" pitchFamily="50" charset="-127"/>
-                <a:ea typeface="나눔고딕" pitchFamily="50" charset="-127"/>
-              </a:rPr>
-              <a:t>줄 간격은 </a:t>
-            </a:r>
-            <a:r>
-              <a:rPr lang="en-US" altLang="ko-KR" sz="900" spc="-30" dirty="0" smtClean="0">
-                <a:gradFill>
-                  <a:gsLst>
-                    <a:gs pos="0">
-                      <a:schemeClr val="tx1">
-                        <a:lumMod val="75000"/>
-                        <a:lumOff val="25000"/>
-                      </a:schemeClr>
-                    </a:gs>
-                    <a:gs pos="100000">
-                      <a:schemeClr val="tx1">
-                        <a:lumMod val="75000"/>
-                        <a:lumOff val="25000"/>
-                      </a:schemeClr>
-                    </a:gs>
-                  </a:gsLst>
-                  <a:lin ang="5400000" scaled="0"/>
-                </a:gradFill>
-                <a:latin typeface="나눔고딕" pitchFamily="50" charset="-127"/>
-                <a:ea typeface="나눔고딕" pitchFamily="50" charset="-127"/>
-              </a:rPr>
-              <a:t>1.5</a:t>
-            </a:r>
-            <a:r>
-              <a:rPr lang="ko-KR" altLang="en-US" sz="900" spc="-30" dirty="0" smtClean="0">
-                <a:gradFill>
-                  <a:gsLst>
-                    <a:gs pos="0">
-                      <a:schemeClr val="tx1">
-                        <a:lumMod val="75000"/>
-                        <a:lumOff val="25000"/>
-                      </a:schemeClr>
-                    </a:gs>
-                    <a:gs pos="100000">
-                      <a:schemeClr val="tx1">
-                        <a:lumMod val="75000"/>
-                        <a:lumOff val="25000"/>
-                      </a:schemeClr>
-                    </a:gs>
-                  </a:gsLst>
-                  <a:lin ang="5400000" scaled="0"/>
-                </a:gradFill>
-                <a:latin typeface="나눔고딕" pitchFamily="50" charset="-127"/>
-                <a:ea typeface="나눔고딕" pitchFamily="50" charset="-127"/>
-              </a:rPr>
-              <a:t>배를 권장합니다</a:t>
-            </a:r>
-            <a:r>
-              <a:rPr lang="en-US" altLang="ko-KR" sz="900" spc="-30" dirty="0" smtClean="0">
-                <a:gradFill>
-                  <a:gsLst>
-                    <a:gs pos="0">
-                      <a:schemeClr val="tx1">
-                        <a:lumMod val="75000"/>
-                        <a:lumOff val="25000"/>
-                      </a:schemeClr>
-                    </a:gs>
-                    <a:gs pos="100000">
-                      <a:schemeClr val="tx1">
-                        <a:lumMod val="75000"/>
-                        <a:lumOff val="25000"/>
-                      </a:schemeClr>
-                    </a:gs>
-                  </a:gsLst>
-                  <a:lin ang="5400000" scaled="0"/>
-                </a:gradFill>
-                <a:latin typeface="나눔고딕" pitchFamily="50" charset="-127"/>
-                <a:ea typeface="나눔고딕" pitchFamily="50" charset="-127"/>
-              </a:rPr>
-              <a:t>.</a:t>
-            </a:r>
-          </a:p>
-          <a:p>
-            <a:pPr>
-              <a:lnSpc>
-                <a:spcPct val="150000"/>
-              </a:lnSpc>
-            </a:pPr>
-            <a:r>
-              <a:rPr lang="ko-KR" altLang="en-US" sz="900" spc="-30" dirty="0" smtClean="0">
-                <a:gradFill>
-                  <a:gsLst>
-                    <a:gs pos="0">
-                      <a:schemeClr val="tx1">
-                        <a:lumMod val="75000"/>
-                        <a:lumOff val="25000"/>
-                      </a:schemeClr>
-                    </a:gs>
-                    <a:gs pos="100000">
-                      <a:schemeClr val="tx1">
-                        <a:lumMod val="75000"/>
-                        <a:lumOff val="25000"/>
-                      </a:schemeClr>
-                    </a:gs>
-                  </a:gsLst>
-                  <a:lin ang="5400000" scaled="0"/>
-                </a:gradFill>
-                <a:latin typeface="나눔고딕" pitchFamily="50" charset="-127"/>
-                <a:ea typeface="나눔고딕" pitchFamily="50" charset="-127"/>
-              </a:rPr>
-              <a:t>상황에 따라 조정하실 수 있습니다</a:t>
-            </a:r>
-            <a:r>
-              <a:rPr lang="en-US" altLang="ko-KR" sz="900" spc="-30" dirty="0" smtClean="0">
-                <a:gradFill>
-                  <a:gsLst>
-                    <a:gs pos="0">
-                      <a:schemeClr val="tx1">
-                        <a:lumMod val="75000"/>
-                        <a:lumOff val="25000"/>
-                      </a:schemeClr>
-                    </a:gs>
-                    <a:gs pos="100000">
-                      <a:schemeClr val="tx1">
-                        <a:lumMod val="75000"/>
-                        <a:lumOff val="25000"/>
-                      </a:schemeClr>
-                    </a:gs>
-                  </a:gsLst>
-                  <a:lin ang="5400000" scaled="0"/>
-                </a:gradFill>
-                <a:latin typeface="나눔고딕" pitchFamily="50" charset="-127"/>
-                <a:ea typeface="나눔고딕" pitchFamily="50" charset="-127"/>
-              </a:rPr>
-              <a:t>.</a:t>
-            </a:r>
-            <a:endParaRPr lang="ko-KR" altLang="en-US" sz="900" spc="-30" dirty="0">
-              <a:gradFill>
-                <a:gsLst>
-                  <a:gs pos="0">
-                    <a:schemeClr val="tx1">
-                      <a:lumMod val="75000"/>
-                      <a:lumOff val="25000"/>
-                    </a:schemeClr>
-                  </a:gs>
-                  <a:gs pos="100000">
-                    <a:schemeClr val="tx1">
-                      <a:lumMod val="75000"/>
-                      <a:lumOff val="25000"/>
-                    </a:schemeClr>
-                  </a:gs>
-                </a:gsLst>
-                <a:lin ang="5400000" scaled="0"/>
-              </a:gradFill>
-              <a:latin typeface="나눔고딕" pitchFamily="50" charset="-127"/>
-              <a:ea typeface="나눔고딕" pitchFamily="50" charset="-127"/>
-            </a:endParaRPr>
-          </a:p>
-        </p:txBody>
-      </p:sp>
-      <p:sp>
-        <p:nvSpPr>
-          <p:cNvPr id="17" name="TextBox 16"/>
-          <p:cNvSpPr txBox="1"/>
-          <p:nvPr/>
-        </p:nvSpPr>
-        <p:spPr>
-          <a:xfrm>
-            <a:off x="1281417" y="6357618"/>
-            <a:ext cx="1368152" cy="203133"/>
-          </a:xfrm>
-          <a:prstGeom prst="rect">
-            <a:avLst/>
-          </a:prstGeom>
-          <a:noFill/>
-        </p:spPr>
-        <p:txBody>
-          <a:bodyPr wrap="square" rtlCol="0">
-            <a:spAutoFit/>
-          </a:bodyPr>
-          <a:lstStyle/>
-          <a:p>
-            <a:pPr>
-              <a:lnSpc>
-                <a:spcPct val="90000"/>
-              </a:lnSpc>
-            </a:pPr>
-            <a:r>
-              <a:rPr lang="ko-KR" altLang="en-US" sz="800" b="1" spc="-30" dirty="0" smtClean="0">
+              <a:rPr lang="ko-KR" altLang="en-US" sz="700" dirty="0" smtClean="0">
                 <a:solidFill>
-                  <a:srgbClr val="C00000"/>
+                  <a:srgbClr val="68727E"/>
                 </a:solidFill>
                 <a:latin typeface="나눔고딕" pitchFamily="50" charset="-127"/>
                 <a:ea typeface="나눔고딕" pitchFamily="50" charset="-127"/>
               </a:rPr>
-              <a:t>구역 표시</a:t>
-            </a:r>
-            <a:endParaRPr lang="ko-KR" altLang="en-US" sz="800" b="1" spc="-30" dirty="0">
-              <a:solidFill>
-                <a:srgbClr val="C00000"/>
-              </a:solidFill>
-              <a:latin typeface="나눔고딕" pitchFamily="50" charset="-127"/>
-              <a:ea typeface="나눔고딕" pitchFamily="50" charset="-127"/>
-            </a:endParaRPr>
-          </a:p>
-        </p:txBody>
-      </p:sp>
-      <p:sp>
-        <p:nvSpPr>
-          <p:cNvPr id="14" name="TextBox 13"/>
-          <p:cNvSpPr txBox="1"/>
-          <p:nvPr/>
-        </p:nvSpPr>
-        <p:spPr>
-          <a:xfrm>
-            <a:off x="6660232" y="92643"/>
-            <a:ext cx="2339976" cy="178510"/>
-          </a:xfrm>
-          <a:prstGeom prst="rect">
-            <a:avLst/>
-          </a:prstGeom>
-          <a:noFill/>
-        </p:spPr>
-        <p:txBody>
-          <a:bodyPr wrap="square" rtlCol="0">
-            <a:spAutoFit/>
-          </a:bodyPr>
-          <a:lstStyle/>
-          <a:p>
-            <a:pPr algn="r">
-              <a:lnSpc>
-                <a:spcPct val="80000"/>
-              </a:lnSpc>
-            </a:pPr>
-            <a:fld id="{828B5CB4-B095-413D-B8C5-1DA2C2E14324}" type="slidenum">
-              <a:rPr lang="en-US" altLang="ko-KR" sz="700" b="1" smtClean="0">
+              <a:t>이 문서는 </a:t>
+            </a:r>
+            <a:r>
+              <a:rPr lang="ko-KR" altLang="en-US" sz="700" dirty="0" err="1" smtClean="0">
                 <a:solidFill>
-                  <a:schemeClr val="tx1">
-                    <a:lumMod val="75000"/>
-                    <a:lumOff val="25000"/>
-                  </a:schemeClr>
+                  <a:srgbClr val="68727E"/>
                 </a:solidFill>
                 <a:latin typeface="나눔고딕" pitchFamily="50" charset="-127"/>
                 <a:ea typeface="나눔고딕" pitchFamily="50" charset="-127"/>
               </a:rPr>
-              <a:pPr algn="r">
-                <a:lnSpc>
-                  <a:spcPct val="80000"/>
-                </a:lnSpc>
-              </a:pPr>
-              <a:t>18</a:t>
-            </a:fld>
-            <a:r>
-              <a:rPr lang="en-US" altLang="ko-KR" sz="700" b="1" dirty="0" smtClean="0">
+              <a:t>나눔글꼴로</a:t>
+            </a:r>
+            <a:r>
+              <a:rPr lang="ko-KR" altLang="en-US" sz="700" dirty="0" smtClean="0">
                 <a:solidFill>
-                  <a:schemeClr val="tx1">
-                    <a:lumMod val="75000"/>
-                    <a:lumOff val="25000"/>
-                  </a:schemeClr>
+                  <a:srgbClr val="68727E"/>
                 </a:solidFill>
                 <a:latin typeface="나눔고딕" pitchFamily="50" charset="-127"/>
                 <a:ea typeface="나눔고딕" pitchFamily="50" charset="-127"/>
               </a:rPr>
-              <a:t>   |  42</a:t>
-            </a:r>
-            <a:endParaRPr lang="ko-KR" altLang="en-US" sz="700" b="1" dirty="0">
-              <a:solidFill>
-                <a:schemeClr val="tx1">
-                  <a:lumMod val="75000"/>
-                  <a:lumOff val="25000"/>
-                </a:schemeClr>
-              </a:solidFill>
-              <a:latin typeface="나눔고딕" pitchFamily="50" charset="-127"/>
-              <a:ea typeface="나눔고딕" pitchFamily="50" charset="-127"/>
-            </a:endParaRPr>
-          </a:p>
-        </p:txBody>
-      </p:sp>
-    </p:spTree>
-  </p:cSld>
-  <p:clrMapOvr>
-    <a:masterClrMapping/>
-  </p:clrMapOvr>
-  <p:transition/>
-  <p:timing>
-    <p:tnLst>
-      <p:par>
-        <p:cTn id="1" dur="indefinite" restart="never" nodeType="tmRoot"/>
-      </p:par>
-    </p:tnLst>
-  </p:timing>
-</p:sld>
-</file>
-
-<file path=ppt/slides/slide19.xml><?xml version="1.0" encoding="utf-8"?>
-<p:sld xmlns:a="http://schemas.openxmlformats.org/drawingml/2006/main" xmlns:r="http://schemas.openxmlformats.org/officeDocument/2006/relationships" xmlns:p="http://schemas.openxmlformats.org/presentationml/2006/main" showMasterSp="0">
-  <p:cSld>
-    <p:spTree>
-      <p:nvGrpSpPr>
-        <p:cNvPr id="1" name=""/>
-        <p:cNvGrpSpPr/>
-        <p:nvPr/>
-      </p:nvGrpSpPr>
-      <p:grpSpPr>
-        <a:xfrm>
-          <a:off x="0" y="0"/>
-          <a:ext cx="0" cy="0"/>
-          <a:chOff x="0" y="0"/>
-          <a:chExt cx="0" cy="0"/>
-        </a:xfrm>
-      </p:grpSpPr>
-      <p:sp>
-        <p:nvSpPr>
-          <p:cNvPr id="17" name="직사각형 16"/>
-          <p:cNvSpPr/>
-          <p:nvPr/>
-        </p:nvSpPr>
-        <p:spPr>
-          <a:xfrm>
-            <a:off x="262632" y="1916832"/>
-            <a:ext cx="2797200" cy="2286000"/>
-          </a:xfrm>
-          <a:prstGeom prst="rect">
-            <a:avLst/>
-          </a:prstGeom>
-          <a:solidFill>
-            <a:schemeClr val="bg1"/>
-          </a:solidFill>
-          <a:ln>
-            <a:noFill/>
-          </a:ln>
-          <a:effectLst>
-            <a:outerShdw blurRad="88900" algn="ctr" rotWithShape="0">
-              <a:prstClr val="black">
-                <a:alpha val="40000"/>
-              </a:prstClr>
-            </a:outerShdw>
-          </a:effectLst>
-        </p:spPr>
-        <p:style>
-          <a:lnRef idx="2">
-            <a:schemeClr val="accent1">
-              <a:shade val="50000"/>
-            </a:schemeClr>
-          </a:lnRef>
-          <a:fillRef idx="1">
-            <a:schemeClr val="accent1"/>
-          </a:fillRef>
-          <a:effectRef idx="0">
-            <a:schemeClr val="accent1"/>
-          </a:effectRef>
-          <a:fontRef idx="minor">
-            <a:schemeClr val="lt1"/>
-          </a:fontRef>
-        </p:style>
-        <p:txBody>
-          <a:bodyPr rtlCol="0" anchor="ctr"/>
-          <a:lstStyle/>
-          <a:p>
-            <a:pPr algn="ctr"/>
-            <a:endParaRPr lang="ko-KR" altLang="en-US"/>
-          </a:p>
-        </p:txBody>
-      </p:sp>
-      <p:pic>
-        <p:nvPicPr>
-          <p:cNvPr id="1029" name="Picture 5"/>
-          <p:cNvPicPr>
-            <a:picLocks noChangeAspect="1" noChangeArrowheads="1"/>
-          </p:cNvPicPr>
-          <p:nvPr/>
-        </p:nvPicPr>
-        <p:blipFill>
-          <a:blip r:embed="rId3" cstate="email"/>
-          <a:srcRect/>
-          <a:stretch>
-            <a:fillRect/>
-          </a:stretch>
-        </p:blipFill>
-        <p:spPr bwMode="auto">
-          <a:xfrm>
-            <a:off x="394840" y="2273202"/>
-            <a:ext cx="2664992" cy="1787697"/>
-          </a:xfrm>
-          <a:prstGeom prst="rect">
-            <a:avLst/>
-          </a:prstGeom>
-          <a:noFill/>
-          <a:ln w="9525">
-            <a:noFill/>
-            <a:miter lim="800000"/>
-            <a:headEnd/>
-            <a:tailEnd/>
-          </a:ln>
-        </p:spPr>
-      </p:pic>
-      <p:cxnSp>
-        <p:nvCxnSpPr>
-          <p:cNvPr id="15" name="직선 연결선 14"/>
-          <p:cNvCxnSpPr/>
-          <p:nvPr/>
-        </p:nvCxnSpPr>
-        <p:spPr>
-          <a:xfrm>
-            <a:off x="251520" y="332656"/>
-            <a:ext cx="8640960" cy="0"/>
-          </a:xfrm>
-          <a:prstGeom prst="line">
-            <a:avLst/>
-          </a:prstGeom>
-          <a:ln w="3175">
-            <a:solidFill>
-              <a:srgbClr val="68727E"/>
-            </a:solidFill>
-          </a:ln>
-        </p:spPr>
-        <p:style>
-          <a:lnRef idx="1">
-            <a:schemeClr val="accent1"/>
-          </a:lnRef>
-          <a:fillRef idx="0">
-            <a:schemeClr val="accent1"/>
-          </a:fillRef>
-          <a:effectRef idx="0">
-            <a:schemeClr val="accent1"/>
-          </a:effectRef>
-          <a:fontRef idx="minor">
-            <a:schemeClr val="tx1"/>
-          </a:fontRef>
-        </p:style>
-      </p:cxnSp>
-      <p:sp>
-        <p:nvSpPr>
-          <p:cNvPr id="12" name="TextBox 11"/>
-          <p:cNvSpPr txBox="1"/>
-          <p:nvPr/>
-        </p:nvSpPr>
-        <p:spPr>
-          <a:xfrm>
-            <a:off x="179512" y="461804"/>
-            <a:ext cx="4464496" cy="424732"/>
-          </a:xfrm>
-          <a:prstGeom prst="rect">
-            <a:avLst/>
-          </a:prstGeom>
-          <a:noFill/>
-        </p:spPr>
-        <p:txBody>
-          <a:bodyPr wrap="square" rtlCol="0">
-            <a:spAutoFit/>
-          </a:bodyPr>
-          <a:lstStyle/>
-          <a:p>
-            <a:pPr>
-              <a:lnSpc>
-                <a:spcPct val="90000"/>
-              </a:lnSpc>
-            </a:pPr>
-            <a:r>
-              <a:rPr lang="en-US" altLang="ko-KR" sz="2400" spc="-30" dirty="0" smtClean="0">
-                <a:gradFill>
-                  <a:gsLst>
-                    <a:gs pos="0">
-                      <a:srgbClr val="C00000"/>
-                    </a:gs>
-                    <a:gs pos="100000">
-                      <a:srgbClr val="C00000"/>
-                    </a:gs>
-                  </a:gsLst>
-                  <a:lin ang="5400000" scaled="0"/>
-                </a:gradFill>
-                <a:latin typeface="나눔고딕" pitchFamily="50" charset="-127"/>
-                <a:ea typeface="나눔고딕" pitchFamily="50" charset="-127"/>
-              </a:rPr>
-              <a:t>18</a:t>
-            </a:r>
-            <a:r>
-              <a:rPr lang="ko-KR" altLang="en-US" sz="2400" spc="-30" dirty="0" smtClean="0">
-                <a:gradFill>
-                  <a:gsLst>
-                    <a:gs pos="0">
-                      <a:srgbClr val="C00000"/>
-                    </a:gs>
-                    <a:gs pos="100000">
-                      <a:srgbClr val="C00000"/>
-                    </a:gs>
-                  </a:gsLst>
-                  <a:lin ang="5400000" scaled="0"/>
-                </a:gradFill>
-                <a:latin typeface="나눔고딕" pitchFamily="50" charset="-127"/>
-                <a:ea typeface="나눔고딕" pitchFamily="50" charset="-127"/>
-              </a:rPr>
-              <a:t>층 </a:t>
-            </a:r>
-            <a:r>
-              <a:rPr lang="en-US" altLang="ko-KR" sz="2400" spc="-30" dirty="0" smtClean="0">
-                <a:gradFill>
-                  <a:gsLst>
-                    <a:gs pos="0">
-                      <a:srgbClr val="C00000"/>
-                    </a:gs>
-                    <a:gs pos="100000">
-                      <a:srgbClr val="C00000"/>
-                    </a:gs>
-                  </a:gsLst>
-                  <a:lin ang="5400000" scaled="0"/>
-                </a:gradFill>
-                <a:latin typeface="나눔고딕" pitchFamily="50" charset="-127"/>
-                <a:ea typeface="나눔고딕" pitchFamily="50" charset="-127"/>
-              </a:rPr>
-              <a:t>: </a:t>
-            </a:r>
-            <a:r>
-              <a:rPr lang="ko-KR" altLang="en-US" sz="2400" spc="-30" dirty="0" smtClean="0">
-                <a:gradFill>
-                  <a:gsLst>
-                    <a:gs pos="0">
-                      <a:srgbClr val="C00000"/>
-                    </a:gs>
-                    <a:gs pos="100000">
-                      <a:srgbClr val="C00000"/>
-                    </a:gs>
-                  </a:gsLst>
-                  <a:lin ang="5400000" scaled="0"/>
-                </a:gradFill>
-                <a:latin typeface="나눔고딕" pitchFamily="50" charset="-127"/>
-                <a:ea typeface="나눔고딕" pitchFamily="50" charset="-127"/>
-              </a:rPr>
-              <a:t>회의공간</a:t>
-            </a:r>
-            <a:endParaRPr lang="ko-KR" altLang="en-US" sz="2400" spc="-30" dirty="0">
-              <a:gradFill>
-                <a:gsLst>
-                  <a:gs pos="0">
-                    <a:srgbClr val="C00000"/>
-                  </a:gs>
-                  <a:gs pos="100000">
-                    <a:srgbClr val="C00000"/>
-                  </a:gs>
-                </a:gsLst>
-                <a:lin ang="5400000" scaled="0"/>
-              </a:gradFill>
-              <a:latin typeface="나눔고딕" pitchFamily="50" charset="-127"/>
-              <a:ea typeface="나눔고딕" pitchFamily="50" charset="-127"/>
-            </a:endParaRPr>
-          </a:p>
-        </p:txBody>
-      </p:sp>
-      <p:sp>
-        <p:nvSpPr>
-          <p:cNvPr id="13" name="TextBox 12"/>
-          <p:cNvSpPr txBox="1"/>
-          <p:nvPr/>
-        </p:nvSpPr>
-        <p:spPr>
-          <a:xfrm>
-            <a:off x="179512" y="92643"/>
-            <a:ext cx="2339976" cy="178510"/>
-          </a:xfrm>
-          <a:prstGeom prst="rect">
-            <a:avLst/>
-          </a:prstGeom>
-          <a:noFill/>
-        </p:spPr>
-        <p:txBody>
-          <a:bodyPr wrap="square" rtlCol="0">
-            <a:spAutoFit/>
-          </a:bodyPr>
-          <a:lstStyle/>
-          <a:p>
-            <a:pPr>
-              <a:lnSpc>
-                <a:spcPct val="80000"/>
-              </a:lnSpc>
-            </a:pPr>
-            <a:r>
-              <a:rPr lang="en-US" altLang="ko-KR" sz="700" b="1" dirty="0" smtClean="0">
+              <a:t> 작성되었습니다</a:t>
+            </a:r>
+            <a:r>
+              <a:rPr lang="en-US" altLang="ko-KR" sz="700" dirty="0" smtClean="0">
                 <a:solidFill>
-                  <a:schemeClr val="tx1">
-                    <a:lumMod val="75000"/>
-                    <a:lumOff val="25000"/>
-                  </a:schemeClr>
+                  <a:srgbClr val="68727E"/>
                 </a:solidFill>
                 <a:latin typeface="나눔고딕" pitchFamily="50" charset="-127"/>
                 <a:ea typeface="나눔고딕" pitchFamily="50" charset="-127"/>
               </a:rPr>
-              <a:t>Floor Design Plan   |   18</a:t>
-            </a:r>
-            <a:r>
-              <a:rPr lang="ko-KR" altLang="en-US" sz="700" b="1" dirty="0" smtClean="0">
+              <a:t>. </a:t>
+            </a:r>
+            <a:r>
+              <a:rPr lang="ko-KR" altLang="en-US" sz="700" u="sng" dirty="0" smtClean="0">
                 <a:solidFill>
-                  <a:schemeClr val="tx1">
-                    <a:lumMod val="75000"/>
-                    <a:lumOff val="25000"/>
-                  </a:schemeClr>
+                  <a:srgbClr val="68727E"/>
                 </a:solidFill>
                 <a:latin typeface="나눔고딕" pitchFamily="50" charset="-127"/>
                 <a:ea typeface="나눔고딕" pitchFamily="50" charset="-127"/>
-              </a:rPr>
-              <a:t>층</a:t>
-            </a:r>
-            <a:endParaRPr lang="ko-KR" altLang="en-US" sz="700" b="1" dirty="0">
+                <a:hlinkClick r:id="rId3"/>
+              </a:rPr>
+              <a:t>설치하기</a:t>
+            </a:r>
+            <a:endParaRPr lang="en-US" altLang="ko-KR" sz="700" u="sng" dirty="0" smtClean="0">
               <a:solidFill>
-                <a:schemeClr val="tx1">
-                  <a:lumMod val="75000"/>
-                  <a:lumOff val="25000"/>
-                </a:schemeClr>
-              </a:solidFill>
-              <a:latin typeface="나눔고딕" pitchFamily="50" charset="-127"/>
-              <a:ea typeface="나눔고딕" pitchFamily="50" charset="-127"/>
-            </a:endParaRPr>
-          </a:p>
-        </p:txBody>
-      </p:sp>
-      <p:sp>
-        <p:nvSpPr>
-          <p:cNvPr id="16" name="직사각형 15"/>
-          <p:cNvSpPr/>
-          <p:nvPr/>
-        </p:nvSpPr>
-        <p:spPr>
-          <a:xfrm>
-            <a:off x="2411760" y="3068960"/>
-            <a:ext cx="512862" cy="936104"/>
-          </a:xfrm>
-          <a:prstGeom prst="rect">
-            <a:avLst/>
-          </a:prstGeom>
-          <a:noFill/>
-          <a:ln w="57150">
-            <a:solidFill>
-              <a:srgbClr val="C00000"/>
-            </a:solidFill>
-            <a:miter lim="800000"/>
-          </a:ln>
-        </p:spPr>
-        <p:style>
-          <a:lnRef idx="2">
-            <a:schemeClr val="accent1">
-              <a:shade val="50000"/>
-            </a:schemeClr>
-          </a:lnRef>
-          <a:fillRef idx="1">
-            <a:schemeClr val="accent1"/>
-          </a:fillRef>
-          <a:effectRef idx="0">
-            <a:schemeClr val="accent1"/>
-          </a:effectRef>
-          <a:fontRef idx="minor">
-            <a:schemeClr val="lt1"/>
-          </a:fontRef>
-        </p:style>
-        <p:txBody>
-          <a:bodyPr rtlCol="0" anchor="ctr"/>
-          <a:lstStyle/>
-          <a:p>
-            <a:pPr algn="ctr"/>
-            <a:endParaRPr lang="ko-KR" altLang="en-US"/>
-          </a:p>
-        </p:txBody>
-      </p:sp>
-      <p:pic>
-        <p:nvPicPr>
-          <p:cNvPr id="1026" name="Picture 2" descr="C:\Documents and Settings\nhn\바탕 화면\이미지소스\meetingroom_01.png"/>
-          <p:cNvPicPr>
-            <a:picLocks noChangeAspect="1" noChangeArrowheads="1"/>
-          </p:cNvPicPr>
-          <p:nvPr/>
-        </p:nvPicPr>
-        <p:blipFill>
-          <a:blip r:embed="rId4" cstate="email"/>
-          <a:srcRect l="18158" t="3696" r="3117" b="759"/>
-          <a:stretch>
-            <a:fillRect/>
-          </a:stretch>
-        </p:blipFill>
-        <p:spPr bwMode="auto">
-          <a:xfrm>
-            <a:off x="250825" y="4327524"/>
-            <a:ext cx="2806671" cy="2286000"/>
-          </a:xfrm>
-          <a:prstGeom prst="rect">
-            <a:avLst/>
-          </a:prstGeom>
-          <a:noFill/>
-        </p:spPr>
-      </p:pic>
-      <p:pic>
-        <p:nvPicPr>
-          <p:cNvPr id="1027" name="Picture 3" descr="C:\Documents and Settings\nhn\바탕 화면\이미지소스\meetingroom_02.png"/>
-          <p:cNvPicPr>
-            <a:picLocks noChangeAspect="1" noChangeArrowheads="1"/>
-          </p:cNvPicPr>
-          <p:nvPr/>
-        </p:nvPicPr>
-        <p:blipFill>
-          <a:blip r:embed="rId5" cstate="email"/>
-          <a:srcRect/>
-          <a:stretch>
-            <a:fillRect/>
-          </a:stretch>
-        </p:blipFill>
-        <p:spPr bwMode="auto">
-          <a:xfrm>
-            <a:off x="3170237" y="1916113"/>
-            <a:ext cx="2816226" cy="2286000"/>
-          </a:xfrm>
-          <a:prstGeom prst="rect">
-            <a:avLst/>
-          </a:prstGeom>
-          <a:noFill/>
-        </p:spPr>
-      </p:pic>
-      <p:pic>
-        <p:nvPicPr>
-          <p:cNvPr id="1028" name="Picture 4" descr="C:\Documents and Settings\nhn\바탕 화면\이미지소스\meetingroom_03.png"/>
-          <p:cNvPicPr>
-            <a:picLocks noChangeAspect="1" noChangeArrowheads="1"/>
-          </p:cNvPicPr>
-          <p:nvPr/>
-        </p:nvPicPr>
-        <p:blipFill>
-          <a:blip r:embed="rId6" cstate="email"/>
-          <a:srcRect l="565" t="10715" b="2691"/>
-          <a:stretch>
-            <a:fillRect/>
-          </a:stretch>
-        </p:blipFill>
-        <p:spPr bwMode="auto">
-          <a:xfrm>
-            <a:off x="6100763" y="1916113"/>
-            <a:ext cx="2795587" cy="2286000"/>
-          </a:xfrm>
-          <a:prstGeom prst="rect">
-            <a:avLst/>
-          </a:prstGeom>
-          <a:noFill/>
-        </p:spPr>
-      </p:pic>
-      <p:pic>
-        <p:nvPicPr>
-          <p:cNvPr id="1030" name="Picture 6" descr="C:\Documents and Settings\nhn\바탕 화면\이미지소스\meetingroom_04.png"/>
-          <p:cNvPicPr>
-            <a:picLocks noChangeAspect="1" noChangeArrowheads="1"/>
-          </p:cNvPicPr>
-          <p:nvPr/>
-        </p:nvPicPr>
-        <p:blipFill>
-          <a:blip r:embed="rId7" cstate="email"/>
-          <a:srcRect/>
-          <a:stretch>
-            <a:fillRect/>
-          </a:stretch>
-        </p:blipFill>
-        <p:spPr bwMode="auto">
-          <a:xfrm>
-            <a:off x="3170238" y="4306887"/>
-            <a:ext cx="2816225" cy="2306637"/>
-          </a:xfrm>
-          <a:prstGeom prst="rect">
-            <a:avLst/>
-          </a:prstGeom>
-          <a:noFill/>
-        </p:spPr>
-      </p:pic>
-      <p:pic>
-        <p:nvPicPr>
-          <p:cNvPr id="1031" name="Picture 7" descr="C:\Documents and Settings\nhn\바탕 화면\이미지소스\meetingroom_05.png"/>
-          <p:cNvPicPr>
-            <a:picLocks noChangeAspect="1" noChangeArrowheads="1"/>
-          </p:cNvPicPr>
-          <p:nvPr/>
-        </p:nvPicPr>
-        <p:blipFill>
-          <a:blip r:embed="rId8" cstate="email"/>
-          <a:srcRect/>
-          <a:stretch>
-            <a:fillRect/>
-          </a:stretch>
-        </p:blipFill>
-        <p:spPr bwMode="auto">
-          <a:xfrm>
-            <a:off x="6100763" y="4306888"/>
-            <a:ext cx="2791717" cy="2306637"/>
-          </a:xfrm>
-          <a:prstGeom prst="rect">
-            <a:avLst/>
-          </a:prstGeom>
-          <a:noFill/>
-        </p:spPr>
-      </p:pic>
-      <p:sp>
-        <p:nvSpPr>
-          <p:cNvPr id="19" name="TextBox 18"/>
-          <p:cNvSpPr txBox="1"/>
-          <p:nvPr/>
-        </p:nvSpPr>
-        <p:spPr>
-          <a:xfrm>
-            <a:off x="4427984" y="476672"/>
-            <a:ext cx="4320480" cy="923330"/>
-          </a:xfrm>
-          <a:prstGeom prst="rect">
-            <a:avLst/>
-          </a:prstGeom>
-          <a:noFill/>
-        </p:spPr>
-        <p:txBody>
-          <a:bodyPr wrap="square" rtlCol="0">
-            <a:spAutoFit/>
-          </a:bodyPr>
-          <a:lstStyle/>
-          <a:p>
-            <a:pPr>
-              <a:lnSpc>
-                <a:spcPct val="150000"/>
-              </a:lnSpc>
-            </a:pPr>
-            <a:r>
-              <a:rPr lang="ko-KR" altLang="en-US" sz="900" spc="-30" dirty="0" smtClean="0">
-                <a:gradFill>
-                  <a:gsLst>
-                    <a:gs pos="0">
-                      <a:schemeClr val="tx1">
-                        <a:lumMod val="75000"/>
-                        <a:lumOff val="25000"/>
-                      </a:schemeClr>
-                    </a:gs>
-                    <a:gs pos="100000">
-                      <a:schemeClr val="tx1">
-                        <a:lumMod val="75000"/>
-                        <a:lumOff val="25000"/>
-                      </a:schemeClr>
-                    </a:gs>
-                  </a:gsLst>
-                  <a:lin ang="5400000" scaled="0"/>
-                </a:gradFill>
-                <a:latin typeface="나눔고딕" pitchFamily="50" charset="-127"/>
-                <a:ea typeface="나눔고딕" pitchFamily="50" charset="-127"/>
-              </a:rPr>
-              <a:t>구성원의 </a:t>
-            </a:r>
-            <a:r>
-              <a:rPr lang="ko-KR" altLang="en-US" sz="900" spc="-30" dirty="0" err="1" smtClean="0">
-                <a:gradFill>
-                  <a:gsLst>
-                    <a:gs pos="0">
-                      <a:schemeClr val="tx1">
-                        <a:lumMod val="75000"/>
-                        <a:lumOff val="25000"/>
-                      </a:schemeClr>
-                    </a:gs>
-                    <a:gs pos="100000">
-                      <a:schemeClr val="tx1">
-                        <a:lumMod val="75000"/>
-                        <a:lumOff val="25000"/>
-                      </a:schemeClr>
-                    </a:gs>
-                  </a:gsLst>
-                  <a:lin ang="5400000" scaled="0"/>
-                </a:gradFill>
-                <a:latin typeface="나눔고딕" pitchFamily="50" charset="-127"/>
-                <a:ea typeface="나눔고딕" pitchFamily="50" charset="-127"/>
-              </a:rPr>
-              <a:t>크리에이티브를</a:t>
-            </a:r>
-            <a:r>
-              <a:rPr lang="ko-KR" altLang="en-US" sz="900" spc="-30" dirty="0" smtClean="0">
-                <a:gradFill>
-                  <a:gsLst>
-                    <a:gs pos="0">
-                      <a:schemeClr val="tx1">
-                        <a:lumMod val="75000"/>
-                        <a:lumOff val="25000"/>
-                      </a:schemeClr>
-                    </a:gs>
-                    <a:gs pos="100000">
-                      <a:schemeClr val="tx1">
-                        <a:lumMod val="75000"/>
-                        <a:lumOff val="25000"/>
-                      </a:schemeClr>
-                    </a:gs>
-                  </a:gsLst>
-                  <a:lin ang="5400000" scaled="0"/>
-                </a:gradFill>
-                <a:latin typeface="나눔고딕" pitchFamily="50" charset="-127"/>
-                <a:ea typeface="나눔고딕" pitchFamily="50" charset="-127"/>
-              </a:rPr>
-              <a:t> 자극하고 활력이 넘치는 공간구성을 위해</a:t>
-            </a:r>
-            <a:endParaRPr lang="en-US" altLang="ko-KR" sz="900" spc="-30" dirty="0" smtClean="0">
-              <a:gradFill>
-                <a:gsLst>
-                  <a:gs pos="0">
-                    <a:schemeClr val="tx1">
-                      <a:lumMod val="75000"/>
-                      <a:lumOff val="25000"/>
-                    </a:schemeClr>
-                  </a:gs>
-                  <a:gs pos="100000">
-                    <a:schemeClr val="tx1">
-                      <a:lumMod val="75000"/>
-                      <a:lumOff val="25000"/>
-                    </a:schemeClr>
-                  </a:gs>
-                </a:gsLst>
-                <a:lin ang="5400000" scaled="0"/>
-              </a:gradFill>
-              <a:latin typeface="나눔고딕" pitchFamily="50" charset="-127"/>
-              <a:ea typeface="나눔고딕" pitchFamily="50" charset="-127"/>
-            </a:endParaRPr>
-          </a:p>
-          <a:p>
-            <a:pPr>
-              <a:lnSpc>
-                <a:spcPct val="150000"/>
-              </a:lnSpc>
-            </a:pPr>
-            <a:r>
-              <a:rPr lang="ko-KR" altLang="en-US" sz="900" spc="-30" dirty="0" smtClean="0">
-                <a:gradFill>
-                  <a:gsLst>
-                    <a:gs pos="0">
-                      <a:schemeClr val="tx1">
-                        <a:lumMod val="75000"/>
-                        <a:lumOff val="25000"/>
-                      </a:schemeClr>
-                    </a:gs>
-                    <a:gs pos="100000">
-                      <a:schemeClr val="tx1">
-                        <a:lumMod val="75000"/>
-                        <a:lumOff val="25000"/>
-                      </a:schemeClr>
-                    </a:gs>
-                  </a:gsLst>
-                  <a:lin ang="5400000" scaled="0"/>
-                </a:gradFill>
-                <a:latin typeface="나눔고딕" pitchFamily="50" charset="-127"/>
-                <a:ea typeface="나눔고딕" pitchFamily="50" charset="-127"/>
-              </a:rPr>
-              <a:t>원색의 산뜻한 컬러포인트를 각 회의공간마다 부여하되</a:t>
-            </a:r>
-            <a:r>
-              <a:rPr lang="en-US" altLang="ko-KR" sz="900" spc="-30" dirty="0" smtClean="0">
-                <a:gradFill>
-                  <a:gsLst>
-                    <a:gs pos="0">
-                      <a:schemeClr val="tx1">
-                        <a:lumMod val="75000"/>
-                        <a:lumOff val="25000"/>
-                      </a:schemeClr>
-                    </a:gs>
-                    <a:gs pos="100000">
-                      <a:schemeClr val="tx1">
-                        <a:lumMod val="75000"/>
-                        <a:lumOff val="25000"/>
-                      </a:schemeClr>
-                    </a:gs>
-                  </a:gsLst>
-                  <a:lin ang="5400000" scaled="0"/>
-                </a:gradFill>
-                <a:latin typeface="나눔고딕" pitchFamily="50" charset="-127"/>
-                <a:ea typeface="나눔고딕" pitchFamily="50" charset="-127"/>
-              </a:rPr>
-              <a:t>,</a:t>
-            </a:r>
-          </a:p>
-          <a:p>
-            <a:pPr>
-              <a:lnSpc>
-                <a:spcPct val="150000"/>
-              </a:lnSpc>
-            </a:pPr>
-            <a:r>
-              <a:rPr lang="ko-KR" altLang="en-US" sz="900" spc="-30" dirty="0" smtClean="0">
-                <a:gradFill>
-                  <a:gsLst>
-                    <a:gs pos="0">
-                      <a:schemeClr val="tx1">
-                        <a:lumMod val="75000"/>
-                        <a:lumOff val="25000"/>
-                      </a:schemeClr>
-                    </a:gs>
-                    <a:gs pos="100000">
-                      <a:schemeClr val="tx1">
-                        <a:lumMod val="75000"/>
-                        <a:lumOff val="25000"/>
-                      </a:schemeClr>
-                    </a:gs>
-                  </a:gsLst>
-                  <a:lin ang="5400000" scaled="0"/>
-                </a:gradFill>
-                <a:latin typeface="나눔고딕" pitchFamily="50" charset="-127"/>
-                <a:ea typeface="나눔고딕" pitchFamily="50" charset="-127"/>
-              </a:rPr>
-              <a:t>감각적이면서도 젊은 느낌을 유지하기 위해</a:t>
-            </a:r>
-            <a:endParaRPr lang="en-US" altLang="ko-KR" sz="900" spc="-30" dirty="0" smtClean="0">
-              <a:gradFill>
-                <a:gsLst>
-                  <a:gs pos="0">
-                    <a:schemeClr val="tx1">
-                      <a:lumMod val="75000"/>
-                      <a:lumOff val="25000"/>
-                    </a:schemeClr>
-                  </a:gs>
-                  <a:gs pos="100000">
-                    <a:schemeClr val="tx1">
-                      <a:lumMod val="75000"/>
-                      <a:lumOff val="25000"/>
-                    </a:schemeClr>
-                  </a:gs>
-                </a:gsLst>
-                <a:lin ang="5400000" scaled="0"/>
-              </a:gradFill>
-              <a:latin typeface="나눔고딕" pitchFamily="50" charset="-127"/>
-              <a:ea typeface="나눔고딕" pitchFamily="50" charset="-127"/>
-            </a:endParaRPr>
-          </a:p>
-          <a:p>
-            <a:pPr>
-              <a:lnSpc>
-                <a:spcPct val="150000"/>
-              </a:lnSpc>
-            </a:pPr>
-            <a:r>
-              <a:rPr lang="ko-KR" altLang="en-US" sz="900" spc="-30" dirty="0" smtClean="0">
-                <a:gradFill>
-                  <a:gsLst>
-                    <a:gs pos="0">
-                      <a:schemeClr val="tx1">
-                        <a:lumMod val="75000"/>
-                        <a:lumOff val="25000"/>
-                      </a:schemeClr>
-                    </a:gs>
-                    <a:gs pos="100000">
-                      <a:schemeClr val="tx1">
-                        <a:lumMod val="75000"/>
-                        <a:lumOff val="25000"/>
-                      </a:schemeClr>
-                    </a:gs>
-                  </a:gsLst>
-                  <a:lin ang="5400000" scaled="0"/>
-                </a:gradFill>
-                <a:latin typeface="나눔고딕" pitchFamily="50" charset="-127"/>
-                <a:ea typeface="나눔고딕" pitchFamily="50" charset="-127"/>
-              </a:rPr>
-              <a:t>테이블이나 의자 등의 소품 디자인 및 소재를 </a:t>
-            </a:r>
-            <a:r>
-              <a:rPr lang="ko-KR" altLang="en-US" sz="900" spc="-30" dirty="0" err="1" smtClean="0">
-                <a:gradFill>
-                  <a:gsLst>
-                    <a:gs pos="0">
-                      <a:schemeClr val="tx1">
-                        <a:lumMod val="75000"/>
-                        <a:lumOff val="25000"/>
-                      </a:schemeClr>
-                    </a:gs>
-                    <a:gs pos="100000">
-                      <a:schemeClr val="tx1">
-                        <a:lumMod val="75000"/>
-                        <a:lumOff val="25000"/>
-                      </a:schemeClr>
-                    </a:gs>
-                  </a:gsLst>
-                  <a:lin ang="5400000" scaled="0"/>
-                </a:gradFill>
-                <a:latin typeface="나눔고딕" pitchFamily="50" charset="-127"/>
-                <a:ea typeface="나눔고딕" pitchFamily="50" charset="-127"/>
-              </a:rPr>
-              <a:t>디테일하게</a:t>
-            </a:r>
-            <a:r>
-              <a:rPr lang="ko-KR" altLang="en-US" sz="900" spc="-30" dirty="0" smtClean="0">
-                <a:gradFill>
-                  <a:gsLst>
-                    <a:gs pos="0">
-                      <a:schemeClr val="tx1">
-                        <a:lumMod val="75000"/>
-                        <a:lumOff val="25000"/>
-                      </a:schemeClr>
-                    </a:gs>
-                    <a:gs pos="100000">
-                      <a:schemeClr val="tx1">
-                        <a:lumMod val="75000"/>
-                        <a:lumOff val="25000"/>
-                      </a:schemeClr>
-                    </a:gs>
-                  </a:gsLst>
-                  <a:lin ang="5400000" scaled="0"/>
-                </a:gradFill>
-                <a:latin typeface="나눔고딕" pitchFamily="50" charset="-127"/>
-                <a:ea typeface="나눔고딕" pitchFamily="50" charset="-127"/>
-              </a:rPr>
-              <a:t> </a:t>
-            </a:r>
-            <a:r>
-              <a:rPr lang="ko-KR" altLang="en-US" sz="900" spc="-30" dirty="0" err="1" smtClean="0">
-                <a:gradFill>
-                  <a:gsLst>
-                    <a:gs pos="0">
-                      <a:schemeClr val="tx1">
-                        <a:lumMod val="75000"/>
-                        <a:lumOff val="25000"/>
-                      </a:schemeClr>
-                    </a:gs>
-                    <a:gs pos="100000">
-                      <a:schemeClr val="tx1">
-                        <a:lumMod val="75000"/>
-                        <a:lumOff val="25000"/>
-                      </a:schemeClr>
-                    </a:gs>
-                  </a:gsLst>
-                  <a:lin ang="5400000" scaled="0"/>
-                </a:gradFill>
-                <a:latin typeface="나눔고딕" pitchFamily="50" charset="-127"/>
-                <a:ea typeface="나눔고딕" pitchFamily="50" charset="-127"/>
-              </a:rPr>
-              <a:t>신경쓴다</a:t>
-            </a:r>
-            <a:r>
-              <a:rPr lang="en-US" altLang="ko-KR" sz="900" spc="-30" dirty="0" smtClean="0">
-                <a:gradFill>
-                  <a:gsLst>
-                    <a:gs pos="0">
-                      <a:schemeClr val="tx1">
-                        <a:lumMod val="75000"/>
-                        <a:lumOff val="25000"/>
-                      </a:schemeClr>
-                    </a:gs>
-                    <a:gs pos="100000">
-                      <a:schemeClr val="tx1">
-                        <a:lumMod val="75000"/>
-                        <a:lumOff val="25000"/>
-                      </a:schemeClr>
-                    </a:gs>
-                  </a:gsLst>
-                  <a:lin ang="5400000" scaled="0"/>
-                </a:gradFill>
-                <a:latin typeface="나눔고딕" pitchFamily="50" charset="-127"/>
-                <a:ea typeface="나눔고딕" pitchFamily="50" charset="-127"/>
-              </a:rPr>
-              <a:t>.</a:t>
-            </a:r>
-            <a:r>
-              <a:rPr lang="ko-KR" altLang="en-US" sz="900" spc="-30" dirty="0" smtClean="0">
-                <a:gradFill>
-                  <a:gsLst>
-                    <a:gs pos="0">
-                      <a:schemeClr val="tx1">
-                        <a:lumMod val="75000"/>
-                        <a:lumOff val="25000"/>
-                      </a:schemeClr>
-                    </a:gs>
-                    <a:gs pos="100000">
-                      <a:schemeClr val="tx1">
-                        <a:lumMod val="75000"/>
-                        <a:lumOff val="25000"/>
-                      </a:schemeClr>
-                    </a:gs>
-                  </a:gsLst>
-                  <a:lin ang="5400000" scaled="0"/>
-                </a:gradFill>
-                <a:latin typeface="나눔고딕" pitchFamily="50" charset="-127"/>
-                <a:ea typeface="나눔고딕" pitchFamily="50" charset="-127"/>
-              </a:rPr>
-              <a:t> </a:t>
-            </a:r>
-            <a:endParaRPr lang="ko-KR" altLang="en-US" sz="900" spc="-30" dirty="0">
-              <a:gradFill>
-                <a:gsLst>
-                  <a:gs pos="0">
-                    <a:schemeClr val="tx1">
-                      <a:lumMod val="75000"/>
-                      <a:lumOff val="25000"/>
-                    </a:schemeClr>
-                  </a:gs>
-                  <a:gs pos="100000">
-                    <a:schemeClr val="tx1">
-                      <a:lumMod val="75000"/>
-                      <a:lumOff val="25000"/>
-                    </a:schemeClr>
-                  </a:gs>
-                </a:gsLst>
-                <a:lin ang="5400000" scaled="0"/>
-              </a:gradFill>
-              <a:latin typeface="나눔고딕" pitchFamily="50" charset="-127"/>
-              <a:ea typeface="나눔고딕" pitchFamily="50" charset="-127"/>
-            </a:endParaRPr>
-          </a:p>
-        </p:txBody>
-      </p:sp>
-      <p:sp>
-        <p:nvSpPr>
-          <p:cNvPr id="20" name="TextBox 19"/>
-          <p:cNvSpPr txBox="1"/>
-          <p:nvPr/>
-        </p:nvSpPr>
-        <p:spPr>
-          <a:xfrm>
-            <a:off x="2267744" y="4017955"/>
-            <a:ext cx="1368152" cy="203133"/>
-          </a:xfrm>
-          <a:prstGeom prst="rect">
-            <a:avLst/>
-          </a:prstGeom>
-          <a:noFill/>
-        </p:spPr>
-        <p:txBody>
-          <a:bodyPr wrap="square" rtlCol="0">
-            <a:spAutoFit/>
-          </a:bodyPr>
-          <a:lstStyle/>
-          <a:p>
-            <a:pPr>
-              <a:lnSpc>
-                <a:spcPct val="90000"/>
-              </a:lnSpc>
-            </a:pPr>
-            <a:r>
-              <a:rPr lang="ko-KR" altLang="en-US" sz="800" b="1" spc="-30" dirty="0" smtClean="0">
-                <a:solidFill>
-                  <a:srgbClr val="C00000"/>
-                </a:solidFill>
-                <a:latin typeface="나눔고딕" pitchFamily="50" charset="-127"/>
-                <a:ea typeface="나눔고딕" pitchFamily="50" charset="-127"/>
-              </a:rPr>
-              <a:t>회의공간</a:t>
-            </a:r>
-            <a:endParaRPr lang="ko-KR" altLang="en-US" sz="800" b="1" spc="-30" dirty="0">
-              <a:solidFill>
-                <a:srgbClr val="C00000"/>
+                <a:srgbClr val="68727E"/>
               </a:solidFill>
               <a:latin typeface="나눔고딕" pitchFamily="50" charset="-127"/>
               <a:ea typeface="나눔고딕" pitchFamily="50" charset="-127"/>
@@ -15499,655 +10277,7 @@
 </p:sld>
 </file>
 
-<file path=ppt/slides/slide20.xml><?xml version="1.0" encoding="utf-8"?>
-<p:sld xmlns:a="http://schemas.openxmlformats.org/drawingml/2006/main" xmlns:r="http://schemas.openxmlformats.org/officeDocument/2006/relationships" xmlns:p="http://schemas.openxmlformats.org/presentationml/2006/main" showMasterSp="0">
-  <p:cSld>
-    <p:spTree>
-      <p:nvGrpSpPr>
-        <p:cNvPr id="1" name=""/>
-        <p:cNvGrpSpPr/>
-        <p:nvPr/>
-      </p:nvGrpSpPr>
-      <p:grpSpPr>
-        <a:xfrm>
-          <a:off x="0" y="0"/>
-          <a:ext cx="0" cy="0"/>
-          <a:chOff x="0" y="0"/>
-          <a:chExt cx="0" cy="0"/>
-        </a:xfrm>
-      </p:grpSpPr>
-      <p:sp>
-        <p:nvSpPr>
-          <p:cNvPr id="20" name="TextBox 19"/>
-          <p:cNvSpPr txBox="1"/>
-          <p:nvPr/>
-        </p:nvSpPr>
-        <p:spPr>
-          <a:xfrm>
-            <a:off x="179512" y="3173487"/>
-            <a:ext cx="6552728" cy="510909"/>
-          </a:xfrm>
-          <a:prstGeom prst="rect">
-            <a:avLst/>
-          </a:prstGeom>
-          <a:noFill/>
-        </p:spPr>
-        <p:txBody>
-          <a:bodyPr wrap="square" rtlCol="0">
-            <a:spAutoFit/>
-          </a:bodyPr>
-          <a:lstStyle/>
-          <a:p>
-            <a:pPr>
-              <a:lnSpc>
-                <a:spcPct val="85000"/>
-              </a:lnSpc>
-            </a:pPr>
-            <a:r>
-              <a:rPr lang="ko-KR" altLang="en-US" sz="3200" dirty="0" smtClean="0">
-                <a:gradFill>
-                  <a:gsLst>
-                    <a:gs pos="0">
-                      <a:schemeClr val="tx1">
-                        <a:lumMod val="75000"/>
-                        <a:lumOff val="25000"/>
-                      </a:schemeClr>
-                    </a:gs>
-                    <a:gs pos="100000">
-                      <a:schemeClr val="tx1">
-                        <a:lumMod val="75000"/>
-                        <a:lumOff val="25000"/>
-                      </a:schemeClr>
-                    </a:gs>
-                  </a:gsLst>
-                  <a:lin ang="5400000" scaled="0"/>
-                </a:gradFill>
-                <a:latin typeface="나눔고딕" pitchFamily="50" charset="-127"/>
-                <a:ea typeface="나눔고딕" pitchFamily="50" charset="-127"/>
-              </a:rPr>
-              <a:t>감사합니다</a:t>
-            </a:r>
-            <a:endParaRPr lang="ko-KR" altLang="en-US" sz="3200" dirty="0">
-              <a:gradFill>
-                <a:gsLst>
-                  <a:gs pos="0">
-                    <a:schemeClr val="tx1">
-                      <a:lumMod val="75000"/>
-                      <a:lumOff val="25000"/>
-                    </a:schemeClr>
-                  </a:gs>
-                  <a:gs pos="100000">
-                    <a:schemeClr val="tx1">
-                      <a:lumMod val="75000"/>
-                      <a:lumOff val="25000"/>
-                    </a:schemeClr>
-                  </a:gs>
-                </a:gsLst>
-                <a:lin ang="5400000" scaled="0"/>
-              </a:gradFill>
-              <a:latin typeface="나눔고딕" pitchFamily="50" charset="-127"/>
-              <a:ea typeface="나눔고딕" pitchFamily="50" charset="-127"/>
-            </a:endParaRPr>
-          </a:p>
-        </p:txBody>
-      </p:sp>
-      <p:cxnSp>
-        <p:nvCxnSpPr>
-          <p:cNvPr id="11" name="직선 연결선 10"/>
-          <p:cNvCxnSpPr/>
-          <p:nvPr/>
-        </p:nvCxnSpPr>
-        <p:spPr>
-          <a:xfrm>
-            <a:off x="251520" y="332656"/>
-            <a:ext cx="8640960" cy="0"/>
-          </a:xfrm>
-          <a:prstGeom prst="line">
-            <a:avLst/>
-          </a:prstGeom>
-          <a:ln w="3175">
-            <a:solidFill>
-              <a:schemeClr val="tx1">
-                <a:lumMod val="75000"/>
-                <a:lumOff val="25000"/>
-              </a:schemeClr>
-            </a:solidFill>
-          </a:ln>
-        </p:spPr>
-        <p:style>
-          <a:lnRef idx="1">
-            <a:schemeClr val="accent1"/>
-          </a:lnRef>
-          <a:fillRef idx="0">
-            <a:schemeClr val="accent1"/>
-          </a:fillRef>
-          <a:effectRef idx="0">
-            <a:schemeClr val="accent1"/>
-          </a:effectRef>
-          <a:fontRef idx="minor">
-            <a:schemeClr val="tx1"/>
-          </a:fontRef>
-        </p:style>
-      </p:cxnSp>
-      <p:sp>
-        <p:nvSpPr>
-          <p:cNvPr id="4" name="TextBox 3"/>
-          <p:cNvSpPr txBox="1"/>
-          <p:nvPr/>
-        </p:nvSpPr>
-        <p:spPr>
-          <a:xfrm>
-            <a:off x="179512" y="6415444"/>
-            <a:ext cx="4039705" cy="253916"/>
-          </a:xfrm>
-          <a:prstGeom prst="rect">
-            <a:avLst/>
-          </a:prstGeom>
-          <a:noFill/>
-        </p:spPr>
-        <p:txBody>
-          <a:bodyPr wrap="square" rtlCol="0">
-            <a:spAutoFit/>
-          </a:bodyPr>
-          <a:lstStyle/>
-          <a:p>
-            <a:pPr>
-              <a:lnSpc>
-                <a:spcPct val="150000"/>
-              </a:lnSpc>
-            </a:pPr>
-            <a:r>
-              <a:rPr lang="ko-KR" altLang="en-US" sz="700" dirty="0" smtClean="0">
-                <a:solidFill>
-                  <a:srgbClr val="68727E"/>
-                </a:solidFill>
-                <a:latin typeface="나눔고딕" pitchFamily="50" charset="-127"/>
-                <a:ea typeface="나눔고딕" pitchFamily="50" charset="-127"/>
-              </a:rPr>
-              <a:t>이 문서는 </a:t>
-            </a:r>
-            <a:r>
-              <a:rPr lang="ko-KR" altLang="en-US" sz="700" dirty="0" err="1" smtClean="0">
-                <a:solidFill>
-                  <a:srgbClr val="68727E"/>
-                </a:solidFill>
-                <a:latin typeface="나눔고딕" pitchFamily="50" charset="-127"/>
-                <a:ea typeface="나눔고딕" pitchFamily="50" charset="-127"/>
-              </a:rPr>
-              <a:t>나눔글꼴로</a:t>
-            </a:r>
-            <a:r>
-              <a:rPr lang="ko-KR" altLang="en-US" sz="700" dirty="0" smtClean="0">
-                <a:solidFill>
-                  <a:srgbClr val="68727E"/>
-                </a:solidFill>
-                <a:latin typeface="나눔고딕" pitchFamily="50" charset="-127"/>
-                <a:ea typeface="나눔고딕" pitchFamily="50" charset="-127"/>
-              </a:rPr>
-              <a:t> 작성되었습니다</a:t>
-            </a:r>
-            <a:r>
-              <a:rPr lang="en-US" altLang="ko-KR" sz="700" dirty="0" smtClean="0">
-                <a:solidFill>
-                  <a:srgbClr val="68727E"/>
-                </a:solidFill>
-                <a:latin typeface="나눔고딕" pitchFamily="50" charset="-127"/>
-                <a:ea typeface="나눔고딕" pitchFamily="50" charset="-127"/>
-              </a:rPr>
-              <a:t>. </a:t>
-            </a:r>
-            <a:r>
-              <a:rPr lang="ko-KR" altLang="en-US" sz="700" u="sng" dirty="0" smtClean="0">
-                <a:solidFill>
-                  <a:srgbClr val="68727E"/>
-                </a:solidFill>
-                <a:latin typeface="나눔고딕" pitchFamily="50" charset="-127"/>
-                <a:ea typeface="나눔고딕" pitchFamily="50" charset="-127"/>
-                <a:hlinkClick r:id="rId3"/>
-              </a:rPr>
-              <a:t>설치하기</a:t>
-            </a:r>
-            <a:endParaRPr lang="en-US" altLang="ko-KR" sz="700" u="sng" dirty="0" smtClean="0">
-              <a:solidFill>
-                <a:srgbClr val="68727E"/>
-              </a:solidFill>
-              <a:latin typeface="나눔고딕" pitchFamily="50" charset="-127"/>
-              <a:ea typeface="나눔고딕" pitchFamily="50" charset="-127"/>
-            </a:endParaRPr>
-          </a:p>
-        </p:txBody>
-      </p:sp>
-    </p:spTree>
-  </p:cSld>
-  <p:clrMapOvr>
-    <a:masterClrMapping/>
-  </p:clrMapOvr>
-  <p:transition/>
-  <p:timing>
-    <p:tnLst>
-      <p:par>
-        <p:cTn id="1" dur="indefinite" restart="never" nodeType="tmRoot"/>
-      </p:par>
-    </p:tnLst>
-  </p:timing>
-</p:sld>
-</file>
-
 <file path=ppt/slides/slide3.xml><?xml version="1.0" encoding="utf-8"?>
-<p:sld xmlns:a="http://schemas.openxmlformats.org/drawingml/2006/main" xmlns:r="http://schemas.openxmlformats.org/officeDocument/2006/relationships" xmlns:p="http://schemas.openxmlformats.org/presentationml/2006/main" showMasterSp="0">
-  <p:cSld>
-    <p:spTree>
-      <p:nvGrpSpPr>
-        <p:cNvPr id="1" name=""/>
-        <p:cNvGrpSpPr/>
-        <p:nvPr/>
-      </p:nvGrpSpPr>
-      <p:grpSpPr>
-        <a:xfrm>
-          <a:off x="0" y="0"/>
-          <a:ext cx="0" cy="0"/>
-          <a:chOff x="0" y="0"/>
-          <a:chExt cx="0" cy="0"/>
-        </a:xfrm>
-      </p:grpSpPr>
-      <p:sp>
-        <p:nvSpPr>
-          <p:cNvPr id="20" name="TextBox 19"/>
-          <p:cNvSpPr txBox="1"/>
-          <p:nvPr/>
-        </p:nvSpPr>
-        <p:spPr>
-          <a:xfrm>
-            <a:off x="107504" y="3429000"/>
-            <a:ext cx="6552728" cy="1415772"/>
-          </a:xfrm>
-          <a:prstGeom prst="rect">
-            <a:avLst/>
-          </a:prstGeom>
-          <a:noFill/>
-        </p:spPr>
-        <p:txBody>
-          <a:bodyPr wrap="square" rtlCol="0">
-            <a:spAutoFit/>
-          </a:bodyPr>
-          <a:lstStyle/>
-          <a:p>
-            <a:r>
-              <a:rPr lang="ko-KR" altLang="en-US" sz="4300" spc="-150" dirty="0" smtClean="0">
-                <a:gradFill>
-                  <a:gsLst>
-                    <a:gs pos="0">
-                      <a:srgbClr val="68727E"/>
-                    </a:gs>
-                    <a:gs pos="50000">
-                      <a:srgbClr val="68727E"/>
-                    </a:gs>
-                  </a:gsLst>
-                  <a:lin ang="5400000" scaled="0"/>
-                </a:gradFill>
-                <a:latin typeface="나눔고딕" pitchFamily="50" charset="-127"/>
-                <a:ea typeface="나눔고딕" pitchFamily="50" charset="-127"/>
-              </a:rPr>
-              <a:t>문서의 제목을</a:t>
-            </a:r>
-            <a:endParaRPr lang="en-US" altLang="ko-KR" sz="4300" spc="-150" dirty="0" smtClean="0">
-              <a:gradFill>
-                <a:gsLst>
-                  <a:gs pos="0">
-                    <a:srgbClr val="68727E"/>
-                  </a:gs>
-                  <a:gs pos="50000">
-                    <a:srgbClr val="68727E"/>
-                  </a:gs>
-                </a:gsLst>
-                <a:lin ang="5400000" scaled="0"/>
-              </a:gradFill>
-              <a:latin typeface="나눔고딕" pitchFamily="50" charset="-127"/>
-              <a:ea typeface="나눔고딕" pitchFamily="50" charset="-127"/>
-            </a:endParaRPr>
-          </a:p>
-          <a:p>
-            <a:r>
-              <a:rPr lang="ko-KR" altLang="en-US" sz="4300" spc="-150" dirty="0" smtClean="0">
-                <a:gradFill>
-                  <a:gsLst>
-                    <a:gs pos="0">
-                      <a:srgbClr val="68727E"/>
-                    </a:gs>
-                    <a:gs pos="50000">
-                      <a:srgbClr val="68727E"/>
-                    </a:gs>
-                  </a:gsLst>
-                  <a:lin ang="5400000" scaled="0"/>
-                </a:gradFill>
-                <a:latin typeface="나눔고딕" pitchFamily="50" charset="-127"/>
-                <a:ea typeface="나눔고딕" pitchFamily="50" charset="-127"/>
-              </a:rPr>
-              <a:t>작성해 주세요</a:t>
-            </a:r>
-            <a:endParaRPr lang="ko-KR" altLang="en-US" sz="4300" spc="-150" dirty="0">
-              <a:gradFill>
-                <a:gsLst>
-                  <a:gs pos="0">
-                    <a:srgbClr val="68727E"/>
-                  </a:gs>
-                  <a:gs pos="50000">
-                    <a:srgbClr val="68727E"/>
-                  </a:gs>
-                </a:gsLst>
-                <a:lin ang="5400000" scaled="0"/>
-              </a:gradFill>
-              <a:latin typeface="나눔고딕" pitchFamily="50" charset="-127"/>
-              <a:ea typeface="나눔고딕" pitchFamily="50" charset="-127"/>
-            </a:endParaRPr>
-          </a:p>
-        </p:txBody>
-      </p:sp>
-      <p:cxnSp>
-        <p:nvCxnSpPr>
-          <p:cNvPr id="10" name="직선 연결선 9"/>
-          <p:cNvCxnSpPr/>
-          <p:nvPr/>
-        </p:nvCxnSpPr>
-        <p:spPr>
-          <a:xfrm>
-            <a:off x="251520" y="3429000"/>
-            <a:ext cx="8640960" cy="0"/>
-          </a:xfrm>
-          <a:prstGeom prst="line">
-            <a:avLst/>
-          </a:prstGeom>
-          <a:ln w="3175">
-            <a:solidFill>
-              <a:srgbClr val="68727E"/>
-            </a:solidFill>
-          </a:ln>
-        </p:spPr>
-        <p:style>
-          <a:lnRef idx="1">
-            <a:schemeClr val="accent1"/>
-          </a:lnRef>
-          <a:fillRef idx="0">
-            <a:schemeClr val="accent1"/>
-          </a:fillRef>
-          <a:effectRef idx="0">
-            <a:schemeClr val="accent1"/>
-          </a:effectRef>
-          <a:fontRef idx="minor">
-            <a:schemeClr val="tx1"/>
-          </a:fontRef>
-        </p:style>
-      </p:cxnSp>
-      <p:cxnSp>
-        <p:nvCxnSpPr>
-          <p:cNvPr id="12" name="직선 연결선 11"/>
-          <p:cNvCxnSpPr/>
-          <p:nvPr/>
-        </p:nvCxnSpPr>
-        <p:spPr>
-          <a:xfrm>
-            <a:off x="251520" y="332656"/>
-            <a:ext cx="8640960" cy="0"/>
-          </a:xfrm>
-          <a:prstGeom prst="line">
-            <a:avLst/>
-          </a:prstGeom>
-          <a:ln w="3175">
-            <a:solidFill>
-              <a:srgbClr val="68727E"/>
-            </a:solidFill>
-          </a:ln>
-        </p:spPr>
-        <p:style>
-          <a:lnRef idx="1">
-            <a:schemeClr val="accent1"/>
-          </a:lnRef>
-          <a:fillRef idx="0">
-            <a:schemeClr val="accent1"/>
-          </a:fillRef>
-          <a:effectRef idx="0">
-            <a:schemeClr val="accent1"/>
-          </a:effectRef>
-          <a:fontRef idx="minor">
-            <a:schemeClr val="tx1"/>
-          </a:fontRef>
-        </p:style>
-      </p:cxnSp>
-      <p:cxnSp>
-        <p:nvCxnSpPr>
-          <p:cNvPr id="13" name="직선 연결선 12"/>
-          <p:cNvCxnSpPr/>
-          <p:nvPr/>
-        </p:nvCxnSpPr>
-        <p:spPr>
-          <a:xfrm>
-            <a:off x="251520" y="6534000"/>
-            <a:ext cx="8640960" cy="0"/>
-          </a:xfrm>
-          <a:prstGeom prst="line">
-            <a:avLst/>
-          </a:prstGeom>
-          <a:ln w="3175">
-            <a:solidFill>
-              <a:srgbClr val="68727E"/>
-            </a:solidFill>
-          </a:ln>
-        </p:spPr>
-        <p:style>
-          <a:lnRef idx="1">
-            <a:schemeClr val="accent1"/>
-          </a:lnRef>
-          <a:fillRef idx="0">
-            <a:schemeClr val="accent1"/>
-          </a:fillRef>
-          <a:effectRef idx="0">
-            <a:schemeClr val="accent1"/>
-          </a:effectRef>
-          <a:fontRef idx="minor">
-            <a:schemeClr val="tx1"/>
-          </a:fontRef>
-        </p:style>
-      </p:cxnSp>
-      <p:pic>
-        <p:nvPicPr>
-          <p:cNvPr id="16" name="Picture 3"/>
-          <p:cNvPicPr>
-            <a:picLocks noChangeAspect="1" noChangeArrowheads="1"/>
-          </p:cNvPicPr>
-          <p:nvPr/>
-        </p:nvPicPr>
-        <p:blipFill>
-          <a:blip r:embed="rId3" cstate="email"/>
-          <a:srcRect/>
-          <a:stretch>
-            <a:fillRect/>
-          </a:stretch>
-        </p:blipFill>
-        <p:spPr bwMode="auto">
-          <a:xfrm>
-            <a:off x="8172400" y="435067"/>
-            <a:ext cx="720080" cy="185621"/>
-          </a:xfrm>
-          <a:prstGeom prst="rect">
-            <a:avLst/>
-          </a:prstGeom>
-          <a:noFill/>
-          <a:ln w="9525">
-            <a:noFill/>
-            <a:miter lim="800000"/>
-            <a:headEnd/>
-            <a:tailEnd/>
-          </a:ln>
-        </p:spPr>
-      </p:pic>
-      <p:sp>
-        <p:nvSpPr>
-          <p:cNvPr id="17" name="TextBox 16"/>
-          <p:cNvSpPr txBox="1"/>
-          <p:nvPr/>
-        </p:nvSpPr>
-        <p:spPr>
-          <a:xfrm>
-            <a:off x="179512" y="6237312"/>
-            <a:ext cx="4039705" cy="253916"/>
-          </a:xfrm>
-          <a:prstGeom prst="rect">
-            <a:avLst/>
-          </a:prstGeom>
-          <a:noFill/>
-        </p:spPr>
-        <p:txBody>
-          <a:bodyPr wrap="square" rtlCol="0">
-            <a:spAutoFit/>
-          </a:bodyPr>
-          <a:lstStyle/>
-          <a:p>
-            <a:pPr>
-              <a:lnSpc>
-                <a:spcPct val="150000"/>
-              </a:lnSpc>
-            </a:pPr>
-            <a:r>
-              <a:rPr lang="ko-KR" altLang="en-US" sz="700" dirty="0" smtClean="0">
-                <a:solidFill>
-                  <a:srgbClr val="68727E"/>
-                </a:solidFill>
-                <a:latin typeface="나눔고딕" pitchFamily="50" charset="-127"/>
-                <a:ea typeface="나눔고딕" pitchFamily="50" charset="-127"/>
-              </a:rPr>
-              <a:t>이 문서는 </a:t>
-            </a:r>
-            <a:r>
-              <a:rPr lang="ko-KR" altLang="en-US" sz="700" dirty="0" err="1" smtClean="0">
-                <a:solidFill>
-                  <a:srgbClr val="68727E"/>
-                </a:solidFill>
-                <a:latin typeface="나눔고딕" pitchFamily="50" charset="-127"/>
-                <a:ea typeface="나눔고딕" pitchFamily="50" charset="-127"/>
-              </a:rPr>
-              <a:t>나눔글꼴로</a:t>
-            </a:r>
-            <a:r>
-              <a:rPr lang="ko-KR" altLang="en-US" sz="700" dirty="0" smtClean="0">
-                <a:solidFill>
-                  <a:srgbClr val="68727E"/>
-                </a:solidFill>
-                <a:latin typeface="나눔고딕" pitchFamily="50" charset="-127"/>
-                <a:ea typeface="나눔고딕" pitchFamily="50" charset="-127"/>
-              </a:rPr>
-              <a:t> 작성되었습니다</a:t>
-            </a:r>
-            <a:r>
-              <a:rPr lang="en-US" altLang="ko-KR" sz="700" dirty="0" smtClean="0">
-                <a:solidFill>
-                  <a:srgbClr val="68727E"/>
-                </a:solidFill>
-                <a:latin typeface="나눔고딕" pitchFamily="50" charset="-127"/>
-                <a:ea typeface="나눔고딕" pitchFamily="50" charset="-127"/>
-              </a:rPr>
-              <a:t>. </a:t>
-            </a:r>
-            <a:r>
-              <a:rPr lang="ko-KR" altLang="en-US" sz="700" u="sng" dirty="0" smtClean="0">
-                <a:solidFill>
-                  <a:srgbClr val="68727E"/>
-                </a:solidFill>
-                <a:latin typeface="나눔고딕" pitchFamily="50" charset="-127"/>
-                <a:ea typeface="나눔고딕" pitchFamily="50" charset="-127"/>
-                <a:hlinkClick r:id="rId4"/>
-              </a:rPr>
-              <a:t>설치하기</a:t>
-            </a:r>
-            <a:endParaRPr lang="en-US" altLang="ko-KR" sz="700" u="sng" dirty="0" smtClean="0">
-              <a:solidFill>
-                <a:srgbClr val="68727E"/>
-              </a:solidFill>
-              <a:latin typeface="나눔고딕" pitchFamily="50" charset="-127"/>
-              <a:ea typeface="나눔고딕" pitchFamily="50" charset="-127"/>
-            </a:endParaRPr>
-          </a:p>
-        </p:txBody>
-      </p:sp>
-      <p:sp>
-        <p:nvSpPr>
-          <p:cNvPr id="9" name="TextBox 8"/>
-          <p:cNvSpPr txBox="1"/>
-          <p:nvPr/>
-        </p:nvSpPr>
-        <p:spPr>
-          <a:xfrm>
-            <a:off x="7092280" y="3501008"/>
-            <a:ext cx="1872208" cy="190821"/>
-          </a:xfrm>
-          <a:prstGeom prst="rect">
-            <a:avLst/>
-          </a:prstGeom>
-          <a:noFill/>
-        </p:spPr>
-        <p:txBody>
-          <a:bodyPr wrap="square" rtlCol="0">
-            <a:spAutoFit/>
-          </a:bodyPr>
-          <a:lstStyle/>
-          <a:p>
-            <a:pPr algn="r">
-              <a:lnSpc>
-                <a:spcPct val="80000"/>
-              </a:lnSpc>
-            </a:pPr>
-            <a:r>
-              <a:rPr lang="en-US" altLang="ko-KR" sz="800" b="1" dirty="0" smtClean="0">
-                <a:gradFill>
-                  <a:gsLst>
-                    <a:gs pos="0">
-                      <a:srgbClr val="68727E"/>
-                    </a:gs>
-                    <a:gs pos="50000">
-                      <a:srgbClr val="68727E"/>
-                    </a:gs>
-                  </a:gsLst>
-                  <a:lin ang="5400000" scaled="0"/>
-                </a:gradFill>
-                <a:latin typeface="나눔고딕" pitchFamily="50" charset="-127"/>
-                <a:ea typeface="나눔고딕" pitchFamily="50" charset="-127"/>
-              </a:rPr>
-              <a:t>2011.00</a:t>
-            </a:r>
-            <a:endParaRPr lang="ko-KR" altLang="en-US" sz="800" b="1" dirty="0">
-              <a:gradFill>
-                <a:gsLst>
-                  <a:gs pos="0">
-                    <a:srgbClr val="68727E"/>
-                  </a:gs>
-                  <a:gs pos="50000">
-                    <a:srgbClr val="68727E"/>
-                  </a:gs>
-                </a:gsLst>
-                <a:lin ang="5400000" scaled="0"/>
-              </a:gradFill>
-              <a:latin typeface="나눔고딕" pitchFamily="50" charset="-127"/>
-              <a:ea typeface="나눔고딕" pitchFamily="50" charset="-127"/>
-            </a:endParaRPr>
-          </a:p>
-        </p:txBody>
-      </p:sp>
-    </p:spTree>
-  </p:cSld>
-  <p:clrMapOvr>
-    <a:masterClrMapping/>
-  </p:clrMapOvr>
-  <p:transition/>
-  <p:timing>
-    <p:tnLst>
-      <p:par>
-        <p:cTn id="1" dur="indefinite" restart="never" nodeType="tmRoot"/>
-      </p:par>
-    </p:tnLst>
-  </p:timing>
-</p:sld>
-</file>
-
-<file path=ppt/slides/slide4.xml><?xml version="1.0" encoding="utf-8"?>
 <p:sld xmlns:a="http://schemas.openxmlformats.org/drawingml/2006/main" xmlns:r="http://schemas.openxmlformats.org/officeDocument/2006/relationships" xmlns:p="http://schemas.openxmlformats.org/presentationml/2006/main" showMasterSp="0">
   <p:cSld>
     <p:spTree>
@@ -16852,6 +10982,29 @@
               <a:buAutoNum type="arabicPeriod"/>
             </a:pPr>
             <a:r>
+              <a:rPr lang="en-US" altLang="ko-KR" b="1" dirty="0" smtClean="0">
+                <a:gradFill>
+                  <a:gsLst>
+                    <a:gs pos="0">
+                      <a:schemeClr val="tx1">
+                        <a:lumMod val="75000"/>
+                        <a:lumOff val="25000"/>
+                      </a:schemeClr>
+                    </a:gs>
+                    <a:gs pos="50000">
+                      <a:schemeClr val="tx1">
+                        <a:lumMod val="75000"/>
+                        <a:lumOff val="25000"/>
+                      </a:schemeClr>
+                    </a:gs>
+                  </a:gsLst>
+                  <a:lin ang="5400000" scaled="0"/>
+                </a:gradFill>
+                <a:latin typeface="+mn-ea"/>
+              </a:rPr>
+              <a:t>   </a:t>
+            </a:r>
+            <a:r>
               <a:rPr lang="ko-KR" altLang="en-US" b="1" dirty="0" smtClean="0">
                 <a:gradFill>
                   <a:gsLst>
@@ -16872,7 +11025,7 @@
                 </a:gradFill>
                 <a:latin typeface="+mn-ea"/>
               </a:rPr>
-              <a:t>   수행 일정</a:t>
+              <a:t>일정</a:t>
             </a:r>
             <a:endParaRPr lang="en-US" altLang="ko-KR" b="1" dirty="0">
               <a:gradFill>
@@ -16974,30 +11127,7 @@
                 </a:gradFill>
                 <a:latin typeface="+mn-ea"/>
               </a:rPr>
-              <a:t>  </a:t>
-            </a:r>
-            <a:r>
-              <a:rPr lang="en-US" altLang="ko-KR" b="1" dirty="0" smtClean="0">
-                <a:gradFill>
-                  <a:gsLst>
-                    <a:gs pos="0">
-                      <a:schemeClr val="tx1">
-                        <a:lumMod val="75000"/>
-                        <a:lumOff val="25000"/>
-                      </a:schemeClr>
-                    </a:gs>
-                    <a:gs pos="50000">
-                      <a:schemeClr val="tx1">
-                        <a:lumMod val="75000"/>
-                        <a:lumOff val="25000"/>
-                      </a:schemeClr>
-                    </a:gs>
-                  </a:gsLst>
-                  <a:lin ang="5400000" scaled="0"/>
-                </a:gradFill>
-                <a:latin typeface="+mn-ea"/>
-              </a:rPr>
-              <a:t>QA &amp;&amp; </a:t>
+              <a:t>  QA &amp;&amp; </a:t>
             </a:r>
             <a:r>
               <a:rPr lang="ko-KR" altLang="en-US" b="1" dirty="0" smtClean="0">
@@ -17440,7 +11570,7 @@
 </p:sld>
 </file>
 
-<file path=ppt/slides/slide5.xml><?xml version="1.0" encoding="utf-8"?>
+<file path=ppt/slides/slide4.xml><?xml version="1.0" encoding="utf-8"?>
 <p:sld xmlns:a="http://schemas.openxmlformats.org/drawingml/2006/main" xmlns:r="http://schemas.openxmlformats.org/officeDocument/2006/relationships" xmlns:p="http://schemas.openxmlformats.org/presentationml/2006/main" showMasterSp="0">
   <p:cSld>
     <p:spTree>
@@ -17851,7 +11981,7 @@
                   <a:spcPct val="80000"/>
                 </a:lnSpc>
               </a:pPr>
-              <a:t>5</a:t>
+              <a:t>4</a:t>
             </a:fld>
             <a:r>
               <a:rPr lang="en-US" altLang="ko-KR" sz="700" b="1" dirty="0" smtClean="0">
@@ -18266,7 +12396,7 @@
 </p:sld>
 </file>
 
-<file path=ppt/slides/slide6.xml><?xml version="1.0" encoding="utf-8"?>
+<file path=ppt/slides/slide5.xml><?xml version="1.0" encoding="utf-8"?>
 <p:sld xmlns:a="http://schemas.openxmlformats.org/drawingml/2006/main" xmlns:r="http://schemas.openxmlformats.org/officeDocument/2006/relationships" xmlns:p="http://schemas.openxmlformats.org/presentationml/2006/main" showMasterSp="0">
   <p:cSld>
     <p:spTree>
@@ -18496,7 +12626,7 @@
                   <a:spcPct val="80000"/>
                 </a:lnSpc>
               </a:pPr>
-              <a:t>6</a:t>
+              <a:t>5</a:t>
             </a:fld>
             <a:r>
               <a:rPr lang="en-US" altLang="ko-KR" sz="700" b="1" dirty="0" smtClean="0">
@@ -18858,7 +12988,7 @@
 </p:sld>
 </file>
 
-<file path=ppt/slides/slide7.xml><?xml version="1.0" encoding="utf-8"?>
+<file path=ppt/slides/slide6.xml><?xml version="1.0" encoding="utf-8"?>
 <p:sld xmlns:a="http://schemas.openxmlformats.org/drawingml/2006/main" xmlns:r="http://schemas.openxmlformats.org/officeDocument/2006/relationships" xmlns:p="http://schemas.openxmlformats.org/presentationml/2006/main">
   <p:cSld>
     <p:spTree>
@@ -19086,7 +13216,7 @@
                   <a:spcPct val="80000"/>
                 </a:lnSpc>
               </a:pPr>
-              <a:t>7</a:t>
+              <a:t>6</a:t>
             </a:fld>
             <a:r>
               <a:rPr lang="en-US" altLang="ko-KR" sz="700" b="1" dirty="0" smtClean="0">
@@ -19320,7 +13450,7 @@
 </p:sld>
 </file>
 
-<file path=ppt/slides/slide8.xml><?xml version="1.0" encoding="utf-8"?>
+<file path=ppt/slides/slide7.xml><?xml version="1.0" encoding="utf-8"?>
 <p:sld xmlns:a="http://schemas.openxmlformats.org/drawingml/2006/main" xmlns:r="http://schemas.openxmlformats.org/officeDocument/2006/relationships" xmlns:p="http://schemas.openxmlformats.org/presentationml/2006/main">
   <p:cSld>
     <p:spTree>
@@ -19560,7 +13690,7 @@
                   <a:spcPct val="80000"/>
                 </a:lnSpc>
               </a:pPr>
-              <a:t>8</a:t>
+              <a:t>7</a:t>
             </a:fld>
             <a:r>
               <a:rPr lang="en-US" altLang="ko-KR" sz="700" b="1" dirty="0" smtClean="0">
@@ -19597,7 +13727,7 @@
         <p:spPr>
           <a:xfrm>
             <a:off x="467544" y="2420888"/>
-            <a:ext cx="8208912" cy="1938992"/>
+            <a:ext cx="8208912" cy="3323987"/>
           </a:xfrm>
           <a:prstGeom prst="rect">
             <a:avLst/>
@@ -19658,6 +13788,45 @@
               <a:buChar char="•"/>
             </a:pPr>
             <a:endParaRPr lang="en-US" altLang="ko-KR" sz="2000" dirty="0">
+              <a:latin typeface="맑은 고딕" pitchFamily="50" charset="-127"/>
+              <a:ea typeface="맑은 고딕" pitchFamily="50" charset="-127"/>
+            </a:endParaRPr>
+          </a:p>
+          <a:p>
+            <a:pPr marL="285750" indent="-285750">
+              <a:lnSpc>
+                <a:spcPct val="150000"/>
+              </a:lnSpc>
+              <a:buFont typeface="Arial" pitchFamily="34" charset="0"/>
+              <a:buChar char="•"/>
+            </a:pPr>
+            <a:endParaRPr lang="en-US" altLang="ko-KR" sz="2000" dirty="0" smtClean="0">
+              <a:latin typeface="맑은 고딕" pitchFamily="50" charset="-127"/>
+              <a:ea typeface="맑은 고딕" pitchFamily="50" charset="-127"/>
+            </a:endParaRPr>
+          </a:p>
+          <a:p>
+            <a:pPr marL="285750" indent="-285750">
+              <a:lnSpc>
+                <a:spcPct val="150000"/>
+              </a:lnSpc>
+              <a:buFont typeface="Arial" pitchFamily="34" charset="0"/>
+              <a:buChar char="•"/>
+            </a:pPr>
+            <a:endParaRPr lang="en-US" altLang="ko-KR" sz="2000" dirty="0">
+              <a:latin typeface="맑은 고딕" pitchFamily="50" charset="-127"/>
+              <a:ea typeface="맑은 고딕" pitchFamily="50" charset="-127"/>
+            </a:endParaRPr>
+          </a:p>
+          <a:p>
+            <a:pPr marL="285750" indent="-285750">
+              <a:lnSpc>
+                <a:spcPct val="150000"/>
+              </a:lnSpc>
+              <a:buFont typeface="Arial" pitchFamily="34" charset="0"/>
+              <a:buChar char="•"/>
+            </a:pPr>
+            <a:endParaRPr lang="en-US" altLang="ko-KR" sz="2000" dirty="0" smtClean="0">
               <a:latin typeface="맑은 고딕" pitchFamily="50" charset="-127"/>
               <a:ea typeface="맑은 고딕" pitchFamily="50" charset="-127"/>
             </a:endParaRPr>
@@ -19818,6 +13987,70 @@
           </p:txBody>
         </p:sp>
       </p:grpSp>
+      <p:pic>
+        <p:nvPicPr>
+          <p:cNvPr id="2050" name="Picture 2"/>
+          <p:cNvPicPr>
+            <a:picLocks noChangeAspect="1" noChangeArrowheads="1"/>
+          </p:cNvPicPr>
+          <p:nvPr/>
+        </p:nvPicPr>
+        <p:blipFill>
+          <a:blip r:embed="rId3">
+            <a:extLst>
+              <a:ext uri="{28A0092B-C50C-407E-A947-70E740481C1C}">
+                <a14:useLocalDpi xmlns:a14="http://schemas.microsoft.com/office/drawing/2010/main" val="0"/>
+              </a:ext>
+            </a:extLst>
+          </a:blip>
+          <a:srcRect/>
+          <a:stretch>
+            <a:fillRect/>
+          </a:stretch>
+        </p:blipFill>
+        <p:spPr bwMode="auto">
+          <a:xfrm>
+            <a:off x="6103409" y="3195957"/>
+            <a:ext cx="2265773" cy="1817219"/>
+          </a:xfrm>
+          <a:prstGeom prst="rect">
+            <a:avLst/>
+          </a:prstGeom>
+          <a:noFill/>
+          <a:ln>
+            <a:noFill/>
+          </a:ln>
+          <a:effectLst/>
+          <a:extLst>
+            <a:ext uri="{909E8E84-426E-40DD-AFC4-6F175D3DCCD1}">
+              <a14:hiddenFill xmlns:a14="http://schemas.microsoft.com/office/drawing/2010/main">
+                <a:solidFill>
+                  <a:schemeClr val="accent1"/>
+                </a:solidFill>
+              </a14:hiddenFill>
+            </a:ext>
+            <a:ext uri="{91240B29-F687-4F45-9708-019B960494DF}">
+              <a14:hiddenLine xmlns:a14="http://schemas.microsoft.com/office/drawing/2010/main" w="9525">
+                <a:solidFill>
+                  <a:schemeClr val="tx1"/>
+                </a:solidFill>
+                <a:miter lim="800000"/>
+                <a:headEnd/>
+                <a:tailEnd/>
+              </a14:hiddenLine>
+            </a:ext>
+            <a:ext uri="{AF507438-7753-43E0-B8FC-AC1667EBCBE1}">
+              <a14:hiddenEffects xmlns:a14="http://schemas.microsoft.com/office/drawing/2010/main">
+                <a:effectLst>
+                  <a:outerShdw dist="35921" dir="2700000" algn="ctr" rotWithShape="0">
+                    <a:schemeClr val="bg2"/>
+                  </a:outerShdw>
+                </a:effectLst>
+              </a14:hiddenEffects>
+            </a:ext>
+          </a:extLst>
+        </p:spPr>
+      </p:pic>
     </p:spTree>
     <p:extLst>
       <p:ext uri="{BB962C8B-B14F-4D97-AF65-F5344CB8AC3E}">
@@ -19839,7 +14072,7 @@
 </p:sld>
 </file>
 
-<file path=ppt/slides/slide9.xml><?xml version="1.0" encoding="utf-8"?>
+<file path=ppt/slides/slide8.xml><?xml version="1.0" encoding="utf-8"?>
 <p:sld xmlns:a="http://schemas.openxmlformats.org/drawingml/2006/main" xmlns:r="http://schemas.openxmlformats.org/officeDocument/2006/relationships" xmlns:p="http://schemas.openxmlformats.org/presentationml/2006/main">
   <p:cSld>
     <p:spTree>
@@ -19858,6 +14091,48 @@
       </p:grpSpPr>
       <p:cxnSp>
         <p:nvCxnSpPr>
+          <p:cNvPr id="5" name="직선 화살표 연결선 4"/>
+          <p:cNvCxnSpPr>
+            <a:stCxn id="2" idx="3"/>
+            <a:endCxn id="17" idx="1"/>
+          </p:cNvCxnSpPr>
+          <p:nvPr/>
+        </p:nvCxnSpPr>
+        <p:spPr>
+          <a:xfrm>
+            <a:off x="2771800" y="6057292"/>
+            <a:ext cx="3807323" cy="0"/>
+          </a:xfrm>
+          <a:prstGeom prst="straightConnector1">
+            <a:avLst/>
+          </a:prstGeom>
+          <a:ln w="28575">
+            <a:solidFill>
+              <a:schemeClr val="accent2">
+                <a:lumMod val="40000"/>
+                <a:lumOff val="60000"/>
+              </a:schemeClr>
+            </a:solidFill>
+            <a:tailEnd type="arrow"/>
+          </a:ln>
+        </p:spPr>
+        <p:style>
+          <a:lnRef idx="1">
+            <a:schemeClr val="accent1"/>
+          </a:lnRef>
+          <a:fillRef idx="0">
+            <a:schemeClr val="accent1"/>
+          </a:fillRef>
+          <a:effectRef idx="0">
+            <a:schemeClr val="accent1"/>
+          </a:effectRef>
+          <a:fontRef idx="minor">
+            <a:schemeClr val="tx1"/>
+          </a:fontRef>
+        </p:style>
+      </p:cxnSp>
+      <p:cxnSp>
+        <p:nvCxnSpPr>
           <p:cNvPr id="15" name="직선 연결선 14"/>
           <p:cNvCxnSpPr/>
           <p:nvPr/>
@@ -20079,7 +14354,7 @@
                   <a:spcPct val="80000"/>
                 </a:lnSpc>
               </a:pPr>
-              <a:t>9</a:t>
+              <a:t>8</a:t>
             </a:fld>
             <a:r>
               <a:rPr lang="en-US" altLang="ko-KR" sz="700" b="1" dirty="0" smtClean="0">
@@ -20109,133 +14384,201 @@
       </p:sp>
       <p:sp>
         <p:nvSpPr>
-          <p:cNvPr id="48" name="TextBox 47"/>
-          <p:cNvSpPr txBox="1"/>
+          <p:cNvPr id="17" name="직사각형 16"/>
+          <p:cNvSpPr/>
           <p:nvPr/>
         </p:nvSpPr>
         <p:spPr>
           <a:xfrm>
-            <a:off x="467544" y="2420888"/>
-            <a:ext cx="8208912" cy="3323987"/>
+            <a:off x="6579123" y="5913276"/>
+            <a:ext cx="1101089" cy="288032"/>
           </a:xfrm>
           <a:prstGeom prst="rect">
             <a:avLst/>
           </a:prstGeom>
-          <a:noFill/>
-        </p:spPr>
+          <a:solidFill>
+            <a:srgbClr val="00B050"/>
+          </a:solidFill>
+          <a:ln>
+            <a:solidFill>
+              <a:srgbClr val="00A204"/>
+            </a:solidFill>
+          </a:ln>
+        </p:spPr>
+        <p:style>
+          <a:lnRef idx="2">
+            <a:schemeClr val="accent1">
+              <a:shade val="50000"/>
+            </a:schemeClr>
+          </a:lnRef>
+          <a:fillRef idx="1">
+            <a:schemeClr val="accent1"/>
+          </a:fillRef>
+          <a:effectRef idx="0">
+            <a:schemeClr val="accent1"/>
+          </a:effectRef>
+          <a:fontRef idx="minor">
+            <a:schemeClr val="lt1"/>
+          </a:fontRef>
+        </p:style>
         <p:txBody>
-          <a:bodyPr wrap="square" rtlCol="0">
-            <a:spAutoFit/>
-          </a:bodyPr>
+          <a:bodyPr rtlCol="0" anchor="ctr"/>
           <a:lstStyle/>
           <a:p>
-            <a:pPr marL="285750" indent="-285750">
-              <a:lnSpc>
-                <a:spcPct val="150000"/>
-              </a:lnSpc>
-              <a:buFont typeface="Arial" pitchFamily="34" charset="0"/>
-              <a:buChar char="•"/>
-            </a:pPr>
-            <a:r>
-              <a:rPr lang="ko-KR" altLang="en-US" sz="2000" dirty="0" smtClean="0">
-                <a:latin typeface="맑은 고딕" pitchFamily="50" charset="-127"/>
-                <a:ea typeface="맑은 고딕" pitchFamily="50" charset="-127"/>
-              </a:rPr>
-              <a:t>하나의 토론은 한 개의 대주제와 다수의 소주제를 가지며 소주제의 단위로 진행되게 된다</a:t>
-            </a:r>
-            <a:r>
-              <a:rPr lang="en-US" altLang="ko-KR" sz="2000" dirty="0" smtClean="0">
-                <a:latin typeface="맑은 고딕" pitchFamily="50" charset="-127"/>
-                <a:ea typeface="맑은 고딕" pitchFamily="50" charset="-127"/>
-              </a:rPr>
-              <a:t>.</a:t>
-            </a:r>
-          </a:p>
-          <a:p>
-            <a:pPr marL="285750" indent="-285750">
-              <a:lnSpc>
-                <a:spcPct val="150000"/>
-              </a:lnSpc>
-              <a:buFont typeface="Arial" pitchFamily="34" charset="0"/>
-              <a:buChar char="•"/>
-            </a:pPr>
-            <a:endParaRPr lang="en-US" altLang="ko-KR" sz="2000" dirty="0" smtClean="0">
-              <a:latin typeface="맑은 고딕" pitchFamily="50" charset="-127"/>
-              <a:ea typeface="맑은 고딕" pitchFamily="50" charset="-127"/>
-            </a:endParaRPr>
-          </a:p>
-          <a:p>
-            <a:pPr marL="285750" indent="-285750">
-              <a:lnSpc>
-                <a:spcPct val="150000"/>
-              </a:lnSpc>
-              <a:buFont typeface="Arial" pitchFamily="34" charset="0"/>
-              <a:buChar char="•"/>
-            </a:pPr>
-            <a:r>
-              <a:rPr lang="ko-KR" altLang="en-US" sz="2000" dirty="0" smtClean="0">
-                <a:latin typeface="맑은 고딕" pitchFamily="50" charset="-127"/>
-                <a:ea typeface="맑은 고딕" pitchFamily="50" charset="-127"/>
-              </a:rPr>
-              <a:t>각각의 소주제는 사회자에 의해 정해진 시간에 따라 진행된다</a:t>
-            </a:r>
-            <a:r>
-              <a:rPr lang="en-US" altLang="ko-KR" sz="2000" dirty="0" smtClean="0">
-                <a:latin typeface="맑은 고딕" pitchFamily="50" charset="-127"/>
-                <a:ea typeface="맑은 고딕" pitchFamily="50" charset="-127"/>
-              </a:rPr>
-              <a:t>.</a:t>
-            </a:r>
-          </a:p>
-          <a:p>
-            <a:pPr marL="285750" indent="-285750">
-              <a:lnSpc>
-                <a:spcPct val="150000"/>
-              </a:lnSpc>
-              <a:buFont typeface="Arial" pitchFamily="34" charset="0"/>
-              <a:buChar char="•"/>
-            </a:pPr>
-            <a:endParaRPr lang="en-US" altLang="ko-KR" sz="2000" dirty="0">
-              <a:latin typeface="맑은 고딕" pitchFamily="50" charset="-127"/>
-              <a:ea typeface="맑은 고딕" pitchFamily="50" charset="-127"/>
-            </a:endParaRPr>
-          </a:p>
-          <a:p>
-            <a:pPr marL="285750" indent="-285750">
-              <a:lnSpc>
-                <a:spcPct val="150000"/>
-              </a:lnSpc>
-              <a:buFont typeface="Arial" pitchFamily="34" charset="0"/>
-              <a:buChar char="•"/>
-            </a:pPr>
-            <a:r>
-              <a:rPr lang="ko-KR" altLang="en-US" sz="2000" dirty="0" smtClean="0">
-                <a:latin typeface="맑은 고딕" pitchFamily="50" charset="-127"/>
-                <a:ea typeface="맑은 고딕" pitchFamily="50" charset="-127"/>
-              </a:rPr>
-              <a:t>각 소주제당 가장 많은 명예를 받은 </a:t>
-            </a:r>
-            <a:r>
-              <a:rPr lang="en-US" altLang="ko-KR" sz="2000" dirty="0" smtClean="0">
-                <a:latin typeface="맑은 고딕" pitchFamily="50" charset="-127"/>
-                <a:ea typeface="맑은 고딕" pitchFamily="50" charset="-127"/>
-              </a:rPr>
-              <a:t>3</a:t>
-            </a:r>
-            <a:r>
-              <a:rPr lang="ko-KR" altLang="en-US" sz="2000" dirty="0" smtClean="0">
-                <a:latin typeface="맑은 고딕" pitchFamily="50" charset="-127"/>
-                <a:ea typeface="맑은 고딕" pitchFamily="50" charset="-127"/>
-              </a:rPr>
-              <a:t>개의 의견이 베스트로 뽑히게 됩니다</a:t>
-            </a:r>
-            <a:r>
-              <a:rPr lang="en-US" altLang="ko-KR" sz="2000" dirty="0" smtClean="0">
-                <a:latin typeface="맑은 고딕" pitchFamily="50" charset="-127"/>
-                <a:ea typeface="맑은 고딕" pitchFamily="50" charset="-127"/>
-              </a:rPr>
-              <a:t>.</a:t>
-            </a:r>
+            <a:pPr algn="ctr"/>
+            <a:r>
+              <a:rPr lang="ko-KR" altLang="en-US" dirty="0" smtClean="0"/>
+              <a:t>소주제</a:t>
+            </a:r>
+            <a:endParaRPr lang="ko-KR" altLang="en-US" dirty="0"/>
+          </a:p>
+        </p:txBody>
+      </p:sp>
+      <p:sp>
+        <p:nvSpPr>
+          <p:cNvPr id="3" name="직사각형 2"/>
+          <p:cNvSpPr/>
+          <p:nvPr/>
+        </p:nvSpPr>
+        <p:spPr>
+          <a:xfrm>
+            <a:off x="3306848" y="5913276"/>
+            <a:ext cx="1101089" cy="288032"/>
+          </a:xfrm>
+          <a:prstGeom prst="rect">
+            <a:avLst/>
+          </a:prstGeom>
+          <a:solidFill>
+            <a:srgbClr val="00B050"/>
+          </a:solidFill>
+          <a:ln>
+            <a:solidFill>
+              <a:srgbClr val="00A204"/>
+            </a:solidFill>
+          </a:ln>
+        </p:spPr>
+        <p:style>
+          <a:lnRef idx="2">
+            <a:schemeClr val="accent1">
+              <a:shade val="50000"/>
+            </a:schemeClr>
+          </a:lnRef>
+          <a:fillRef idx="1">
+            <a:schemeClr val="accent1"/>
+          </a:fillRef>
+          <a:effectRef idx="0">
+            <a:schemeClr val="accent1"/>
+          </a:effectRef>
+          <a:fontRef idx="minor">
+            <a:schemeClr val="lt1"/>
+          </a:fontRef>
+        </p:style>
+        <p:txBody>
+          <a:bodyPr rtlCol="0" anchor="ctr"/>
+          <a:lstStyle/>
+          <a:p>
+            <a:pPr algn="ctr"/>
+            <a:r>
+              <a:rPr lang="ko-KR" altLang="en-US" dirty="0" smtClean="0"/>
+              <a:t>소주제</a:t>
+            </a:r>
+            <a:endParaRPr lang="ko-KR" altLang="en-US" dirty="0"/>
+          </a:p>
+        </p:txBody>
+      </p:sp>
+      <p:sp>
+        <p:nvSpPr>
+          <p:cNvPr id="2" name="직사각형 1"/>
+          <p:cNvSpPr/>
+          <p:nvPr/>
+        </p:nvSpPr>
+        <p:spPr>
+          <a:xfrm>
+            <a:off x="1403648" y="5877272"/>
+            <a:ext cx="1368152" cy="360040"/>
+          </a:xfrm>
+          <a:prstGeom prst="rect">
+            <a:avLst/>
+          </a:prstGeom>
+        </p:spPr>
+        <p:style>
+          <a:lnRef idx="2">
+            <a:schemeClr val="accent1">
+              <a:shade val="50000"/>
+            </a:schemeClr>
+          </a:lnRef>
+          <a:fillRef idx="1">
+            <a:schemeClr val="accent1"/>
+          </a:fillRef>
+          <a:effectRef idx="0">
+            <a:schemeClr val="accent1"/>
+          </a:effectRef>
+          <a:fontRef idx="minor">
+            <a:schemeClr val="lt1"/>
+          </a:fontRef>
+        </p:style>
+        <p:txBody>
+          <a:bodyPr rtlCol="0" anchor="ctr"/>
+          <a:lstStyle/>
+          <a:p>
+            <a:pPr algn="ctr"/>
+            <a:r>
+              <a:rPr lang="ko-KR" altLang="en-US" dirty="0" smtClean="0"/>
+              <a:t>대주제</a:t>
+            </a:r>
+            <a:endParaRPr lang="ko-KR" altLang="en-US" dirty="0"/>
+          </a:p>
+        </p:txBody>
+      </p:sp>
+      <p:sp>
+        <p:nvSpPr>
+          <p:cNvPr id="16" name="직사각형 15"/>
+          <p:cNvSpPr/>
+          <p:nvPr/>
+        </p:nvSpPr>
+        <p:spPr>
+          <a:xfrm>
+            <a:off x="4942985" y="5913276"/>
+            <a:ext cx="1101089" cy="288032"/>
+          </a:xfrm>
+          <a:prstGeom prst="rect">
+            <a:avLst/>
+          </a:prstGeom>
+          <a:solidFill>
+            <a:srgbClr val="00B050"/>
+          </a:solidFill>
+          <a:ln>
+            <a:solidFill>
+              <a:srgbClr val="00A204"/>
+            </a:solidFill>
+          </a:ln>
+        </p:spPr>
+        <p:style>
+          <a:lnRef idx="2">
+            <a:schemeClr val="accent1">
+              <a:shade val="50000"/>
+            </a:schemeClr>
+          </a:lnRef>
+          <a:fillRef idx="1">
+            <a:schemeClr val="accent1"/>
+          </a:fillRef>
+          <a:effectRef idx="0">
+            <a:schemeClr val="accent1"/>
+          </a:effectRef>
+          <a:fontRef idx="minor">
+            <a:schemeClr val="lt1"/>
+          </a:fontRef>
+        </p:style>
+        <p:txBody>
+          <a:bodyPr rtlCol="0" anchor="ctr"/>
+          <a:lstStyle/>
+          <a:p>
+            <a:pPr algn="ctr"/>
+            <a:r>
+              <a:rPr lang="ko-KR" altLang="en-US" dirty="0" smtClean="0"/>
+              <a:t>소주제</a:t>
+            </a:r>
+            <a:endParaRPr lang="ko-KR" altLang="en-US" dirty="0"/>
           </a:p>
         </p:txBody>
       </p:sp>
@@ -20399,10 +14742,706 @@
           </a:p>
         </p:txBody>
       </p:sp>
+      <p:sp>
+        <p:nvSpPr>
+          <p:cNvPr id="48" name="TextBox 47"/>
+          <p:cNvSpPr txBox="1"/>
+          <p:nvPr/>
+        </p:nvSpPr>
+        <p:spPr>
+          <a:xfrm>
+            <a:off x="467544" y="2420888"/>
+            <a:ext cx="8208912" cy="3323987"/>
+          </a:xfrm>
+          <a:prstGeom prst="rect">
+            <a:avLst/>
+          </a:prstGeom>
+          <a:noFill/>
+        </p:spPr>
+        <p:txBody>
+          <a:bodyPr wrap="square" rtlCol="0">
+            <a:spAutoFit/>
+          </a:bodyPr>
+          <a:lstStyle/>
+          <a:p>
+            <a:pPr marL="285750" indent="-285750">
+              <a:lnSpc>
+                <a:spcPct val="150000"/>
+              </a:lnSpc>
+              <a:buFont typeface="Arial" pitchFamily="34" charset="0"/>
+              <a:buChar char="•"/>
+            </a:pPr>
+            <a:r>
+              <a:rPr lang="ko-KR" altLang="en-US" sz="2000" dirty="0" smtClean="0">
+                <a:latin typeface="맑은 고딕" pitchFamily="50" charset="-127"/>
+                <a:ea typeface="맑은 고딕" pitchFamily="50" charset="-127"/>
+              </a:rPr>
+              <a:t>하나의 토론은 한 개의 대주제와 다수의 소주제를 가지며 소주제의 단위로 진행되게 된다</a:t>
+            </a:r>
+            <a:r>
+              <a:rPr lang="en-US" altLang="ko-KR" sz="2000" dirty="0" smtClean="0">
+                <a:latin typeface="맑은 고딕" pitchFamily="50" charset="-127"/>
+                <a:ea typeface="맑은 고딕" pitchFamily="50" charset="-127"/>
+              </a:rPr>
+              <a:t>.</a:t>
+            </a:r>
+          </a:p>
+          <a:p>
+            <a:pPr marL="285750" indent="-285750">
+              <a:lnSpc>
+                <a:spcPct val="150000"/>
+              </a:lnSpc>
+              <a:buFont typeface="Arial" pitchFamily="34" charset="0"/>
+              <a:buChar char="•"/>
+            </a:pPr>
+            <a:endParaRPr lang="en-US" altLang="ko-KR" sz="2000" dirty="0" smtClean="0">
+              <a:latin typeface="맑은 고딕" pitchFamily="50" charset="-127"/>
+              <a:ea typeface="맑은 고딕" pitchFamily="50" charset="-127"/>
+            </a:endParaRPr>
+          </a:p>
+          <a:p>
+            <a:pPr marL="285750" indent="-285750">
+              <a:lnSpc>
+                <a:spcPct val="150000"/>
+              </a:lnSpc>
+              <a:buFont typeface="Arial" pitchFamily="34" charset="0"/>
+              <a:buChar char="•"/>
+            </a:pPr>
+            <a:r>
+              <a:rPr lang="ko-KR" altLang="en-US" sz="2000" dirty="0" smtClean="0">
+                <a:latin typeface="맑은 고딕" pitchFamily="50" charset="-127"/>
+                <a:ea typeface="맑은 고딕" pitchFamily="50" charset="-127"/>
+              </a:rPr>
+              <a:t>각각의 소주제는 사회자에 의해 정해진 시간에 따라 진행된다</a:t>
+            </a:r>
+            <a:r>
+              <a:rPr lang="en-US" altLang="ko-KR" sz="2000" dirty="0" smtClean="0">
+                <a:latin typeface="맑은 고딕" pitchFamily="50" charset="-127"/>
+                <a:ea typeface="맑은 고딕" pitchFamily="50" charset="-127"/>
+              </a:rPr>
+              <a:t>.</a:t>
+            </a:r>
+          </a:p>
+          <a:p>
+            <a:pPr marL="285750" indent="-285750">
+              <a:lnSpc>
+                <a:spcPct val="150000"/>
+              </a:lnSpc>
+              <a:buFont typeface="Arial" pitchFamily="34" charset="0"/>
+              <a:buChar char="•"/>
+            </a:pPr>
+            <a:endParaRPr lang="en-US" altLang="ko-KR" sz="2000" dirty="0">
+              <a:latin typeface="맑은 고딕" pitchFamily="50" charset="-127"/>
+              <a:ea typeface="맑은 고딕" pitchFamily="50" charset="-127"/>
+            </a:endParaRPr>
+          </a:p>
+          <a:p>
+            <a:pPr marL="285750" indent="-285750">
+              <a:lnSpc>
+                <a:spcPct val="150000"/>
+              </a:lnSpc>
+              <a:buFont typeface="Arial" pitchFamily="34" charset="0"/>
+              <a:buChar char="•"/>
+            </a:pPr>
+            <a:r>
+              <a:rPr lang="ko-KR" altLang="en-US" sz="2000" dirty="0" smtClean="0">
+                <a:latin typeface="맑은 고딕" pitchFamily="50" charset="-127"/>
+                <a:ea typeface="맑은 고딕" pitchFamily="50" charset="-127"/>
+              </a:rPr>
+              <a:t>각 소주제당 가장 많은 명예를 받은 </a:t>
+            </a:r>
+            <a:r>
+              <a:rPr lang="en-US" altLang="ko-KR" sz="2000" dirty="0" smtClean="0">
+                <a:latin typeface="맑은 고딕" pitchFamily="50" charset="-127"/>
+                <a:ea typeface="맑은 고딕" pitchFamily="50" charset="-127"/>
+              </a:rPr>
+              <a:t>3</a:t>
+            </a:r>
+            <a:r>
+              <a:rPr lang="ko-KR" altLang="en-US" sz="2000" dirty="0" smtClean="0">
+                <a:latin typeface="맑은 고딕" pitchFamily="50" charset="-127"/>
+                <a:ea typeface="맑은 고딕" pitchFamily="50" charset="-127"/>
+              </a:rPr>
+              <a:t>개의 의견이 베스트로 뽑히게 됩니다</a:t>
+            </a:r>
+            <a:r>
+              <a:rPr lang="en-US" altLang="ko-KR" sz="2000" dirty="0" smtClean="0">
+                <a:latin typeface="맑은 고딕" pitchFamily="50" charset="-127"/>
+                <a:ea typeface="맑은 고딕" pitchFamily="50" charset="-127"/>
+              </a:rPr>
+              <a:t>.</a:t>
+            </a:r>
+          </a:p>
+        </p:txBody>
+      </p:sp>
     </p:spTree>
     <p:extLst>
       <p:ext uri="{BB962C8B-B14F-4D97-AF65-F5344CB8AC3E}">
         <p14:creationId xmlns:p14="http://schemas.microsoft.com/office/powerpoint/2010/main" val="2450895665"/>
+      </p:ext>
+    </p:extLst>
+  </p:cSld>
+  <p:clrMapOvr>
+    <a:masterClrMapping/>
+  </p:clrMapOvr>
+  <p:transition/>
+  <p:timing>
+    <p:tnLst>
+      <p:par>
+        <p:cTn id="1" dur="indefinite" restart="never" nodeType="tmRoot"/>
+      </p:par>
+    </p:tnLst>
+  </p:timing>
+</p:sld>
+</file>
+
+<file path=ppt/slides/slide9.xml><?xml version="1.0" encoding="utf-8"?>
+<p:sld xmlns:a="http://schemas.openxmlformats.org/drawingml/2006/main" xmlns:r="http://schemas.openxmlformats.org/officeDocument/2006/relationships" xmlns:p="http://schemas.openxmlformats.org/presentationml/2006/main">
+  <p:cSld>
+    <p:spTree>
+      <p:nvGrpSpPr>
+        <p:cNvPr id="1" name=""/>
+        <p:cNvGrpSpPr/>
+        <p:nvPr/>
+      </p:nvGrpSpPr>
+      <p:grpSpPr>
+        <a:xfrm>
+          <a:off x="0" y="0"/>
+          <a:ext cx="0" cy="0"/>
+          <a:chOff x="0" y="0"/>
+          <a:chExt cx="0" cy="0"/>
+        </a:xfrm>
+      </p:grpSpPr>
+      <p:cxnSp>
+        <p:nvCxnSpPr>
+          <p:cNvPr id="15" name="직선 연결선 14"/>
+          <p:cNvCxnSpPr/>
+          <p:nvPr/>
+        </p:nvCxnSpPr>
+        <p:spPr>
+          <a:xfrm>
+            <a:off x="251520" y="332656"/>
+            <a:ext cx="8640960" cy="0"/>
+          </a:xfrm>
+          <a:prstGeom prst="line">
+            <a:avLst/>
+          </a:prstGeom>
+          <a:ln w="3175">
+            <a:solidFill>
+              <a:srgbClr val="68727E"/>
+            </a:solidFill>
+          </a:ln>
+        </p:spPr>
+        <p:style>
+          <a:lnRef idx="1">
+            <a:schemeClr val="accent1"/>
+          </a:lnRef>
+          <a:fillRef idx="0">
+            <a:schemeClr val="accent1"/>
+          </a:fillRef>
+          <a:effectRef idx="0">
+            <a:schemeClr val="accent1"/>
+          </a:effectRef>
+          <a:fontRef idx="minor">
+            <a:schemeClr val="tx1"/>
+          </a:fontRef>
+        </p:style>
+      </p:cxnSp>
+      <p:cxnSp>
+        <p:nvCxnSpPr>
+          <p:cNvPr id="19" name="직선 연결선 18"/>
+          <p:cNvCxnSpPr/>
+          <p:nvPr/>
+        </p:nvCxnSpPr>
+        <p:spPr>
+          <a:xfrm>
+            <a:off x="251520" y="2132856"/>
+            <a:ext cx="8640960" cy="0"/>
+          </a:xfrm>
+          <a:prstGeom prst="line">
+            <a:avLst/>
+          </a:prstGeom>
+          <a:ln w="3175">
+            <a:solidFill>
+              <a:srgbClr val="68727E"/>
+            </a:solidFill>
+          </a:ln>
+        </p:spPr>
+        <p:style>
+          <a:lnRef idx="1">
+            <a:schemeClr val="accent1"/>
+          </a:lnRef>
+          <a:fillRef idx="0">
+            <a:schemeClr val="accent1"/>
+          </a:fillRef>
+          <a:effectRef idx="0">
+            <a:schemeClr val="accent1"/>
+          </a:effectRef>
+          <a:fontRef idx="minor">
+            <a:schemeClr val="tx1"/>
+          </a:fontRef>
+        </p:style>
+      </p:cxnSp>
+      <p:sp>
+        <p:nvSpPr>
+          <p:cNvPr id="12" name="TextBox 11"/>
+          <p:cNvSpPr txBox="1"/>
+          <p:nvPr/>
+        </p:nvSpPr>
+        <p:spPr>
+          <a:xfrm>
+            <a:off x="179512" y="461805"/>
+            <a:ext cx="2232248" cy="424732"/>
+          </a:xfrm>
+          <a:prstGeom prst="rect">
+            <a:avLst/>
+          </a:prstGeom>
+          <a:noFill/>
+        </p:spPr>
+        <p:txBody>
+          <a:bodyPr wrap="square" rtlCol="0">
+            <a:spAutoFit/>
+          </a:bodyPr>
+          <a:lstStyle/>
+          <a:p>
+            <a:pPr>
+              <a:lnSpc>
+                <a:spcPct val="90000"/>
+              </a:lnSpc>
+            </a:pPr>
+            <a:r>
+              <a:rPr lang="ko-KR" altLang="en-US" sz="2400" b="1" spc="300" dirty="0" smtClean="0">
+                <a:solidFill>
+                  <a:srgbClr val="00A204"/>
+                </a:solidFill>
+                <a:latin typeface="나눔고딕" pitchFamily="50" charset="-127"/>
+                <a:ea typeface="나눔고딕" pitchFamily="50" charset="-127"/>
+              </a:rPr>
+              <a:t>어떻게</a:t>
+            </a:r>
+            <a:r>
+              <a:rPr lang="en-US" altLang="ko-KR" sz="2400" b="1" spc="300" dirty="0" smtClean="0">
+                <a:solidFill>
+                  <a:srgbClr val="00A204"/>
+                </a:solidFill>
+                <a:latin typeface="나눔고딕" pitchFamily="50" charset="-127"/>
+                <a:ea typeface="나눔고딕" pitchFamily="50" charset="-127"/>
+              </a:rPr>
+              <a:t>?</a:t>
+            </a:r>
+            <a:endParaRPr lang="ko-KR" altLang="en-US" sz="2400" b="1" spc="300" dirty="0">
+              <a:solidFill>
+                <a:srgbClr val="00A204"/>
+              </a:solidFill>
+              <a:latin typeface="나눔고딕" pitchFamily="50" charset="-127"/>
+              <a:ea typeface="나눔고딕" pitchFamily="50" charset="-127"/>
+            </a:endParaRPr>
+          </a:p>
+        </p:txBody>
+      </p:sp>
+      <p:sp>
+        <p:nvSpPr>
+          <p:cNvPr id="21" name="TextBox 20"/>
+          <p:cNvSpPr txBox="1"/>
+          <p:nvPr/>
+        </p:nvSpPr>
+        <p:spPr>
+          <a:xfrm>
+            <a:off x="179512" y="92643"/>
+            <a:ext cx="2339976" cy="178510"/>
+          </a:xfrm>
+          <a:prstGeom prst="rect">
+            <a:avLst/>
+          </a:prstGeom>
+          <a:noFill/>
+        </p:spPr>
+        <p:txBody>
+          <a:bodyPr wrap="square" rtlCol="0">
+            <a:spAutoFit/>
+          </a:bodyPr>
+          <a:lstStyle/>
+          <a:p>
+            <a:pPr>
+              <a:lnSpc>
+                <a:spcPct val="80000"/>
+              </a:lnSpc>
+            </a:pPr>
+            <a:r>
+              <a:rPr lang="en-US" altLang="ko-KR" sz="700" b="1" dirty="0" smtClean="0">
+                <a:solidFill>
+                  <a:schemeClr val="tx1">
+                    <a:lumMod val="75000"/>
+                    <a:lumOff val="25000"/>
+                  </a:schemeClr>
+                </a:solidFill>
+                <a:latin typeface="나눔고딕" pitchFamily="50" charset="-127"/>
+                <a:ea typeface="나눔고딕" pitchFamily="50" charset="-127"/>
+              </a:rPr>
+              <a:t>Portfolio</a:t>
+            </a:r>
+            <a:endParaRPr lang="ko-KR" altLang="en-US" sz="700" b="1" dirty="0">
+              <a:solidFill>
+                <a:schemeClr val="tx1">
+                  <a:lumMod val="75000"/>
+                  <a:lumOff val="25000"/>
+                </a:schemeClr>
+              </a:solidFill>
+              <a:latin typeface="나눔고딕" pitchFamily="50" charset="-127"/>
+              <a:ea typeface="나눔고딕" pitchFamily="50" charset="-127"/>
+            </a:endParaRPr>
+          </a:p>
+        </p:txBody>
+      </p:sp>
+      <p:sp>
+        <p:nvSpPr>
+          <p:cNvPr id="46" name="TextBox 45"/>
+          <p:cNvSpPr txBox="1"/>
+          <p:nvPr/>
+        </p:nvSpPr>
+        <p:spPr>
+          <a:xfrm>
+            <a:off x="6660232" y="92643"/>
+            <a:ext cx="2339976" cy="178510"/>
+          </a:xfrm>
+          <a:prstGeom prst="rect">
+            <a:avLst/>
+          </a:prstGeom>
+          <a:noFill/>
+        </p:spPr>
+        <p:txBody>
+          <a:bodyPr wrap="square" rtlCol="0">
+            <a:spAutoFit/>
+          </a:bodyPr>
+          <a:lstStyle/>
+          <a:p>
+            <a:pPr algn="r">
+              <a:lnSpc>
+                <a:spcPct val="80000"/>
+              </a:lnSpc>
+            </a:pPr>
+            <a:fld id="{828B5CB4-B095-413D-B8C5-1DA2C2E14324}" type="slidenum">
+              <a:rPr lang="en-US" altLang="ko-KR" sz="700" b="1" smtClean="0">
+                <a:solidFill>
+                  <a:schemeClr val="tx1">
+                    <a:lumMod val="75000"/>
+                    <a:lumOff val="25000"/>
+                  </a:schemeClr>
+                </a:solidFill>
+                <a:latin typeface="나눔고딕" pitchFamily="50" charset="-127"/>
+                <a:ea typeface="나눔고딕" pitchFamily="50" charset="-127"/>
+              </a:rPr>
+              <a:pPr algn="r">
+                <a:lnSpc>
+                  <a:spcPct val="80000"/>
+                </a:lnSpc>
+              </a:pPr>
+              <a:t>9</a:t>
+            </a:fld>
+            <a:r>
+              <a:rPr lang="en-US" altLang="ko-KR" sz="700" b="1" dirty="0" smtClean="0">
+                <a:solidFill>
+                  <a:schemeClr val="tx1">
+                    <a:lumMod val="75000"/>
+                    <a:lumOff val="25000"/>
+                  </a:schemeClr>
+                </a:solidFill>
+                <a:latin typeface="나눔고딕" pitchFamily="50" charset="-127"/>
+                <a:ea typeface="나눔고딕" pitchFamily="50" charset="-127"/>
+              </a:rPr>
+              <a:t>   |  42</a:t>
+            </a:r>
+            <a:endParaRPr lang="ko-KR" altLang="en-US" sz="700" b="1" dirty="0">
+              <a:solidFill>
+                <a:schemeClr val="tx1">
+                  <a:lumMod val="75000"/>
+                  <a:lumOff val="25000"/>
+                </a:schemeClr>
+              </a:solidFill>
+              <a:latin typeface="나눔고딕" pitchFamily="50" charset="-127"/>
+              <a:ea typeface="나눔고딕" pitchFamily="50" charset="-127"/>
+            </a:endParaRPr>
+          </a:p>
+        </p:txBody>
+      </p:sp>
+      <p:sp>
+        <p:nvSpPr>
+          <p:cNvPr id="48" name="TextBox 47"/>
+          <p:cNvSpPr txBox="1"/>
+          <p:nvPr/>
+        </p:nvSpPr>
+        <p:spPr>
+          <a:xfrm>
+            <a:off x="467544" y="2420888"/>
+            <a:ext cx="8208912" cy="3785652"/>
+          </a:xfrm>
+          <a:prstGeom prst="rect">
+            <a:avLst/>
+          </a:prstGeom>
+          <a:noFill/>
+        </p:spPr>
+        <p:txBody>
+          <a:bodyPr wrap="square" rtlCol="0">
+            <a:spAutoFit/>
+          </a:bodyPr>
+          <a:lstStyle/>
+          <a:p>
+            <a:pPr marL="285750" indent="-285750">
+              <a:lnSpc>
+                <a:spcPct val="150000"/>
+              </a:lnSpc>
+              <a:buFont typeface="Arial" pitchFamily="34" charset="0"/>
+              <a:buChar char="•"/>
+            </a:pPr>
+            <a:r>
+              <a:rPr lang="ko-KR" altLang="en-US" sz="2000" dirty="0" smtClean="0">
+                <a:latin typeface="맑은 고딕" pitchFamily="50" charset="-127"/>
+                <a:ea typeface="맑은 고딕" pitchFamily="50" charset="-127"/>
+              </a:rPr>
+              <a:t>모든 유저는 토론에 대하여 찬반 투표를 할 수 있으나 토론의 참여자 만이 의견을 표현할 수 있다</a:t>
+            </a:r>
+            <a:r>
+              <a:rPr lang="en-US" altLang="ko-KR" sz="2000" dirty="0" smtClean="0">
+                <a:latin typeface="맑은 고딕" pitchFamily="50" charset="-127"/>
+                <a:ea typeface="맑은 고딕" pitchFamily="50" charset="-127"/>
+              </a:rPr>
+              <a:t>.</a:t>
+            </a:r>
+          </a:p>
+          <a:p>
+            <a:pPr marL="285750" indent="-285750">
+              <a:lnSpc>
+                <a:spcPct val="150000"/>
+              </a:lnSpc>
+              <a:buFont typeface="Arial" pitchFamily="34" charset="0"/>
+              <a:buChar char="•"/>
+            </a:pPr>
+            <a:endParaRPr lang="en-US" altLang="ko-KR" sz="2000" dirty="0" smtClean="0">
+              <a:latin typeface="맑은 고딕" pitchFamily="50" charset="-127"/>
+              <a:ea typeface="맑은 고딕" pitchFamily="50" charset="-127"/>
+            </a:endParaRPr>
+          </a:p>
+          <a:p>
+            <a:pPr marL="285750" indent="-285750">
+              <a:lnSpc>
+                <a:spcPct val="150000"/>
+              </a:lnSpc>
+              <a:buFont typeface="Arial" pitchFamily="34" charset="0"/>
+              <a:buChar char="•"/>
+            </a:pPr>
+            <a:r>
+              <a:rPr lang="ko-KR" altLang="en-US" sz="2000" dirty="0" smtClean="0">
+                <a:latin typeface="맑은 고딕" pitchFamily="50" charset="-127"/>
+                <a:ea typeface="맑은 고딕" pitchFamily="50" charset="-127"/>
+              </a:rPr>
+              <a:t>토론의 비 참여자는 토론 참여 신청을 통해 사회자의 허가를 받아 토론에 참여할 수 있습니다</a:t>
+            </a:r>
+            <a:r>
+              <a:rPr lang="en-US" altLang="ko-KR" sz="2000" dirty="0" smtClean="0">
+                <a:latin typeface="맑은 고딕" pitchFamily="50" charset="-127"/>
+                <a:ea typeface="맑은 고딕" pitchFamily="50" charset="-127"/>
+              </a:rPr>
+              <a:t>.</a:t>
+            </a:r>
+          </a:p>
+          <a:p>
+            <a:pPr marL="285750" indent="-285750">
+              <a:lnSpc>
+                <a:spcPct val="150000"/>
+              </a:lnSpc>
+              <a:buFont typeface="Arial" pitchFamily="34" charset="0"/>
+              <a:buChar char="•"/>
+            </a:pPr>
+            <a:endParaRPr lang="en-US" altLang="ko-KR" sz="2000" dirty="0" smtClean="0">
+              <a:latin typeface="맑은 고딕" pitchFamily="50" charset="-127"/>
+              <a:ea typeface="맑은 고딕" pitchFamily="50" charset="-127"/>
+            </a:endParaRPr>
+          </a:p>
+          <a:p>
+            <a:pPr marL="285750" indent="-285750">
+              <a:lnSpc>
+                <a:spcPct val="150000"/>
+              </a:lnSpc>
+              <a:buFont typeface="Arial" pitchFamily="34" charset="0"/>
+              <a:buChar char="•"/>
+            </a:pPr>
+            <a:r>
+              <a:rPr lang="ko-KR" altLang="en-US" sz="2000" dirty="0" smtClean="0">
+                <a:latin typeface="맑은 고딕" pitchFamily="50" charset="-127"/>
+                <a:ea typeface="맑은 고딕" pitchFamily="50" charset="-127"/>
+              </a:rPr>
+              <a:t>다른 토론자들의 신고를 받은 토론자는 사회자에 의해 추방당할 수 있다</a:t>
+            </a:r>
+            <a:endParaRPr lang="en-US" altLang="ko-KR" sz="2000" dirty="0">
+              <a:latin typeface="맑은 고딕" pitchFamily="50" charset="-127"/>
+              <a:ea typeface="맑은 고딕" pitchFamily="50" charset="-127"/>
+            </a:endParaRPr>
+          </a:p>
+        </p:txBody>
+      </p:sp>
+      <p:grpSp>
+        <p:nvGrpSpPr>
+          <p:cNvPr id="49" name="그룹 48"/>
+          <p:cNvGrpSpPr/>
+          <p:nvPr/>
+        </p:nvGrpSpPr>
+        <p:grpSpPr>
+          <a:xfrm>
+            <a:off x="7956376" y="242064"/>
+            <a:ext cx="1080120" cy="450632"/>
+            <a:chOff x="3563888" y="683404"/>
+            <a:chExt cx="1080120" cy="450632"/>
+          </a:xfrm>
+        </p:grpSpPr>
+        <p:sp>
+          <p:nvSpPr>
+            <p:cNvPr id="50" name="TextBox 49"/>
+            <p:cNvSpPr txBox="1"/>
+            <p:nvPr/>
+          </p:nvSpPr>
+          <p:spPr>
+            <a:xfrm>
+              <a:off x="3563888" y="764704"/>
+              <a:ext cx="906034" cy="369332"/>
+            </a:xfrm>
+            <a:prstGeom prst="rect">
+              <a:avLst/>
+            </a:prstGeom>
+            <a:noFill/>
+          </p:spPr>
+          <p:txBody>
+            <a:bodyPr wrap="square" rtlCol="0">
+              <a:spAutoFit/>
+            </a:bodyPr>
+            <a:lstStyle/>
+            <a:p>
+              <a:r>
+                <a:rPr lang="en-US" altLang="ko-KR" b="1" spc="-300" dirty="0" err="1" smtClean="0">
+                  <a:solidFill>
+                    <a:srgbClr val="00A204"/>
+                  </a:solidFill>
+                  <a:latin typeface="Segoe UI" pitchFamily="34" charset="0"/>
+                  <a:ea typeface="Segoe UI" pitchFamily="34" charset="0"/>
+                  <a:cs typeface="Segoe UI" pitchFamily="34" charset="0"/>
+                </a:rPr>
+                <a:t>Akropolis</a:t>
+              </a:r>
+              <a:r>
+                <a:rPr lang="en-US" altLang="ko-KR" b="1" spc="-300" dirty="0" smtClean="0">
+                  <a:solidFill>
+                    <a:srgbClr val="00A204"/>
+                  </a:solidFill>
+                  <a:latin typeface="Segoe UI" pitchFamily="34" charset="0"/>
+                  <a:ea typeface="Segoe UI" pitchFamily="34" charset="0"/>
+                  <a:cs typeface="Segoe UI" pitchFamily="34" charset="0"/>
+                </a:rPr>
+                <a:t>  </a:t>
+              </a:r>
+              <a:endParaRPr lang="ko-KR" altLang="en-US" b="1" spc="-300" dirty="0">
+                <a:solidFill>
+                  <a:srgbClr val="00A204"/>
+                </a:solidFill>
+                <a:latin typeface="Segoe UI" pitchFamily="34" charset="0"/>
+                <a:ea typeface="HY목각파임B" pitchFamily="18" charset="-127"/>
+                <a:cs typeface="Segoe UI" pitchFamily="34" charset="0"/>
+              </a:endParaRPr>
+            </a:p>
+          </p:txBody>
+        </p:sp>
+        <p:sp>
+          <p:nvSpPr>
+            <p:cNvPr id="51" name="TextBox 50"/>
+            <p:cNvSpPr txBox="1"/>
+            <p:nvPr/>
+          </p:nvSpPr>
+          <p:spPr>
+            <a:xfrm>
+              <a:off x="4295836" y="683404"/>
+              <a:ext cx="348172" cy="369332"/>
+            </a:xfrm>
+            <a:prstGeom prst="rect">
+              <a:avLst/>
+            </a:prstGeom>
+            <a:noFill/>
+          </p:spPr>
+          <p:txBody>
+            <a:bodyPr wrap="none" rtlCol="0">
+              <a:spAutoFit/>
+            </a:bodyPr>
+            <a:lstStyle/>
+            <a:p>
+              <a:r>
+                <a:rPr lang="en-US" altLang="ko-KR" b="1" dirty="0" smtClean="0">
+                  <a:solidFill>
+                    <a:srgbClr val="00A204"/>
+                  </a:solidFill>
+                  <a:latin typeface="Segoe UI" pitchFamily="34" charset="0"/>
+                  <a:ea typeface="Segoe UI" pitchFamily="34" charset="0"/>
+                  <a:cs typeface="Segoe UI" pitchFamily="34" charset="0"/>
+                </a:rPr>
+                <a:t>+</a:t>
+              </a:r>
+              <a:endParaRPr lang="ko-KR" altLang="en-US" b="1" dirty="0">
+                <a:solidFill>
+                  <a:srgbClr val="00A204"/>
+                </a:solidFill>
+                <a:latin typeface="Segoe UI" pitchFamily="34" charset="0"/>
+                <a:cs typeface="Segoe UI" pitchFamily="34" charset="0"/>
+              </a:endParaRPr>
+            </a:p>
+          </p:txBody>
+        </p:sp>
+      </p:grpSp>
+      <p:sp>
+        <p:nvSpPr>
+          <p:cNvPr id="11" name="TextBox 10"/>
+          <p:cNvSpPr txBox="1"/>
+          <p:nvPr/>
+        </p:nvSpPr>
+        <p:spPr>
+          <a:xfrm>
+            <a:off x="3653898" y="1073135"/>
+            <a:ext cx="1836204" cy="646331"/>
+          </a:xfrm>
+          <a:prstGeom prst="rect">
+            <a:avLst/>
+          </a:prstGeom>
+          <a:noFill/>
+        </p:spPr>
+        <p:txBody>
+          <a:bodyPr wrap="square" rtlCol="0">
+            <a:spAutoFit/>
+          </a:bodyPr>
+          <a:lstStyle/>
+          <a:p>
+            <a:pPr algn="ctr">
+              <a:lnSpc>
+                <a:spcPct val="90000"/>
+              </a:lnSpc>
+            </a:pPr>
+            <a:r>
+              <a:rPr lang="ko-KR" altLang="en-US" sz="4000" b="1" spc="300" dirty="0" smtClean="0">
+                <a:solidFill>
+                  <a:srgbClr val="00A204"/>
+                </a:solidFill>
+                <a:latin typeface="나눔고딕" pitchFamily="50" charset="-127"/>
+                <a:ea typeface="나눔고딕" pitchFamily="50" charset="-127"/>
+              </a:rPr>
+              <a:t>토론</a:t>
+            </a:r>
+            <a:endParaRPr lang="ko-KR" altLang="en-US" sz="4000" b="1" spc="300" dirty="0">
+              <a:solidFill>
+                <a:srgbClr val="00A204"/>
+              </a:solidFill>
+              <a:latin typeface="나눔고딕" pitchFamily="50" charset="-127"/>
+              <a:ea typeface="나눔고딕" pitchFamily="50" charset="-127"/>
+            </a:endParaRPr>
+          </a:p>
+        </p:txBody>
+      </p:sp>
+    </p:spTree>
+    <p:extLst>
+      <p:ext uri="{BB962C8B-B14F-4D97-AF65-F5344CB8AC3E}">
+        <p14:creationId xmlns:p14="http://schemas.microsoft.com/office/powerpoint/2010/main" val="1125555501"/>
       </p:ext>
     </p:extLst>
   </p:cSld>

--- a/document/Mid_Presentation_templet.pptx
+++ b/document/Mid_Presentation_templet.pptx
@@ -5,18 +5,18 @@
     <p:sldMasterId id="2147483671" r:id="rId1"/>
   </p:sldMasterIdLst>
   <p:notesMasterIdLst>
-    <p:notesMasterId r:id="rId17"/>
+    <p:notesMasterId r:id="rId23"/>
   </p:notesMasterIdLst>
   <p:handoutMasterIdLst>
-    <p:handoutMasterId r:id="rId18"/>
+    <p:handoutMasterId r:id="rId24"/>
   </p:handoutMasterIdLst>
   <p:sldIdLst>
     <p:sldId id="362" r:id="rId2"/>
-    <p:sldId id="348" r:id="rId3"/>
-    <p:sldId id="352" r:id="rId4"/>
-    <p:sldId id="357" r:id="rId5"/>
-    <p:sldId id="361" r:id="rId6"/>
-    <p:sldId id="363" r:id="rId7"/>
+    <p:sldId id="352" r:id="rId3"/>
+    <p:sldId id="357" r:id="rId4"/>
+    <p:sldId id="361" r:id="rId5"/>
+    <p:sldId id="363" r:id="rId6"/>
+    <p:sldId id="374" r:id="rId7"/>
     <p:sldId id="364" r:id="rId8"/>
     <p:sldId id="369" r:id="rId9"/>
     <p:sldId id="370" r:id="rId10"/>
@@ -24,46 +24,52 @@
     <p:sldId id="371" r:id="rId12"/>
     <p:sldId id="367" r:id="rId13"/>
     <p:sldId id="355" r:id="rId14"/>
-    <p:sldId id="351" r:id="rId15"/>
-    <p:sldId id="360" r:id="rId16"/>
+    <p:sldId id="375" r:id="rId15"/>
+    <p:sldId id="373" r:id="rId16"/>
+    <p:sldId id="378" r:id="rId17"/>
+    <p:sldId id="377" r:id="rId18"/>
+    <p:sldId id="376" r:id="rId19"/>
+    <p:sldId id="372" r:id="rId20"/>
+    <p:sldId id="351" r:id="rId21"/>
+    <p:sldId id="360" r:id="rId22"/>
   </p:sldIdLst>
   <p:sldSz cx="9144000" cy="6858000" type="screen4x3"/>
   <p:notesSz cx="6858000" cy="9144000"/>
   <p:embeddedFontLst>
     <p:embeddedFont>
       <p:font typeface="나눔고딕" pitchFamily="50" charset="-127"/>
-      <p:regular r:id="rId19"/>
-      <p:bold r:id="rId20"/>
+      <p:regular r:id="rId25"/>
+      <p:bold r:id="rId26"/>
     </p:embeddedFont>
     <p:embeddedFont>
       <p:font typeface="Georgia" pitchFamily="18" charset="0"/>
-      <p:regular r:id="rId21"/>
-      <p:bold r:id="rId22"/>
-      <p:italic r:id="rId23"/>
-      <p:boldItalic r:id="rId24"/>
+      <p:regular r:id="rId27"/>
+      <p:bold r:id="rId28"/>
+      <p:italic r:id="rId29"/>
+      <p:boldItalic r:id="rId30"/>
+    </p:embeddedFont>
+    <p:embeddedFont>
+      <p:font typeface="맑은 고딕" pitchFamily="50" charset="-127"/>
+      <p:regular r:id="rId31"/>
+      <p:bold r:id="rId32"/>
+    </p:embeddedFont>
+    <p:embeddedFont>
+      <p:font typeface="Segoe UI" pitchFamily="34" charset="0"/>
+      <p:regular r:id="rId33"/>
+      <p:bold r:id="rId34"/>
+      <p:italic r:id="rId35"/>
+      <p:boldItalic r:id="rId36"/>
+    </p:embeddedFont>
+    <p:embeddedFont>
+      <p:font typeface="Calibri" pitchFamily="34" charset="0"/>
+      <p:regular r:id="rId37"/>
+      <p:bold r:id="rId38"/>
+      <p:italic r:id="rId39"/>
+      <p:boldItalic r:id="rId40"/>
     </p:embeddedFont>
     <p:embeddedFont>
       <p:font typeface="HY목각파임B" pitchFamily="18" charset="-127"/>
-      <p:regular r:id="rId25"/>
-    </p:embeddedFont>
-    <p:embeddedFont>
-      <p:font typeface="맑은 고딕" pitchFamily="50" charset="-127"/>
-      <p:regular r:id="rId26"/>
-      <p:bold r:id="rId27"/>
-    </p:embeddedFont>
-    <p:embeddedFont>
-      <p:font typeface="Segoe UI" pitchFamily="34" charset="0"/>
-      <p:regular r:id="rId28"/>
-      <p:bold r:id="rId29"/>
-      <p:italic r:id="rId30"/>
-      <p:boldItalic r:id="rId31"/>
-    </p:embeddedFont>
-    <p:embeddedFont>
-      <p:font typeface="Calibri" pitchFamily="34" charset="0"/>
-      <p:regular r:id="rId32"/>
-      <p:bold r:id="rId33"/>
-      <p:italic r:id="rId34"/>
-      <p:boldItalic r:id="rId35"/>
+      <p:regular r:id="rId41"/>
     </p:embeddedFont>
   </p:embeddedFontLst>
   <p:defaultTextStyle>
@@ -1270,6 +1276,334 @@
 </p:notes>
 </file>
 
+<file path=ppt/notesSlides/notesSlide16.xml><?xml version="1.0" encoding="utf-8"?>
+<p:notes xmlns:a="http://schemas.openxmlformats.org/drawingml/2006/main" xmlns:r="http://schemas.openxmlformats.org/officeDocument/2006/relationships" xmlns:p="http://schemas.openxmlformats.org/presentationml/2006/main">
+  <p:cSld>
+    <p:spTree>
+      <p:nvGrpSpPr>
+        <p:cNvPr id="1" name=""/>
+        <p:cNvGrpSpPr/>
+        <p:nvPr/>
+      </p:nvGrpSpPr>
+      <p:grpSpPr>
+        <a:xfrm>
+          <a:off x="0" y="0"/>
+          <a:ext cx="0" cy="0"/>
+          <a:chOff x="0" y="0"/>
+          <a:chExt cx="0" cy="0"/>
+        </a:xfrm>
+      </p:grpSpPr>
+      <p:sp>
+        <p:nvSpPr>
+          <p:cNvPr id="2" name="Slide Image Placeholder 1"/>
+          <p:cNvSpPr>
+            <a:spLocks noGrp="1" noRot="1" noChangeAspect="1"/>
+          </p:cNvSpPr>
+          <p:nvPr>
+            <p:ph type="sldImg"/>
+          </p:nvPr>
+        </p:nvSpPr>
+        <p:spPr/>
+      </p:sp>
+      <p:sp>
+        <p:nvSpPr>
+          <p:cNvPr id="3" name="Notes Placeholder 2"/>
+          <p:cNvSpPr>
+            <a:spLocks noGrp="1"/>
+          </p:cNvSpPr>
+          <p:nvPr>
+            <p:ph type="body" idx="1"/>
+          </p:nvPr>
+        </p:nvSpPr>
+        <p:spPr/>
+        <p:txBody>
+          <a:bodyPr>
+            <a:normAutofit/>
+          </a:bodyPr>
+          <a:lstStyle/>
+          <a:p>
+            <a:endParaRPr lang="ko-KR" dirty="0"/>
+          </a:p>
+        </p:txBody>
+      </p:sp>
+      <p:sp>
+        <p:nvSpPr>
+          <p:cNvPr id="4" name="Slide Number Placeholder 3"/>
+          <p:cNvSpPr>
+            <a:spLocks noGrp="1"/>
+          </p:cNvSpPr>
+          <p:nvPr>
+            <p:ph type="sldNum" sz="quarter" idx="10"/>
+          </p:nvPr>
+        </p:nvSpPr>
+        <p:spPr/>
+        <p:txBody>
+          <a:bodyPr/>
+          <a:lstStyle/>
+          <a:p>
+            <a:fld id="{9B26CD33-4337-4529-948A-94F6960B2374}" type="slidenum">
+              <a:rPr lang="en-US" altLang="ko-KR" smtClean="0"/>
+              <a:pPr/>
+              <a:t>16</a:t>
+            </a:fld>
+            <a:endParaRPr lang="ko-KR" dirty="0"/>
+          </a:p>
+        </p:txBody>
+      </p:sp>
+    </p:spTree>
+  </p:cSld>
+  <p:clrMapOvr>
+    <a:masterClrMapping/>
+  </p:clrMapOvr>
+</p:notes>
+</file>
+
+<file path=ppt/notesSlides/notesSlide17.xml><?xml version="1.0" encoding="utf-8"?>
+<p:notes xmlns:a="http://schemas.openxmlformats.org/drawingml/2006/main" xmlns:r="http://schemas.openxmlformats.org/officeDocument/2006/relationships" xmlns:p="http://schemas.openxmlformats.org/presentationml/2006/main">
+  <p:cSld>
+    <p:spTree>
+      <p:nvGrpSpPr>
+        <p:cNvPr id="1" name=""/>
+        <p:cNvGrpSpPr/>
+        <p:nvPr/>
+      </p:nvGrpSpPr>
+      <p:grpSpPr>
+        <a:xfrm>
+          <a:off x="0" y="0"/>
+          <a:ext cx="0" cy="0"/>
+          <a:chOff x="0" y="0"/>
+          <a:chExt cx="0" cy="0"/>
+        </a:xfrm>
+      </p:grpSpPr>
+      <p:sp>
+        <p:nvSpPr>
+          <p:cNvPr id="2" name="Slide Image Placeholder 1"/>
+          <p:cNvSpPr>
+            <a:spLocks noGrp="1" noRot="1" noChangeAspect="1"/>
+          </p:cNvSpPr>
+          <p:nvPr>
+            <p:ph type="sldImg"/>
+          </p:nvPr>
+        </p:nvSpPr>
+        <p:spPr/>
+      </p:sp>
+      <p:sp>
+        <p:nvSpPr>
+          <p:cNvPr id="3" name="Notes Placeholder 2"/>
+          <p:cNvSpPr>
+            <a:spLocks noGrp="1"/>
+          </p:cNvSpPr>
+          <p:nvPr>
+            <p:ph type="body" idx="1"/>
+          </p:nvPr>
+        </p:nvSpPr>
+        <p:spPr/>
+        <p:txBody>
+          <a:bodyPr>
+            <a:normAutofit/>
+          </a:bodyPr>
+          <a:lstStyle/>
+          <a:p>
+            <a:endParaRPr lang="ko-KR" dirty="0"/>
+          </a:p>
+        </p:txBody>
+      </p:sp>
+      <p:sp>
+        <p:nvSpPr>
+          <p:cNvPr id="4" name="Slide Number Placeholder 3"/>
+          <p:cNvSpPr>
+            <a:spLocks noGrp="1"/>
+          </p:cNvSpPr>
+          <p:nvPr>
+            <p:ph type="sldNum" sz="quarter" idx="10"/>
+          </p:nvPr>
+        </p:nvSpPr>
+        <p:spPr/>
+        <p:txBody>
+          <a:bodyPr/>
+          <a:lstStyle/>
+          <a:p>
+            <a:fld id="{9B26CD33-4337-4529-948A-94F6960B2374}" type="slidenum">
+              <a:rPr lang="en-US" altLang="ko-KR" smtClean="0"/>
+              <a:pPr/>
+              <a:t>17</a:t>
+            </a:fld>
+            <a:endParaRPr lang="ko-KR" dirty="0"/>
+          </a:p>
+        </p:txBody>
+      </p:sp>
+    </p:spTree>
+  </p:cSld>
+  <p:clrMapOvr>
+    <a:masterClrMapping/>
+  </p:clrMapOvr>
+</p:notes>
+</file>
+
+<file path=ppt/notesSlides/notesSlide18.xml><?xml version="1.0" encoding="utf-8"?>
+<p:notes xmlns:a="http://schemas.openxmlformats.org/drawingml/2006/main" xmlns:r="http://schemas.openxmlformats.org/officeDocument/2006/relationships" xmlns:p="http://schemas.openxmlformats.org/presentationml/2006/main">
+  <p:cSld>
+    <p:spTree>
+      <p:nvGrpSpPr>
+        <p:cNvPr id="1" name=""/>
+        <p:cNvGrpSpPr/>
+        <p:nvPr/>
+      </p:nvGrpSpPr>
+      <p:grpSpPr>
+        <a:xfrm>
+          <a:off x="0" y="0"/>
+          <a:ext cx="0" cy="0"/>
+          <a:chOff x="0" y="0"/>
+          <a:chExt cx="0" cy="0"/>
+        </a:xfrm>
+      </p:grpSpPr>
+      <p:sp>
+        <p:nvSpPr>
+          <p:cNvPr id="2" name="Slide Image Placeholder 1"/>
+          <p:cNvSpPr>
+            <a:spLocks noGrp="1" noRot="1" noChangeAspect="1"/>
+          </p:cNvSpPr>
+          <p:nvPr>
+            <p:ph type="sldImg"/>
+          </p:nvPr>
+        </p:nvSpPr>
+        <p:spPr/>
+      </p:sp>
+      <p:sp>
+        <p:nvSpPr>
+          <p:cNvPr id="3" name="Notes Placeholder 2"/>
+          <p:cNvSpPr>
+            <a:spLocks noGrp="1"/>
+          </p:cNvSpPr>
+          <p:nvPr>
+            <p:ph type="body" idx="1"/>
+          </p:nvPr>
+        </p:nvSpPr>
+        <p:spPr/>
+        <p:txBody>
+          <a:bodyPr>
+            <a:normAutofit/>
+          </a:bodyPr>
+          <a:lstStyle/>
+          <a:p>
+            <a:endParaRPr lang="ko-KR" dirty="0"/>
+          </a:p>
+        </p:txBody>
+      </p:sp>
+      <p:sp>
+        <p:nvSpPr>
+          <p:cNvPr id="4" name="Slide Number Placeholder 3"/>
+          <p:cNvSpPr>
+            <a:spLocks noGrp="1"/>
+          </p:cNvSpPr>
+          <p:nvPr>
+            <p:ph type="sldNum" sz="quarter" idx="10"/>
+          </p:nvPr>
+        </p:nvSpPr>
+        <p:spPr/>
+        <p:txBody>
+          <a:bodyPr/>
+          <a:lstStyle/>
+          <a:p>
+            <a:fld id="{9B26CD33-4337-4529-948A-94F6960B2374}" type="slidenum">
+              <a:rPr lang="en-US" altLang="ko-KR" smtClean="0"/>
+              <a:pPr/>
+              <a:t>18</a:t>
+            </a:fld>
+            <a:endParaRPr lang="ko-KR" dirty="0"/>
+          </a:p>
+        </p:txBody>
+      </p:sp>
+    </p:spTree>
+  </p:cSld>
+  <p:clrMapOvr>
+    <a:masterClrMapping/>
+  </p:clrMapOvr>
+</p:notes>
+</file>
+
+<file path=ppt/notesSlides/notesSlide19.xml><?xml version="1.0" encoding="utf-8"?>
+<p:notes xmlns:a="http://schemas.openxmlformats.org/drawingml/2006/main" xmlns:r="http://schemas.openxmlformats.org/officeDocument/2006/relationships" xmlns:p="http://schemas.openxmlformats.org/presentationml/2006/main">
+  <p:cSld>
+    <p:spTree>
+      <p:nvGrpSpPr>
+        <p:cNvPr id="1" name=""/>
+        <p:cNvGrpSpPr/>
+        <p:nvPr/>
+      </p:nvGrpSpPr>
+      <p:grpSpPr>
+        <a:xfrm>
+          <a:off x="0" y="0"/>
+          <a:ext cx="0" cy="0"/>
+          <a:chOff x="0" y="0"/>
+          <a:chExt cx="0" cy="0"/>
+        </a:xfrm>
+      </p:grpSpPr>
+      <p:sp>
+        <p:nvSpPr>
+          <p:cNvPr id="2" name="Slide Image Placeholder 1"/>
+          <p:cNvSpPr>
+            <a:spLocks noGrp="1" noRot="1" noChangeAspect="1"/>
+          </p:cNvSpPr>
+          <p:nvPr>
+            <p:ph type="sldImg"/>
+          </p:nvPr>
+        </p:nvSpPr>
+        <p:spPr/>
+      </p:sp>
+      <p:sp>
+        <p:nvSpPr>
+          <p:cNvPr id="3" name="Notes Placeholder 2"/>
+          <p:cNvSpPr>
+            <a:spLocks noGrp="1"/>
+          </p:cNvSpPr>
+          <p:nvPr>
+            <p:ph type="body" idx="1"/>
+          </p:nvPr>
+        </p:nvSpPr>
+        <p:spPr/>
+        <p:txBody>
+          <a:bodyPr>
+            <a:normAutofit/>
+          </a:bodyPr>
+          <a:lstStyle/>
+          <a:p>
+            <a:endParaRPr lang="ko-KR" dirty="0"/>
+          </a:p>
+        </p:txBody>
+      </p:sp>
+      <p:sp>
+        <p:nvSpPr>
+          <p:cNvPr id="4" name="Slide Number Placeholder 3"/>
+          <p:cNvSpPr>
+            <a:spLocks noGrp="1"/>
+          </p:cNvSpPr>
+          <p:nvPr>
+            <p:ph type="sldNum" sz="quarter" idx="10"/>
+          </p:nvPr>
+        </p:nvSpPr>
+        <p:spPr/>
+        <p:txBody>
+          <a:bodyPr/>
+          <a:lstStyle/>
+          <a:p>
+            <a:fld id="{9B26CD33-4337-4529-948A-94F6960B2374}" type="slidenum">
+              <a:rPr lang="en-US" altLang="ko-KR" smtClean="0"/>
+              <a:pPr/>
+              <a:t>19</a:t>
+            </a:fld>
+            <a:endParaRPr lang="ko-KR" dirty="0"/>
+          </a:p>
+        </p:txBody>
+      </p:sp>
+    </p:spTree>
+  </p:cSld>
+  <p:clrMapOvr>
+    <a:masterClrMapping/>
+  </p:clrMapOvr>
+</p:notes>
+</file>
+
 <file path=ppt/notesSlides/notesSlide2.xml><?xml version="1.0" encoding="utf-8"?>
 <p:notes xmlns:a="http://schemas.openxmlformats.org/drawingml/2006/main" xmlns:r="http://schemas.openxmlformats.org/officeDocument/2006/relationships" xmlns:p="http://schemas.openxmlformats.org/presentationml/2006/main">
   <p:cSld>
@@ -1339,6 +1673,170 @@
               <a:rPr lang="en-US" altLang="ko-KR" smtClean="0"/>
               <a:pPr/>
               <a:t>2</a:t>
+            </a:fld>
+            <a:endParaRPr lang="ko-KR" dirty="0"/>
+          </a:p>
+        </p:txBody>
+      </p:sp>
+    </p:spTree>
+  </p:cSld>
+  <p:clrMapOvr>
+    <a:masterClrMapping/>
+  </p:clrMapOvr>
+</p:notes>
+</file>
+
+<file path=ppt/notesSlides/notesSlide20.xml><?xml version="1.0" encoding="utf-8"?>
+<p:notes xmlns:a="http://schemas.openxmlformats.org/drawingml/2006/main" xmlns:r="http://schemas.openxmlformats.org/officeDocument/2006/relationships" xmlns:p="http://schemas.openxmlformats.org/presentationml/2006/main">
+  <p:cSld>
+    <p:spTree>
+      <p:nvGrpSpPr>
+        <p:cNvPr id="1" name=""/>
+        <p:cNvGrpSpPr/>
+        <p:nvPr/>
+      </p:nvGrpSpPr>
+      <p:grpSpPr>
+        <a:xfrm>
+          <a:off x="0" y="0"/>
+          <a:ext cx="0" cy="0"/>
+          <a:chOff x="0" y="0"/>
+          <a:chExt cx="0" cy="0"/>
+        </a:xfrm>
+      </p:grpSpPr>
+      <p:sp>
+        <p:nvSpPr>
+          <p:cNvPr id="2" name="Slide Image Placeholder 1"/>
+          <p:cNvSpPr>
+            <a:spLocks noGrp="1" noRot="1" noChangeAspect="1"/>
+          </p:cNvSpPr>
+          <p:nvPr>
+            <p:ph type="sldImg"/>
+          </p:nvPr>
+        </p:nvSpPr>
+        <p:spPr/>
+      </p:sp>
+      <p:sp>
+        <p:nvSpPr>
+          <p:cNvPr id="3" name="Notes Placeholder 2"/>
+          <p:cNvSpPr>
+            <a:spLocks noGrp="1"/>
+          </p:cNvSpPr>
+          <p:nvPr>
+            <p:ph type="body" idx="1"/>
+          </p:nvPr>
+        </p:nvSpPr>
+        <p:spPr/>
+        <p:txBody>
+          <a:bodyPr>
+            <a:normAutofit/>
+          </a:bodyPr>
+          <a:lstStyle/>
+          <a:p>
+            <a:endParaRPr lang="ko-KR" dirty="0"/>
+          </a:p>
+        </p:txBody>
+      </p:sp>
+      <p:sp>
+        <p:nvSpPr>
+          <p:cNvPr id="4" name="Slide Number Placeholder 3"/>
+          <p:cNvSpPr>
+            <a:spLocks noGrp="1"/>
+          </p:cNvSpPr>
+          <p:nvPr>
+            <p:ph type="sldNum" sz="quarter" idx="10"/>
+          </p:nvPr>
+        </p:nvSpPr>
+        <p:spPr/>
+        <p:txBody>
+          <a:bodyPr/>
+          <a:lstStyle/>
+          <a:p>
+            <a:fld id="{9B26CD33-4337-4529-948A-94F6960B2374}" type="slidenum">
+              <a:rPr lang="en-US" altLang="ko-KR" smtClean="0"/>
+              <a:pPr/>
+              <a:t>20</a:t>
+            </a:fld>
+            <a:endParaRPr lang="ko-KR" dirty="0"/>
+          </a:p>
+        </p:txBody>
+      </p:sp>
+    </p:spTree>
+  </p:cSld>
+  <p:clrMapOvr>
+    <a:masterClrMapping/>
+  </p:clrMapOvr>
+</p:notes>
+</file>
+
+<file path=ppt/notesSlides/notesSlide21.xml><?xml version="1.0" encoding="utf-8"?>
+<p:notes xmlns:a="http://schemas.openxmlformats.org/drawingml/2006/main" xmlns:r="http://schemas.openxmlformats.org/officeDocument/2006/relationships" xmlns:p="http://schemas.openxmlformats.org/presentationml/2006/main">
+  <p:cSld>
+    <p:spTree>
+      <p:nvGrpSpPr>
+        <p:cNvPr id="1" name=""/>
+        <p:cNvGrpSpPr/>
+        <p:nvPr/>
+      </p:nvGrpSpPr>
+      <p:grpSpPr>
+        <a:xfrm>
+          <a:off x="0" y="0"/>
+          <a:ext cx="0" cy="0"/>
+          <a:chOff x="0" y="0"/>
+          <a:chExt cx="0" cy="0"/>
+        </a:xfrm>
+      </p:grpSpPr>
+      <p:sp>
+        <p:nvSpPr>
+          <p:cNvPr id="2" name="Slide Image Placeholder 1"/>
+          <p:cNvSpPr>
+            <a:spLocks noGrp="1" noRot="1" noChangeAspect="1"/>
+          </p:cNvSpPr>
+          <p:nvPr>
+            <p:ph type="sldImg"/>
+          </p:nvPr>
+        </p:nvSpPr>
+        <p:spPr/>
+      </p:sp>
+      <p:sp>
+        <p:nvSpPr>
+          <p:cNvPr id="3" name="Notes Placeholder 2"/>
+          <p:cNvSpPr>
+            <a:spLocks noGrp="1"/>
+          </p:cNvSpPr>
+          <p:nvPr>
+            <p:ph type="body" idx="1"/>
+          </p:nvPr>
+        </p:nvSpPr>
+        <p:spPr/>
+        <p:txBody>
+          <a:bodyPr>
+            <a:normAutofit/>
+          </a:bodyPr>
+          <a:lstStyle/>
+          <a:p>
+            <a:endParaRPr lang="ko-KR" dirty="0"/>
+          </a:p>
+        </p:txBody>
+      </p:sp>
+      <p:sp>
+        <p:nvSpPr>
+          <p:cNvPr id="4" name="Slide Number Placeholder 3"/>
+          <p:cNvSpPr>
+            <a:spLocks noGrp="1"/>
+          </p:cNvSpPr>
+          <p:nvPr>
+            <p:ph type="sldNum" sz="quarter" idx="10"/>
+          </p:nvPr>
+        </p:nvSpPr>
+        <p:spPr/>
+        <p:txBody>
+          <a:bodyPr/>
+          <a:lstStyle/>
+          <a:p>
+            <a:fld id="{9B26CD33-4337-4529-948A-94F6960B2374}" type="slidenum">
+              <a:rPr lang="en-US" altLang="ko-KR" smtClean="0"/>
+              <a:pPr/>
+              <a:t>21</a:t>
             </a:fld>
             <a:endParaRPr lang="ko-KR" dirty="0"/>
           </a:p>
@@ -6408,102 +6906,6 @@
           <a:chExt cx="0" cy="0"/>
         </a:xfrm>
       </p:grpSpPr>
-      <p:pic>
-        <p:nvPicPr>
-          <p:cNvPr id="1031" name="Picture 7"/>
-          <p:cNvPicPr>
-            <a:picLocks noChangeAspect="1" noChangeArrowheads="1"/>
-          </p:cNvPicPr>
-          <p:nvPr/>
-        </p:nvPicPr>
-        <p:blipFill>
-          <a:blip r:embed="rId3" cstate="email"/>
-          <a:srcRect/>
-          <a:stretch>
-            <a:fillRect/>
-          </a:stretch>
-        </p:blipFill>
-        <p:spPr bwMode="auto">
-          <a:xfrm>
-            <a:off x="7164288" y="0"/>
-            <a:ext cx="1979712" cy="1686296"/>
-          </a:xfrm>
-          <a:prstGeom prst="rect">
-            <a:avLst/>
-          </a:prstGeom>
-          <a:noFill/>
-          <a:ln w="9525">
-            <a:noFill/>
-            <a:miter lim="800000"/>
-            <a:headEnd/>
-            <a:tailEnd/>
-          </a:ln>
-        </p:spPr>
-      </p:pic>
-      <p:pic>
-        <p:nvPicPr>
-          <p:cNvPr id="1030" name="Picture 6"/>
-          <p:cNvPicPr>
-            <a:picLocks noChangeAspect="1" noChangeArrowheads="1"/>
-          </p:cNvPicPr>
-          <p:nvPr/>
-        </p:nvPicPr>
-        <p:blipFill>
-          <a:blip r:embed="rId4" cstate="email"/>
-          <a:srcRect/>
-          <a:stretch>
-            <a:fillRect/>
-          </a:stretch>
-        </p:blipFill>
-        <p:spPr bwMode="auto">
-          <a:xfrm>
-            <a:off x="6444209" y="1664736"/>
-            <a:ext cx="2699792" cy="1781057"/>
-          </a:xfrm>
-          <a:prstGeom prst="rect">
-            <a:avLst/>
-          </a:prstGeom>
-          <a:noFill/>
-          <a:ln w="9525">
-            <a:noFill/>
-            <a:miter lim="800000"/>
-            <a:headEnd/>
-            <a:tailEnd/>
-          </a:ln>
-        </p:spPr>
-      </p:pic>
-      <p:pic>
-        <p:nvPicPr>
-          <p:cNvPr id="1029" name="Picture 5"/>
-          <p:cNvPicPr>
-            <a:picLocks noChangeAspect="1" noChangeArrowheads="1"/>
-          </p:cNvPicPr>
-          <p:nvPr/>
-        </p:nvPicPr>
-        <p:blipFill>
-          <a:blip r:embed="rId5" cstate="email"/>
-          <a:srcRect/>
-          <a:stretch>
-            <a:fillRect/>
-          </a:stretch>
-        </p:blipFill>
-        <p:spPr bwMode="auto">
-          <a:xfrm>
-            <a:off x="2987824" y="0"/>
-            <a:ext cx="4690614" cy="3429000"/>
-          </a:xfrm>
-          <a:prstGeom prst="rect">
-            <a:avLst/>
-          </a:prstGeom>
-          <a:noFill/>
-          <a:ln w="9525">
-            <a:noFill/>
-            <a:miter lim="800000"/>
-            <a:headEnd/>
-            <a:tailEnd/>
-          </a:ln>
-        </p:spPr>
-      </p:pic>
       <p:sp>
         <p:nvSpPr>
           <p:cNvPr id="15" name="직사각형 14"/>
@@ -6550,38 +6952,6 @@
           </a:p>
         </p:txBody>
       </p:sp>
-      <p:pic>
-        <p:nvPicPr>
-          <p:cNvPr id="1026" name="Picture 2"/>
-          <p:cNvPicPr>
-            <a:picLocks noChangeAspect="1" noChangeArrowheads="1"/>
-          </p:cNvPicPr>
-          <p:nvPr/>
-        </p:nvPicPr>
-        <p:blipFill>
-          <a:blip r:embed="rId6" cstate="email"/>
-          <a:srcRect/>
-          <a:stretch>
-            <a:fillRect/>
-          </a:stretch>
-        </p:blipFill>
-        <p:spPr bwMode="auto">
-          <a:xfrm rot="5400000">
-            <a:off x="-326159" y="326161"/>
-            <a:ext cx="3429000" cy="2776681"/>
-          </a:xfrm>
-          <a:prstGeom prst="rect">
-            <a:avLst/>
-          </a:prstGeom>
-          <a:noFill/>
-          <a:ln w="9525">
-            <a:noFill/>
-            <a:miter lim="800000"/>
-            <a:headEnd/>
-            <a:tailEnd/>
-          </a:ln>
-        </p:spPr>
-      </p:pic>
       <p:sp>
         <p:nvSpPr>
           <p:cNvPr id="20" name="TextBox 19"/>
@@ -6676,70 +7046,6 @@
           </a:p>
         </p:txBody>
       </p:sp>
-      <p:pic>
-        <p:nvPicPr>
-          <p:cNvPr id="1027" name="Picture 3"/>
-          <p:cNvPicPr>
-            <a:picLocks noChangeAspect="1" noChangeArrowheads="1"/>
-          </p:cNvPicPr>
-          <p:nvPr/>
-        </p:nvPicPr>
-        <p:blipFill>
-          <a:blip r:embed="rId7" cstate="email"/>
-          <a:srcRect/>
-          <a:stretch>
-            <a:fillRect/>
-          </a:stretch>
-        </p:blipFill>
-        <p:spPr bwMode="auto">
-          <a:xfrm>
-            <a:off x="2771800" y="-1"/>
-            <a:ext cx="2304256" cy="1729673"/>
-          </a:xfrm>
-          <a:prstGeom prst="rect">
-            <a:avLst/>
-          </a:prstGeom>
-          <a:noFill/>
-          <a:ln w="9525">
-            <a:noFill/>
-            <a:miter lim="800000"/>
-            <a:headEnd/>
-            <a:tailEnd/>
-          </a:ln>
-        </p:spPr>
-      </p:pic>
-      <p:pic>
-        <p:nvPicPr>
-          <p:cNvPr id="1028" name="Picture 4"/>
-          <p:cNvPicPr>
-            <a:picLocks noChangeAspect="1" noChangeArrowheads="1"/>
-          </p:cNvPicPr>
-          <p:nvPr/>
-        </p:nvPicPr>
-        <p:blipFill>
-          <a:blip r:embed="rId8" cstate="email"/>
-          <a:srcRect/>
-          <a:stretch>
-            <a:fillRect/>
-          </a:stretch>
-        </p:blipFill>
-        <p:spPr bwMode="auto">
-          <a:xfrm>
-            <a:off x="2771800" y="1700808"/>
-            <a:ext cx="2304256" cy="1728192"/>
-          </a:xfrm>
-          <a:prstGeom prst="rect">
-            <a:avLst/>
-          </a:prstGeom>
-          <a:noFill/>
-          <a:ln w="9525">
-            <a:noFill/>
-            <a:miter lim="800000"/>
-            <a:headEnd/>
-            <a:tailEnd/>
-          </a:ln>
-        </p:spPr>
-      </p:pic>
       <p:sp>
         <p:nvSpPr>
           <p:cNvPr id="12" name="TextBox 11"/>
@@ -6843,6 +7149,349 @@
               </a:rPr>
               <a:t> Young, Choi Hwan Jong</a:t>
             </a:r>
+          </a:p>
+        </p:txBody>
+      </p:sp>
+      <p:cxnSp>
+        <p:nvCxnSpPr>
+          <p:cNvPr id="13" name="직선 연결선 12"/>
+          <p:cNvCxnSpPr/>
+          <p:nvPr/>
+        </p:nvCxnSpPr>
+        <p:spPr>
+          <a:xfrm>
+            <a:off x="251520" y="332656"/>
+            <a:ext cx="8640960" cy="0"/>
+          </a:xfrm>
+          <a:prstGeom prst="line">
+            <a:avLst/>
+          </a:prstGeom>
+          <a:ln w="3175">
+            <a:solidFill>
+              <a:srgbClr val="68727E"/>
+            </a:solidFill>
+          </a:ln>
+        </p:spPr>
+        <p:style>
+          <a:lnRef idx="1">
+            <a:schemeClr val="accent1"/>
+          </a:lnRef>
+          <a:fillRef idx="0">
+            <a:schemeClr val="accent1"/>
+          </a:fillRef>
+          <a:effectRef idx="0">
+            <a:schemeClr val="accent1"/>
+          </a:effectRef>
+          <a:fontRef idx="minor">
+            <a:schemeClr val="tx1"/>
+          </a:fontRef>
+        </p:style>
+      </p:cxnSp>
+      <p:grpSp>
+        <p:nvGrpSpPr>
+          <p:cNvPr id="14" name="그룹 13"/>
+          <p:cNvGrpSpPr/>
+          <p:nvPr/>
+        </p:nvGrpSpPr>
+        <p:grpSpPr>
+          <a:xfrm>
+            <a:off x="7956376" y="242064"/>
+            <a:ext cx="1080120" cy="450632"/>
+            <a:chOff x="3563888" y="683404"/>
+            <a:chExt cx="1080120" cy="450632"/>
+          </a:xfrm>
+        </p:grpSpPr>
+        <p:sp>
+          <p:nvSpPr>
+            <p:cNvPr id="16" name="TextBox 15"/>
+            <p:cNvSpPr txBox="1"/>
+            <p:nvPr/>
+          </p:nvSpPr>
+          <p:spPr>
+            <a:xfrm>
+              <a:off x="3563888" y="764704"/>
+              <a:ext cx="906034" cy="369332"/>
+            </a:xfrm>
+            <a:prstGeom prst="rect">
+              <a:avLst/>
+            </a:prstGeom>
+            <a:noFill/>
+          </p:spPr>
+          <p:txBody>
+            <a:bodyPr wrap="square" rtlCol="0">
+              <a:spAutoFit/>
+            </a:bodyPr>
+            <a:lstStyle/>
+            <a:p>
+              <a:r>
+                <a:rPr lang="en-US" altLang="ko-KR" b="1" spc="-300" dirty="0" err="1" smtClean="0">
+                  <a:solidFill>
+                    <a:srgbClr val="00A204"/>
+                  </a:solidFill>
+                  <a:latin typeface="Segoe UI" pitchFamily="34" charset="0"/>
+                  <a:ea typeface="Segoe UI" pitchFamily="34" charset="0"/>
+                  <a:cs typeface="Segoe UI" pitchFamily="34" charset="0"/>
+                </a:rPr>
+                <a:t>Akropolis</a:t>
+              </a:r>
+              <a:r>
+                <a:rPr lang="en-US" altLang="ko-KR" b="1" spc="-300" dirty="0" smtClean="0">
+                  <a:solidFill>
+                    <a:srgbClr val="00A204"/>
+                  </a:solidFill>
+                  <a:latin typeface="Segoe UI" pitchFamily="34" charset="0"/>
+                  <a:ea typeface="Segoe UI" pitchFamily="34" charset="0"/>
+                  <a:cs typeface="Segoe UI" pitchFamily="34" charset="0"/>
+                </a:rPr>
+                <a:t>  </a:t>
+              </a:r>
+              <a:endParaRPr lang="ko-KR" altLang="en-US" b="1" spc="-300" dirty="0">
+                <a:solidFill>
+                  <a:srgbClr val="00A204"/>
+                </a:solidFill>
+                <a:latin typeface="Segoe UI" pitchFamily="34" charset="0"/>
+                <a:ea typeface="HY목각파임B" pitchFamily="18" charset="-127"/>
+                <a:cs typeface="Segoe UI" pitchFamily="34" charset="0"/>
+              </a:endParaRPr>
+            </a:p>
+          </p:txBody>
+        </p:sp>
+        <p:sp>
+          <p:nvSpPr>
+            <p:cNvPr id="17" name="TextBox 16"/>
+            <p:cNvSpPr txBox="1"/>
+            <p:nvPr/>
+          </p:nvSpPr>
+          <p:spPr>
+            <a:xfrm>
+              <a:off x="4295836" y="683404"/>
+              <a:ext cx="348172" cy="369332"/>
+            </a:xfrm>
+            <a:prstGeom prst="rect">
+              <a:avLst/>
+            </a:prstGeom>
+            <a:noFill/>
+          </p:spPr>
+          <p:txBody>
+            <a:bodyPr wrap="none" rtlCol="0">
+              <a:spAutoFit/>
+            </a:bodyPr>
+            <a:lstStyle/>
+            <a:p>
+              <a:r>
+                <a:rPr lang="en-US" altLang="ko-KR" b="1" dirty="0" smtClean="0">
+                  <a:solidFill>
+                    <a:srgbClr val="00A204"/>
+                  </a:solidFill>
+                  <a:latin typeface="Segoe UI" pitchFamily="34" charset="0"/>
+                  <a:ea typeface="Segoe UI" pitchFamily="34" charset="0"/>
+                  <a:cs typeface="Segoe UI" pitchFamily="34" charset="0"/>
+                </a:rPr>
+                <a:t>+</a:t>
+              </a:r>
+              <a:endParaRPr lang="ko-KR" altLang="en-US" b="1" dirty="0">
+                <a:solidFill>
+                  <a:srgbClr val="00A204"/>
+                </a:solidFill>
+                <a:latin typeface="Segoe UI" pitchFamily="34" charset="0"/>
+                <a:cs typeface="Segoe UI" pitchFamily="34" charset="0"/>
+              </a:endParaRPr>
+            </a:p>
+          </p:txBody>
+        </p:sp>
+      </p:grpSp>
+      <p:pic>
+        <p:nvPicPr>
+          <p:cNvPr id="10" name="Picture 6"/>
+          <p:cNvPicPr>
+            <a:picLocks noChangeAspect="1" noChangeArrowheads="1"/>
+          </p:cNvPicPr>
+          <p:nvPr/>
+        </p:nvPicPr>
+        <p:blipFill>
+          <a:blip r:embed="rId3">
+            <a:extLst>
+              <a:ext uri="{28A0092B-C50C-407E-A947-70E740481C1C}">
+                <a14:useLocalDpi xmlns:a14="http://schemas.microsoft.com/office/drawing/2010/main" val="0"/>
+              </a:ext>
+            </a:extLst>
+          </a:blip>
+          <a:srcRect/>
+          <a:stretch>
+            <a:fillRect/>
+          </a:stretch>
+        </p:blipFill>
+        <p:spPr bwMode="auto">
+          <a:xfrm>
+            <a:off x="0" y="-28827"/>
+            <a:ext cx="9180512" cy="3601843"/>
+          </a:xfrm>
+          <a:prstGeom prst="rect">
+            <a:avLst/>
+          </a:prstGeom>
+          <a:noFill/>
+          <a:ln>
+            <a:noFill/>
+          </a:ln>
+          <a:effectLst/>
+          <a:extLst>
+            <a:ext uri="{909E8E84-426E-40DD-AFC4-6F175D3DCCD1}">
+              <a14:hiddenFill xmlns:a14="http://schemas.microsoft.com/office/drawing/2010/main">
+                <a:solidFill>
+                  <a:schemeClr val="accent1"/>
+                </a:solidFill>
+              </a14:hiddenFill>
+            </a:ext>
+            <a:ext uri="{91240B29-F687-4F45-9708-019B960494DF}">
+              <a14:hiddenLine xmlns:a14="http://schemas.microsoft.com/office/drawing/2010/main" w="9525">
+                <a:solidFill>
+                  <a:schemeClr val="tx1"/>
+                </a:solidFill>
+                <a:miter lim="800000"/>
+                <a:headEnd/>
+                <a:tailEnd/>
+              </a14:hiddenLine>
+            </a:ext>
+            <a:ext uri="{AF507438-7753-43E0-B8FC-AC1667EBCBE1}">
+              <a14:hiddenEffects xmlns:a14="http://schemas.microsoft.com/office/drawing/2010/main">
+                <a:effectLst>
+                  <a:outerShdw dist="35921" dir="2700000" algn="ctr" rotWithShape="0">
+                    <a:schemeClr val="bg2"/>
+                  </a:outerShdw>
+                </a:effectLst>
+              </a14:hiddenEffects>
+            </a:ext>
+          </a:extLst>
+        </p:spPr>
+      </p:pic>
+      <p:pic>
+        <p:nvPicPr>
+          <p:cNvPr id="11" name="Picture 7"/>
+          <p:cNvPicPr>
+            <a:picLocks noChangeAspect="1" noChangeArrowheads="1"/>
+          </p:cNvPicPr>
+          <p:nvPr/>
+        </p:nvPicPr>
+        <p:blipFill>
+          <a:blip r:embed="rId4">
+            <a:extLst>
+              <a:ext uri="{28A0092B-C50C-407E-A947-70E740481C1C}">
+                <a14:useLocalDpi xmlns:a14="http://schemas.microsoft.com/office/drawing/2010/main" val="0"/>
+              </a:ext>
+            </a:extLst>
+          </a:blip>
+          <a:srcRect/>
+          <a:stretch>
+            <a:fillRect/>
+          </a:stretch>
+        </p:blipFill>
+        <p:spPr bwMode="auto">
+          <a:xfrm>
+            <a:off x="5436096" y="2576025"/>
+            <a:ext cx="3459228" cy="708959"/>
+          </a:xfrm>
+          <a:prstGeom prst="rect">
+            <a:avLst/>
+          </a:prstGeom>
+          <a:noFill/>
+          <a:ln>
+            <a:noFill/>
+          </a:ln>
+          <a:effectLst/>
+          <a:extLst>
+            <a:ext uri="{909E8E84-426E-40DD-AFC4-6F175D3DCCD1}">
+              <a14:hiddenFill xmlns:a14="http://schemas.microsoft.com/office/drawing/2010/main">
+                <a:solidFill>
+                  <a:schemeClr val="accent1"/>
+                </a:solidFill>
+              </a14:hiddenFill>
+            </a:ext>
+            <a:ext uri="{91240B29-F687-4F45-9708-019B960494DF}">
+              <a14:hiddenLine xmlns:a14="http://schemas.microsoft.com/office/drawing/2010/main" w="9525">
+                <a:solidFill>
+                  <a:schemeClr val="tx1"/>
+                </a:solidFill>
+                <a:miter lim="800000"/>
+                <a:headEnd/>
+                <a:tailEnd/>
+              </a14:hiddenLine>
+            </a:ext>
+            <a:ext uri="{AF507438-7753-43E0-B8FC-AC1667EBCBE1}">
+              <a14:hiddenEffects xmlns:a14="http://schemas.microsoft.com/office/drawing/2010/main">
+                <a:effectLst>
+                  <a:outerShdw dist="35921" dir="2700000" algn="ctr" rotWithShape="0">
+                    <a:schemeClr val="bg2"/>
+                  </a:outerShdw>
+                </a:effectLst>
+              </a14:hiddenEffects>
+            </a:ext>
+          </a:extLst>
+        </p:spPr>
+      </p:pic>
+      <p:sp>
+        <p:nvSpPr>
+          <p:cNvPr id="18" name="직사각형 17"/>
+          <p:cNvSpPr/>
+          <p:nvPr/>
+        </p:nvSpPr>
+        <p:spPr>
+          <a:xfrm>
+            <a:off x="-36512" y="779220"/>
+            <a:ext cx="5544616" cy="1569660"/>
+          </a:xfrm>
+          <a:prstGeom prst="rect">
+            <a:avLst/>
+          </a:prstGeom>
+          <a:noFill/>
+        </p:spPr>
+        <p:txBody>
+          <a:bodyPr wrap="square" lIns="91440" tIns="45720" rIns="91440" bIns="45720">
+            <a:spAutoFit/>
+          </a:bodyPr>
+          <a:lstStyle/>
+          <a:p>
+            <a:pPr algn="ctr"/>
+            <a:r>
+              <a:rPr lang="en-US" altLang="ko-KR" sz="9600" b="0" cap="none" spc="0" dirty="0" err="1" smtClean="0">
+                <a:ln w="18415" cmpd="sng">
+                  <a:solidFill>
+                    <a:srgbClr val="FFFFFF"/>
+                  </a:solidFill>
+                  <a:prstDash val="solid"/>
+                </a:ln>
+                <a:solidFill>
+                  <a:srgbClr val="FFFFFF"/>
+                </a:solidFill>
+                <a:effectLst>
+                  <a:outerShdw blurRad="63500" dir="3600000" algn="tl" rotWithShape="0">
+                    <a:srgbClr val="000000">
+                      <a:alpha val="70000"/>
+                    </a:srgbClr>
+                  </a:outerShdw>
+                  <a:reflection blurRad="6350" stA="55000" endA="50" endPos="85000" dir="5400000" sy="-100000" algn="bl" rotWithShape="0"/>
+                </a:effectLst>
+              </a:rPr>
+              <a:t>Akropolis</a:t>
+            </a:r>
+            <a:endParaRPr lang="en-US" altLang="ko-KR" sz="9600" b="0" cap="none" spc="0" dirty="0">
+              <a:ln w="18415" cmpd="sng">
+                <a:solidFill>
+                  <a:srgbClr val="FFFFFF"/>
+                </a:solidFill>
+                <a:prstDash val="solid"/>
+              </a:ln>
+              <a:solidFill>
+                <a:srgbClr val="FFFFFF"/>
+              </a:solidFill>
+              <a:effectLst>
+                <a:outerShdw blurRad="63500" dir="3600000" algn="tl" rotWithShape="0">
+                  <a:srgbClr val="000000">
+                    <a:alpha val="70000"/>
+                  </a:srgbClr>
+                </a:outerShdw>
+                <a:reflection blurRad="6350" stA="55000" endA="50" endPos="85000" dir="5400000" sy="-100000" algn="bl" rotWithShape="0"/>
+              </a:effectLst>
+            </a:endParaRPr>
           </a:p>
         </p:txBody>
       </p:sp>
@@ -7047,77 +7696,6 @@
                 <a:ea typeface="나눔고딕" pitchFamily="50" charset="-127"/>
               </a:rPr>
               <a:t>Portfolio</a:t>
-            </a:r>
-            <a:endParaRPr lang="ko-KR" altLang="en-US" sz="700" b="1" dirty="0">
-              <a:solidFill>
-                <a:schemeClr val="tx1">
-                  <a:lumMod val="75000"/>
-                  <a:lumOff val="25000"/>
-                </a:schemeClr>
-              </a:solidFill>
-              <a:latin typeface="나눔고딕" pitchFamily="50" charset="-127"/>
-              <a:ea typeface="나눔고딕" pitchFamily="50" charset="-127"/>
-            </a:endParaRPr>
-          </a:p>
-        </p:txBody>
-      </p:sp>
-      <p:sp>
-        <p:nvSpPr>
-          <p:cNvPr id="46" name="TextBox 45"/>
-          <p:cNvSpPr txBox="1"/>
-          <p:nvPr/>
-        </p:nvSpPr>
-        <p:spPr>
-          <a:xfrm>
-            <a:off x="6660232" y="92643"/>
-            <a:ext cx="2339976" cy="178510"/>
-          </a:xfrm>
-          <a:prstGeom prst="rect">
-            <a:avLst/>
-          </a:prstGeom>
-          <a:noFill/>
-        </p:spPr>
-        <p:txBody>
-          <a:bodyPr wrap="square" rtlCol="0">
-            <a:spAutoFit/>
-          </a:bodyPr>
-          <a:lstStyle/>
-          <a:p>
-            <a:pPr algn="r">
-              <a:lnSpc>
-                <a:spcPct val="80000"/>
-              </a:lnSpc>
-            </a:pPr>
-            <a:fld id="{828B5CB4-B095-413D-B8C5-1DA2C2E14324}" type="slidenum">
-              <a:rPr lang="en-US" altLang="ko-KR" sz="700" b="1" smtClean="0">
-                <a:solidFill>
-                  <a:schemeClr val="tx1">
-                    <a:lumMod val="75000"/>
-                    <a:lumOff val="25000"/>
-                  </a:schemeClr>
-                </a:solidFill>
-                <a:latin typeface="나눔고딕" pitchFamily="50" charset="-127"/>
-                <a:ea typeface="나눔고딕" pitchFamily="50" charset="-127"/>
-              </a:rPr>
-              <a:pPr algn="r">
-                <a:lnSpc>
-                  <a:spcPct val="80000"/>
-                </a:lnSpc>
-              </a:pPr>
-              <a:t>10</a:t>
-            </a:fld>
-            <a:r>
-              <a:rPr lang="en-US" altLang="ko-KR" sz="700" b="1" dirty="0" smtClean="0">
-                <a:solidFill>
-                  <a:schemeClr val="tx1">
-                    <a:lumMod val="75000"/>
-                    <a:lumOff val="25000"/>
-                  </a:schemeClr>
-                </a:solidFill>
-                <a:latin typeface="나눔고딕" pitchFamily="50" charset="-127"/>
-                <a:ea typeface="나눔고딕" pitchFamily="50" charset="-127"/>
-              </a:rPr>
-              <a:t>   |  42</a:t>
             </a:r>
             <a:endParaRPr lang="ko-KR" altLang="en-US" sz="700" b="1" dirty="0">
               <a:solidFill>
@@ -7690,77 +8268,6 @@
       </p:sp>
       <p:sp>
         <p:nvSpPr>
-          <p:cNvPr id="46" name="TextBox 45"/>
-          <p:cNvSpPr txBox="1"/>
-          <p:nvPr/>
-        </p:nvSpPr>
-        <p:spPr>
-          <a:xfrm>
-            <a:off x="6660232" y="92643"/>
-            <a:ext cx="2339976" cy="178510"/>
-          </a:xfrm>
-          <a:prstGeom prst="rect">
-            <a:avLst/>
-          </a:prstGeom>
-          <a:noFill/>
-        </p:spPr>
-        <p:txBody>
-          <a:bodyPr wrap="square" rtlCol="0">
-            <a:spAutoFit/>
-          </a:bodyPr>
-          <a:lstStyle/>
-          <a:p>
-            <a:pPr algn="r">
-              <a:lnSpc>
-                <a:spcPct val="80000"/>
-              </a:lnSpc>
-            </a:pPr>
-            <a:fld id="{828B5CB4-B095-413D-B8C5-1DA2C2E14324}" type="slidenum">
-              <a:rPr lang="en-US" altLang="ko-KR" sz="700" b="1" smtClean="0">
-                <a:solidFill>
-                  <a:schemeClr val="tx1">
-                    <a:lumMod val="75000"/>
-                    <a:lumOff val="25000"/>
-                  </a:schemeClr>
-                </a:solidFill>
-                <a:latin typeface="나눔고딕" pitchFamily="50" charset="-127"/>
-                <a:ea typeface="나눔고딕" pitchFamily="50" charset="-127"/>
-              </a:rPr>
-              <a:pPr algn="r">
-                <a:lnSpc>
-                  <a:spcPct val="80000"/>
-                </a:lnSpc>
-              </a:pPr>
-              <a:t>11</a:t>
-            </a:fld>
-            <a:r>
-              <a:rPr lang="en-US" altLang="ko-KR" sz="700" b="1" dirty="0" smtClean="0">
-                <a:solidFill>
-                  <a:schemeClr val="tx1">
-                    <a:lumMod val="75000"/>
-                    <a:lumOff val="25000"/>
-                  </a:schemeClr>
-                </a:solidFill>
-                <a:latin typeface="나눔고딕" pitchFamily="50" charset="-127"/>
-                <a:ea typeface="나눔고딕" pitchFamily="50" charset="-127"/>
-              </a:rPr>
-              <a:t>   |  42</a:t>
-            </a:r>
-            <a:endParaRPr lang="ko-KR" altLang="en-US" sz="700" b="1" dirty="0">
-              <a:solidFill>
-                <a:schemeClr val="tx1">
-                  <a:lumMod val="75000"/>
-                  <a:lumOff val="25000"/>
-                </a:schemeClr>
-              </a:solidFill>
-              <a:latin typeface="나눔고딕" pitchFamily="50" charset="-127"/>
-              <a:ea typeface="나눔고딕" pitchFamily="50" charset="-127"/>
-            </a:endParaRPr>
-          </a:p>
-        </p:txBody>
-      </p:sp>
-      <p:sp>
-        <p:nvSpPr>
           <p:cNvPr id="48" name="TextBox 47"/>
           <p:cNvSpPr txBox="1"/>
           <p:nvPr/>
@@ -8209,77 +8716,6 @@
       </p:sp>
       <p:sp>
         <p:nvSpPr>
-          <p:cNvPr id="46" name="TextBox 45"/>
-          <p:cNvSpPr txBox="1"/>
-          <p:nvPr/>
-        </p:nvSpPr>
-        <p:spPr>
-          <a:xfrm>
-            <a:off x="6660232" y="92643"/>
-            <a:ext cx="2339976" cy="178510"/>
-          </a:xfrm>
-          <a:prstGeom prst="rect">
-            <a:avLst/>
-          </a:prstGeom>
-          <a:noFill/>
-        </p:spPr>
-        <p:txBody>
-          <a:bodyPr wrap="square" rtlCol="0">
-            <a:spAutoFit/>
-          </a:bodyPr>
-          <a:lstStyle/>
-          <a:p>
-            <a:pPr algn="r">
-              <a:lnSpc>
-                <a:spcPct val="80000"/>
-              </a:lnSpc>
-            </a:pPr>
-            <a:fld id="{828B5CB4-B095-413D-B8C5-1DA2C2E14324}" type="slidenum">
-              <a:rPr lang="en-US" altLang="ko-KR" sz="700" b="1" smtClean="0">
-                <a:solidFill>
-                  <a:schemeClr val="tx1">
-                    <a:lumMod val="75000"/>
-                    <a:lumOff val="25000"/>
-                  </a:schemeClr>
-                </a:solidFill>
-                <a:latin typeface="나눔고딕" pitchFamily="50" charset="-127"/>
-                <a:ea typeface="나눔고딕" pitchFamily="50" charset="-127"/>
-              </a:rPr>
-              <a:pPr algn="r">
-                <a:lnSpc>
-                  <a:spcPct val="80000"/>
-                </a:lnSpc>
-              </a:pPr>
-              <a:t>12</a:t>
-            </a:fld>
-            <a:r>
-              <a:rPr lang="en-US" altLang="ko-KR" sz="700" b="1" dirty="0" smtClean="0">
-                <a:solidFill>
-                  <a:schemeClr val="tx1">
-                    <a:lumMod val="75000"/>
-                    <a:lumOff val="25000"/>
-                  </a:schemeClr>
-                </a:solidFill>
-                <a:latin typeface="나눔고딕" pitchFamily="50" charset="-127"/>
-                <a:ea typeface="나눔고딕" pitchFamily="50" charset="-127"/>
-              </a:rPr>
-              <a:t>   |  42</a:t>
-            </a:r>
-            <a:endParaRPr lang="ko-KR" altLang="en-US" sz="700" b="1" dirty="0">
-              <a:solidFill>
-                <a:schemeClr val="tx1">
-                  <a:lumMod val="75000"/>
-                  <a:lumOff val="25000"/>
-                </a:schemeClr>
-              </a:solidFill>
-              <a:latin typeface="나눔고딕" pitchFamily="50" charset="-127"/>
-              <a:ea typeface="나눔고딕" pitchFamily="50" charset="-127"/>
-            </a:endParaRPr>
-          </a:p>
-        </p:txBody>
-      </p:sp>
-      <p:sp>
-        <p:nvSpPr>
           <p:cNvPr id="48" name="TextBox 47"/>
           <p:cNvSpPr txBox="1"/>
           <p:nvPr/>
@@ -8312,7 +8748,21 @@
                 <a:latin typeface="맑은 고딕" pitchFamily="50" charset="-127"/>
                 <a:ea typeface="맑은 고딕" pitchFamily="50" charset="-127"/>
               </a:rPr>
-              <a:t>토론자는 나쁜 토론자에 대하여 신고를 할 수 있으며 각 소주제 당 하나의 의견에 명예를 주어 토론자에게 명예를 줄 수 있습니다</a:t>
+              <a:t>토론자는 나쁜 토론자에 대하여 신고를 할 수 있으며 각 소주제 당 하나의 의견에 추천</a:t>
+            </a:r>
+            <a:r>
+              <a:rPr lang="ko-KR" altLang="en-US" sz="2000" dirty="0">
+                <a:latin typeface="맑은 고딕" pitchFamily="50" charset="-127"/>
+                <a:ea typeface="맑은 고딕" pitchFamily="50" charset="-127"/>
+              </a:rPr>
+              <a:t>을</a:t>
+            </a:r>
+            <a:r>
+              <a:rPr lang="ko-KR" altLang="en-US" sz="2000" dirty="0" smtClean="0">
+                <a:latin typeface="맑은 고딕" pitchFamily="50" charset="-127"/>
+                <a:ea typeface="맑은 고딕" pitchFamily="50" charset="-127"/>
+              </a:rPr>
+              <a:t> 주어 토론자에게 명예를 줄 수 있습니다</a:t>
             </a:r>
             <a:endParaRPr lang="en-US" altLang="ko-KR" sz="2000" dirty="0" smtClean="0">
               <a:latin typeface="맑은 고딕" pitchFamily="50" charset="-127"/>
@@ -8359,28 +8809,7 @@
                 <a:latin typeface="맑은 고딕" pitchFamily="50" charset="-127"/>
                 <a:ea typeface="맑은 고딕" pitchFamily="50" charset="-127"/>
               </a:rPr>
-              <a:t> 할 수 있으며 이후 </a:t>
-            </a:r>
-            <a:r>
-              <a:rPr lang="ko-KR" altLang="en-US" sz="2000" dirty="0" smtClean="0">
-                <a:latin typeface="맑은 고딕" pitchFamily="50" charset="-127"/>
-                <a:ea typeface="맑은 고딕" pitchFamily="50" charset="-127"/>
-              </a:rPr>
-              <a:t>대상의 </a:t>
-            </a:r>
-            <a:r>
-              <a:rPr lang="ko-KR" altLang="en-US" sz="2000" dirty="0" smtClean="0">
-                <a:latin typeface="맑은 고딕" pitchFamily="50" charset="-127"/>
-                <a:ea typeface="맑은 고딕" pitchFamily="50" charset="-127"/>
-              </a:rPr>
-              <a:t>토론 </a:t>
-            </a:r>
-            <a:r>
-              <a:rPr lang="ko-KR" altLang="en-US" sz="2000" dirty="0" smtClean="0">
-                <a:latin typeface="맑은 고딕" pitchFamily="50" charset="-127"/>
-                <a:ea typeface="맑은 고딕" pitchFamily="50" charset="-127"/>
-              </a:rPr>
-              <a:t>개설 또는 참여 정보를 받을 수 있습니다</a:t>
+              <a:t> 할 수 있으며 이후 대상의 토론 개설 또는 참여 정보를 받을 수 있습니다</a:t>
             </a:r>
             <a:r>
               <a:rPr lang="en-US" altLang="ko-KR" sz="2000" dirty="0" smtClean="0">
@@ -8689,7 +9118,7 @@
               </a:lnSpc>
             </a:pPr>
             <a:r>
-              <a:rPr lang="ko-KR" altLang="en-US" sz="2400" spc="-30" dirty="0" smtClean="0">
+              <a:rPr lang="en-US" altLang="ko-KR" sz="2400" b="1" spc="-30" dirty="0" smtClean="0">
                 <a:gradFill>
                   <a:gsLst>
                     <a:gs pos="0">
@@ -8701,12 +9130,12 @@
                   </a:gsLst>
                   <a:lin ang="5400000" scaled="0"/>
                 </a:gradFill>
-                <a:latin typeface="나눔고딕" pitchFamily="50" charset="-127"/>
-                <a:ea typeface="나눔고딕" pitchFamily="50" charset="-127"/>
-              </a:rPr>
-              <a:t>메인 디자인</a:t>
-            </a:r>
-            <a:endParaRPr lang="ko-KR" altLang="en-US" sz="2400" spc="-30" dirty="0">
+                <a:latin typeface="+mj-ea"/>
+                <a:ea typeface="+mj-ea"/>
+              </a:rPr>
+              <a:t>USE CASE DIAGRAM</a:t>
+            </a:r>
+            <a:endParaRPr lang="ko-KR" altLang="en-US" sz="2400" b="1" spc="-30" dirty="0">
               <a:gradFill>
                 <a:gsLst>
                   <a:gs pos="0">
@@ -8718,8 +9147,8 @@
                 </a:gsLst>
                 <a:lin ang="5400000" scaled="0"/>
               </a:gradFill>
-              <a:latin typeface="나눔고딕" pitchFamily="50" charset="-127"/>
-              <a:ea typeface="나눔고딕" pitchFamily="50" charset="-127"/>
+              <a:latin typeface="+mj-ea"/>
+              <a:ea typeface="+mj-ea"/>
             </a:endParaRPr>
           </a:p>
         </p:txBody>
@@ -8790,1367 +9219,50 @@
           </a:p>
         </p:txBody>
       </p:sp>
-      <p:sp>
-        <p:nvSpPr>
-          <p:cNvPr id="26" name="TextBox 25"/>
-          <p:cNvSpPr txBox="1"/>
+      <p:pic>
+        <p:nvPicPr>
+          <p:cNvPr id="1026" name="Picture 2" descr="D:\Work\git\Akropolis\document\usecase\usecase.JPG"/>
+          <p:cNvPicPr>
+            <a:picLocks noChangeAspect="1" noChangeArrowheads="1"/>
+          </p:cNvPicPr>
           <p:nvPr/>
-        </p:nvSpPr>
-        <p:spPr>
-          <a:xfrm>
-            <a:off x="971600" y="6021288"/>
-            <a:ext cx="1512168" cy="387798"/>
+        </p:nvPicPr>
+        <p:blipFill>
+          <a:blip r:embed="rId3">
+            <a:extLst>
+              <a:ext uri="{28A0092B-C50C-407E-A947-70E740481C1C}">
+                <a14:useLocalDpi xmlns:a14="http://schemas.microsoft.com/office/drawing/2010/main" val="0"/>
+              </a:ext>
+            </a:extLst>
+          </a:blip>
+          <a:srcRect/>
+          <a:stretch>
+            <a:fillRect/>
+          </a:stretch>
+        </p:blipFill>
+        <p:spPr bwMode="auto">
+          <a:xfrm>
+            <a:off x="971600" y="985347"/>
+            <a:ext cx="7272808" cy="5035941"/>
           </a:xfrm>
           <a:prstGeom prst="rect">
             <a:avLst/>
           </a:prstGeom>
           <a:noFill/>
-        </p:spPr>
-        <p:txBody>
-          <a:bodyPr wrap="square" rtlCol="0">
-            <a:spAutoFit/>
-          </a:bodyPr>
-          <a:lstStyle/>
-          <a:p>
-            <a:pPr algn="ctr">
-              <a:lnSpc>
-                <a:spcPct val="120000"/>
-              </a:lnSpc>
-            </a:pPr>
-            <a:r>
-              <a:rPr lang="en-US" altLang="ko-KR" sz="800" b="1" dirty="0" smtClean="0">
-                <a:gradFill>
-                  <a:gsLst>
-                    <a:gs pos="0">
-                      <a:schemeClr val="tx1">
-                        <a:lumMod val="75000"/>
-                        <a:lumOff val="25000"/>
-                      </a:schemeClr>
-                    </a:gs>
-                    <a:gs pos="100000">
-                      <a:schemeClr val="tx1">
-                        <a:lumMod val="75000"/>
-                        <a:lumOff val="25000"/>
-                      </a:schemeClr>
-                    </a:gs>
-                  </a:gsLst>
-                  <a:lin ang="5400000" scaled="0"/>
-                </a:gradFill>
-                <a:latin typeface="나눔고딕" pitchFamily="50" charset="-127"/>
-                <a:ea typeface="나눔고딕" pitchFamily="50" charset="-127"/>
-              </a:rPr>
-              <a:t>2 Seminar Room</a:t>
-            </a:r>
-          </a:p>
-          <a:p>
-            <a:pPr algn="ctr">
-              <a:lnSpc>
-                <a:spcPct val="120000"/>
-              </a:lnSpc>
-            </a:pPr>
-            <a:r>
-              <a:rPr lang="en-US" altLang="ko-KR" sz="800" b="1" dirty="0" smtClean="0">
-                <a:gradFill>
-                  <a:gsLst>
-                    <a:gs pos="0">
-                      <a:schemeClr val="tx1">
-                        <a:lumMod val="75000"/>
-                        <a:lumOff val="25000"/>
-                      </a:schemeClr>
-                    </a:gs>
-                    <a:gs pos="100000">
-                      <a:schemeClr val="tx1">
-                        <a:lumMod val="75000"/>
-                        <a:lumOff val="25000"/>
-                      </a:schemeClr>
-                    </a:gs>
-                  </a:gsLst>
-                  <a:lin ang="5400000" scaled="0"/>
-                </a:gradFill>
-                <a:latin typeface="나눔고딕" pitchFamily="50" charset="-127"/>
-                <a:ea typeface="나눔고딕" pitchFamily="50" charset="-127"/>
-              </a:rPr>
-              <a:t>60</a:t>
-            </a:r>
-            <a:r>
-              <a:rPr lang="ko-KR" altLang="en-US" sz="800" b="1" dirty="0" smtClean="0">
-                <a:gradFill>
-                  <a:gsLst>
-                    <a:gs pos="0">
-                      <a:schemeClr val="tx1">
-                        <a:lumMod val="75000"/>
-                        <a:lumOff val="25000"/>
-                      </a:schemeClr>
-                    </a:gs>
-                    <a:gs pos="100000">
-                      <a:schemeClr val="tx1">
-                        <a:lumMod val="75000"/>
-                        <a:lumOff val="25000"/>
-                      </a:schemeClr>
-                    </a:gs>
-                  </a:gsLst>
-                  <a:lin ang="5400000" scaled="0"/>
-                </a:gradFill>
-                <a:latin typeface="나눔고딕" pitchFamily="50" charset="-127"/>
-                <a:ea typeface="나눔고딕" pitchFamily="50" charset="-127"/>
-              </a:rPr>
-              <a:t>인 입실 </a:t>
-            </a:r>
-            <a:r>
-              <a:rPr lang="en-US" altLang="ko-KR" sz="800" b="1" dirty="0" smtClean="0">
-                <a:gradFill>
-                  <a:gsLst>
-                    <a:gs pos="0">
-                      <a:schemeClr val="tx1">
-                        <a:lumMod val="75000"/>
-                        <a:lumOff val="25000"/>
-                      </a:schemeClr>
-                    </a:gs>
-                    <a:gs pos="100000">
-                      <a:schemeClr val="tx1">
-                        <a:lumMod val="75000"/>
-                        <a:lumOff val="25000"/>
-                      </a:schemeClr>
-                    </a:gs>
-                  </a:gsLst>
-                  <a:lin ang="5400000" scaled="0"/>
-                </a:gradFill>
-                <a:latin typeface="나눔고딕" pitchFamily="50" charset="-127"/>
-                <a:ea typeface="나눔고딕" pitchFamily="50" charset="-127"/>
-              </a:rPr>
-              <a:t>x 2</a:t>
-            </a:r>
-            <a:endParaRPr lang="ko-KR" altLang="en-US" sz="800" b="1" dirty="0">
-              <a:gradFill>
-                <a:gsLst>
-                  <a:gs pos="0">
-                    <a:schemeClr val="tx1">
-                      <a:lumMod val="75000"/>
-                      <a:lumOff val="25000"/>
-                    </a:schemeClr>
-                  </a:gs>
-                  <a:gs pos="100000">
-                    <a:schemeClr val="tx1">
-                      <a:lumMod val="75000"/>
-                      <a:lumOff val="25000"/>
-                    </a:schemeClr>
-                  </a:gs>
-                </a:gsLst>
-                <a:lin ang="5400000" scaled="0"/>
-              </a:gradFill>
-              <a:latin typeface="나눔고딕" pitchFamily="50" charset="-127"/>
-              <a:ea typeface="나눔고딕" pitchFamily="50" charset="-127"/>
-            </a:endParaRPr>
-          </a:p>
-        </p:txBody>
-      </p:sp>
-      <p:sp>
-        <p:nvSpPr>
-          <p:cNvPr id="27" name="TextBox 26"/>
-          <p:cNvSpPr txBox="1"/>
-          <p:nvPr/>
-        </p:nvSpPr>
-        <p:spPr>
-          <a:xfrm>
-            <a:off x="3787536" y="6021288"/>
-            <a:ext cx="1512168" cy="387798"/>
-          </a:xfrm>
-          <a:prstGeom prst="rect">
-            <a:avLst/>
-          </a:prstGeom>
-          <a:noFill/>
-        </p:spPr>
-        <p:txBody>
-          <a:bodyPr wrap="square" rtlCol="0">
-            <a:spAutoFit/>
-          </a:bodyPr>
-          <a:lstStyle/>
-          <a:p>
-            <a:pPr algn="ctr">
-              <a:lnSpc>
-                <a:spcPct val="120000"/>
-              </a:lnSpc>
-            </a:pPr>
-            <a:r>
-              <a:rPr lang="en-US" altLang="ko-KR" sz="800" b="1" dirty="0" smtClean="0">
-                <a:gradFill>
-                  <a:gsLst>
-                    <a:gs pos="0">
-                      <a:schemeClr val="tx1">
-                        <a:lumMod val="75000"/>
-                        <a:lumOff val="25000"/>
-                      </a:schemeClr>
-                    </a:gs>
-                    <a:gs pos="100000">
-                      <a:schemeClr val="tx1">
-                        <a:lumMod val="75000"/>
-                        <a:lumOff val="25000"/>
-                      </a:schemeClr>
-                    </a:gs>
-                  </a:gsLst>
-                  <a:lin ang="5400000" scaled="0"/>
-                </a:gradFill>
-                <a:latin typeface="나눔고딕" pitchFamily="50" charset="-127"/>
-                <a:ea typeface="나눔고딕" pitchFamily="50" charset="-127"/>
-              </a:rPr>
-              <a:t>1 Seminar Room</a:t>
-            </a:r>
-          </a:p>
-          <a:p>
-            <a:pPr algn="ctr">
-              <a:lnSpc>
-                <a:spcPct val="120000"/>
-              </a:lnSpc>
-            </a:pPr>
-            <a:r>
-              <a:rPr lang="en-US" altLang="ko-KR" sz="800" b="1" dirty="0" smtClean="0">
-                <a:gradFill>
-                  <a:gsLst>
-                    <a:gs pos="0">
-                      <a:schemeClr val="tx1">
-                        <a:lumMod val="75000"/>
-                        <a:lumOff val="25000"/>
-                      </a:schemeClr>
-                    </a:gs>
-                    <a:gs pos="100000">
-                      <a:schemeClr val="tx1">
-                        <a:lumMod val="75000"/>
-                        <a:lumOff val="25000"/>
-                      </a:schemeClr>
-                    </a:gs>
-                  </a:gsLst>
-                  <a:lin ang="5400000" scaled="0"/>
-                </a:gradFill>
-                <a:latin typeface="나눔고딕" pitchFamily="50" charset="-127"/>
-                <a:ea typeface="나눔고딕" pitchFamily="50" charset="-127"/>
-              </a:rPr>
-              <a:t>120</a:t>
-            </a:r>
-            <a:r>
-              <a:rPr lang="ko-KR" altLang="en-US" sz="800" b="1" dirty="0" smtClean="0">
-                <a:gradFill>
-                  <a:gsLst>
-                    <a:gs pos="0">
-                      <a:schemeClr val="tx1">
-                        <a:lumMod val="75000"/>
-                        <a:lumOff val="25000"/>
-                      </a:schemeClr>
-                    </a:gs>
-                    <a:gs pos="100000">
-                      <a:schemeClr val="tx1">
-                        <a:lumMod val="75000"/>
-                        <a:lumOff val="25000"/>
-                      </a:schemeClr>
-                    </a:gs>
-                  </a:gsLst>
-                  <a:lin ang="5400000" scaled="0"/>
-                </a:gradFill>
-                <a:latin typeface="나눔고딕" pitchFamily="50" charset="-127"/>
-                <a:ea typeface="나눔고딕" pitchFamily="50" charset="-127"/>
-              </a:rPr>
-              <a:t>인 입실 </a:t>
-            </a:r>
-            <a:r>
-              <a:rPr lang="en-US" altLang="ko-KR" sz="800" b="1" dirty="0" smtClean="0">
-                <a:gradFill>
-                  <a:gsLst>
-                    <a:gs pos="0">
-                      <a:schemeClr val="tx1">
-                        <a:lumMod val="75000"/>
-                        <a:lumOff val="25000"/>
-                      </a:schemeClr>
-                    </a:gs>
-                    <a:gs pos="100000">
-                      <a:schemeClr val="tx1">
-                        <a:lumMod val="75000"/>
-                        <a:lumOff val="25000"/>
-                      </a:schemeClr>
-                    </a:gs>
-                  </a:gsLst>
-                  <a:lin ang="5400000" scaled="0"/>
-                </a:gradFill>
-                <a:latin typeface="나눔고딕" pitchFamily="50" charset="-127"/>
-                <a:ea typeface="나눔고딕" pitchFamily="50" charset="-127"/>
-              </a:rPr>
-              <a:t>x 1</a:t>
-            </a:r>
-            <a:endParaRPr lang="ko-KR" altLang="en-US" sz="800" b="1" dirty="0">
-              <a:gradFill>
-                <a:gsLst>
-                  <a:gs pos="0">
-                    <a:schemeClr val="tx1">
-                      <a:lumMod val="75000"/>
-                      <a:lumOff val="25000"/>
-                    </a:schemeClr>
-                  </a:gs>
-                  <a:gs pos="100000">
-                    <a:schemeClr val="tx1">
-                      <a:lumMod val="75000"/>
-                      <a:lumOff val="25000"/>
-                    </a:schemeClr>
-                  </a:gs>
-                </a:gsLst>
-                <a:lin ang="5400000" scaled="0"/>
-              </a:gradFill>
-              <a:latin typeface="나눔고딕" pitchFamily="50" charset="-127"/>
-              <a:ea typeface="나눔고딕" pitchFamily="50" charset="-127"/>
-            </a:endParaRPr>
-          </a:p>
-        </p:txBody>
-      </p:sp>
-      <p:sp>
-        <p:nvSpPr>
-          <p:cNvPr id="28" name="TextBox 27"/>
-          <p:cNvSpPr txBox="1"/>
-          <p:nvPr/>
-        </p:nvSpPr>
-        <p:spPr>
-          <a:xfrm>
-            <a:off x="6759336" y="6021288"/>
-            <a:ext cx="1512168" cy="387798"/>
-          </a:xfrm>
-          <a:prstGeom prst="rect">
-            <a:avLst/>
-          </a:prstGeom>
-          <a:noFill/>
-        </p:spPr>
-        <p:txBody>
-          <a:bodyPr wrap="square" rtlCol="0">
-            <a:spAutoFit/>
-          </a:bodyPr>
-          <a:lstStyle/>
-          <a:p>
-            <a:pPr algn="ctr">
-              <a:lnSpc>
-                <a:spcPct val="120000"/>
-              </a:lnSpc>
-            </a:pPr>
-            <a:r>
-              <a:rPr lang="en-US" altLang="ko-KR" sz="800" b="1" dirty="0" smtClean="0">
-                <a:gradFill>
-                  <a:gsLst>
-                    <a:gs pos="0">
-                      <a:schemeClr val="tx1">
-                        <a:lumMod val="75000"/>
-                        <a:lumOff val="25000"/>
-                      </a:schemeClr>
-                    </a:gs>
-                    <a:gs pos="100000">
-                      <a:schemeClr val="tx1">
-                        <a:lumMod val="75000"/>
-                        <a:lumOff val="25000"/>
-                      </a:schemeClr>
-                    </a:gs>
-                  </a:gsLst>
-                  <a:lin ang="5400000" scaled="0"/>
-                </a:gradFill>
-                <a:latin typeface="나눔고딕" pitchFamily="50" charset="-127"/>
-                <a:ea typeface="나눔고딕" pitchFamily="50" charset="-127"/>
-              </a:rPr>
-              <a:t>Open Dining</a:t>
-            </a:r>
-          </a:p>
-          <a:p>
-            <a:pPr algn="ctr">
-              <a:lnSpc>
-                <a:spcPct val="120000"/>
-              </a:lnSpc>
-            </a:pPr>
-            <a:r>
-              <a:rPr lang="ko-KR" altLang="en-US" sz="800" b="1" dirty="0" smtClean="0">
-                <a:gradFill>
-                  <a:gsLst>
-                    <a:gs pos="0">
-                      <a:schemeClr val="tx1">
-                        <a:lumMod val="75000"/>
-                        <a:lumOff val="25000"/>
-                      </a:schemeClr>
-                    </a:gs>
-                    <a:gs pos="100000">
-                      <a:schemeClr val="tx1">
-                        <a:lumMod val="75000"/>
-                        <a:lumOff val="25000"/>
-                      </a:schemeClr>
-                    </a:gs>
-                  </a:gsLst>
-                  <a:lin ang="5400000" scaled="0"/>
-                </a:gradFill>
-                <a:latin typeface="나눔고딕" pitchFamily="50" charset="-127"/>
-                <a:ea typeface="나눔고딕" pitchFamily="50" charset="-127"/>
-              </a:rPr>
-              <a:t>마주보고 앉는 형식</a:t>
-            </a:r>
-            <a:endParaRPr lang="ko-KR" altLang="en-US" sz="800" b="1" dirty="0">
-              <a:gradFill>
-                <a:gsLst>
-                  <a:gs pos="0">
-                    <a:schemeClr val="tx1">
-                      <a:lumMod val="75000"/>
-                      <a:lumOff val="25000"/>
-                    </a:schemeClr>
-                  </a:gs>
-                  <a:gs pos="100000">
-                    <a:schemeClr val="tx1">
-                      <a:lumMod val="75000"/>
-                      <a:lumOff val="25000"/>
-                    </a:schemeClr>
-                  </a:gs>
-                </a:gsLst>
-                <a:lin ang="5400000" scaled="0"/>
-              </a:gradFill>
-              <a:latin typeface="나눔고딕" pitchFamily="50" charset="-127"/>
-              <a:ea typeface="나눔고딕" pitchFamily="50" charset="-127"/>
-            </a:endParaRPr>
-          </a:p>
-        </p:txBody>
-      </p:sp>
-      <p:sp>
-        <p:nvSpPr>
-          <p:cNvPr id="11" name="TextBox 10"/>
-          <p:cNvSpPr txBox="1"/>
-          <p:nvPr/>
-        </p:nvSpPr>
-        <p:spPr>
-          <a:xfrm>
-            <a:off x="6660232" y="92643"/>
-            <a:ext cx="2339976" cy="178510"/>
-          </a:xfrm>
-          <a:prstGeom prst="rect">
-            <a:avLst/>
-          </a:prstGeom>
-          <a:noFill/>
-        </p:spPr>
-        <p:txBody>
-          <a:bodyPr wrap="square" rtlCol="0">
-            <a:spAutoFit/>
-          </a:bodyPr>
-          <a:lstStyle/>
-          <a:p>
-            <a:pPr algn="r">
-              <a:lnSpc>
-                <a:spcPct val="80000"/>
-              </a:lnSpc>
-            </a:pPr>
-            <a:fld id="{828B5CB4-B095-413D-B8C5-1DA2C2E14324}" type="slidenum">
-              <a:rPr lang="en-US" altLang="ko-KR" sz="700" b="1" smtClean="0">
-                <a:solidFill>
-                  <a:schemeClr val="tx1">
-                    <a:lumMod val="75000"/>
-                    <a:lumOff val="25000"/>
-                  </a:schemeClr>
-                </a:solidFill>
-                <a:latin typeface="나눔고딕" pitchFamily="50" charset="-127"/>
-                <a:ea typeface="나눔고딕" pitchFamily="50" charset="-127"/>
-              </a:rPr>
-              <a:pPr algn="r">
-                <a:lnSpc>
-                  <a:spcPct val="80000"/>
-                </a:lnSpc>
-              </a:pPr>
-              <a:t>13</a:t>
-            </a:fld>
-            <a:r>
-              <a:rPr lang="en-US" altLang="ko-KR" sz="700" b="1" dirty="0" smtClean="0">
-                <a:solidFill>
-                  <a:schemeClr val="tx1">
-                    <a:lumMod val="75000"/>
-                    <a:lumOff val="25000"/>
-                  </a:schemeClr>
-                </a:solidFill>
-                <a:latin typeface="나눔고딕" pitchFamily="50" charset="-127"/>
-                <a:ea typeface="나눔고딕" pitchFamily="50" charset="-127"/>
-              </a:rPr>
-              <a:t>   |  42</a:t>
-            </a:r>
-            <a:endParaRPr lang="ko-KR" altLang="en-US" sz="700" b="1" dirty="0">
-              <a:solidFill>
-                <a:schemeClr val="tx1">
-                  <a:lumMod val="75000"/>
-                  <a:lumOff val="25000"/>
-                </a:schemeClr>
-              </a:solidFill>
-              <a:latin typeface="나눔고딕" pitchFamily="50" charset="-127"/>
-              <a:ea typeface="나눔고딕" pitchFamily="50" charset="-127"/>
-            </a:endParaRPr>
-          </a:p>
-        </p:txBody>
-      </p:sp>
-    </p:spTree>
-  </p:cSld>
-  <p:clrMapOvr>
-    <a:masterClrMapping/>
-  </p:clrMapOvr>
-  <p:transition/>
-  <p:timing>
-    <p:tnLst>
-      <p:par>
-        <p:cTn id="1" dur="indefinite" restart="never" nodeType="tmRoot"/>
-      </p:par>
-    </p:tnLst>
-  </p:timing>
-</p:sld>
-</file>
-
-<file path=ppt/slides/slide14.xml><?xml version="1.0" encoding="utf-8"?>
-<p:sld xmlns:a="http://schemas.openxmlformats.org/drawingml/2006/main" xmlns:r="http://schemas.openxmlformats.org/officeDocument/2006/relationships" xmlns:p="http://schemas.openxmlformats.org/presentationml/2006/main" showMasterSp="0">
-  <p:cSld>
-    <p:spTree>
-      <p:nvGrpSpPr>
-        <p:cNvPr id="1" name=""/>
-        <p:cNvGrpSpPr/>
-        <p:nvPr/>
-      </p:nvGrpSpPr>
-      <p:grpSpPr>
-        <a:xfrm>
-          <a:off x="0" y="0"/>
-          <a:ext cx="0" cy="0"/>
-          <a:chOff x="0" y="0"/>
-          <a:chExt cx="0" cy="0"/>
-        </a:xfrm>
-      </p:grpSpPr>
-      <p:cxnSp>
-        <p:nvCxnSpPr>
-          <p:cNvPr id="15" name="직선 연결선 14"/>
-          <p:cNvCxnSpPr/>
-          <p:nvPr/>
-        </p:nvCxnSpPr>
-        <p:spPr>
-          <a:xfrm>
-            <a:off x="251520" y="332656"/>
-            <a:ext cx="8640960" cy="0"/>
-          </a:xfrm>
-          <a:prstGeom prst="line">
-            <a:avLst/>
-          </a:prstGeom>
-          <a:ln w="3175">
-            <a:solidFill>
-              <a:srgbClr val="68727E"/>
-            </a:solidFill>
-          </a:ln>
-        </p:spPr>
-        <p:style>
-          <a:lnRef idx="1">
-            <a:schemeClr val="accent1"/>
-          </a:lnRef>
-          <a:fillRef idx="0">
-            <a:schemeClr val="accent1"/>
-          </a:fillRef>
-          <a:effectRef idx="0">
-            <a:schemeClr val="accent1"/>
-          </a:effectRef>
-          <a:fontRef idx="minor">
-            <a:schemeClr val="tx1"/>
-          </a:fontRef>
-        </p:style>
-      </p:cxnSp>
-      <p:sp>
-        <p:nvSpPr>
-          <p:cNvPr id="12" name="TextBox 11"/>
-          <p:cNvSpPr txBox="1"/>
-          <p:nvPr/>
-        </p:nvSpPr>
-        <p:spPr>
-          <a:xfrm>
-            <a:off x="179512" y="461805"/>
-            <a:ext cx="2232248" cy="369332"/>
-          </a:xfrm>
-          <a:prstGeom prst="rect">
-            <a:avLst/>
-          </a:prstGeom>
-          <a:noFill/>
-        </p:spPr>
-        <p:txBody>
-          <a:bodyPr wrap="square" rtlCol="0">
-            <a:spAutoFit/>
-          </a:bodyPr>
-          <a:lstStyle/>
-          <a:p>
-            <a:pPr>
-              <a:lnSpc>
-                <a:spcPct val="90000"/>
-              </a:lnSpc>
-            </a:pPr>
-            <a:r>
-              <a:rPr lang="ko-KR" altLang="en-US" sz="2000" spc="300" dirty="0" smtClean="0">
-                <a:gradFill>
-                  <a:gsLst>
-                    <a:gs pos="0">
-                      <a:srgbClr val="C00000"/>
-                    </a:gs>
-                    <a:gs pos="100000">
-                      <a:srgbClr val="C00000"/>
-                    </a:gs>
-                  </a:gsLst>
-                  <a:lin ang="5400000" scaled="0"/>
-                </a:gradFill>
-                <a:latin typeface="나눔고딕" pitchFamily="50" charset="-127"/>
-                <a:ea typeface="나눔고딕" pitchFamily="50" charset="-127"/>
-              </a:rPr>
-              <a:t>일정</a:t>
-            </a:r>
-            <a:endParaRPr lang="ko-KR" altLang="en-US" sz="2000" spc="300" dirty="0">
-              <a:gradFill>
-                <a:gsLst>
-                  <a:gs pos="0">
-                    <a:srgbClr val="C00000"/>
-                  </a:gs>
-                  <a:gs pos="100000">
-                    <a:srgbClr val="C00000"/>
-                  </a:gs>
-                </a:gsLst>
-                <a:lin ang="5400000" scaled="0"/>
-              </a:gradFill>
-              <a:latin typeface="나눔고딕" pitchFamily="50" charset="-127"/>
-              <a:ea typeface="나눔고딕" pitchFamily="50" charset="-127"/>
-            </a:endParaRPr>
-          </a:p>
-        </p:txBody>
-      </p:sp>
-      <p:sp>
-        <p:nvSpPr>
-          <p:cNvPr id="33" name="TextBox 32"/>
-          <p:cNvSpPr txBox="1"/>
-          <p:nvPr/>
-        </p:nvSpPr>
-        <p:spPr>
-          <a:xfrm>
-            <a:off x="179512" y="92643"/>
-            <a:ext cx="2339976" cy="178510"/>
-          </a:xfrm>
-          <a:prstGeom prst="rect">
-            <a:avLst/>
-          </a:prstGeom>
-          <a:noFill/>
-        </p:spPr>
-        <p:txBody>
-          <a:bodyPr wrap="square" rtlCol="0">
-            <a:spAutoFit/>
-          </a:bodyPr>
-          <a:lstStyle/>
-          <a:p>
-            <a:pPr>
-              <a:lnSpc>
-                <a:spcPct val="80000"/>
-              </a:lnSpc>
-            </a:pPr>
-            <a:r>
-              <a:rPr lang="en-US" altLang="ko-KR" sz="700" b="1" dirty="0" smtClean="0">
-                <a:solidFill>
-                  <a:schemeClr val="tx1">
-                    <a:lumMod val="75000"/>
-                    <a:lumOff val="25000"/>
-                  </a:schemeClr>
-                </a:solidFill>
-                <a:latin typeface="나눔고딕" pitchFamily="50" charset="-127"/>
-                <a:ea typeface="나눔고딕" pitchFamily="50" charset="-127"/>
-              </a:rPr>
-              <a:t>Title</a:t>
-            </a:r>
-            <a:endParaRPr lang="ko-KR" altLang="en-US" sz="700" b="1" dirty="0">
-              <a:solidFill>
-                <a:schemeClr val="tx1">
-                  <a:lumMod val="75000"/>
-                  <a:lumOff val="25000"/>
-                </a:schemeClr>
-              </a:solidFill>
-              <a:latin typeface="나눔고딕" pitchFamily="50" charset="-127"/>
-              <a:ea typeface="나눔고딕" pitchFamily="50" charset="-127"/>
-            </a:endParaRPr>
-          </a:p>
-        </p:txBody>
-      </p:sp>
-      <p:sp>
-        <p:nvSpPr>
-          <p:cNvPr id="20" name="TextBox 19"/>
-          <p:cNvSpPr txBox="1"/>
-          <p:nvPr/>
-        </p:nvSpPr>
-        <p:spPr>
-          <a:xfrm>
-            <a:off x="6660232" y="92643"/>
-            <a:ext cx="2339976" cy="178510"/>
-          </a:xfrm>
-          <a:prstGeom prst="rect">
-            <a:avLst/>
-          </a:prstGeom>
-          <a:noFill/>
-        </p:spPr>
-        <p:txBody>
-          <a:bodyPr wrap="square" rtlCol="0">
-            <a:spAutoFit/>
-          </a:bodyPr>
-          <a:lstStyle/>
-          <a:p>
-            <a:pPr algn="r">
-              <a:lnSpc>
-                <a:spcPct val="80000"/>
-              </a:lnSpc>
-            </a:pPr>
-            <a:fld id="{828B5CB4-B095-413D-B8C5-1DA2C2E14324}" type="slidenum">
-              <a:rPr lang="en-US" altLang="ko-KR" sz="700" b="1" smtClean="0">
-                <a:solidFill>
-                  <a:schemeClr val="tx1">
-                    <a:lumMod val="75000"/>
-                    <a:lumOff val="25000"/>
-                  </a:schemeClr>
-                </a:solidFill>
-                <a:latin typeface="나눔고딕" pitchFamily="50" charset="-127"/>
-                <a:ea typeface="나눔고딕" pitchFamily="50" charset="-127"/>
-              </a:rPr>
-              <a:pPr algn="r">
-                <a:lnSpc>
-                  <a:spcPct val="80000"/>
-                </a:lnSpc>
-              </a:pPr>
-              <a:t>14</a:t>
-            </a:fld>
-            <a:r>
-              <a:rPr lang="en-US" altLang="ko-KR" sz="700" b="1" dirty="0" smtClean="0">
-                <a:solidFill>
-                  <a:schemeClr val="tx1">
-                    <a:lumMod val="75000"/>
-                    <a:lumOff val="25000"/>
-                  </a:schemeClr>
-                </a:solidFill>
-                <a:latin typeface="나눔고딕" pitchFamily="50" charset="-127"/>
-                <a:ea typeface="나눔고딕" pitchFamily="50" charset="-127"/>
-              </a:rPr>
-              <a:t>   |  42</a:t>
-            </a:r>
-            <a:endParaRPr lang="ko-KR" altLang="en-US" sz="700" b="1" dirty="0">
-              <a:solidFill>
-                <a:schemeClr val="tx1">
-                  <a:lumMod val="75000"/>
-                  <a:lumOff val="25000"/>
-                </a:schemeClr>
-              </a:solidFill>
-              <a:latin typeface="나눔고딕" pitchFamily="50" charset="-127"/>
-              <a:ea typeface="나눔고딕" pitchFamily="50" charset="-127"/>
-            </a:endParaRPr>
-          </a:p>
-        </p:txBody>
-      </p:sp>
-    </p:spTree>
-  </p:cSld>
-  <p:clrMapOvr>
-    <a:masterClrMapping/>
-  </p:clrMapOvr>
-  <p:transition/>
-  <p:timing>
-    <p:tnLst>
-      <p:par>
-        <p:cTn id="1" dur="indefinite" restart="never" nodeType="tmRoot"/>
-      </p:par>
-    </p:tnLst>
-  </p:timing>
-</p:sld>
-</file>
-
-<file path=ppt/slides/slide15.xml><?xml version="1.0" encoding="utf-8"?>
-<p:sld xmlns:a="http://schemas.openxmlformats.org/drawingml/2006/main" xmlns:r="http://schemas.openxmlformats.org/officeDocument/2006/relationships" xmlns:p="http://schemas.openxmlformats.org/presentationml/2006/main" showMasterSp="0">
-  <p:cSld>
-    <p:spTree>
-      <p:nvGrpSpPr>
-        <p:cNvPr id="1" name=""/>
-        <p:cNvGrpSpPr/>
-        <p:nvPr/>
-      </p:nvGrpSpPr>
-      <p:grpSpPr>
-        <a:xfrm>
-          <a:off x="0" y="0"/>
-          <a:ext cx="0" cy="0"/>
-          <a:chOff x="0" y="0"/>
-          <a:chExt cx="0" cy="0"/>
-        </a:xfrm>
-      </p:grpSpPr>
-      <p:sp>
-        <p:nvSpPr>
-          <p:cNvPr id="20" name="TextBox 19"/>
-          <p:cNvSpPr txBox="1"/>
-          <p:nvPr/>
-        </p:nvSpPr>
-        <p:spPr>
-          <a:xfrm>
-            <a:off x="1295636" y="2918032"/>
-            <a:ext cx="6552728" cy="720197"/>
-          </a:xfrm>
-          <a:prstGeom prst="rect">
-            <a:avLst/>
-          </a:prstGeom>
-          <a:noFill/>
-        </p:spPr>
-        <p:txBody>
-          <a:bodyPr wrap="square" rtlCol="0">
-            <a:spAutoFit/>
-          </a:bodyPr>
-          <a:lstStyle/>
-          <a:p>
-            <a:pPr>
-              <a:lnSpc>
-                <a:spcPct val="85000"/>
-              </a:lnSpc>
-            </a:pPr>
-            <a:r>
-              <a:rPr lang="en-US" altLang="ko-KR" sz="4800" dirty="0" smtClean="0">
-                <a:solidFill>
-                  <a:srgbClr val="00A204"/>
-                </a:solidFill>
-                <a:latin typeface="나눔고딕" pitchFamily="50" charset="-127"/>
-                <a:ea typeface="나눔고딕" pitchFamily="50" charset="-127"/>
-              </a:rPr>
-              <a:t>QA &amp;&amp; </a:t>
-            </a:r>
-            <a:r>
-              <a:rPr lang="ko-KR" altLang="en-US" sz="4800" dirty="0" smtClean="0">
-                <a:solidFill>
-                  <a:srgbClr val="00A204"/>
-                </a:solidFill>
-                <a:latin typeface="나눔고딕" pitchFamily="50" charset="-127"/>
-                <a:ea typeface="나눔고딕" pitchFamily="50" charset="-127"/>
-              </a:rPr>
-              <a:t>의견</a:t>
-            </a:r>
-            <a:endParaRPr lang="ko-KR" altLang="en-US" sz="4800" dirty="0">
-              <a:solidFill>
-                <a:srgbClr val="00A204"/>
-              </a:solidFill>
-              <a:latin typeface="나눔고딕" pitchFamily="50" charset="-127"/>
-              <a:ea typeface="나눔고딕" pitchFamily="50" charset="-127"/>
-            </a:endParaRPr>
-          </a:p>
-        </p:txBody>
-      </p:sp>
-      <p:cxnSp>
-        <p:nvCxnSpPr>
-          <p:cNvPr id="11" name="직선 연결선 10"/>
-          <p:cNvCxnSpPr/>
-          <p:nvPr/>
-        </p:nvCxnSpPr>
-        <p:spPr>
-          <a:xfrm>
-            <a:off x="251520" y="332656"/>
-            <a:ext cx="8640960" cy="0"/>
-          </a:xfrm>
-          <a:prstGeom prst="line">
-            <a:avLst/>
-          </a:prstGeom>
-          <a:ln w="3175">
-            <a:solidFill>
-              <a:schemeClr val="tx1">
-                <a:lumMod val="75000"/>
-                <a:lumOff val="25000"/>
-              </a:schemeClr>
-            </a:solidFill>
-          </a:ln>
-        </p:spPr>
-        <p:style>
-          <a:lnRef idx="1">
-            <a:schemeClr val="accent1"/>
-          </a:lnRef>
-          <a:fillRef idx="0">
-            <a:schemeClr val="accent1"/>
-          </a:fillRef>
-          <a:effectRef idx="0">
-            <a:schemeClr val="accent1"/>
-          </a:effectRef>
-          <a:fontRef idx="minor">
-            <a:schemeClr val="tx1"/>
-          </a:fontRef>
-        </p:style>
-      </p:cxnSp>
-      <p:sp>
-        <p:nvSpPr>
-          <p:cNvPr id="4" name="TextBox 3"/>
-          <p:cNvSpPr txBox="1"/>
-          <p:nvPr/>
-        </p:nvSpPr>
-        <p:spPr>
-          <a:xfrm>
-            <a:off x="179512" y="6415444"/>
-            <a:ext cx="4039705" cy="253916"/>
-          </a:xfrm>
-          <a:prstGeom prst="rect">
-            <a:avLst/>
-          </a:prstGeom>
-          <a:noFill/>
-        </p:spPr>
-        <p:txBody>
-          <a:bodyPr wrap="square" rtlCol="0">
-            <a:spAutoFit/>
-          </a:bodyPr>
-          <a:lstStyle/>
-          <a:p>
-            <a:pPr>
-              <a:lnSpc>
-                <a:spcPct val="150000"/>
-              </a:lnSpc>
-            </a:pPr>
-            <a:r>
-              <a:rPr lang="ko-KR" altLang="en-US" sz="700" dirty="0" smtClean="0">
-                <a:solidFill>
-                  <a:srgbClr val="68727E"/>
-                </a:solidFill>
-                <a:latin typeface="나눔고딕" pitchFamily="50" charset="-127"/>
-                <a:ea typeface="나눔고딕" pitchFamily="50" charset="-127"/>
-              </a:rPr>
-              <a:t>이 문서는 </a:t>
-            </a:r>
-            <a:r>
-              <a:rPr lang="ko-KR" altLang="en-US" sz="700" dirty="0" err="1" smtClean="0">
-                <a:solidFill>
-                  <a:srgbClr val="68727E"/>
-                </a:solidFill>
-                <a:latin typeface="나눔고딕" pitchFamily="50" charset="-127"/>
-                <a:ea typeface="나눔고딕" pitchFamily="50" charset="-127"/>
-              </a:rPr>
-              <a:t>나눔글꼴로</a:t>
-            </a:r>
-            <a:r>
-              <a:rPr lang="ko-KR" altLang="en-US" sz="700" dirty="0" smtClean="0">
-                <a:solidFill>
-                  <a:srgbClr val="68727E"/>
-                </a:solidFill>
-                <a:latin typeface="나눔고딕" pitchFamily="50" charset="-127"/>
-                <a:ea typeface="나눔고딕" pitchFamily="50" charset="-127"/>
-              </a:rPr>
-              <a:t> 작성되었습니다</a:t>
-            </a:r>
-            <a:r>
-              <a:rPr lang="en-US" altLang="ko-KR" sz="700" dirty="0" smtClean="0">
-                <a:solidFill>
-                  <a:srgbClr val="68727E"/>
-                </a:solidFill>
-                <a:latin typeface="나눔고딕" pitchFamily="50" charset="-127"/>
-                <a:ea typeface="나눔고딕" pitchFamily="50" charset="-127"/>
-              </a:rPr>
-              <a:t>. </a:t>
-            </a:r>
-            <a:r>
-              <a:rPr lang="ko-KR" altLang="en-US" sz="700" u="sng" dirty="0" smtClean="0">
-                <a:solidFill>
-                  <a:srgbClr val="68727E"/>
-                </a:solidFill>
-                <a:latin typeface="나눔고딕" pitchFamily="50" charset="-127"/>
-                <a:ea typeface="나눔고딕" pitchFamily="50" charset="-127"/>
-                <a:hlinkClick r:id="rId3"/>
-              </a:rPr>
-              <a:t>설치하기</a:t>
-            </a:r>
-            <a:endParaRPr lang="en-US" altLang="ko-KR" sz="700" u="sng" dirty="0" smtClean="0">
-              <a:solidFill>
-                <a:srgbClr val="68727E"/>
-              </a:solidFill>
-              <a:latin typeface="나눔고딕" pitchFamily="50" charset="-127"/>
-              <a:ea typeface="나눔고딕" pitchFamily="50" charset="-127"/>
-            </a:endParaRPr>
-          </a:p>
-        </p:txBody>
-      </p:sp>
-    </p:spTree>
-  </p:cSld>
-  <p:clrMapOvr>
-    <a:masterClrMapping/>
-  </p:clrMapOvr>
-  <p:transition/>
-  <p:timing>
-    <p:tnLst>
-      <p:par>
-        <p:cTn id="1" dur="indefinite" restart="never" nodeType="tmRoot"/>
-      </p:par>
-    </p:tnLst>
-  </p:timing>
-</p:sld>
-</file>
-
-<file path=ppt/slides/slide2.xml><?xml version="1.0" encoding="utf-8"?>
-<p:sld xmlns:a="http://schemas.openxmlformats.org/drawingml/2006/main" xmlns:r="http://schemas.openxmlformats.org/officeDocument/2006/relationships" xmlns:p="http://schemas.openxmlformats.org/presentationml/2006/main" showMasterSp="0">
-  <p:cSld>
-    <p:spTree>
-      <p:nvGrpSpPr>
-        <p:cNvPr id="1" name=""/>
-        <p:cNvGrpSpPr/>
-        <p:nvPr/>
-      </p:nvGrpSpPr>
-      <p:grpSpPr>
-        <a:xfrm>
-          <a:off x="0" y="0"/>
-          <a:ext cx="0" cy="0"/>
-          <a:chOff x="0" y="0"/>
-          <a:chExt cx="0" cy="0"/>
-        </a:xfrm>
-      </p:grpSpPr>
-      <p:sp>
-        <p:nvSpPr>
-          <p:cNvPr id="20" name="TextBox 19"/>
-          <p:cNvSpPr txBox="1"/>
-          <p:nvPr/>
-        </p:nvSpPr>
-        <p:spPr>
-          <a:xfrm>
-            <a:off x="179512" y="3573016"/>
-            <a:ext cx="5304078" cy="1975926"/>
-          </a:xfrm>
-          <a:prstGeom prst="rect">
-            <a:avLst/>
-          </a:prstGeom>
-          <a:noFill/>
-        </p:spPr>
-        <p:txBody>
-          <a:bodyPr wrap="square" rtlCol="0">
-            <a:spAutoFit/>
-          </a:bodyPr>
-          <a:lstStyle/>
-          <a:p>
-            <a:pPr>
-              <a:lnSpc>
-                <a:spcPct val="85000"/>
-              </a:lnSpc>
-            </a:pPr>
-            <a:r>
-              <a:rPr lang="en-US" altLang="ko-KR" sz="4800" spc="600" dirty="0" smtClean="0">
-                <a:gradFill>
-                  <a:gsLst>
-                    <a:gs pos="0">
-                      <a:srgbClr val="7E858E"/>
-                    </a:gs>
-                    <a:gs pos="50000">
-                      <a:srgbClr val="7E858E"/>
-                    </a:gs>
-                  </a:gsLst>
-                  <a:lin ang="5400000" scaled="0"/>
-                </a:gradFill>
-                <a:latin typeface="나눔고딕" pitchFamily="50" charset="-127"/>
-                <a:ea typeface="나눔고딕" pitchFamily="50" charset="-127"/>
-              </a:rPr>
-              <a:t>INTERIOR </a:t>
-            </a:r>
-          </a:p>
-          <a:p>
-            <a:pPr>
-              <a:lnSpc>
-                <a:spcPct val="85000"/>
-              </a:lnSpc>
-            </a:pPr>
-            <a:r>
-              <a:rPr lang="en-US" altLang="ko-KR" sz="4800" spc="600" dirty="0" smtClean="0">
-                <a:gradFill>
-                  <a:gsLst>
-                    <a:gs pos="0">
-                      <a:srgbClr val="7E858E"/>
-                    </a:gs>
-                    <a:gs pos="50000">
-                      <a:srgbClr val="7E858E"/>
-                    </a:gs>
-                  </a:gsLst>
-                  <a:lin ang="5400000" scaled="0"/>
-                </a:gradFill>
-                <a:latin typeface="나눔고딕" pitchFamily="50" charset="-127"/>
-                <a:ea typeface="나눔고딕" pitchFamily="50" charset="-127"/>
-              </a:rPr>
-              <a:t>DESIGN </a:t>
-            </a:r>
-          </a:p>
-          <a:p>
-            <a:pPr>
-              <a:lnSpc>
-                <a:spcPct val="85000"/>
-              </a:lnSpc>
-            </a:pPr>
-            <a:r>
-              <a:rPr lang="en-US" altLang="ko-KR" sz="4800" spc="600" dirty="0" smtClean="0">
-                <a:gradFill>
-                  <a:gsLst>
-                    <a:gs pos="0">
-                      <a:srgbClr val="7E858E"/>
-                    </a:gs>
-                    <a:gs pos="50000">
-                      <a:srgbClr val="7E858E"/>
-                    </a:gs>
-                  </a:gsLst>
-                  <a:lin ang="5400000" scaled="0"/>
-                </a:gradFill>
-                <a:latin typeface="나눔고딕" pitchFamily="50" charset="-127"/>
-                <a:ea typeface="나눔고딕" pitchFamily="50" charset="-127"/>
-              </a:rPr>
-              <a:t>PROPOSAL</a:t>
-            </a:r>
-            <a:endParaRPr lang="ko-KR" altLang="en-US" sz="4800" spc="600" dirty="0">
-              <a:gradFill>
-                <a:gsLst>
-                  <a:gs pos="0">
-                    <a:srgbClr val="7E858E"/>
-                  </a:gs>
-                  <a:gs pos="50000">
-                    <a:srgbClr val="7E858E"/>
-                  </a:gs>
-                </a:gsLst>
-                <a:lin ang="5400000" scaled="0"/>
-              </a:gradFill>
-              <a:latin typeface="나눔고딕" pitchFamily="50" charset="-127"/>
-              <a:ea typeface="나눔고딕" pitchFamily="50" charset="-127"/>
-            </a:endParaRPr>
-          </a:p>
-        </p:txBody>
-      </p:sp>
-      <p:sp>
-        <p:nvSpPr>
-          <p:cNvPr id="21" name="TextBox 20"/>
-          <p:cNvSpPr txBox="1"/>
-          <p:nvPr/>
-        </p:nvSpPr>
-        <p:spPr>
-          <a:xfrm>
-            <a:off x="7092280" y="3501008"/>
-            <a:ext cx="1872208" cy="190821"/>
-          </a:xfrm>
-          <a:prstGeom prst="rect">
-            <a:avLst/>
-          </a:prstGeom>
-          <a:noFill/>
-        </p:spPr>
-        <p:txBody>
-          <a:bodyPr wrap="square" rtlCol="0">
-            <a:spAutoFit/>
-          </a:bodyPr>
-          <a:lstStyle/>
-          <a:p>
-            <a:pPr algn="r">
-              <a:lnSpc>
-                <a:spcPct val="80000"/>
-              </a:lnSpc>
-            </a:pPr>
-            <a:r>
-              <a:rPr lang="en-US" altLang="ko-KR" sz="800" b="1" dirty="0" smtClean="0">
-                <a:gradFill>
-                  <a:gsLst>
-                    <a:gs pos="0">
-                      <a:srgbClr val="68727E"/>
-                    </a:gs>
-                    <a:gs pos="50000">
-                      <a:srgbClr val="68727E"/>
-                    </a:gs>
-                  </a:gsLst>
-                  <a:lin ang="5400000" scaled="0"/>
-                </a:gradFill>
-                <a:latin typeface="나눔고딕" pitchFamily="50" charset="-127"/>
-                <a:ea typeface="나눔고딕" pitchFamily="50" charset="-127"/>
-              </a:rPr>
-              <a:t>Nov. 2012</a:t>
-            </a:r>
-            <a:endParaRPr lang="ko-KR" altLang="en-US" sz="800" b="1" dirty="0">
-              <a:gradFill>
-                <a:gsLst>
-                  <a:gs pos="0">
-                    <a:srgbClr val="68727E"/>
-                  </a:gs>
-                  <a:gs pos="50000">
-                    <a:srgbClr val="68727E"/>
-                  </a:gs>
-                </a:gsLst>
-                <a:lin ang="5400000" scaled="0"/>
-              </a:gradFill>
-              <a:latin typeface="나눔고딕" pitchFamily="50" charset="-127"/>
-              <a:ea typeface="나눔고딕" pitchFamily="50" charset="-127"/>
-            </a:endParaRPr>
-          </a:p>
-        </p:txBody>
-      </p:sp>
-      <p:cxnSp>
-        <p:nvCxnSpPr>
-          <p:cNvPr id="10" name="직선 연결선 9"/>
-          <p:cNvCxnSpPr/>
-          <p:nvPr/>
-        </p:nvCxnSpPr>
-        <p:spPr>
-          <a:xfrm>
-            <a:off x="251520" y="3429000"/>
-            <a:ext cx="8640960" cy="0"/>
-          </a:xfrm>
-          <a:prstGeom prst="line">
-            <a:avLst/>
-          </a:prstGeom>
-          <a:ln w="3175">
-            <a:solidFill>
-              <a:srgbClr val="68727E"/>
-            </a:solidFill>
-          </a:ln>
-        </p:spPr>
-        <p:style>
-          <a:lnRef idx="1">
-            <a:schemeClr val="accent1"/>
-          </a:lnRef>
-          <a:fillRef idx="0">
-            <a:schemeClr val="accent1"/>
-          </a:fillRef>
-          <a:effectRef idx="0">
-            <a:schemeClr val="accent1"/>
-          </a:effectRef>
-          <a:fontRef idx="minor">
-            <a:schemeClr val="tx1"/>
-          </a:fontRef>
-        </p:style>
-      </p:cxnSp>
-      <p:cxnSp>
-        <p:nvCxnSpPr>
-          <p:cNvPr id="12" name="직선 연결선 11"/>
-          <p:cNvCxnSpPr/>
-          <p:nvPr/>
-        </p:nvCxnSpPr>
-        <p:spPr>
-          <a:xfrm>
-            <a:off x="251520" y="332656"/>
-            <a:ext cx="8640960" cy="0"/>
-          </a:xfrm>
-          <a:prstGeom prst="line">
-            <a:avLst/>
-          </a:prstGeom>
-          <a:ln w="3175">
-            <a:solidFill>
-              <a:srgbClr val="68727E"/>
-            </a:solidFill>
-          </a:ln>
-        </p:spPr>
-        <p:style>
-          <a:lnRef idx="1">
-            <a:schemeClr val="accent1"/>
-          </a:lnRef>
-          <a:fillRef idx="0">
-            <a:schemeClr val="accent1"/>
-          </a:fillRef>
-          <a:effectRef idx="0">
-            <a:schemeClr val="accent1"/>
-          </a:effectRef>
-          <a:fontRef idx="minor">
-            <a:schemeClr val="tx1"/>
-          </a:fontRef>
-        </p:style>
-      </p:cxnSp>
-      <p:cxnSp>
-        <p:nvCxnSpPr>
-          <p:cNvPr id="13" name="직선 연결선 12"/>
-          <p:cNvCxnSpPr/>
-          <p:nvPr/>
-        </p:nvCxnSpPr>
-        <p:spPr>
-          <a:xfrm>
-            <a:off x="251520" y="6534000"/>
-            <a:ext cx="8640960" cy="0"/>
-          </a:xfrm>
-          <a:prstGeom prst="line">
-            <a:avLst/>
-          </a:prstGeom>
-          <a:ln w="3175">
-            <a:solidFill>
-              <a:srgbClr val="68727E"/>
-            </a:solidFill>
-          </a:ln>
-        </p:spPr>
-        <p:style>
-          <a:lnRef idx="1">
-            <a:schemeClr val="accent1"/>
-          </a:lnRef>
-          <a:fillRef idx="0">
-            <a:schemeClr val="accent1"/>
-          </a:fillRef>
-          <a:effectRef idx="0">
-            <a:schemeClr val="accent1"/>
-          </a:effectRef>
-          <a:fontRef idx="minor">
-            <a:schemeClr val="tx1"/>
-          </a:fontRef>
-        </p:style>
-      </p:cxnSp>
-      <p:sp>
-        <p:nvSpPr>
-          <p:cNvPr id="14" name="TextBox 13"/>
-          <p:cNvSpPr txBox="1"/>
-          <p:nvPr/>
-        </p:nvSpPr>
-        <p:spPr>
-          <a:xfrm>
-            <a:off x="179512" y="6237312"/>
-            <a:ext cx="4039705" cy="253916"/>
-          </a:xfrm>
-          <a:prstGeom prst="rect">
-            <a:avLst/>
-          </a:prstGeom>
-          <a:noFill/>
-        </p:spPr>
-        <p:txBody>
-          <a:bodyPr wrap="square" rtlCol="0">
-            <a:spAutoFit/>
-          </a:bodyPr>
-          <a:lstStyle/>
-          <a:p>
-            <a:pPr>
-              <a:lnSpc>
-                <a:spcPct val="150000"/>
-              </a:lnSpc>
-            </a:pPr>
-            <a:r>
-              <a:rPr lang="ko-KR" altLang="en-US" sz="700" dirty="0" smtClean="0">
-                <a:solidFill>
-                  <a:srgbClr val="68727E"/>
-                </a:solidFill>
-                <a:latin typeface="나눔고딕" pitchFamily="50" charset="-127"/>
-                <a:ea typeface="나눔고딕" pitchFamily="50" charset="-127"/>
-              </a:rPr>
-              <a:t>이 문서는 </a:t>
-            </a:r>
-            <a:r>
-              <a:rPr lang="ko-KR" altLang="en-US" sz="700" dirty="0" err="1" smtClean="0">
-                <a:solidFill>
-                  <a:srgbClr val="68727E"/>
-                </a:solidFill>
-                <a:latin typeface="나눔고딕" pitchFamily="50" charset="-127"/>
-                <a:ea typeface="나눔고딕" pitchFamily="50" charset="-127"/>
-              </a:rPr>
-              <a:t>나눔글꼴로</a:t>
-            </a:r>
-            <a:r>
-              <a:rPr lang="ko-KR" altLang="en-US" sz="700" dirty="0" smtClean="0">
-                <a:solidFill>
-                  <a:srgbClr val="68727E"/>
-                </a:solidFill>
-                <a:latin typeface="나눔고딕" pitchFamily="50" charset="-127"/>
-                <a:ea typeface="나눔고딕" pitchFamily="50" charset="-127"/>
-              </a:rPr>
-              <a:t> 작성되었습니다</a:t>
-            </a:r>
-            <a:r>
-              <a:rPr lang="en-US" altLang="ko-KR" sz="700" dirty="0" smtClean="0">
-                <a:solidFill>
-                  <a:srgbClr val="68727E"/>
-                </a:solidFill>
-                <a:latin typeface="나눔고딕" pitchFamily="50" charset="-127"/>
-                <a:ea typeface="나눔고딕" pitchFamily="50" charset="-127"/>
-              </a:rPr>
-              <a:t>. </a:t>
-            </a:r>
-            <a:r>
-              <a:rPr lang="ko-KR" altLang="en-US" sz="700" u="sng" dirty="0" smtClean="0">
-                <a:solidFill>
-                  <a:srgbClr val="68727E"/>
-                </a:solidFill>
-                <a:latin typeface="나눔고딕" pitchFamily="50" charset="-127"/>
-                <a:ea typeface="나눔고딕" pitchFamily="50" charset="-127"/>
-                <a:hlinkClick r:id="rId3"/>
-              </a:rPr>
-              <a:t>설치하기</a:t>
-            </a:r>
-            <a:endParaRPr lang="en-US" altLang="ko-KR" sz="700" u="sng" dirty="0" smtClean="0">
-              <a:solidFill>
-                <a:srgbClr val="68727E"/>
-              </a:solidFill>
-              <a:latin typeface="나눔고딕" pitchFamily="50" charset="-127"/>
-              <a:ea typeface="나눔고딕" pitchFamily="50" charset="-127"/>
-            </a:endParaRPr>
-          </a:p>
-        </p:txBody>
-      </p:sp>
+          <a:extLst>
+            <a:ext uri="{909E8E84-426E-40DD-AFC4-6F175D3DCCD1}">
+              <a14:hiddenFill xmlns:a14="http://schemas.microsoft.com/office/drawing/2010/main">
+                <a:solidFill>
+                  <a:srgbClr val="FFFFFF"/>
+                </a:solidFill>
+              </a14:hiddenFill>
+            </a:ext>
+          </a:extLst>
+        </p:spPr>
+      </p:pic>
       <p:grpSp>
         <p:nvGrpSpPr>
-          <p:cNvPr id="4" name="그룹 3"/>
+          <p:cNvPr id="10" name="그룹 9"/>
           <p:cNvGrpSpPr/>
           <p:nvPr/>
         </p:nvGrpSpPr>
@@ -10164,7 +9276,7 @@
         </p:grpSpPr>
         <p:sp>
           <p:nvSpPr>
-            <p:cNvPr id="2" name="TextBox 1"/>
+            <p:cNvPr id="13" name="TextBox 12"/>
             <p:cNvSpPr txBox="1"/>
             <p:nvPr/>
           </p:nvSpPr>
@@ -10219,7 +9331,7 @@
         </p:sp>
         <p:sp>
           <p:nvSpPr>
-            <p:cNvPr id="3" name="TextBox 2"/>
+            <p:cNvPr id="14" name="TextBox 13"/>
             <p:cNvSpPr txBox="1"/>
             <p:nvPr/>
           </p:nvSpPr>
@@ -10277,7 +9389,4753 @@
 </p:sld>
 </file>
 
-<file path=ppt/slides/slide3.xml><?xml version="1.0" encoding="utf-8"?>
+<file path=ppt/slides/slide14.xml><?xml version="1.0" encoding="utf-8"?>
+<p:sld xmlns:a="http://schemas.openxmlformats.org/drawingml/2006/main" xmlns:r="http://schemas.openxmlformats.org/officeDocument/2006/relationships" xmlns:p="http://schemas.openxmlformats.org/presentationml/2006/main">
+  <p:cSld>
+    <p:spTree>
+      <p:nvGrpSpPr>
+        <p:cNvPr id="1" name=""/>
+        <p:cNvGrpSpPr/>
+        <p:nvPr/>
+      </p:nvGrpSpPr>
+      <p:grpSpPr>
+        <a:xfrm>
+          <a:off x="0" y="0"/>
+          <a:ext cx="0" cy="0"/>
+          <a:chOff x="0" y="0"/>
+          <a:chExt cx="0" cy="0"/>
+        </a:xfrm>
+      </p:grpSpPr>
+      <p:cxnSp>
+        <p:nvCxnSpPr>
+          <p:cNvPr id="15" name="직선 연결선 14"/>
+          <p:cNvCxnSpPr/>
+          <p:nvPr/>
+        </p:nvCxnSpPr>
+        <p:spPr>
+          <a:xfrm>
+            <a:off x="251520" y="476672"/>
+            <a:ext cx="8640960" cy="0"/>
+          </a:xfrm>
+          <a:prstGeom prst="line">
+            <a:avLst/>
+          </a:prstGeom>
+          <a:ln w="3175">
+            <a:solidFill>
+              <a:srgbClr val="68727E"/>
+            </a:solidFill>
+          </a:ln>
+        </p:spPr>
+        <p:style>
+          <a:lnRef idx="1">
+            <a:schemeClr val="accent1"/>
+          </a:lnRef>
+          <a:fillRef idx="0">
+            <a:schemeClr val="accent1"/>
+          </a:fillRef>
+          <a:effectRef idx="0">
+            <a:schemeClr val="accent1"/>
+          </a:effectRef>
+          <a:fontRef idx="minor">
+            <a:schemeClr val="tx1"/>
+          </a:fontRef>
+        </p:style>
+      </p:cxnSp>
+      <p:sp>
+        <p:nvSpPr>
+          <p:cNvPr id="12" name="TextBox 11"/>
+          <p:cNvSpPr txBox="1"/>
+          <p:nvPr/>
+        </p:nvSpPr>
+        <p:spPr>
+          <a:xfrm>
+            <a:off x="179512" y="51940"/>
+            <a:ext cx="6696744" cy="424732"/>
+          </a:xfrm>
+          <a:prstGeom prst="rect">
+            <a:avLst/>
+          </a:prstGeom>
+          <a:noFill/>
+        </p:spPr>
+        <p:txBody>
+          <a:bodyPr wrap="square" rtlCol="0">
+            <a:spAutoFit/>
+          </a:bodyPr>
+          <a:lstStyle/>
+          <a:p>
+            <a:pPr>
+              <a:lnSpc>
+                <a:spcPct val="90000"/>
+              </a:lnSpc>
+            </a:pPr>
+            <a:r>
+              <a:rPr lang="ko-KR" altLang="en-US" sz="2400" b="1" spc="-30" dirty="0" smtClean="0">
+                <a:solidFill>
+                  <a:srgbClr val="00A204"/>
+                </a:solidFill>
+                <a:latin typeface="+mn-ea"/>
+              </a:rPr>
+              <a:t>메인 디자인 </a:t>
+            </a:r>
+            <a:r>
+              <a:rPr lang="en-US" altLang="ko-KR" sz="2400" b="1" spc="-30" dirty="0" smtClean="0">
+                <a:solidFill>
+                  <a:srgbClr val="00A204"/>
+                </a:solidFill>
+                <a:latin typeface="+mn-ea"/>
+              </a:rPr>
+              <a:t>– </a:t>
+            </a:r>
+            <a:r>
+              <a:rPr lang="ko-KR" altLang="en-US" b="1" spc="-30" dirty="0" smtClean="0">
+                <a:solidFill>
+                  <a:srgbClr val="00A204"/>
+                </a:solidFill>
+                <a:latin typeface="+mn-ea"/>
+              </a:rPr>
+              <a:t>메인 페이지</a:t>
+            </a:r>
+            <a:endParaRPr lang="ko-KR" altLang="en-US" sz="2400" b="1" spc="-30" dirty="0">
+              <a:solidFill>
+                <a:srgbClr val="00A204"/>
+              </a:solidFill>
+              <a:latin typeface="+mn-ea"/>
+            </a:endParaRPr>
+          </a:p>
+        </p:txBody>
+      </p:sp>
+      <p:pic>
+        <p:nvPicPr>
+          <p:cNvPr id="56" name="Picture 5"/>
+          <p:cNvPicPr>
+            <a:picLocks noChangeAspect="1" noChangeArrowheads="1"/>
+          </p:cNvPicPr>
+          <p:nvPr/>
+        </p:nvPicPr>
+        <p:blipFill>
+          <a:blip r:embed="rId3">
+            <a:extLst>
+              <a:ext uri="{28A0092B-C50C-407E-A947-70E740481C1C}">
+                <a14:useLocalDpi xmlns:a14="http://schemas.microsoft.com/office/drawing/2010/main" val="0"/>
+              </a:ext>
+            </a:extLst>
+          </a:blip>
+          <a:srcRect/>
+          <a:stretch>
+            <a:fillRect/>
+          </a:stretch>
+        </p:blipFill>
+        <p:spPr bwMode="auto">
+          <a:xfrm>
+            <a:off x="868641" y="620688"/>
+            <a:ext cx="7137751" cy="362586"/>
+          </a:xfrm>
+          <a:prstGeom prst="rect">
+            <a:avLst/>
+          </a:prstGeom>
+          <a:noFill/>
+          <a:ln>
+            <a:noFill/>
+          </a:ln>
+          <a:effectLst/>
+          <a:extLst>
+            <a:ext uri="{909E8E84-426E-40DD-AFC4-6F175D3DCCD1}">
+              <a14:hiddenFill xmlns:a14="http://schemas.microsoft.com/office/drawing/2010/main">
+                <a:solidFill>
+                  <a:schemeClr val="accent1"/>
+                </a:solidFill>
+              </a14:hiddenFill>
+            </a:ext>
+            <a:ext uri="{91240B29-F687-4F45-9708-019B960494DF}">
+              <a14:hiddenLine xmlns:a14="http://schemas.microsoft.com/office/drawing/2010/main" w="9525">
+                <a:solidFill>
+                  <a:schemeClr val="tx1"/>
+                </a:solidFill>
+                <a:miter lim="800000"/>
+                <a:headEnd/>
+                <a:tailEnd/>
+              </a14:hiddenLine>
+            </a:ext>
+            <a:ext uri="{AF507438-7753-43E0-B8FC-AC1667EBCBE1}">
+              <a14:hiddenEffects xmlns:a14="http://schemas.microsoft.com/office/drawing/2010/main">
+                <a:effectLst>
+                  <a:outerShdw dist="35921" dir="2700000" algn="ctr" rotWithShape="0">
+                    <a:schemeClr val="bg2"/>
+                  </a:outerShdw>
+                </a:effectLst>
+              </a14:hiddenEffects>
+            </a:ext>
+          </a:extLst>
+        </p:spPr>
+      </p:pic>
+      <p:pic>
+        <p:nvPicPr>
+          <p:cNvPr id="57" name="Picture 2"/>
+          <p:cNvPicPr>
+            <a:picLocks noChangeAspect="1" noChangeArrowheads="1"/>
+          </p:cNvPicPr>
+          <p:nvPr/>
+        </p:nvPicPr>
+        <p:blipFill>
+          <a:blip r:embed="rId4">
+            <a:extLst>
+              <a:ext uri="{28A0092B-C50C-407E-A947-70E740481C1C}">
+                <a14:useLocalDpi xmlns:a14="http://schemas.microsoft.com/office/drawing/2010/main" val="0"/>
+              </a:ext>
+            </a:extLst>
+          </a:blip>
+          <a:srcRect/>
+          <a:stretch>
+            <a:fillRect/>
+          </a:stretch>
+        </p:blipFill>
+        <p:spPr bwMode="auto">
+          <a:xfrm>
+            <a:off x="868641" y="4104854"/>
+            <a:ext cx="7159743" cy="2433418"/>
+          </a:xfrm>
+          <a:prstGeom prst="rect">
+            <a:avLst/>
+          </a:prstGeom>
+          <a:noFill/>
+          <a:ln>
+            <a:noFill/>
+          </a:ln>
+          <a:effectLst/>
+          <a:extLst>
+            <a:ext uri="{909E8E84-426E-40DD-AFC4-6F175D3DCCD1}">
+              <a14:hiddenFill xmlns:a14="http://schemas.microsoft.com/office/drawing/2010/main">
+                <a:solidFill>
+                  <a:schemeClr val="accent1"/>
+                </a:solidFill>
+              </a14:hiddenFill>
+            </a:ext>
+            <a:ext uri="{91240B29-F687-4F45-9708-019B960494DF}">
+              <a14:hiddenLine xmlns:a14="http://schemas.microsoft.com/office/drawing/2010/main" w="9525">
+                <a:solidFill>
+                  <a:schemeClr val="tx1"/>
+                </a:solidFill>
+                <a:miter lim="800000"/>
+                <a:headEnd/>
+                <a:tailEnd/>
+              </a14:hiddenLine>
+            </a:ext>
+            <a:ext uri="{AF507438-7753-43E0-B8FC-AC1667EBCBE1}">
+              <a14:hiddenEffects xmlns:a14="http://schemas.microsoft.com/office/drawing/2010/main">
+                <a:effectLst>
+                  <a:outerShdw dist="35921" dir="2700000" algn="ctr" rotWithShape="0">
+                    <a:schemeClr val="bg2"/>
+                  </a:outerShdw>
+                </a:effectLst>
+              </a14:hiddenEffects>
+            </a:ext>
+          </a:extLst>
+        </p:spPr>
+      </p:pic>
+      <p:pic>
+        <p:nvPicPr>
+          <p:cNvPr id="58" name="Picture 3"/>
+          <p:cNvPicPr>
+            <a:picLocks noChangeAspect="1" noChangeArrowheads="1"/>
+          </p:cNvPicPr>
+          <p:nvPr/>
+        </p:nvPicPr>
+        <p:blipFill>
+          <a:blip r:embed="rId5">
+            <a:extLst>
+              <a:ext uri="{28A0092B-C50C-407E-A947-70E740481C1C}">
+                <a14:useLocalDpi xmlns:a14="http://schemas.microsoft.com/office/drawing/2010/main" val="0"/>
+              </a:ext>
+            </a:extLst>
+          </a:blip>
+          <a:srcRect/>
+          <a:stretch>
+            <a:fillRect/>
+          </a:stretch>
+        </p:blipFill>
+        <p:spPr bwMode="auto">
+          <a:xfrm>
+            <a:off x="2596834" y="3817615"/>
+            <a:ext cx="5409559" cy="295275"/>
+          </a:xfrm>
+          <a:prstGeom prst="rect">
+            <a:avLst/>
+          </a:prstGeom>
+          <a:noFill/>
+          <a:ln>
+            <a:noFill/>
+          </a:ln>
+          <a:effectLst/>
+          <a:extLst>
+            <a:ext uri="{909E8E84-426E-40DD-AFC4-6F175D3DCCD1}">
+              <a14:hiddenFill xmlns:a14="http://schemas.microsoft.com/office/drawing/2010/main">
+                <a:solidFill>
+                  <a:schemeClr val="accent1"/>
+                </a:solidFill>
+              </a14:hiddenFill>
+            </a:ext>
+            <a:ext uri="{91240B29-F687-4F45-9708-019B960494DF}">
+              <a14:hiddenLine xmlns:a14="http://schemas.microsoft.com/office/drawing/2010/main" w="9525">
+                <a:solidFill>
+                  <a:schemeClr val="tx1"/>
+                </a:solidFill>
+                <a:miter lim="800000"/>
+                <a:headEnd/>
+                <a:tailEnd/>
+              </a14:hiddenLine>
+            </a:ext>
+            <a:ext uri="{AF507438-7753-43E0-B8FC-AC1667EBCBE1}">
+              <a14:hiddenEffects xmlns:a14="http://schemas.microsoft.com/office/drawing/2010/main">
+                <a:effectLst>
+                  <a:outerShdw dist="35921" dir="2700000" algn="ctr" rotWithShape="0">
+                    <a:schemeClr val="bg2"/>
+                  </a:outerShdw>
+                </a:effectLst>
+              </a14:hiddenEffects>
+            </a:ext>
+          </a:extLst>
+        </p:spPr>
+      </p:pic>
+      <p:sp>
+        <p:nvSpPr>
+          <p:cNvPr id="59" name="사다리꼴 58"/>
+          <p:cNvSpPr/>
+          <p:nvPr/>
+        </p:nvSpPr>
+        <p:spPr>
+          <a:xfrm>
+            <a:off x="1454833" y="3817615"/>
+            <a:ext cx="712328" cy="287239"/>
+          </a:xfrm>
+          <a:prstGeom prst="trapezoid">
+            <a:avLst/>
+          </a:prstGeom>
+          <a:solidFill>
+            <a:schemeClr val="accent5">
+              <a:lumMod val="75000"/>
+            </a:schemeClr>
+          </a:solidFill>
+          <a:ln>
+            <a:solidFill>
+              <a:schemeClr val="accent5">
+                <a:lumMod val="75000"/>
+              </a:schemeClr>
+            </a:solidFill>
+          </a:ln>
+        </p:spPr>
+        <p:style>
+          <a:lnRef idx="2">
+            <a:schemeClr val="accent1">
+              <a:shade val="50000"/>
+            </a:schemeClr>
+          </a:lnRef>
+          <a:fillRef idx="1">
+            <a:schemeClr val="accent1"/>
+          </a:fillRef>
+          <a:effectRef idx="0">
+            <a:schemeClr val="accent1"/>
+          </a:effectRef>
+          <a:fontRef idx="minor">
+            <a:schemeClr val="lt1"/>
+          </a:fontRef>
+        </p:style>
+        <p:txBody>
+          <a:bodyPr rtlCol="0" anchor="ctr"/>
+          <a:lstStyle/>
+          <a:p>
+            <a:pPr algn="ctr"/>
+            <a:r>
+              <a:rPr lang="en-US" altLang="ko-KR" sz="1000" b="1" dirty="0" smtClean="0"/>
+              <a:t>Lately</a:t>
+            </a:r>
+            <a:endParaRPr lang="ko-KR" altLang="en-US" sz="1100" b="1" dirty="0"/>
+          </a:p>
+        </p:txBody>
+      </p:sp>
+      <p:sp>
+        <p:nvSpPr>
+          <p:cNvPr id="60" name="사다리꼴 59"/>
+          <p:cNvSpPr/>
+          <p:nvPr/>
+        </p:nvSpPr>
+        <p:spPr>
+          <a:xfrm>
+            <a:off x="878769" y="3817615"/>
+            <a:ext cx="712328" cy="287239"/>
+          </a:xfrm>
+          <a:prstGeom prst="trapezoid">
+            <a:avLst/>
+          </a:prstGeom>
+          <a:solidFill>
+            <a:schemeClr val="accent5">
+              <a:lumMod val="75000"/>
+            </a:schemeClr>
+          </a:solidFill>
+          <a:ln>
+            <a:solidFill>
+              <a:schemeClr val="accent5">
+                <a:lumMod val="75000"/>
+              </a:schemeClr>
+            </a:solidFill>
+          </a:ln>
+        </p:spPr>
+        <p:style>
+          <a:lnRef idx="2">
+            <a:schemeClr val="accent1">
+              <a:shade val="50000"/>
+            </a:schemeClr>
+          </a:lnRef>
+          <a:fillRef idx="1">
+            <a:schemeClr val="accent1"/>
+          </a:fillRef>
+          <a:effectRef idx="0">
+            <a:schemeClr val="accent1"/>
+          </a:effectRef>
+          <a:fontRef idx="minor">
+            <a:schemeClr val="lt1"/>
+          </a:fontRef>
+        </p:style>
+        <p:txBody>
+          <a:bodyPr rtlCol="0" anchor="ctr"/>
+          <a:lstStyle/>
+          <a:p>
+            <a:pPr algn="ctr"/>
+            <a:r>
+              <a:rPr lang="en-US" altLang="ko-KR" sz="1100" b="1" dirty="0" smtClean="0"/>
+              <a:t>HOT</a:t>
+            </a:r>
+            <a:endParaRPr lang="ko-KR" altLang="en-US" sz="1100" b="1" dirty="0"/>
+          </a:p>
+        </p:txBody>
+      </p:sp>
+      <p:pic>
+        <p:nvPicPr>
+          <p:cNvPr id="61" name="Picture 6"/>
+          <p:cNvPicPr>
+            <a:picLocks noChangeAspect="1" noChangeArrowheads="1"/>
+          </p:cNvPicPr>
+          <p:nvPr/>
+        </p:nvPicPr>
+        <p:blipFill>
+          <a:blip r:embed="rId6">
+            <a:extLst>
+              <a:ext uri="{28A0092B-C50C-407E-A947-70E740481C1C}">
+                <a14:useLocalDpi xmlns:a14="http://schemas.microsoft.com/office/drawing/2010/main" val="0"/>
+              </a:ext>
+            </a:extLst>
+          </a:blip>
+          <a:srcRect/>
+          <a:stretch>
+            <a:fillRect/>
+          </a:stretch>
+        </p:blipFill>
+        <p:spPr bwMode="auto">
+          <a:xfrm>
+            <a:off x="852553" y="999231"/>
+            <a:ext cx="7153839" cy="2806707"/>
+          </a:xfrm>
+          <a:prstGeom prst="rect">
+            <a:avLst/>
+          </a:prstGeom>
+          <a:noFill/>
+          <a:ln>
+            <a:noFill/>
+          </a:ln>
+          <a:effectLst/>
+          <a:extLst>
+            <a:ext uri="{909E8E84-426E-40DD-AFC4-6F175D3DCCD1}">
+              <a14:hiddenFill xmlns:a14="http://schemas.microsoft.com/office/drawing/2010/main">
+                <a:solidFill>
+                  <a:schemeClr val="accent1"/>
+                </a:solidFill>
+              </a14:hiddenFill>
+            </a:ext>
+            <a:ext uri="{91240B29-F687-4F45-9708-019B960494DF}">
+              <a14:hiddenLine xmlns:a14="http://schemas.microsoft.com/office/drawing/2010/main" w="9525">
+                <a:solidFill>
+                  <a:schemeClr val="tx1"/>
+                </a:solidFill>
+                <a:miter lim="800000"/>
+                <a:headEnd/>
+                <a:tailEnd/>
+              </a14:hiddenLine>
+            </a:ext>
+            <a:ext uri="{AF507438-7753-43E0-B8FC-AC1667EBCBE1}">
+              <a14:hiddenEffects xmlns:a14="http://schemas.microsoft.com/office/drawing/2010/main">
+                <a:effectLst>
+                  <a:outerShdw dist="35921" dir="2700000" algn="ctr" rotWithShape="0">
+                    <a:schemeClr val="bg2"/>
+                  </a:outerShdw>
+                </a:effectLst>
+              </a14:hiddenEffects>
+            </a:ext>
+          </a:extLst>
+        </p:spPr>
+      </p:pic>
+      <p:pic>
+        <p:nvPicPr>
+          <p:cNvPr id="62" name="Picture 7"/>
+          <p:cNvPicPr>
+            <a:picLocks noChangeAspect="1" noChangeArrowheads="1"/>
+          </p:cNvPicPr>
+          <p:nvPr/>
+        </p:nvPicPr>
+        <p:blipFill>
+          <a:blip r:embed="rId7">
+            <a:extLst>
+              <a:ext uri="{28A0092B-C50C-407E-A947-70E740481C1C}">
+                <a14:useLocalDpi xmlns:a14="http://schemas.microsoft.com/office/drawing/2010/main" val="0"/>
+              </a:ext>
+            </a:extLst>
+          </a:blip>
+          <a:srcRect/>
+          <a:stretch>
+            <a:fillRect/>
+          </a:stretch>
+        </p:blipFill>
+        <p:spPr bwMode="auto">
+          <a:xfrm>
+            <a:off x="5189122" y="3104381"/>
+            <a:ext cx="2695575" cy="552450"/>
+          </a:xfrm>
+          <a:prstGeom prst="rect">
+            <a:avLst/>
+          </a:prstGeom>
+          <a:noFill/>
+          <a:ln>
+            <a:noFill/>
+          </a:ln>
+          <a:effectLst/>
+          <a:extLst>
+            <a:ext uri="{909E8E84-426E-40DD-AFC4-6F175D3DCCD1}">
+              <a14:hiddenFill xmlns:a14="http://schemas.microsoft.com/office/drawing/2010/main">
+                <a:solidFill>
+                  <a:schemeClr val="accent1"/>
+                </a:solidFill>
+              </a14:hiddenFill>
+            </a:ext>
+            <a:ext uri="{91240B29-F687-4F45-9708-019B960494DF}">
+              <a14:hiddenLine xmlns:a14="http://schemas.microsoft.com/office/drawing/2010/main" w="9525">
+                <a:solidFill>
+                  <a:schemeClr val="tx1"/>
+                </a:solidFill>
+                <a:miter lim="800000"/>
+                <a:headEnd/>
+                <a:tailEnd/>
+              </a14:hiddenLine>
+            </a:ext>
+            <a:ext uri="{AF507438-7753-43E0-B8FC-AC1667EBCBE1}">
+              <a14:hiddenEffects xmlns:a14="http://schemas.microsoft.com/office/drawing/2010/main">
+                <a:effectLst>
+                  <a:outerShdw dist="35921" dir="2700000" algn="ctr" rotWithShape="0">
+                    <a:schemeClr val="bg2"/>
+                  </a:outerShdw>
+                </a:effectLst>
+              </a14:hiddenEffects>
+            </a:ext>
+          </a:extLst>
+        </p:spPr>
+      </p:pic>
+      <p:sp>
+        <p:nvSpPr>
+          <p:cNvPr id="63" name="직사각형 62"/>
+          <p:cNvSpPr/>
+          <p:nvPr/>
+        </p:nvSpPr>
+        <p:spPr>
+          <a:xfrm>
+            <a:off x="868642" y="1508591"/>
+            <a:ext cx="4087722" cy="1200329"/>
+          </a:xfrm>
+          <a:prstGeom prst="rect">
+            <a:avLst/>
+          </a:prstGeom>
+          <a:noFill/>
+        </p:spPr>
+        <p:txBody>
+          <a:bodyPr wrap="none" lIns="91440" tIns="45720" rIns="91440" bIns="45720">
+            <a:spAutoFit/>
+          </a:bodyPr>
+          <a:lstStyle/>
+          <a:p>
+            <a:pPr algn="ctr"/>
+            <a:r>
+              <a:rPr lang="en-US" altLang="ko-KR" sz="7200" b="0" cap="none" spc="0" dirty="0" err="1" smtClean="0">
+                <a:ln w="18415" cmpd="sng">
+                  <a:solidFill>
+                    <a:srgbClr val="FFFFFF"/>
+                  </a:solidFill>
+                  <a:prstDash val="solid"/>
+                </a:ln>
+                <a:solidFill>
+                  <a:srgbClr val="FFFFFF"/>
+                </a:solidFill>
+                <a:effectLst>
+                  <a:outerShdw blurRad="63500" dir="3600000" algn="tl" rotWithShape="0">
+                    <a:srgbClr val="000000">
+                      <a:alpha val="70000"/>
+                    </a:srgbClr>
+                  </a:outerShdw>
+                  <a:reflection blurRad="6350" stA="55000" endA="50" endPos="85000" dir="5400000" sy="-100000" algn="bl" rotWithShape="0"/>
+                </a:effectLst>
+              </a:rPr>
+              <a:t>Akropolis</a:t>
+            </a:r>
+            <a:endParaRPr lang="en-US" altLang="ko-KR" sz="7200" b="0" cap="none" spc="0" dirty="0">
+              <a:ln w="18415" cmpd="sng">
+                <a:solidFill>
+                  <a:srgbClr val="FFFFFF"/>
+                </a:solidFill>
+                <a:prstDash val="solid"/>
+              </a:ln>
+              <a:solidFill>
+                <a:srgbClr val="FFFFFF"/>
+              </a:solidFill>
+              <a:effectLst>
+                <a:outerShdw blurRad="63500" dir="3600000" algn="tl" rotWithShape="0">
+                  <a:srgbClr val="000000">
+                    <a:alpha val="70000"/>
+                  </a:srgbClr>
+                </a:outerShdw>
+                <a:reflection blurRad="6350" stA="55000" endA="50" endPos="85000" dir="5400000" sy="-100000" algn="bl" rotWithShape="0"/>
+              </a:effectLst>
+            </a:endParaRPr>
+          </a:p>
+        </p:txBody>
+      </p:sp>
+      <p:grpSp>
+        <p:nvGrpSpPr>
+          <p:cNvPr id="64" name="그룹 63"/>
+          <p:cNvGrpSpPr/>
+          <p:nvPr/>
+        </p:nvGrpSpPr>
+        <p:grpSpPr>
+          <a:xfrm>
+            <a:off x="7956376" y="98048"/>
+            <a:ext cx="1080120" cy="450632"/>
+            <a:chOff x="3563888" y="683404"/>
+            <a:chExt cx="1080120" cy="450632"/>
+          </a:xfrm>
+        </p:grpSpPr>
+        <p:sp>
+          <p:nvSpPr>
+            <p:cNvPr id="65" name="TextBox 64"/>
+            <p:cNvSpPr txBox="1"/>
+            <p:nvPr/>
+          </p:nvSpPr>
+          <p:spPr>
+            <a:xfrm>
+              <a:off x="3563888" y="764704"/>
+              <a:ext cx="906034" cy="369332"/>
+            </a:xfrm>
+            <a:prstGeom prst="rect">
+              <a:avLst/>
+            </a:prstGeom>
+            <a:noFill/>
+          </p:spPr>
+          <p:txBody>
+            <a:bodyPr wrap="square" rtlCol="0">
+              <a:spAutoFit/>
+            </a:bodyPr>
+            <a:lstStyle/>
+            <a:p>
+              <a:r>
+                <a:rPr lang="en-US" altLang="ko-KR" b="1" spc="-300" dirty="0" err="1" smtClean="0">
+                  <a:solidFill>
+                    <a:srgbClr val="00A204"/>
+                  </a:solidFill>
+                  <a:latin typeface="Segoe UI" pitchFamily="34" charset="0"/>
+                  <a:ea typeface="Segoe UI" pitchFamily="34" charset="0"/>
+                  <a:cs typeface="Segoe UI" pitchFamily="34" charset="0"/>
+                </a:rPr>
+                <a:t>Akropolis</a:t>
+              </a:r>
+              <a:r>
+                <a:rPr lang="en-US" altLang="ko-KR" b="1" spc="-300" dirty="0" smtClean="0">
+                  <a:solidFill>
+                    <a:srgbClr val="00A204"/>
+                  </a:solidFill>
+                  <a:latin typeface="Segoe UI" pitchFamily="34" charset="0"/>
+                  <a:ea typeface="Segoe UI" pitchFamily="34" charset="0"/>
+                  <a:cs typeface="Segoe UI" pitchFamily="34" charset="0"/>
+                </a:rPr>
+                <a:t>  </a:t>
+              </a:r>
+              <a:endParaRPr lang="ko-KR" altLang="en-US" b="1" spc="-300" dirty="0">
+                <a:solidFill>
+                  <a:srgbClr val="00A204"/>
+                </a:solidFill>
+                <a:latin typeface="Segoe UI" pitchFamily="34" charset="0"/>
+                <a:ea typeface="HY목각파임B" pitchFamily="18" charset="-127"/>
+                <a:cs typeface="Segoe UI" pitchFamily="34" charset="0"/>
+              </a:endParaRPr>
+            </a:p>
+          </p:txBody>
+        </p:sp>
+        <p:sp>
+          <p:nvSpPr>
+            <p:cNvPr id="66" name="TextBox 65"/>
+            <p:cNvSpPr txBox="1"/>
+            <p:nvPr/>
+          </p:nvSpPr>
+          <p:spPr>
+            <a:xfrm>
+              <a:off x="4295836" y="683404"/>
+              <a:ext cx="348172" cy="369332"/>
+            </a:xfrm>
+            <a:prstGeom prst="rect">
+              <a:avLst/>
+            </a:prstGeom>
+            <a:noFill/>
+          </p:spPr>
+          <p:txBody>
+            <a:bodyPr wrap="none" rtlCol="0">
+              <a:spAutoFit/>
+            </a:bodyPr>
+            <a:lstStyle/>
+            <a:p>
+              <a:r>
+                <a:rPr lang="en-US" altLang="ko-KR" b="1" dirty="0" smtClean="0">
+                  <a:solidFill>
+                    <a:srgbClr val="00A204"/>
+                  </a:solidFill>
+                  <a:latin typeface="Segoe UI" pitchFamily="34" charset="0"/>
+                  <a:ea typeface="Segoe UI" pitchFamily="34" charset="0"/>
+                  <a:cs typeface="Segoe UI" pitchFamily="34" charset="0"/>
+                </a:rPr>
+                <a:t>+</a:t>
+              </a:r>
+              <a:endParaRPr lang="ko-KR" altLang="en-US" b="1" dirty="0">
+                <a:solidFill>
+                  <a:srgbClr val="00A204"/>
+                </a:solidFill>
+                <a:latin typeface="Segoe UI" pitchFamily="34" charset="0"/>
+                <a:cs typeface="Segoe UI" pitchFamily="34" charset="0"/>
+              </a:endParaRPr>
+            </a:p>
+          </p:txBody>
+        </p:sp>
+      </p:grpSp>
+    </p:spTree>
+    <p:extLst>
+      <p:ext uri="{BB962C8B-B14F-4D97-AF65-F5344CB8AC3E}">
+        <p14:creationId xmlns:p14="http://schemas.microsoft.com/office/powerpoint/2010/main" val="2116411401"/>
+      </p:ext>
+    </p:extLst>
+  </p:cSld>
+  <p:clrMapOvr>
+    <a:masterClrMapping/>
+  </p:clrMapOvr>
+  <p:transition/>
+  <p:timing>
+    <p:tnLst>
+      <p:par>
+        <p:cTn id="1" dur="indefinite" restart="never" nodeType="tmRoot"/>
+      </p:par>
+    </p:tnLst>
+  </p:timing>
+</p:sld>
+</file>
+
+<file path=ppt/slides/slide15.xml><?xml version="1.0" encoding="utf-8"?>
+<p:sld xmlns:a="http://schemas.openxmlformats.org/drawingml/2006/main" xmlns:r="http://schemas.openxmlformats.org/officeDocument/2006/relationships" xmlns:p="http://schemas.openxmlformats.org/presentationml/2006/main">
+  <p:cSld>
+    <p:spTree>
+      <p:nvGrpSpPr>
+        <p:cNvPr id="1" name=""/>
+        <p:cNvGrpSpPr/>
+        <p:nvPr/>
+      </p:nvGrpSpPr>
+      <p:grpSpPr>
+        <a:xfrm>
+          <a:off x="0" y="0"/>
+          <a:ext cx="0" cy="0"/>
+          <a:chOff x="0" y="0"/>
+          <a:chExt cx="0" cy="0"/>
+        </a:xfrm>
+      </p:grpSpPr>
+      <p:cxnSp>
+        <p:nvCxnSpPr>
+          <p:cNvPr id="15" name="직선 연결선 14"/>
+          <p:cNvCxnSpPr/>
+          <p:nvPr/>
+        </p:nvCxnSpPr>
+        <p:spPr>
+          <a:xfrm>
+            <a:off x="251520" y="476672"/>
+            <a:ext cx="8640960" cy="0"/>
+          </a:xfrm>
+          <a:prstGeom prst="line">
+            <a:avLst/>
+          </a:prstGeom>
+          <a:ln w="3175">
+            <a:solidFill>
+              <a:srgbClr val="68727E"/>
+            </a:solidFill>
+          </a:ln>
+        </p:spPr>
+        <p:style>
+          <a:lnRef idx="1">
+            <a:schemeClr val="accent1"/>
+          </a:lnRef>
+          <a:fillRef idx="0">
+            <a:schemeClr val="accent1"/>
+          </a:fillRef>
+          <a:effectRef idx="0">
+            <a:schemeClr val="accent1"/>
+          </a:effectRef>
+          <a:fontRef idx="minor">
+            <a:schemeClr val="tx1"/>
+          </a:fontRef>
+        </p:style>
+      </p:cxnSp>
+      <p:pic>
+        <p:nvPicPr>
+          <p:cNvPr id="31" name="Picture 5"/>
+          <p:cNvPicPr>
+            <a:picLocks noChangeAspect="1" noChangeArrowheads="1"/>
+          </p:cNvPicPr>
+          <p:nvPr/>
+        </p:nvPicPr>
+        <p:blipFill>
+          <a:blip r:embed="rId3">
+            <a:extLst>
+              <a:ext uri="{28A0092B-C50C-407E-A947-70E740481C1C}">
+                <a14:useLocalDpi xmlns:a14="http://schemas.microsoft.com/office/drawing/2010/main" val="0"/>
+              </a:ext>
+            </a:extLst>
+          </a:blip>
+          <a:srcRect/>
+          <a:stretch>
+            <a:fillRect/>
+          </a:stretch>
+        </p:blipFill>
+        <p:spPr bwMode="auto">
+          <a:xfrm>
+            <a:off x="1583014" y="535105"/>
+            <a:ext cx="6521276" cy="331270"/>
+          </a:xfrm>
+          <a:prstGeom prst="rect">
+            <a:avLst/>
+          </a:prstGeom>
+          <a:noFill/>
+          <a:ln>
+            <a:noFill/>
+          </a:ln>
+          <a:effectLst/>
+          <a:extLst>
+            <a:ext uri="{909E8E84-426E-40DD-AFC4-6F175D3DCCD1}">
+              <a14:hiddenFill xmlns:a14="http://schemas.microsoft.com/office/drawing/2010/main">
+                <a:solidFill>
+                  <a:schemeClr val="accent1"/>
+                </a:solidFill>
+              </a14:hiddenFill>
+            </a:ext>
+            <a:ext uri="{91240B29-F687-4F45-9708-019B960494DF}">
+              <a14:hiddenLine xmlns:a14="http://schemas.microsoft.com/office/drawing/2010/main" w="9525">
+                <a:solidFill>
+                  <a:schemeClr val="tx1"/>
+                </a:solidFill>
+                <a:miter lim="800000"/>
+                <a:headEnd/>
+                <a:tailEnd/>
+              </a14:hiddenLine>
+            </a:ext>
+            <a:ext uri="{AF507438-7753-43E0-B8FC-AC1667EBCBE1}">
+              <a14:hiddenEffects xmlns:a14="http://schemas.microsoft.com/office/drawing/2010/main">
+                <a:effectLst>
+                  <a:outerShdw dist="35921" dir="2700000" algn="ctr" rotWithShape="0">
+                    <a:schemeClr val="bg2"/>
+                  </a:outerShdw>
+                </a:effectLst>
+              </a14:hiddenEffects>
+            </a:ext>
+          </a:extLst>
+        </p:spPr>
+      </p:pic>
+      <p:pic>
+        <p:nvPicPr>
+          <p:cNvPr id="32" name="Picture 9"/>
+          <p:cNvPicPr>
+            <a:picLocks noChangeAspect="1" noChangeArrowheads="1"/>
+          </p:cNvPicPr>
+          <p:nvPr/>
+        </p:nvPicPr>
+        <p:blipFill>
+          <a:blip r:embed="rId4">
+            <a:extLst>
+              <a:ext uri="{28A0092B-C50C-407E-A947-70E740481C1C}">
+                <a14:useLocalDpi xmlns:a14="http://schemas.microsoft.com/office/drawing/2010/main" val="0"/>
+              </a:ext>
+            </a:extLst>
+          </a:blip>
+          <a:srcRect/>
+          <a:stretch>
+            <a:fillRect/>
+          </a:stretch>
+        </p:blipFill>
+        <p:spPr bwMode="auto">
+          <a:xfrm>
+            <a:off x="3923928" y="5445224"/>
+            <a:ext cx="4276268" cy="1171468"/>
+          </a:xfrm>
+          <a:prstGeom prst="rect">
+            <a:avLst/>
+          </a:prstGeom>
+          <a:noFill/>
+          <a:ln>
+            <a:noFill/>
+          </a:ln>
+          <a:effectLst/>
+          <a:extLst>
+            <a:ext uri="{909E8E84-426E-40DD-AFC4-6F175D3DCCD1}">
+              <a14:hiddenFill xmlns:a14="http://schemas.microsoft.com/office/drawing/2010/main">
+                <a:solidFill>
+                  <a:schemeClr val="accent1"/>
+                </a:solidFill>
+              </a14:hiddenFill>
+            </a:ext>
+            <a:ext uri="{91240B29-F687-4F45-9708-019B960494DF}">
+              <a14:hiddenLine xmlns:a14="http://schemas.microsoft.com/office/drawing/2010/main" w="9525">
+                <a:solidFill>
+                  <a:schemeClr val="tx1"/>
+                </a:solidFill>
+                <a:miter lim="800000"/>
+                <a:headEnd/>
+                <a:tailEnd/>
+              </a14:hiddenLine>
+            </a:ext>
+            <a:ext uri="{AF507438-7753-43E0-B8FC-AC1667EBCBE1}">
+              <a14:hiddenEffects xmlns:a14="http://schemas.microsoft.com/office/drawing/2010/main">
+                <a:effectLst>
+                  <a:outerShdw dist="35921" dir="2700000" algn="ctr" rotWithShape="0">
+                    <a:schemeClr val="bg2"/>
+                  </a:outerShdw>
+                </a:effectLst>
+              </a14:hiddenEffects>
+            </a:ext>
+          </a:extLst>
+        </p:spPr>
+      </p:pic>
+      <p:pic>
+        <p:nvPicPr>
+          <p:cNvPr id="33" name="Picture 5"/>
+          <p:cNvPicPr>
+            <a:picLocks noChangeAspect="1" noChangeArrowheads="1"/>
+          </p:cNvPicPr>
+          <p:nvPr/>
+        </p:nvPicPr>
+        <p:blipFill>
+          <a:blip r:embed="rId5">
+            <a:extLst>
+              <a:ext uri="{28A0092B-C50C-407E-A947-70E740481C1C}">
+                <a14:useLocalDpi xmlns:a14="http://schemas.microsoft.com/office/drawing/2010/main" val="0"/>
+              </a:ext>
+            </a:extLst>
+          </a:blip>
+          <a:srcRect/>
+          <a:stretch>
+            <a:fillRect/>
+          </a:stretch>
+        </p:blipFill>
+        <p:spPr bwMode="auto">
+          <a:xfrm>
+            <a:off x="4113851" y="2436888"/>
+            <a:ext cx="3984847" cy="679474"/>
+          </a:xfrm>
+          <a:prstGeom prst="rect">
+            <a:avLst/>
+          </a:prstGeom>
+          <a:noFill/>
+          <a:ln>
+            <a:noFill/>
+          </a:ln>
+          <a:effectLst/>
+          <a:extLst>
+            <a:ext uri="{909E8E84-426E-40DD-AFC4-6F175D3DCCD1}">
+              <a14:hiddenFill xmlns:a14="http://schemas.microsoft.com/office/drawing/2010/main">
+                <a:solidFill>
+                  <a:schemeClr val="accent1"/>
+                </a:solidFill>
+              </a14:hiddenFill>
+            </a:ext>
+            <a:ext uri="{91240B29-F687-4F45-9708-019B960494DF}">
+              <a14:hiddenLine xmlns:a14="http://schemas.microsoft.com/office/drawing/2010/main" w="9525">
+                <a:solidFill>
+                  <a:schemeClr val="tx1"/>
+                </a:solidFill>
+                <a:miter lim="800000"/>
+                <a:headEnd/>
+                <a:tailEnd/>
+              </a14:hiddenLine>
+            </a:ext>
+            <a:ext uri="{AF507438-7753-43E0-B8FC-AC1667EBCBE1}">
+              <a14:hiddenEffects xmlns:a14="http://schemas.microsoft.com/office/drawing/2010/main">
+                <a:effectLst>
+                  <a:outerShdw dist="35921" dir="2700000" algn="ctr" rotWithShape="0">
+                    <a:schemeClr val="bg2"/>
+                  </a:outerShdw>
+                </a:effectLst>
+              </a14:hiddenEffects>
+            </a:ext>
+          </a:extLst>
+        </p:spPr>
+      </p:pic>
+      <p:sp>
+        <p:nvSpPr>
+          <p:cNvPr id="34" name="모서리가 둥근 직사각형 33"/>
+          <p:cNvSpPr/>
+          <p:nvPr/>
+        </p:nvSpPr>
+        <p:spPr>
+          <a:xfrm>
+            <a:off x="4020273" y="2432938"/>
+            <a:ext cx="4078425" cy="668988"/>
+          </a:xfrm>
+          <a:prstGeom prst="roundRect">
+            <a:avLst/>
+          </a:prstGeom>
+          <a:noFill/>
+          <a:ln w="38100">
+            <a:solidFill>
+              <a:srgbClr val="FF0000">
+                <a:alpha val="20000"/>
+              </a:srgbClr>
+            </a:solidFill>
+          </a:ln>
+        </p:spPr>
+        <p:style>
+          <a:lnRef idx="2">
+            <a:schemeClr val="accent1">
+              <a:shade val="50000"/>
+            </a:schemeClr>
+          </a:lnRef>
+          <a:fillRef idx="1">
+            <a:schemeClr val="accent1"/>
+          </a:fillRef>
+          <a:effectRef idx="0">
+            <a:schemeClr val="accent1"/>
+          </a:effectRef>
+          <a:fontRef idx="minor">
+            <a:schemeClr val="lt1"/>
+          </a:fontRef>
+        </p:style>
+        <p:txBody>
+          <a:bodyPr rtlCol="0" anchor="ctr"/>
+          <a:lstStyle/>
+          <a:p>
+            <a:pPr algn="ctr"/>
+            <a:endParaRPr lang="ko-KR" altLang="en-US"/>
+          </a:p>
+        </p:txBody>
+      </p:sp>
+      <p:cxnSp>
+        <p:nvCxnSpPr>
+          <p:cNvPr id="35" name="직선 연결선 34"/>
+          <p:cNvCxnSpPr/>
+          <p:nvPr/>
+        </p:nvCxnSpPr>
+        <p:spPr>
+          <a:xfrm>
+            <a:off x="3881850" y="2407851"/>
+            <a:ext cx="0" cy="4139315"/>
+          </a:xfrm>
+          <a:prstGeom prst="line">
+            <a:avLst/>
+          </a:prstGeom>
+          <a:ln>
+            <a:solidFill>
+              <a:schemeClr val="bg1">
+                <a:lumMod val="75000"/>
+              </a:schemeClr>
+            </a:solidFill>
+            <a:prstDash val="sysDash"/>
+          </a:ln>
+        </p:spPr>
+        <p:style>
+          <a:lnRef idx="1">
+            <a:schemeClr val="accent1"/>
+          </a:lnRef>
+          <a:fillRef idx="0">
+            <a:schemeClr val="accent1"/>
+          </a:fillRef>
+          <a:effectRef idx="0">
+            <a:schemeClr val="accent1"/>
+          </a:effectRef>
+          <a:fontRef idx="minor">
+            <a:schemeClr val="tx1"/>
+          </a:fontRef>
+        </p:style>
+      </p:cxnSp>
+      <p:graphicFrame>
+        <p:nvGraphicFramePr>
+          <p:cNvPr id="36" name="표 35"/>
+          <p:cNvGraphicFramePr>
+            <a:graphicFrameLocks noGrp="1"/>
+          </p:cNvGraphicFramePr>
+          <p:nvPr>
+            <p:extLst>
+              <p:ext uri="{D42A27DB-BD31-4B8C-83A1-F6EECF244321}">
+                <p14:modId xmlns:p14="http://schemas.microsoft.com/office/powerpoint/2010/main" val="3625430086"/>
+              </p:ext>
+            </p:extLst>
+          </p:nvPr>
+        </p:nvGraphicFramePr>
+        <p:xfrm>
+          <a:off x="1607432" y="2446874"/>
+          <a:ext cx="2215473" cy="2240040"/>
+        </p:xfrm>
+        <a:graphic>
+          <a:graphicData uri="http://schemas.openxmlformats.org/drawingml/2006/table">
+            <a:tbl>
+              <a:tblPr>
+                <a:tableStyleId>{F5AB1C69-6EDB-4FF4-983F-18BD219EF322}</a:tableStyleId>
+              </a:tblPr>
+              <a:tblGrid>
+                <a:gridCol w="2215473"/>
+              </a:tblGrid>
+              <a:tr h="373340">
+                <a:tc>
+                  <a:txBody>
+                    <a:bodyPr/>
+                    <a:lstStyle/>
+                    <a:p>
+                      <a:pPr latinLnBrk="1"/>
+                      <a:r>
+                        <a:rPr lang="ko-KR" altLang="en-US" sz="1200" dirty="0" smtClean="0">
+                          <a:ln>
+                            <a:noFill/>
+                          </a:ln>
+                        </a:rPr>
+                        <a:t>미남형 이신가</a:t>
+                      </a:r>
+                      <a:r>
+                        <a:rPr lang="en-US" altLang="ko-KR" sz="1200" dirty="0" smtClean="0">
+                          <a:ln>
+                            <a:noFill/>
+                          </a:ln>
+                        </a:rPr>
+                        <a:t>?</a:t>
+                      </a:r>
+                      <a:endParaRPr lang="ko-KR" altLang="en-US" sz="1200" b="0" dirty="0">
+                        <a:ln>
+                          <a:noFill/>
+                        </a:ln>
+                        <a:solidFill>
+                          <a:schemeClr val="tx1"/>
+                        </a:solidFill>
+                        <a:latin typeface="+mn-lt"/>
+                      </a:endParaRPr>
+                    </a:p>
+                  </a:txBody>
+                  <a:tcPr>
+                    <a:solidFill>
+                      <a:schemeClr val="bg1">
+                        <a:lumMod val="85000"/>
+                      </a:schemeClr>
+                    </a:solidFill>
+                  </a:tcPr>
+                </a:tc>
+              </a:tr>
+              <a:tr h="373340">
+                <a:tc>
+                  <a:txBody>
+                    <a:bodyPr/>
+                    <a:lstStyle/>
+                    <a:p>
+                      <a:pPr latinLnBrk="1"/>
+                      <a:r>
+                        <a:rPr lang="ko-KR" altLang="en-US" sz="1200" dirty="0" smtClean="0"/>
+                        <a:t>귀여운 편이신가</a:t>
+                      </a:r>
+                      <a:r>
+                        <a:rPr lang="en-US" altLang="ko-KR" sz="1200" dirty="0" smtClean="0"/>
+                        <a:t>?</a:t>
+                      </a:r>
+                      <a:endParaRPr lang="ko-KR" altLang="en-US" sz="1200" dirty="0"/>
+                    </a:p>
+                  </a:txBody>
+                  <a:tcPr>
+                    <a:solidFill>
+                      <a:schemeClr val="bg1">
+                        <a:lumMod val="85000"/>
+                      </a:schemeClr>
+                    </a:solidFill>
+                  </a:tcPr>
+                </a:tc>
+              </a:tr>
+              <a:tr h="373340">
+                <a:tc>
+                  <a:txBody>
+                    <a:bodyPr/>
+                    <a:lstStyle/>
+                    <a:p>
+                      <a:pPr latinLnBrk="1"/>
+                      <a:endParaRPr lang="ko-KR" altLang="en-US" dirty="0"/>
+                    </a:p>
+                  </a:txBody>
+                  <a:tcPr>
+                    <a:solidFill>
+                      <a:schemeClr val="bg1">
+                        <a:lumMod val="85000"/>
+                      </a:schemeClr>
+                    </a:solidFill>
+                  </a:tcPr>
+                </a:tc>
+              </a:tr>
+              <a:tr h="373340">
+                <a:tc>
+                  <a:txBody>
+                    <a:bodyPr/>
+                    <a:lstStyle/>
+                    <a:p>
+                      <a:pPr latinLnBrk="1"/>
+                      <a:endParaRPr lang="ko-KR" altLang="en-US" dirty="0"/>
+                    </a:p>
+                  </a:txBody>
+                  <a:tcPr>
+                    <a:solidFill>
+                      <a:schemeClr val="bg1">
+                        <a:lumMod val="85000"/>
+                      </a:schemeClr>
+                    </a:solidFill>
+                  </a:tcPr>
+                </a:tc>
+              </a:tr>
+              <a:tr h="373340">
+                <a:tc>
+                  <a:txBody>
+                    <a:bodyPr/>
+                    <a:lstStyle/>
+                    <a:p>
+                      <a:pPr latinLnBrk="1"/>
+                      <a:endParaRPr lang="ko-KR" altLang="en-US" dirty="0"/>
+                    </a:p>
+                  </a:txBody>
+                  <a:tcPr>
+                    <a:solidFill>
+                      <a:schemeClr val="bg1">
+                        <a:lumMod val="85000"/>
+                      </a:schemeClr>
+                    </a:solidFill>
+                  </a:tcPr>
+                </a:tc>
+              </a:tr>
+              <a:tr h="373340">
+                <a:tc>
+                  <a:txBody>
+                    <a:bodyPr/>
+                    <a:lstStyle/>
+                    <a:p>
+                      <a:pPr latinLnBrk="1"/>
+                      <a:endParaRPr lang="ko-KR" altLang="en-US" dirty="0"/>
+                    </a:p>
+                  </a:txBody>
+                  <a:tcPr>
+                    <a:solidFill>
+                      <a:schemeClr val="bg1">
+                        <a:lumMod val="85000"/>
+                      </a:schemeClr>
+                    </a:solidFill>
+                  </a:tcPr>
+                </a:tc>
+              </a:tr>
+            </a:tbl>
+          </a:graphicData>
+        </a:graphic>
+      </p:graphicFrame>
+      <p:pic>
+        <p:nvPicPr>
+          <p:cNvPr id="37" name="Picture 6"/>
+          <p:cNvPicPr>
+            <a:picLocks noChangeAspect="1" noChangeArrowheads="1"/>
+          </p:cNvPicPr>
+          <p:nvPr/>
+        </p:nvPicPr>
+        <p:blipFill>
+          <a:blip r:embed="rId6">
+            <a:extLst>
+              <a:ext uri="{28A0092B-C50C-407E-A947-70E740481C1C}">
+                <a14:useLocalDpi xmlns:a14="http://schemas.microsoft.com/office/drawing/2010/main" val="0"/>
+              </a:ext>
+            </a:extLst>
+          </a:blip>
+          <a:srcRect/>
+          <a:stretch>
+            <a:fillRect/>
+          </a:stretch>
+        </p:blipFill>
+        <p:spPr bwMode="auto">
+          <a:xfrm>
+            <a:off x="1583014" y="866375"/>
+            <a:ext cx="6521277" cy="1545701"/>
+          </a:xfrm>
+          <a:prstGeom prst="rect">
+            <a:avLst/>
+          </a:prstGeom>
+          <a:noFill/>
+          <a:ln>
+            <a:noFill/>
+          </a:ln>
+          <a:effectLst/>
+          <a:extLst>
+            <a:ext uri="{909E8E84-426E-40DD-AFC4-6F175D3DCCD1}">
+              <a14:hiddenFill xmlns:a14="http://schemas.microsoft.com/office/drawing/2010/main">
+                <a:solidFill>
+                  <a:schemeClr val="accent1"/>
+                </a:solidFill>
+              </a14:hiddenFill>
+            </a:ext>
+            <a:ext uri="{91240B29-F687-4F45-9708-019B960494DF}">
+              <a14:hiddenLine xmlns:a14="http://schemas.microsoft.com/office/drawing/2010/main" w="9525">
+                <a:solidFill>
+                  <a:schemeClr val="tx1"/>
+                </a:solidFill>
+                <a:miter lim="800000"/>
+                <a:headEnd/>
+                <a:tailEnd/>
+              </a14:hiddenLine>
+            </a:ext>
+            <a:ext uri="{AF507438-7753-43E0-B8FC-AC1667EBCBE1}">
+              <a14:hiddenEffects xmlns:a14="http://schemas.microsoft.com/office/drawing/2010/main">
+                <a:effectLst>
+                  <a:outerShdw dist="35921" dir="2700000" algn="ctr" rotWithShape="0">
+                    <a:schemeClr val="bg2"/>
+                  </a:outerShdw>
+                </a:effectLst>
+              </a14:hiddenEffects>
+            </a:ext>
+          </a:extLst>
+        </p:spPr>
+      </p:pic>
+      <p:pic>
+        <p:nvPicPr>
+          <p:cNvPr id="39" name="Picture 7"/>
+          <p:cNvPicPr>
+            <a:picLocks noChangeAspect="1" noChangeArrowheads="1"/>
+          </p:cNvPicPr>
+          <p:nvPr/>
+        </p:nvPicPr>
+        <p:blipFill>
+          <a:blip r:embed="rId7">
+            <a:extLst>
+              <a:ext uri="{28A0092B-C50C-407E-A947-70E740481C1C}">
+                <a14:useLocalDpi xmlns:a14="http://schemas.microsoft.com/office/drawing/2010/main" val="0"/>
+              </a:ext>
+            </a:extLst>
+          </a:blip>
+          <a:srcRect/>
+          <a:stretch>
+            <a:fillRect/>
+          </a:stretch>
+        </p:blipFill>
+        <p:spPr bwMode="auto">
+          <a:xfrm>
+            <a:off x="3992977" y="3221274"/>
+            <a:ext cx="3894025" cy="668914"/>
+          </a:xfrm>
+          <a:prstGeom prst="rect">
+            <a:avLst/>
+          </a:prstGeom>
+          <a:noFill/>
+          <a:ln>
+            <a:noFill/>
+          </a:ln>
+          <a:effectLst/>
+          <a:extLst>
+            <a:ext uri="{909E8E84-426E-40DD-AFC4-6F175D3DCCD1}">
+              <a14:hiddenFill xmlns:a14="http://schemas.microsoft.com/office/drawing/2010/main">
+                <a:solidFill>
+                  <a:schemeClr val="accent1"/>
+                </a:solidFill>
+              </a14:hiddenFill>
+            </a:ext>
+            <a:ext uri="{91240B29-F687-4F45-9708-019B960494DF}">
+              <a14:hiddenLine xmlns:a14="http://schemas.microsoft.com/office/drawing/2010/main" w="9525">
+                <a:solidFill>
+                  <a:schemeClr val="tx1"/>
+                </a:solidFill>
+                <a:miter lim="800000"/>
+                <a:headEnd/>
+                <a:tailEnd/>
+              </a14:hiddenLine>
+            </a:ext>
+            <a:ext uri="{AF507438-7753-43E0-B8FC-AC1667EBCBE1}">
+              <a14:hiddenEffects xmlns:a14="http://schemas.microsoft.com/office/drawing/2010/main">
+                <a:effectLst>
+                  <a:outerShdw dist="35921" dir="2700000" algn="ctr" rotWithShape="0">
+                    <a:schemeClr val="bg2"/>
+                  </a:outerShdw>
+                </a:effectLst>
+              </a14:hiddenEffects>
+            </a:ext>
+          </a:extLst>
+        </p:spPr>
+      </p:pic>
+      <p:sp>
+        <p:nvSpPr>
+          <p:cNvPr id="40" name="모서리가 둥근 직사각형 39"/>
+          <p:cNvSpPr/>
+          <p:nvPr/>
+        </p:nvSpPr>
+        <p:spPr>
+          <a:xfrm>
+            <a:off x="3927196" y="3181408"/>
+            <a:ext cx="4078425" cy="668988"/>
+          </a:xfrm>
+          <a:prstGeom prst="roundRect">
+            <a:avLst/>
+          </a:prstGeom>
+          <a:noFill/>
+          <a:ln w="38100">
+            <a:solidFill>
+              <a:srgbClr val="002060">
+                <a:alpha val="20000"/>
+              </a:srgbClr>
+            </a:solidFill>
+          </a:ln>
+        </p:spPr>
+        <p:style>
+          <a:lnRef idx="2">
+            <a:schemeClr val="accent1">
+              <a:shade val="50000"/>
+            </a:schemeClr>
+          </a:lnRef>
+          <a:fillRef idx="1">
+            <a:schemeClr val="accent1"/>
+          </a:fillRef>
+          <a:effectRef idx="0">
+            <a:schemeClr val="accent1"/>
+          </a:effectRef>
+          <a:fontRef idx="minor">
+            <a:schemeClr val="lt1"/>
+          </a:fontRef>
+        </p:style>
+        <p:txBody>
+          <a:bodyPr rtlCol="0" anchor="ctr"/>
+          <a:lstStyle/>
+          <a:p>
+            <a:pPr algn="ctr"/>
+            <a:endParaRPr lang="ko-KR" altLang="en-US">
+              <a:solidFill>
+                <a:schemeClr val="accent5">
+                  <a:lumMod val="60000"/>
+                  <a:lumOff val="40000"/>
+                </a:schemeClr>
+              </a:solidFill>
+            </a:endParaRPr>
+          </a:p>
+        </p:txBody>
+      </p:sp>
+      <p:pic>
+        <p:nvPicPr>
+          <p:cNvPr id="42" name="Picture 8"/>
+          <p:cNvPicPr>
+            <a:picLocks noChangeAspect="1" noChangeArrowheads="1"/>
+          </p:cNvPicPr>
+          <p:nvPr/>
+        </p:nvPicPr>
+        <p:blipFill>
+          <a:blip r:embed="rId8">
+            <a:extLst>
+              <a:ext uri="{28A0092B-C50C-407E-A947-70E740481C1C}">
+                <a14:useLocalDpi xmlns:a14="http://schemas.microsoft.com/office/drawing/2010/main" val="0"/>
+              </a:ext>
+            </a:extLst>
+          </a:blip>
+          <a:srcRect/>
+          <a:stretch>
+            <a:fillRect/>
+          </a:stretch>
+        </p:blipFill>
+        <p:spPr bwMode="auto">
+          <a:xfrm>
+            <a:off x="4007318" y="3956995"/>
+            <a:ext cx="3971506" cy="542925"/>
+          </a:xfrm>
+          <a:prstGeom prst="rect">
+            <a:avLst/>
+          </a:prstGeom>
+          <a:noFill/>
+          <a:ln>
+            <a:noFill/>
+          </a:ln>
+          <a:effectLst/>
+          <a:extLst>
+            <a:ext uri="{909E8E84-426E-40DD-AFC4-6F175D3DCCD1}">
+              <a14:hiddenFill xmlns:a14="http://schemas.microsoft.com/office/drawing/2010/main">
+                <a:solidFill>
+                  <a:schemeClr val="accent1"/>
+                </a:solidFill>
+              </a14:hiddenFill>
+            </a:ext>
+            <a:ext uri="{91240B29-F687-4F45-9708-019B960494DF}">
+              <a14:hiddenLine xmlns:a14="http://schemas.microsoft.com/office/drawing/2010/main" w="9525">
+                <a:solidFill>
+                  <a:schemeClr val="tx1"/>
+                </a:solidFill>
+                <a:miter lim="800000"/>
+                <a:headEnd/>
+                <a:tailEnd/>
+              </a14:hiddenLine>
+            </a:ext>
+            <a:ext uri="{AF507438-7753-43E0-B8FC-AC1667EBCBE1}">
+              <a14:hiddenEffects xmlns:a14="http://schemas.microsoft.com/office/drawing/2010/main">
+                <a:effectLst>
+                  <a:outerShdw dist="35921" dir="2700000" algn="ctr" rotWithShape="0">
+                    <a:schemeClr val="bg2"/>
+                  </a:outerShdw>
+                </a:effectLst>
+              </a14:hiddenEffects>
+            </a:ext>
+          </a:extLst>
+        </p:spPr>
+      </p:pic>
+      <p:graphicFrame>
+        <p:nvGraphicFramePr>
+          <p:cNvPr id="43" name="표 42"/>
+          <p:cNvGraphicFramePr>
+            <a:graphicFrameLocks noGrp="1"/>
+          </p:cNvGraphicFramePr>
+          <p:nvPr>
+            <p:extLst>
+              <p:ext uri="{D42A27DB-BD31-4B8C-83A1-F6EECF244321}">
+                <p14:modId xmlns:p14="http://schemas.microsoft.com/office/powerpoint/2010/main" val="3803700025"/>
+              </p:ext>
+            </p:extLst>
+          </p:nvPr>
+        </p:nvGraphicFramePr>
+        <p:xfrm>
+          <a:off x="1604305" y="4771727"/>
+          <a:ext cx="2218600" cy="1775439"/>
+        </p:xfrm>
+        <a:graphic>
+          <a:graphicData uri="http://schemas.openxmlformats.org/drawingml/2006/table">
+            <a:tbl>
+              <a:tblPr>
+                <a:tableStyleId>{F5AB1C69-6EDB-4FF4-983F-18BD219EF322}</a:tableStyleId>
+              </a:tblPr>
+              <a:tblGrid>
+                <a:gridCol w="2218600"/>
+              </a:tblGrid>
+              <a:tr h="332936">
+                <a:tc>
+                  <a:txBody>
+                    <a:bodyPr/>
+                    <a:lstStyle/>
+                    <a:p>
+                      <a:pPr latinLnBrk="1"/>
+                      <a:r>
+                        <a:rPr lang="ko-KR" altLang="en-US" sz="1400" b="0" dirty="0" err="1" smtClean="0">
+                          <a:ln>
+                            <a:noFill/>
+                          </a:ln>
+                          <a:solidFill>
+                            <a:schemeClr val="dk1"/>
+                          </a:solidFill>
+                          <a:latin typeface="+mn-lt"/>
+                        </a:rPr>
+                        <a:t>진행중</a:t>
+                      </a:r>
+                      <a:r>
+                        <a:rPr lang="ko-KR" altLang="en-US" sz="1400" b="0" dirty="0" smtClean="0">
+                          <a:ln>
+                            <a:noFill/>
+                          </a:ln>
+                          <a:solidFill>
+                            <a:schemeClr val="dk1"/>
+                          </a:solidFill>
+                          <a:latin typeface="+mn-lt"/>
+                        </a:rPr>
+                        <a:t> 관련 토론</a:t>
+                      </a:r>
+                      <a:endParaRPr lang="ko-KR" altLang="en-US" sz="1400" b="1" dirty="0">
+                        <a:ln>
+                          <a:noFill/>
+                        </a:ln>
+                        <a:solidFill>
+                          <a:srgbClr val="00B050"/>
+                        </a:solidFill>
+                        <a:latin typeface="+mn-lt"/>
+                      </a:endParaRPr>
+                    </a:p>
+                  </a:txBody>
+                  <a:tcPr>
+                    <a:solidFill>
+                      <a:schemeClr val="bg1">
+                        <a:lumMod val="85000"/>
+                      </a:schemeClr>
+                    </a:solidFill>
+                  </a:tcPr>
+                </a:tc>
+              </a:tr>
+              <a:tr h="332936">
+                <a:tc>
+                  <a:txBody>
+                    <a:bodyPr/>
+                    <a:lstStyle/>
+                    <a:p>
+                      <a:pPr latinLnBrk="1"/>
+                      <a:r>
+                        <a:rPr lang="ko-KR" altLang="en-US" sz="1200" dirty="0" smtClean="0">
+                          <a:ln>
+                            <a:noFill/>
+                          </a:ln>
+                        </a:rPr>
+                        <a:t>원빈은 미남인가</a:t>
+                      </a:r>
+                      <a:r>
+                        <a:rPr lang="en-US" altLang="ko-KR" sz="1200" dirty="0" smtClean="0">
+                          <a:ln>
+                            <a:noFill/>
+                          </a:ln>
+                        </a:rPr>
+                        <a:t>?</a:t>
+                      </a:r>
+                      <a:endParaRPr lang="ko-KR" altLang="en-US" sz="1200" b="0" dirty="0">
+                        <a:ln>
+                          <a:noFill/>
+                        </a:ln>
+                        <a:solidFill>
+                          <a:schemeClr val="tx1"/>
+                        </a:solidFill>
+                        <a:latin typeface="+mn-lt"/>
+                      </a:endParaRPr>
+                    </a:p>
+                  </a:txBody>
+                  <a:tcPr>
+                    <a:solidFill>
+                      <a:schemeClr val="bg1">
+                        <a:lumMod val="85000"/>
+                      </a:schemeClr>
+                    </a:solidFill>
+                  </a:tcPr>
+                </a:tc>
+              </a:tr>
+              <a:tr h="332936">
+                <a:tc>
+                  <a:txBody>
+                    <a:bodyPr/>
+                    <a:lstStyle/>
+                    <a:p>
+                      <a:pPr latinLnBrk="1"/>
+                      <a:r>
+                        <a:rPr lang="ko-KR" altLang="en-US" sz="1200" dirty="0" smtClean="0"/>
+                        <a:t>장동건은 꼴뚜기인가</a:t>
+                      </a:r>
+                      <a:r>
+                        <a:rPr lang="en-US" altLang="ko-KR" sz="1200" dirty="0" smtClean="0"/>
+                        <a:t>?</a:t>
+                      </a:r>
+                      <a:endParaRPr lang="ko-KR" altLang="en-US" sz="1200" dirty="0"/>
+                    </a:p>
+                  </a:txBody>
+                  <a:tcPr>
+                    <a:solidFill>
+                      <a:schemeClr val="bg1">
+                        <a:lumMod val="85000"/>
+                      </a:schemeClr>
+                    </a:solidFill>
+                  </a:tcPr>
+                </a:tc>
+              </a:tr>
+              <a:tr h="776631">
+                <a:tc>
+                  <a:txBody>
+                    <a:bodyPr/>
+                    <a:lstStyle/>
+                    <a:p>
+                      <a:pPr latinLnBrk="1"/>
+                      <a:endParaRPr lang="ko-KR" altLang="en-US" dirty="0"/>
+                    </a:p>
+                  </a:txBody>
+                  <a:tcPr>
+                    <a:solidFill>
+                      <a:schemeClr val="bg1">
+                        <a:lumMod val="85000"/>
+                      </a:schemeClr>
+                    </a:solidFill>
+                  </a:tcPr>
+                </a:tc>
+              </a:tr>
+            </a:tbl>
+          </a:graphicData>
+        </a:graphic>
+      </p:graphicFrame>
+      <p:sp>
+        <p:nvSpPr>
+          <p:cNvPr id="3" name="모서리가 둥근 직사각형 2"/>
+          <p:cNvSpPr/>
+          <p:nvPr/>
+        </p:nvSpPr>
+        <p:spPr>
+          <a:xfrm>
+            <a:off x="3926562" y="4653136"/>
+            <a:ext cx="4245838" cy="720080"/>
+          </a:xfrm>
+          <a:prstGeom prst="roundRect">
+            <a:avLst/>
+          </a:prstGeom>
+          <a:solidFill>
+            <a:schemeClr val="accent5">
+              <a:lumMod val="20000"/>
+              <a:lumOff val="80000"/>
+            </a:schemeClr>
+          </a:solidFill>
+          <a:ln>
+            <a:solidFill>
+              <a:schemeClr val="accent5">
+                <a:lumMod val="20000"/>
+                <a:lumOff val="80000"/>
+              </a:schemeClr>
+            </a:solidFill>
+          </a:ln>
+        </p:spPr>
+        <p:style>
+          <a:lnRef idx="2">
+            <a:schemeClr val="accent1">
+              <a:shade val="50000"/>
+            </a:schemeClr>
+          </a:lnRef>
+          <a:fillRef idx="1">
+            <a:schemeClr val="accent1"/>
+          </a:fillRef>
+          <a:effectRef idx="0">
+            <a:schemeClr val="accent1"/>
+          </a:effectRef>
+          <a:fontRef idx="minor">
+            <a:schemeClr val="lt1"/>
+          </a:fontRef>
+        </p:style>
+        <p:txBody>
+          <a:bodyPr rtlCol="0" anchor="ctr"/>
+          <a:lstStyle/>
+          <a:p>
+            <a:pPr algn="ctr"/>
+            <a:r>
+              <a:rPr lang="ko-KR" altLang="en-US" sz="1100" dirty="0" smtClean="0">
+                <a:solidFill>
+                  <a:sysClr val="windowText" lastClr="000000"/>
+                </a:solidFill>
+              </a:rPr>
+              <a:t>본 소주제는 </a:t>
+            </a:r>
+            <a:r>
+              <a:rPr lang="en-US" altLang="ko-KR" sz="1100" dirty="0" smtClean="0">
+                <a:solidFill>
+                  <a:sysClr val="windowText" lastClr="000000"/>
+                </a:solidFill>
+              </a:rPr>
+              <a:t>1</a:t>
+            </a:r>
+            <a:r>
+              <a:rPr lang="ko-KR" altLang="en-US" sz="1100" dirty="0" smtClean="0">
+                <a:solidFill>
+                  <a:sysClr val="windowText" lastClr="000000"/>
+                </a:solidFill>
+              </a:rPr>
+              <a:t>시간 뒤에 종료되며 </a:t>
+            </a:r>
+            <a:r>
+              <a:rPr lang="en-US" altLang="ko-KR" sz="1100" dirty="0" smtClean="0">
+                <a:solidFill>
+                  <a:sysClr val="windowText" lastClr="000000"/>
+                </a:solidFill>
+              </a:rPr>
+              <a:t>5</a:t>
+            </a:r>
+            <a:r>
+              <a:rPr lang="ko-KR" altLang="en-US" sz="1100" dirty="0" smtClean="0">
+                <a:solidFill>
+                  <a:sysClr val="windowText" lastClr="000000"/>
+                </a:solidFill>
+              </a:rPr>
+              <a:t>일 </a:t>
+            </a:r>
+            <a:r>
+              <a:rPr lang="en-US" altLang="ko-KR" sz="1100" dirty="0" smtClean="0">
+                <a:solidFill>
+                  <a:sysClr val="windowText" lastClr="000000"/>
+                </a:solidFill>
+              </a:rPr>
+              <a:t>17</a:t>
+            </a:r>
+            <a:r>
+              <a:rPr lang="ko-KR" altLang="en-US" sz="1100" dirty="0" smtClean="0">
+                <a:solidFill>
+                  <a:sysClr val="windowText" lastClr="000000"/>
+                </a:solidFill>
+              </a:rPr>
+              <a:t>시부터</a:t>
+            </a:r>
+            <a:endParaRPr lang="en-US" altLang="ko-KR" sz="1100" dirty="0" smtClean="0">
+              <a:solidFill>
+                <a:sysClr val="windowText" lastClr="000000"/>
+              </a:solidFill>
+            </a:endParaRPr>
+          </a:p>
+          <a:p>
+            <a:pPr algn="ctr"/>
+            <a:r>
+              <a:rPr lang="ko-KR" altLang="en-US" sz="1100" dirty="0" smtClean="0">
+                <a:solidFill>
+                  <a:sysClr val="windowText" lastClr="000000"/>
+                </a:solidFill>
+              </a:rPr>
+              <a:t>다음 소주제인 </a:t>
+            </a:r>
+            <a:r>
+              <a:rPr lang="en-US" altLang="ko-KR" sz="1100" dirty="0" smtClean="0">
+                <a:solidFill>
+                  <a:sysClr val="windowText" lastClr="000000"/>
+                </a:solidFill>
+              </a:rPr>
+              <a:t>“-----------”</a:t>
+            </a:r>
+            <a:r>
+              <a:rPr lang="ko-KR" altLang="en-US" sz="1100" dirty="0" smtClean="0">
+                <a:solidFill>
+                  <a:sysClr val="windowText" lastClr="000000"/>
+                </a:solidFill>
+              </a:rPr>
+              <a:t>에 대한 토론이 시작됩니다</a:t>
+            </a:r>
+            <a:r>
+              <a:rPr lang="en-US" altLang="ko-KR" sz="1100" dirty="0" smtClean="0">
+                <a:solidFill>
+                  <a:sysClr val="windowText" lastClr="000000"/>
+                </a:solidFill>
+              </a:rPr>
+              <a:t>.</a:t>
+            </a:r>
+            <a:r>
+              <a:rPr lang="ko-KR" altLang="en-US" sz="1400" dirty="0" smtClean="0">
+                <a:solidFill>
+                  <a:sysClr val="windowText" lastClr="000000"/>
+                </a:solidFill>
+              </a:rPr>
+              <a:t> </a:t>
+            </a:r>
+            <a:endParaRPr lang="ko-KR" altLang="en-US" sz="1400" dirty="0">
+              <a:solidFill>
+                <a:sysClr val="windowText" lastClr="000000"/>
+              </a:solidFill>
+            </a:endParaRPr>
+          </a:p>
+        </p:txBody>
+      </p:sp>
+      <p:pic>
+        <p:nvPicPr>
+          <p:cNvPr id="44" name="Picture 10" descr="C:\Users\Administrator\Downloads\MC900441321.PNG"/>
+          <p:cNvPicPr>
+            <a:picLocks noChangeAspect="1" noChangeArrowheads="1"/>
+          </p:cNvPicPr>
+          <p:nvPr/>
+        </p:nvPicPr>
+        <p:blipFill>
+          <a:blip r:embed="rId9" cstate="print">
+            <a:extLst>
+              <a:ext uri="{28A0092B-C50C-407E-A947-70E740481C1C}">
+                <a14:useLocalDpi xmlns:a14="http://schemas.microsoft.com/office/drawing/2010/main" val="0"/>
+              </a:ext>
+            </a:extLst>
+          </a:blip>
+          <a:srcRect/>
+          <a:stretch>
+            <a:fillRect/>
+          </a:stretch>
+        </p:blipFill>
+        <p:spPr bwMode="auto">
+          <a:xfrm>
+            <a:off x="7488344" y="1988840"/>
+            <a:ext cx="180000" cy="180000"/>
+          </a:xfrm>
+          <a:prstGeom prst="rect">
+            <a:avLst/>
+          </a:prstGeom>
+          <a:noFill/>
+          <a:extLst>
+            <a:ext uri="{909E8E84-426E-40DD-AFC4-6F175D3DCCD1}">
+              <a14:hiddenFill xmlns:a14="http://schemas.microsoft.com/office/drawing/2010/main">
+                <a:solidFill>
+                  <a:srgbClr val="FFFFFF"/>
+                </a:solidFill>
+              </a14:hiddenFill>
+            </a:ext>
+          </a:extLst>
+        </p:spPr>
+      </p:pic>
+      <p:pic>
+        <p:nvPicPr>
+          <p:cNvPr id="45" name="Picture 11" descr="C:\Users\Administrator\Downloads\MC900441322.PNG"/>
+          <p:cNvPicPr>
+            <a:picLocks noChangeAspect="1" noChangeArrowheads="1"/>
+          </p:cNvPicPr>
+          <p:nvPr/>
+        </p:nvPicPr>
+        <p:blipFill>
+          <a:blip r:embed="rId10" cstate="print">
+            <a:extLst>
+              <a:ext uri="{28A0092B-C50C-407E-A947-70E740481C1C}">
+                <a14:useLocalDpi xmlns:a14="http://schemas.microsoft.com/office/drawing/2010/main" val="0"/>
+              </a:ext>
+            </a:extLst>
+          </a:blip>
+          <a:srcRect/>
+          <a:stretch>
+            <a:fillRect/>
+          </a:stretch>
+        </p:blipFill>
+        <p:spPr bwMode="auto">
+          <a:xfrm>
+            <a:off x="7079156" y="1956898"/>
+            <a:ext cx="180000" cy="180000"/>
+          </a:xfrm>
+          <a:prstGeom prst="rect">
+            <a:avLst/>
+          </a:prstGeom>
+          <a:noFill/>
+          <a:extLst>
+            <a:ext uri="{909E8E84-426E-40DD-AFC4-6F175D3DCCD1}">
+              <a14:hiddenFill xmlns:a14="http://schemas.microsoft.com/office/drawing/2010/main">
+                <a:solidFill>
+                  <a:srgbClr val="FFFFFF"/>
+                </a:solidFill>
+              </a14:hiddenFill>
+            </a:ext>
+          </a:extLst>
+        </p:spPr>
+      </p:pic>
+      <p:sp>
+        <p:nvSpPr>
+          <p:cNvPr id="41" name="모서리가 둥근 직사각형 40"/>
+          <p:cNvSpPr/>
+          <p:nvPr/>
+        </p:nvSpPr>
+        <p:spPr>
+          <a:xfrm>
+            <a:off x="3926562" y="3913716"/>
+            <a:ext cx="4078425" cy="668988"/>
+          </a:xfrm>
+          <a:prstGeom prst="roundRect">
+            <a:avLst/>
+          </a:prstGeom>
+          <a:noFill/>
+          <a:ln w="38100">
+            <a:solidFill>
+              <a:srgbClr val="002060">
+                <a:alpha val="20000"/>
+              </a:srgbClr>
+            </a:solidFill>
+          </a:ln>
+        </p:spPr>
+        <p:style>
+          <a:lnRef idx="2">
+            <a:schemeClr val="accent1">
+              <a:shade val="50000"/>
+            </a:schemeClr>
+          </a:lnRef>
+          <a:fillRef idx="1">
+            <a:schemeClr val="accent1"/>
+          </a:fillRef>
+          <a:effectRef idx="0">
+            <a:schemeClr val="accent1"/>
+          </a:effectRef>
+          <a:fontRef idx="minor">
+            <a:schemeClr val="lt1"/>
+          </a:fontRef>
+        </p:style>
+        <p:txBody>
+          <a:bodyPr rtlCol="0" anchor="ctr"/>
+          <a:lstStyle/>
+          <a:p>
+            <a:pPr algn="ctr"/>
+            <a:endParaRPr lang="ko-KR" altLang="en-US">
+              <a:solidFill>
+                <a:schemeClr val="accent5">
+                  <a:lumMod val="60000"/>
+                  <a:lumOff val="40000"/>
+                </a:schemeClr>
+              </a:solidFill>
+            </a:endParaRPr>
+          </a:p>
+        </p:txBody>
+      </p:sp>
+      <p:pic>
+        <p:nvPicPr>
+          <p:cNvPr id="46" name="Picture 10" descr="C:\Users\Administrator\Downloads\MC900441321.PNG"/>
+          <p:cNvPicPr>
+            <a:picLocks noChangeAspect="1" noChangeArrowheads="1"/>
+          </p:cNvPicPr>
+          <p:nvPr/>
+        </p:nvPicPr>
+        <p:blipFill>
+          <a:blip r:embed="rId9" cstate="print">
+            <a:extLst>
+              <a:ext uri="{28A0092B-C50C-407E-A947-70E740481C1C}">
+                <a14:useLocalDpi xmlns:a14="http://schemas.microsoft.com/office/drawing/2010/main" val="0"/>
+              </a:ext>
+            </a:extLst>
+          </a:blip>
+          <a:srcRect/>
+          <a:stretch>
+            <a:fillRect/>
+          </a:stretch>
+        </p:blipFill>
+        <p:spPr bwMode="auto">
+          <a:xfrm>
+            <a:off x="7772298" y="2974131"/>
+            <a:ext cx="180000" cy="180000"/>
+          </a:xfrm>
+          <a:prstGeom prst="rect">
+            <a:avLst/>
+          </a:prstGeom>
+          <a:noFill/>
+          <a:extLst>
+            <a:ext uri="{909E8E84-426E-40DD-AFC4-6F175D3DCCD1}">
+              <a14:hiddenFill xmlns:a14="http://schemas.microsoft.com/office/drawing/2010/main">
+                <a:solidFill>
+                  <a:srgbClr val="FFFFFF"/>
+                </a:solidFill>
+              </a14:hiddenFill>
+            </a:ext>
+          </a:extLst>
+        </p:spPr>
+      </p:pic>
+      <p:pic>
+        <p:nvPicPr>
+          <p:cNvPr id="47" name="Picture 11" descr="C:\Users\Administrator\Downloads\MC900441322.PNG"/>
+          <p:cNvPicPr>
+            <a:picLocks noChangeAspect="1" noChangeArrowheads="1"/>
+          </p:cNvPicPr>
+          <p:nvPr/>
+        </p:nvPicPr>
+        <p:blipFill>
+          <a:blip r:embed="rId10" cstate="print">
+            <a:extLst>
+              <a:ext uri="{28A0092B-C50C-407E-A947-70E740481C1C}">
+                <a14:useLocalDpi xmlns:a14="http://schemas.microsoft.com/office/drawing/2010/main" val="0"/>
+              </a:ext>
+            </a:extLst>
+          </a:blip>
+          <a:srcRect/>
+          <a:stretch>
+            <a:fillRect/>
+          </a:stretch>
+        </p:blipFill>
+        <p:spPr bwMode="auto">
+          <a:xfrm>
+            <a:off x="7543150" y="2942189"/>
+            <a:ext cx="180000" cy="180000"/>
+          </a:xfrm>
+          <a:prstGeom prst="rect">
+            <a:avLst/>
+          </a:prstGeom>
+          <a:noFill/>
+          <a:extLst>
+            <a:ext uri="{909E8E84-426E-40DD-AFC4-6F175D3DCCD1}">
+              <a14:hiddenFill xmlns:a14="http://schemas.microsoft.com/office/drawing/2010/main">
+                <a:solidFill>
+                  <a:srgbClr val="FFFFFF"/>
+                </a:solidFill>
+              </a14:hiddenFill>
+            </a:ext>
+          </a:extLst>
+        </p:spPr>
+      </p:pic>
+      <p:pic>
+        <p:nvPicPr>
+          <p:cNvPr id="48" name="Picture 10" descr="C:\Users\Administrator\Downloads\MC900441321.PNG"/>
+          <p:cNvPicPr>
+            <a:picLocks noChangeAspect="1" noChangeArrowheads="1"/>
+          </p:cNvPicPr>
+          <p:nvPr/>
+        </p:nvPicPr>
+        <p:blipFill>
+          <a:blip r:embed="rId9" cstate="print">
+            <a:extLst>
+              <a:ext uri="{28A0092B-C50C-407E-A947-70E740481C1C}">
+                <a14:useLocalDpi xmlns:a14="http://schemas.microsoft.com/office/drawing/2010/main" val="0"/>
+              </a:ext>
+            </a:extLst>
+          </a:blip>
+          <a:srcRect/>
+          <a:stretch>
+            <a:fillRect/>
+          </a:stretch>
+        </p:blipFill>
+        <p:spPr bwMode="auto">
+          <a:xfrm>
+            <a:off x="4227046" y="3670396"/>
+            <a:ext cx="180000" cy="180000"/>
+          </a:xfrm>
+          <a:prstGeom prst="rect">
+            <a:avLst/>
+          </a:prstGeom>
+          <a:noFill/>
+          <a:extLst>
+            <a:ext uri="{909E8E84-426E-40DD-AFC4-6F175D3DCCD1}">
+              <a14:hiddenFill xmlns:a14="http://schemas.microsoft.com/office/drawing/2010/main">
+                <a:solidFill>
+                  <a:srgbClr val="FFFFFF"/>
+                </a:solidFill>
+              </a14:hiddenFill>
+            </a:ext>
+          </a:extLst>
+        </p:spPr>
+      </p:pic>
+      <p:pic>
+        <p:nvPicPr>
+          <p:cNvPr id="49" name="Picture 11" descr="C:\Users\Administrator\Downloads\MC900441322.PNG"/>
+          <p:cNvPicPr>
+            <a:picLocks noChangeAspect="1" noChangeArrowheads="1"/>
+          </p:cNvPicPr>
+          <p:nvPr/>
+        </p:nvPicPr>
+        <p:blipFill>
+          <a:blip r:embed="rId10" cstate="print">
+            <a:extLst>
+              <a:ext uri="{28A0092B-C50C-407E-A947-70E740481C1C}">
+                <a14:useLocalDpi xmlns:a14="http://schemas.microsoft.com/office/drawing/2010/main" val="0"/>
+              </a:ext>
+            </a:extLst>
+          </a:blip>
+          <a:srcRect/>
+          <a:stretch>
+            <a:fillRect/>
+          </a:stretch>
+        </p:blipFill>
+        <p:spPr bwMode="auto">
+          <a:xfrm>
+            <a:off x="3997898" y="3638454"/>
+            <a:ext cx="180000" cy="180000"/>
+          </a:xfrm>
+          <a:prstGeom prst="rect">
+            <a:avLst/>
+          </a:prstGeom>
+          <a:noFill/>
+          <a:extLst>
+            <a:ext uri="{909E8E84-426E-40DD-AFC4-6F175D3DCCD1}">
+              <a14:hiddenFill xmlns:a14="http://schemas.microsoft.com/office/drawing/2010/main">
+                <a:solidFill>
+                  <a:srgbClr val="FFFFFF"/>
+                </a:solidFill>
+              </a14:hiddenFill>
+            </a:ext>
+          </a:extLst>
+        </p:spPr>
+      </p:pic>
+      <p:pic>
+        <p:nvPicPr>
+          <p:cNvPr id="50" name="Picture 10" descr="C:\Users\Administrator\Downloads\MC900441321.PNG"/>
+          <p:cNvPicPr>
+            <a:picLocks noChangeAspect="1" noChangeArrowheads="1"/>
+          </p:cNvPicPr>
+          <p:nvPr/>
+        </p:nvPicPr>
+        <p:blipFill>
+          <a:blip r:embed="rId9" cstate="print">
+            <a:extLst>
+              <a:ext uri="{28A0092B-C50C-407E-A947-70E740481C1C}">
+                <a14:useLocalDpi xmlns:a14="http://schemas.microsoft.com/office/drawing/2010/main" val="0"/>
+              </a:ext>
+            </a:extLst>
+          </a:blip>
+          <a:srcRect/>
+          <a:stretch>
+            <a:fillRect/>
+          </a:stretch>
+        </p:blipFill>
+        <p:spPr bwMode="auto">
+          <a:xfrm>
+            <a:off x="7772298" y="4402704"/>
+            <a:ext cx="180000" cy="180000"/>
+          </a:xfrm>
+          <a:prstGeom prst="rect">
+            <a:avLst/>
+          </a:prstGeom>
+          <a:noFill/>
+          <a:extLst>
+            <a:ext uri="{909E8E84-426E-40DD-AFC4-6F175D3DCCD1}">
+              <a14:hiddenFill xmlns:a14="http://schemas.microsoft.com/office/drawing/2010/main">
+                <a:solidFill>
+                  <a:srgbClr val="FFFFFF"/>
+                </a:solidFill>
+              </a14:hiddenFill>
+            </a:ext>
+          </a:extLst>
+        </p:spPr>
+      </p:pic>
+      <p:pic>
+        <p:nvPicPr>
+          <p:cNvPr id="51" name="Picture 11" descr="C:\Users\Administrator\Downloads\MC900441322.PNG"/>
+          <p:cNvPicPr>
+            <a:picLocks noChangeAspect="1" noChangeArrowheads="1"/>
+          </p:cNvPicPr>
+          <p:nvPr/>
+        </p:nvPicPr>
+        <p:blipFill>
+          <a:blip r:embed="rId10" cstate="print">
+            <a:extLst>
+              <a:ext uri="{28A0092B-C50C-407E-A947-70E740481C1C}">
+                <a14:useLocalDpi xmlns:a14="http://schemas.microsoft.com/office/drawing/2010/main" val="0"/>
+              </a:ext>
+            </a:extLst>
+          </a:blip>
+          <a:srcRect/>
+          <a:stretch>
+            <a:fillRect/>
+          </a:stretch>
+        </p:blipFill>
+        <p:spPr bwMode="auto">
+          <a:xfrm>
+            <a:off x="7543150" y="4370762"/>
+            <a:ext cx="180000" cy="180000"/>
+          </a:xfrm>
+          <a:prstGeom prst="rect">
+            <a:avLst/>
+          </a:prstGeom>
+          <a:noFill/>
+          <a:extLst>
+            <a:ext uri="{909E8E84-426E-40DD-AFC4-6F175D3DCCD1}">
+              <a14:hiddenFill xmlns:a14="http://schemas.microsoft.com/office/drawing/2010/main">
+                <a:solidFill>
+                  <a:srgbClr val="FFFFFF"/>
+                </a:solidFill>
+              </a14:hiddenFill>
+            </a:ext>
+          </a:extLst>
+        </p:spPr>
+      </p:pic>
+      <p:sp>
+        <p:nvSpPr>
+          <p:cNvPr id="4" name="TextBox 3"/>
+          <p:cNvSpPr txBox="1"/>
+          <p:nvPr/>
+        </p:nvSpPr>
+        <p:spPr>
+          <a:xfrm>
+            <a:off x="7235237" y="1890677"/>
+            <a:ext cx="248786" cy="246221"/>
+          </a:xfrm>
+          <a:prstGeom prst="rect">
+            <a:avLst/>
+          </a:prstGeom>
+          <a:noFill/>
+        </p:spPr>
+        <p:txBody>
+          <a:bodyPr wrap="none" rtlCol="0">
+            <a:spAutoFit/>
+          </a:bodyPr>
+          <a:lstStyle/>
+          <a:p>
+            <a:r>
+              <a:rPr lang="en-US" altLang="ko-KR" sz="1000" dirty="0"/>
+              <a:t>7</a:t>
+            </a:r>
+            <a:endParaRPr lang="ko-KR" altLang="en-US" sz="1000" dirty="0"/>
+          </a:p>
+        </p:txBody>
+      </p:sp>
+      <p:sp>
+        <p:nvSpPr>
+          <p:cNvPr id="52" name="TextBox 51"/>
+          <p:cNvSpPr txBox="1"/>
+          <p:nvPr/>
+        </p:nvSpPr>
+        <p:spPr>
+          <a:xfrm>
+            <a:off x="7668344" y="1916832"/>
+            <a:ext cx="261610" cy="246221"/>
+          </a:xfrm>
+          <a:prstGeom prst="rect">
+            <a:avLst/>
+          </a:prstGeom>
+          <a:noFill/>
+        </p:spPr>
+        <p:txBody>
+          <a:bodyPr wrap="none" rtlCol="0">
+            <a:spAutoFit/>
+          </a:bodyPr>
+          <a:lstStyle/>
+          <a:p>
+            <a:r>
+              <a:rPr lang="en-US" altLang="ko-KR" sz="1000" dirty="0"/>
+              <a:t>8</a:t>
+            </a:r>
+            <a:endParaRPr lang="ko-KR" altLang="en-US" sz="1000" dirty="0"/>
+          </a:p>
+        </p:txBody>
+      </p:sp>
+      <p:sp>
+        <p:nvSpPr>
+          <p:cNvPr id="5" name="모서리가 둥근 직사각형 4"/>
+          <p:cNvSpPr/>
+          <p:nvPr/>
+        </p:nvSpPr>
+        <p:spPr>
+          <a:xfrm>
+            <a:off x="1619672" y="4341777"/>
+            <a:ext cx="1080120" cy="271462"/>
+          </a:xfrm>
+          <a:prstGeom prst="roundRect">
+            <a:avLst/>
+          </a:prstGeom>
+          <a:solidFill>
+            <a:schemeClr val="bg1">
+              <a:lumMod val="50000"/>
+            </a:schemeClr>
+          </a:solidFill>
+          <a:ln>
+            <a:solidFill>
+              <a:schemeClr val="bg1">
+                <a:lumMod val="75000"/>
+              </a:schemeClr>
+            </a:solidFill>
+          </a:ln>
+        </p:spPr>
+        <p:style>
+          <a:lnRef idx="2">
+            <a:schemeClr val="accent1">
+              <a:shade val="50000"/>
+            </a:schemeClr>
+          </a:lnRef>
+          <a:fillRef idx="1">
+            <a:schemeClr val="accent1"/>
+          </a:fillRef>
+          <a:effectRef idx="0">
+            <a:schemeClr val="accent1"/>
+          </a:effectRef>
+          <a:fontRef idx="minor">
+            <a:schemeClr val="lt1"/>
+          </a:fontRef>
+        </p:style>
+        <p:txBody>
+          <a:bodyPr rtlCol="0" anchor="ctr"/>
+          <a:lstStyle/>
+          <a:p>
+            <a:pPr algn="ctr"/>
+            <a:r>
+              <a:rPr lang="ko-KR" altLang="en-US" sz="900" dirty="0" smtClean="0"/>
+              <a:t>베스트 의견보기</a:t>
+            </a:r>
+            <a:endParaRPr lang="ko-KR" altLang="en-US" sz="900" dirty="0"/>
+          </a:p>
+        </p:txBody>
+      </p:sp>
+      <p:sp>
+        <p:nvSpPr>
+          <p:cNvPr id="53" name="모서리가 둥근 직사각형 52"/>
+          <p:cNvSpPr/>
+          <p:nvPr/>
+        </p:nvSpPr>
+        <p:spPr>
+          <a:xfrm>
+            <a:off x="2843808" y="4341777"/>
+            <a:ext cx="936104" cy="271462"/>
+          </a:xfrm>
+          <a:prstGeom prst="roundRect">
+            <a:avLst/>
+          </a:prstGeom>
+          <a:solidFill>
+            <a:schemeClr val="bg1">
+              <a:lumMod val="50000"/>
+            </a:schemeClr>
+          </a:solidFill>
+          <a:ln>
+            <a:solidFill>
+              <a:schemeClr val="bg1">
+                <a:lumMod val="75000"/>
+              </a:schemeClr>
+            </a:solidFill>
+          </a:ln>
+        </p:spPr>
+        <p:style>
+          <a:lnRef idx="2">
+            <a:schemeClr val="accent1">
+              <a:shade val="50000"/>
+            </a:schemeClr>
+          </a:lnRef>
+          <a:fillRef idx="1">
+            <a:schemeClr val="accent1"/>
+          </a:fillRef>
+          <a:effectRef idx="0">
+            <a:schemeClr val="accent1"/>
+          </a:effectRef>
+          <a:fontRef idx="minor">
+            <a:schemeClr val="lt1"/>
+          </a:fontRef>
+        </p:style>
+        <p:txBody>
+          <a:bodyPr rtlCol="0" anchor="ctr"/>
+          <a:lstStyle/>
+          <a:p>
+            <a:pPr algn="ctr"/>
+            <a:r>
+              <a:rPr lang="ko-KR" altLang="en-US" sz="900" dirty="0" err="1" smtClean="0"/>
+              <a:t>내가쓴글보기</a:t>
+            </a:r>
+            <a:endParaRPr lang="ko-KR" altLang="en-US" sz="900" dirty="0"/>
+          </a:p>
+        </p:txBody>
+      </p:sp>
+      <p:sp>
+        <p:nvSpPr>
+          <p:cNvPr id="54" name="TextBox 53"/>
+          <p:cNvSpPr txBox="1"/>
+          <p:nvPr/>
+        </p:nvSpPr>
+        <p:spPr>
+          <a:xfrm>
+            <a:off x="179512" y="51940"/>
+            <a:ext cx="6696744" cy="424732"/>
+          </a:xfrm>
+          <a:prstGeom prst="rect">
+            <a:avLst/>
+          </a:prstGeom>
+          <a:noFill/>
+        </p:spPr>
+        <p:txBody>
+          <a:bodyPr wrap="square" rtlCol="0">
+            <a:spAutoFit/>
+          </a:bodyPr>
+          <a:lstStyle/>
+          <a:p>
+            <a:pPr>
+              <a:lnSpc>
+                <a:spcPct val="90000"/>
+              </a:lnSpc>
+            </a:pPr>
+            <a:r>
+              <a:rPr lang="ko-KR" altLang="en-US" sz="2400" b="1" spc="-30" dirty="0" smtClean="0">
+                <a:solidFill>
+                  <a:srgbClr val="00A204"/>
+                </a:solidFill>
+                <a:latin typeface="+mn-ea"/>
+              </a:rPr>
+              <a:t>메인 디자인 </a:t>
+            </a:r>
+            <a:r>
+              <a:rPr lang="en-US" altLang="ko-KR" sz="2400" b="1" spc="-30" dirty="0" smtClean="0">
+                <a:solidFill>
+                  <a:srgbClr val="00A204"/>
+                </a:solidFill>
+                <a:latin typeface="+mn-ea"/>
+              </a:rPr>
+              <a:t>– </a:t>
+            </a:r>
+            <a:r>
+              <a:rPr lang="ko-KR" altLang="en-US" b="1" spc="-30" dirty="0" smtClean="0">
+                <a:solidFill>
+                  <a:srgbClr val="00A204"/>
+                </a:solidFill>
+                <a:latin typeface="+mn-ea"/>
+              </a:rPr>
+              <a:t>토</a:t>
+            </a:r>
+            <a:r>
+              <a:rPr lang="ko-KR" altLang="en-US" b="1" spc="-30" dirty="0">
+                <a:solidFill>
+                  <a:srgbClr val="00A204"/>
+                </a:solidFill>
+                <a:latin typeface="+mn-ea"/>
+              </a:rPr>
+              <a:t>론</a:t>
+            </a:r>
+            <a:r>
+              <a:rPr lang="ko-KR" altLang="en-US" b="1" spc="-30" dirty="0" smtClean="0">
+                <a:solidFill>
+                  <a:srgbClr val="00A204"/>
+                </a:solidFill>
+                <a:latin typeface="+mn-ea"/>
+              </a:rPr>
+              <a:t> 페이지</a:t>
+            </a:r>
+            <a:endParaRPr lang="ko-KR" altLang="en-US" sz="2400" b="1" spc="-30" dirty="0">
+              <a:solidFill>
+                <a:srgbClr val="00A204"/>
+              </a:solidFill>
+              <a:latin typeface="+mn-ea"/>
+            </a:endParaRPr>
+          </a:p>
+        </p:txBody>
+      </p:sp>
+      <p:grpSp>
+        <p:nvGrpSpPr>
+          <p:cNvPr id="55" name="그룹 54"/>
+          <p:cNvGrpSpPr/>
+          <p:nvPr/>
+        </p:nvGrpSpPr>
+        <p:grpSpPr>
+          <a:xfrm>
+            <a:off x="7956376" y="97582"/>
+            <a:ext cx="1080120" cy="450632"/>
+            <a:chOff x="3563888" y="683404"/>
+            <a:chExt cx="1080120" cy="450632"/>
+          </a:xfrm>
+        </p:grpSpPr>
+        <p:sp>
+          <p:nvSpPr>
+            <p:cNvPr id="56" name="TextBox 55"/>
+            <p:cNvSpPr txBox="1"/>
+            <p:nvPr/>
+          </p:nvSpPr>
+          <p:spPr>
+            <a:xfrm>
+              <a:off x="3563888" y="764704"/>
+              <a:ext cx="906034" cy="369332"/>
+            </a:xfrm>
+            <a:prstGeom prst="rect">
+              <a:avLst/>
+            </a:prstGeom>
+            <a:noFill/>
+          </p:spPr>
+          <p:txBody>
+            <a:bodyPr wrap="square" rtlCol="0">
+              <a:spAutoFit/>
+            </a:bodyPr>
+            <a:lstStyle/>
+            <a:p>
+              <a:r>
+                <a:rPr lang="en-US" altLang="ko-KR" b="1" spc="-300" dirty="0" err="1" smtClean="0">
+                  <a:solidFill>
+                    <a:srgbClr val="00A204"/>
+                  </a:solidFill>
+                  <a:latin typeface="Segoe UI" pitchFamily="34" charset="0"/>
+                  <a:ea typeface="Segoe UI" pitchFamily="34" charset="0"/>
+                  <a:cs typeface="Segoe UI" pitchFamily="34" charset="0"/>
+                </a:rPr>
+                <a:t>Akropolis</a:t>
+              </a:r>
+              <a:r>
+                <a:rPr lang="en-US" altLang="ko-KR" b="1" spc="-300" dirty="0" smtClean="0">
+                  <a:solidFill>
+                    <a:srgbClr val="00A204"/>
+                  </a:solidFill>
+                  <a:latin typeface="Segoe UI" pitchFamily="34" charset="0"/>
+                  <a:ea typeface="Segoe UI" pitchFamily="34" charset="0"/>
+                  <a:cs typeface="Segoe UI" pitchFamily="34" charset="0"/>
+                </a:rPr>
+                <a:t>  </a:t>
+              </a:r>
+              <a:endParaRPr lang="ko-KR" altLang="en-US" b="1" spc="-300" dirty="0">
+                <a:solidFill>
+                  <a:srgbClr val="00A204"/>
+                </a:solidFill>
+                <a:latin typeface="Segoe UI" pitchFamily="34" charset="0"/>
+                <a:ea typeface="HY목각파임B" pitchFamily="18" charset="-127"/>
+                <a:cs typeface="Segoe UI" pitchFamily="34" charset="0"/>
+              </a:endParaRPr>
+            </a:p>
+          </p:txBody>
+        </p:sp>
+        <p:sp>
+          <p:nvSpPr>
+            <p:cNvPr id="57" name="TextBox 56"/>
+            <p:cNvSpPr txBox="1"/>
+            <p:nvPr/>
+          </p:nvSpPr>
+          <p:spPr>
+            <a:xfrm>
+              <a:off x="4295836" y="683404"/>
+              <a:ext cx="348172" cy="369332"/>
+            </a:xfrm>
+            <a:prstGeom prst="rect">
+              <a:avLst/>
+            </a:prstGeom>
+            <a:noFill/>
+          </p:spPr>
+          <p:txBody>
+            <a:bodyPr wrap="none" rtlCol="0">
+              <a:spAutoFit/>
+            </a:bodyPr>
+            <a:lstStyle/>
+            <a:p>
+              <a:r>
+                <a:rPr lang="en-US" altLang="ko-KR" b="1" dirty="0" smtClean="0">
+                  <a:solidFill>
+                    <a:srgbClr val="00A204"/>
+                  </a:solidFill>
+                  <a:latin typeface="Segoe UI" pitchFamily="34" charset="0"/>
+                  <a:ea typeface="Segoe UI" pitchFamily="34" charset="0"/>
+                  <a:cs typeface="Segoe UI" pitchFamily="34" charset="0"/>
+                </a:rPr>
+                <a:t>+</a:t>
+              </a:r>
+              <a:endParaRPr lang="ko-KR" altLang="en-US" b="1" dirty="0">
+                <a:solidFill>
+                  <a:srgbClr val="00A204"/>
+                </a:solidFill>
+                <a:latin typeface="Segoe UI" pitchFamily="34" charset="0"/>
+                <a:cs typeface="Segoe UI" pitchFamily="34" charset="0"/>
+              </a:endParaRPr>
+            </a:p>
+          </p:txBody>
+        </p:sp>
+      </p:grpSp>
+    </p:spTree>
+    <p:extLst>
+      <p:ext uri="{BB962C8B-B14F-4D97-AF65-F5344CB8AC3E}">
+        <p14:creationId xmlns:p14="http://schemas.microsoft.com/office/powerpoint/2010/main" val="1022433301"/>
+      </p:ext>
+    </p:extLst>
+  </p:cSld>
+  <p:clrMapOvr>
+    <a:masterClrMapping/>
+  </p:clrMapOvr>
+  <p:transition/>
+  <p:timing>
+    <p:tnLst>
+      <p:par>
+        <p:cTn id="1" dur="indefinite" restart="never" nodeType="tmRoot"/>
+      </p:par>
+    </p:tnLst>
+  </p:timing>
+</p:sld>
+</file>
+
+<file path=ppt/slides/slide16.xml><?xml version="1.0" encoding="utf-8"?>
+<p:sld xmlns:a="http://schemas.openxmlformats.org/drawingml/2006/main" xmlns:r="http://schemas.openxmlformats.org/officeDocument/2006/relationships" xmlns:p="http://schemas.openxmlformats.org/presentationml/2006/main" showMasterSp="0">
+  <p:cSld>
+    <p:spTree>
+      <p:nvGrpSpPr>
+        <p:cNvPr id="1" name=""/>
+        <p:cNvGrpSpPr/>
+        <p:nvPr/>
+      </p:nvGrpSpPr>
+      <p:grpSpPr>
+        <a:xfrm>
+          <a:off x="0" y="0"/>
+          <a:ext cx="0" cy="0"/>
+          <a:chOff x="0" y="0"/>
+          <a:chExt cx="0" cy="0"/>
+        </a:xfrm>
+      </p:grpSpPr>
+      <p:cxnSp>
+        <p:nvCxnSpPr>
+          <p:cNvPr id="15" name="직선 연결선 14"/>
+          <p:cNvCxnSpPr/>
+          <p:nvPr/>
+        </p:nvCxnSpPr>
+        <p:spPr>
+          <a:xfrm>
+            <a:off x="251520" y="332656"/>
+            <a:ext cx="8640960" cy="0"/>
+          </a:xfrm>
+          <a:prstGeom prst="line">
+            <a:avLst/>
+          </a:prstGeom>
+          <a:ln w="3175">
+            <a:solidFill>
+              <a:srgbClr val="68727E"/>
+            </a:solidFill>
+          </a:ln>
+        </p:spPr>
+        <p:style>
+          <a:lnRef idx="1">
+            <a:schemeClr val="accent1"/>
+          </a:lnRef>
+          <a:fillRef idx="0">
+            <a:schemeClr val="accent1"/>
+          </a:fillRef>
+          <a:effectRef idx="0">
+            <a:schemeClr val="accent1"/>
+          </a:effectRef>
+          <a:fontRef idx="minor">
+            <a:schemeClr val="tx1"/>
+          </a:fontRef>
+        </p:style>
+      </p:cxnSp>
+      <p:sp>
+        <p:nvSpPr>
+          <p:cNvPr id="16" name="TextBox 15"/>
+          <p:cNvSpPr txBox="1"/>
+          <p:nvPr/>
+        </p:nvSpPr>
+        <p:spPr>
+          <a:xfrm>
+            <a:off x="179512" y="92643"/>
+            <a:ext cx="2339976" cy="178510"/>
+          </a:xfrm>
+          <a:prstGeom prst="rect">
+            <a:avLst/>
+          </a:prstGeom>
+          <a:noFill/>
+        </p:spPr>
+        <p:txBody>
+          <a:bodyPr wrap="square" rtlCol="0">
+            <a:spAutoFit/>
+          </a:bodyPr>
+          <a:lstStyle/>
+          <a:p>
+            <a:pPr>
+              <a:lnSpc>
+                <a:spcPct val="80000"/>
+              </a:lnSpc>
+            </a:pPr>
+            <a:r>
+              <a:rPr lang="en-US" altLang="ko-KR" sz="700" b="1" dirty="0" smtClean="0">
+                <a:solidFill>
+                  <a:schemeClr val="tx1">
+                    <a:lumMod val="75000"/>
+                    <a:lumOff val="25000"/>
+                  </a:schemeClr>
+                </a:solidFill>
+                <a:latin typeface="나눔고딕" pitchFamily="50" charset="-127"/>
+                <a:ea typeface="나눔고딕" pitchFamily="50" charset="-127"/>
+              </a:rPr>
+              <a:t>Design Plan   |   </a:t>
+            </a:r>
+            <a:r>
+              <a:rPr lang="ko-KR" altLang="en-US" sz="700" b="1" dirty="0" smtClean="0">
+                <a:solidFill>
+                  <a:schemeClr val="tx1">
+                    <a:lumMod val="75000"/>
+                    <a:lumOff val="25000"/>
+                  </a:schemeClr>
+                </a:solidFill>
+                <a:latin typeface="나눔고딕" pitchFamily="50" charset="-127"/>
+                <a:ea typeface="나눔고딕" pitchFamily="50" charset="-127"/>
+              </a:rPr>
+              <a:t>구역</a:t>
+            </a:r>
+            <a:endParaRPr lang="ko-KR" altLang="en-US" sz="700" b="1" dirty="0">
+              <a:solidFill>
+                <a:schemeClr val="tx1">
+                  <a:lumMod val="75000"/>
+                  <a:lumOff val="25000"/>
+                </a:schemeClr>
+              </a:solidFill>
+              <a:latin typeface="나눔고딕" pitchFamily="50" charset="-127"/>
+              <a:ea typeface="나눔고딕" pitchFamily="50" charset="-127"/>
+            </a:endParaRPr>
+          </a:p>
+        </p:txBody>
+      </p:sp>
+      <p:grpSp>
+        <p:nvGrpSpPr>
+          <p:cNvPr id="37" name="그룹 36"/>
+          <p:cNvGrpSpPr/>
+          <p:nvPr/>
+        </p:nvGrpSpPr>
+        <p:grpSpPr>
+          <a:xfrm>
+            <a:off x="7956376" y="242064"/>
+            <a:ext cx="1080120" cy="450632"/>
+            <a:chOff x="3563888" y="683404"/>
+            <a:chExt cx="1080120" cy="450632"/>
+          </a:xfrm>
+        </p:grpSpPr>
+        <p:sp>
+          <p:nvSpPr>
+            <p:cNvPr id="38" name="TextBox 37"/>
+            <p:cNvSpPr txBox="1"/>
+            <p:nvPr/>
+          </p:nvSpPr>
+          <p:spPr>
+            <a:xfrm>
+              <a:off x="3563888" y="764704"/>
+              <a:ext cx="906034" cy="369332"/>
+            </a:xfrm>
+            <a:prstGeom prst="rect">
+              <a:avLst/>
+            </a:prstGeom>
+            <a:noFill/>
+          </p:spPr>
+          <p:txBody>
+            <a:bodyPr wrap="square" rtlCol="0">
+              <a:spAutoFit/>
+            </a:bodyPr>
+            <a:lstStyle/>
+            <a:p>
+              <a:r>
+                <a:rPr lang="en-US" altLang="ko-KR" b="1" spc="-300" dirty="0" err="1" smtClean="0">
+                  <a:solidFill>
+                    <a:srgbClr val="00A204"/>
+                  </a:solidFill>
+                  <a:latin typeface="Segoe UI" pitchFamily="34" charset="0"/>
+                  <a:ea typeface="Segoe UI" pitchFamily="34" charset="0"/>
+                  <a:cs typeface="Segoe UI" pitchFamily="34" charset="0"/>
+                </a:rPr>
+                <a:t>Akropolis</a:t>
+              </a:r>
+              <a:r>
+                <a:rPr lang="en-US" altLang="ko-KR" b="1" spc="-300" dirty="0" smtClean="0">
+                  <a:solidFill>
+                    <a:srgbClr val="00A204"/>
+                  </a:solidFill>
+                  <a:latin typeface="Segoe UI" pitchFamily="34" charset="0"/>
+                  <a:ea typeface="Segoe UI" pitchFamily="34" charset="0"/>
+                  <a:cs typeface="Segoe UI" pitchFamily="34" charset="0"/>
+                </a:rPr>
+                <a:t>  </a:t>
+              </a:r>
+              <a:endParaRPr lang="ko-KR" altLang="en-US" b="1" spc="-300" dirty="0">
+                <a:solidFill>
+                  <a:srgbClr val="00A204"/>
+                </a:solidFill>
+                <a:latin typeface="Segoe UI" pitchFamily="34" charset="0"/>
+                <a:ea typeface="HY목각파임B" pitchFamily="18" charset="-127"/>
+                <a:cs typeface="Segoe UI" pitchFamily="34" charset="0"/>
+              </a:endParaRPr>
+            </a:p>
+          </p:txBody>
+        </p:sp>
+        <p:sp>
+          <p:nvSpPr>
+            <p:cNvPr id="39" name="TextBox 38"/>
+            <p:cNvSpPr txBox="1"/>
+            <p:nvPr/>
+          </p:nvSpPr>
+          <p:spPr>
+            <a:xfrm>
+              <a:off x="4295836" y="683404"/>
+              <a:ext cx="348172" cy="369332"/>
+            </a:xfrm>
+            <a:prstGeom prst="rect">
+              <a:avLst/>
+            </a:prstGeom>
+            <a:noFill/>
+          </p:spPr>
+          <p:txBody>
+            <a:bodyPr wrap="none" rtlCol="0">
+              <a:spAutoFit/>
+            </a:bodyPr>
+            <a:lstStyle/>
+            <a:p>
+              <a:r>
+                <a:rPr lang="en-US" altLang="ko-KR" b="1" dirty="0" smtClean="0">
+                  <a:solidFill>
+                    <a:srgbClr val="00A204"/>
+                  </a:solidFill>
+                  <a:latin typeface="Segoe UI" pitchFamily="34" charset="0"/>
+                  <a:ea typeface="Segoe UI" pitchFamily="34" charset="0"/>
+                  <a:cs typeface="Segoe UI" pitchFamily="34" charset="0"/>
+                </a:rPr>
+                <a:t>+</a:t>
+              </a:r>
+              <a:endParaRPr lang="ko-KR" altLang="en-US" b="1" dirty="0">
+                <a:solidFill>
+                  <a:srgbClr val="00A204"/>
+                </a:solidFill>
+                <a:latin typeface="Segoe UI" pitchFamily="34" charset="0"/>
+                <a:cs typeface="Segoe UI" pitchFamily="34" charset="0"/>
+              </a:endParaRPr>
+            </a:p>
+          </p:txBody>
+        </p:sp>
+      </p:grpSp>
+      <p:pic>
+        <p:nvPicPr>
+          <p:cNvPr id="11" name="그림 10"/>
+          <p:cNvPicPr/>
+          <p:nvPr/>
+        </p:nvPicPr>
+        <p:blipFill>
+          <a:blip r:embed="rId3" cstate="print"/>
+          <a:srcRect/>
+          <a:stretch>
+            <a:fillRect/>
+          </a:stretch>
+        </p:blipFill>
+        <p:spPr bwMode="auto">
+          <a:xfrm>
+            <a:off x="251520" y="1700808"/>
+            <a:ext cx="4157345" cy="3753485"/>
+          </a:xfrm>
+          <a:prstGeom prst="rect">
+            <a:avLst/>
+          </a:prstGeom>
+          <a:noFill/>
+          <a:ln w="9525">
+            <a:noFill/>
+            <a:miter lim="800000"/>
+            <a:headEnd/>
+            <a:tailEnd/>
+          </a:ln>
+        </p:spPr>
+      </p:pic>
+      <p:pic>
+        <p:nvPicPr>
+          <p:cNvPr id="13" name="그림 12"/>
+          <p:cNvPicPr/>
+          <p:nvPr/>
+        </p:nvPicPr>
+        <p:blipFill>
+          <a:blip r:embed="rId4" cstate="print"/>
+          <a:srcRect/>
+          <a:stretch>
+            <a:fillRect/>
+          </a:stretch>
+        </p:blipFill>
+        <p:spPr bwMode="auto">
+          <a:xfrm>
+            <a:off x="4823774" y="1700808"/>
+            <a:ext cx="4200100" cy="3702591"/>
+          </a:xfrm>
+          <a:prstGeom prst="rect">
+            <a:avLst/>
+          </a:prstGeom>
+          <a:noFill/>
+          <a:ln w="9525">
+            <a:noFill/>
+            <a:miter lim="800000"/>
+            <a:headEnd/>
+            <a:tailEnd/>
+          </a:ln>
+        </p:spPr>
+      </p:pic>
+      <p:sp>
+        <p:nvSpPr>
+          <p:cNvPr id="14" name="TextBox 13"/>
+          <p:cNvSpPr txBox="1"/>
+          <p:nvPr/>
+        </p:nvSpPr>
+        <p:spPr>
+          <a:xfrm>
+            <a:off x="179512" y="461804"/>
+            <a:ext cx="6696744" cy="424732"/>
+          </a:xfrm>
+          <a:prstGeom prst="rect">
+            <a:avLst/>
+          </a:prstGeom>
+          <a:noFill/>
+        </p:spPr>
+        <p:txBody>
+          <a:bodyPr wrap="square" rtlCol="0">
+            <a:spAutoFit/>
+          </a:bodyPr>
+          <a:lstStyle/>
+          <a:p>
+            <a:pPr>
+              <a:lnSpc>
+                <a:spcPct val="90000"/>
+              </a:lnSpc>
+            </a:pPr>
+            <a:r>
+              <a:rPr lang="ko-KR" altLang="en-US" sz="2400" b="1" spc="-30" dirty="0" smtClean="0">
+                <a:solidFill>
+                  <a:srgbClr val="00A204"/>
+                </a:solidFill>
+                <a:latin typeface="+mn-ea"/>
+              </a:rPr>
+              <a:t>개발계획 </a:t>
+            </a:r>
+            <a:r>
+              <a:rPr lang="en-US" altLang="ko-KR" sz="2400" b="1" spc="-30" dirty="0" smtClean="0">
+                <a:solidFill>
+                  <a:srgbClr val="00A204"/>
+                </a:solidFill>
+                <a:latin typeface="+mn-ea"/>
+              </a:rPr>
+              <a:t>- </a:t>
+            </a:r>
+            <a:r>
+              <a:rPr lang="ko-KR" altLang="en-US" sz="2400" b="1" spc="-30" dirty="0" smtClean="0">
+                <a:solidFill>
+                  <a:srgbClr val="00A204"/>
+                </a:solidFill>
+                <a:latin typeface="+mn-ea"/>
+              </a:rPr>
+              <a:t>스토리보드</a:t>
+            </a:r>
+            <a:endParaRPr lang="ko-KR" altLang="en-US" sz="2400" b="1" spc="-30" dirty="0">
+              <a:solidFill>
+                <a:srgbClr val="00A204"/>
+              </a:solidFill>
+              <a:latin typeface="+mn-ea"/>
+            </a:endParaRPr>
+          </a:p>
+        </p:txBody>
+      </p:sp>
+    </p:spTree>
+    <p:extLst>
+      <p:ext uri="{BB962C8B-B14F-4D97-AF65-F5344CB8AC3E}">
+        <p14:creationId xmlns:p14="http://schemas.microsoft.com/office/powerpoint/2010/main" val="1789143966"/>
+      </p:ext>
+    </p:extLst>
+  </p:cSld>
+  <p:clrMapOvr>
+    <a:masterClrMapping/>
+  </p:clrMapOvr>
+  <p:transition/>
+  <p:timing>
+    <p:tnLst>
+      <p:par>
+        <p:cTn id="1" dur="indefinite" restart="never" nodeType="tmRoot"/>
+      </p:par>
+    </p:tnLst>
+  </p:timing>
+</p:sld>
+</file>
+
+<file path=ppt/slides/slide17.xml><?xml version="1.0" encoding="utf-8"?>
+<p:sld xmlns:a="http://schemas.openxmlformats.org/drawingml/2006/main" xmlns:r="http://schemas.openxmlformats.org/officeDocument/2006/relationships" xmlns:p="http://schemas.openxmlformats.org/presentationml/2006/main" showMasterSp="0">
+  <p:cSld>
+    <p:spTree>
+      <p:nvGrpSpPr>
+        <p:cNvPr id="1" name=""/>
+        <p:cNvGrpSpPr/>
+        <p:nvPr/>
+      </p:nvGrpSpPr>
+      <p:grpSpPr>
+        <a:xfrm>
+          <a:off x="0" y="0"/>
+          <a:ext cx="0" cy="0"/>
+          <a:chOff x="0" y="0"/>
+          <a:chExt cx="0" cy="0"/>
+        </a:xfrm>
+      </p:grpSpPr>
+      <p:cxnSp>
+        <p:nvCxnSpPr>
+          <p:cNvPr id="15" name="직선 연결선 14"/>
+          <p:cNvCxnSpPr/>
+          <p:nvPr/>
+        </p:nvCxnSpPr>
+        <p:spPr>
+          <a:xfrm>
+            <a:off x="251520" y="332656"/>
+            <a:ext cx="8640960" cy="0"/>
+          </a:xfrm>
+          <a:prstGeom prst="line">
+            <a:avLst/>
+          </a:prstGeom>
+          <a:ln w="3175">
+            <a:solidFill>
+              <a:srgbClr val="68727E"/>
+            </a:solidFill>
+          </a:ln>
+        </p:spPr>
+        <p:style>
+          <a:lnRef idx="1">
+            <a:schemeClr val="accent1"/>
+          </a:lnRef>
+          <a:fillRef idx="0">
+            <a:schemeClr val="accent1"/>
+          </a:fillRef>
+          <a:effectRef idx="0">
+            <a:schemeClr val="accent1"/>
+          </a:effectRef>
+          <a:fontRef idx="minor">
+            <a:schemeClr val="tx1"/>
+          </a:fontRef>
+        </p:style>
+      </p:cxnSp>
+      <p:sp>
+        <p:nvSpPr>
+          <p:cNvPr id="12" name="TextBox 11"/>
+          <p:cNvSpPr txBox="1"/>
+          <p:nvPr/>
+        </p:nvSpPr>
+        <p:spPr>
+          <a:xfrm>
+            <a:off x="179512" y="461804"/>
+            <a:ext cx="6696744" cy="424732"/>
+          </a:xfrm>
+          <a:prstGeom prst="rect">
+            <a:avLst/>
+          </a:prstGeom>
+          <a:noFill/>
+        </p:spPr>
+        <p:txBody>
+          <a:bodyPr wrap="square" rtlCol="0">
+            <a:spAutoFit/>
+          </a:bodyPr>
+          <a:lstStyle/>
+          <a:p>
+            <a:pPr>
+              <a:lnSpc>
+                <a:spcPct val="90000"/>
+              </a:lnSpc>
+            </a:pPr>
+            <a:r>
+              <a:rPr lang="ko-KR" altLang="en-US" sz="2400" b="1" spc="-30" dirty="0" smtClean="0">
+                <a:solidFill>
+                  <a:srgbClr val="00A204"/>
+                </a:solidFill>
+                <a:latin typeface="+mn-ea"/>
+              </a:rPr>
+              <a:t>개발계획 </a:t>
+            </a:r>
+            <a:r>
+              <a:rPr lang="en-US" altLang="ko-KR" sz="2400" b="1" spc="-30" dirty="0" smtClean="0">
+                <a:solidFill>
+                  <a:srgbClr val="00A204"/>
+                </a:solidFill>
+                <a:latin typeface="+mn-ea"/>
+              </a:rPr>
+              <a:t>- </a:t>
+            </a:r>
+            <a:r>
+              <a:rPr lang="ko-KR" altLang="en-US" sz="2400" b="1" spc="-30" dirty="0" smtClean="0">
+                <a:solidFill>
+                  <a:srgbClr val="00A204"/>
+                </a:solidFill>
+                <a:latin typeface="+mn-ea"/>
+              </a:rPr>
+              <a:t>스토리보드</a:t>
+            </a:r>
+            <a:endParaRPr lang="ko-KR" altLang="en-US" sz="2400" b="1" spc="-30" dirty="0">
+              <a:solidFill>
+                <a:srgbClr val="00A204"/>
+              </a:solidFill>
+              <a:latin typeface="+mn-ea"/>
+            </a:endParaRPr>
+          </a:p>
+        </p:txBody>
+      </p:sp>
+      <p:sp>
+        <p:nvSpPr>
+          <p:cNvPr id="16" name="TextBox 15"/>
+          <p:cNvSpPr txBox="1"/>
+          <p:nvPr/>
+        </p:nvSpPr>
+        <p:spPr>
+          <a:xfrm>
+            <a:off x="179512" y="92643"/>
+            <a:ext cx="2339976" cy="178510"/>
+          </a:xfrm>
+          <a:prstGeom prst="rect">
+            <a:avLst/>
+          </a:prstGeom>
+          <a:noFill/>
+        </p:spPr>
+        <p:txBody>
+          <a:bodyPr wrap="square" rtlCol="0">
+            <a:spAutoFit/>
+          </a:bodyPr>
+          <a:lstStyle/>
+          <a:p>
+            <a:pPr>
+              <a:lnSpc>
+                <a:spcPct val="80000"/>
+              </a:lnSpc>
+            </a:pPr>
+            <a:r>
+              <a:rPr lang="en-US" altLang="ko-KR" sz="700" b="1" dirty="0" smtClean="0">
+                <a:solidFill>
+                  <a:schemeClr val="tx1">
+                    <a:lumMod val="75000"/>
+                    <a:lumOff val="25000"/>
+                  </a:schemeClr>
+                </a:solidFill>
+                <a:latin typeface="나눔고딕" pitchFamily="50" charset="-127"/>
+                <a:ea typeface="나눔고딕" pitchFamily="50" charset="-127"/>
+              </a:rPr>
+              <a:t>Design Plan   |   </a:t>
+            </a:r>
+            <a:r>
+              <a:rPr lang="ko-KR" altLang="en-US" sz="700" b="1" dirty="0" smtClean="0">
+                <a:solidFill>
+                  <a:schemeClr val="tx1">
+                    <a:lumMod val="75000"/>
+                    <a:lumOff val="25000"/>
+                  </a:schemeClr>
+                </a:solidFill>
+                <a:latin typeface="나눔고딕" pitchFamily="50" charset="-127"/>
+                <a:ea typeface="나눔고딕" pitchFamily="50" charset="-127"/>
+              </a:rPr>
+              <a:t>구역</a:t>
+            </a:r>
+            <a:endParaRPr lang="ko-KR" altLang="en-US" sz="700" b="1" dirty="0">
+              <a:solidFill>
+                <a:schemeClr val="tx1">
+                  <a:lumMod val="75000"/>
+                  <a:lumOff val="25000"/>
+                </a:schemeClr>
+              </a:solidFill>
+              <a:latin typeface="나눔고딕" pitchFamily="50" charset="-127"/>
+              <a:ea typeface="나눔고딕" pitchFamily="50" charset="-127"/>
+            </a:endParaRPr>
+          </a:p>
+        </p:txBody>
+      </p:sp>
+      <p:grpSp>
+        <p:nvGrpSpPr>
+          <p:cNvPr id="37" name="그룹 36"/>
+          <p:cNvGrpSpPr/>
+          <p:nvPr/>
+        </p:nvGrpSpPr>
+        <p:grpSpPr>
+          <a:xfrm>
+            <a:off x="7956376" y="242064"/>
+            <a:ext cx="1080120" cy="450632"/>
+            <a:chOff x="3563888" y="683404"/>
+            <a:chExt cx="1080120" cy="450632"/>
+          </a:xfrm>
+        </p:grpSpPr>
+        <p:sp>
+          <p:nvSpPr>
+            <p:cNvPr id="38" name="TextBox 37"/>
+            <p:cNvSpPr txBox="1"/>
+            <p:nvPr/>
+          </p:nvSpPr>
+          <p:spPr>
+            <a:xfrm>
+              <a:off x="3563888" y="764704"/>
+              <a:ext cx="906034" cy="369332"/>
+            </a:xfrm>
+            <a:prstGeom prst="rect">
+              <a:avLst/>
+            </a:prstGeom>
+            <a:noFill/>
+          </p:spPr>
+          <p:txBody>
+            <a:bodyPr wrap="square" rtlCol="0">
+              <a:spAutoFit/>
+            </a:bodyPr>
+            <a:lstStyle/>
+            <a:p>
+              <a:r>
+                <a:rPr lang="en-US" altLang="ko-KR" b="1" spc="-300" dirty="0" err="1" smtClean="0">
+                  <a:solidFill>
+                    <a:srgbClr val="00A204"/>
+                  </a:solidFill>
+                  <a:latin typeface="Segoe UI" pitchFamily="34" charset="0"/>
+                  <a:ea typeface="Segoe UI" pitchFamily="34" charset="0"/>
+                  <a:cs typeface="Segoe UI" pitchFamily="34" charset="0"/>
+                </a:rPr>
+                <a:t>Akropolis</a:t>
+              </a:r>
+              <a:r>
+                <a:rPr lang="en-US" altLang="ko-KR" b="1" spc="-300" dirty="0" smtClean="0">
+                  <a:solidFill>
+                    <a:srgbClr val="00A204"/>
+                  </a:solidFill>
+                  <a:latin typeface="Segoe UI" pitchFamily="34" charset="0"/>
+                  <a:ea typeface="Segoe UI" pitchFamily="34" charset="0"/>
+                  <a:cs typeface="Segoe UI" pitchFamily="34" charset="0"/>
+                </a:rPr>
+                <a:t>  </a:t>
+              </a:r>
+              <a:endParaRPr lang="ko-KR" altLang="en-US" b="1" spc="-300" dirty="0">
+                <a:solidFill>
+                  <a:srgbClr val="00A204"/>
+                </a:solidFill>
+                <a:latin typeface="Segoe UI" pitchFamily="34" charset="0"/>
+                <a:ea typeface="HY목각파임B" pitchFamily="18" charset="-127"/>
+                <a:cs typeface="Segoe UI" pitchFamily="34" charset="0"/>
+              </a:endParaRPr>
+            </a:p>
+          </p:txBody>
+        </p:sp>
+        <p:sp>
+          <p:nvSpPr>
+            <p:cNvPr id="39" name="TextBox 38"/>
+            <p:cNvSpPr txBox="1"/>
+            <p:nvPr/>
+          </p:nvSpPr>
+          <p:spPr>
+            <a:xfrm>
+              <a:off x="4295836" y="683404"/>
+              <a:ext cx="348172" cy="369332"/>
+            </a:xfrm>
+            <a:prstGeom prst="rect">
+              <a:avLst/>
+            </a:prstGeom>
+            <a:noFill/>
+          </p:spPr>
+          <p:txBody>
+            <a:bodyPr wrap="none" rtlCol="0">
+              <a:spAutoFit/>
+            </a:bodyPr>
+            <a:lstStyle/>
+            <a:p>
+              <a:r>
+                <a:rPr lang="en-US" altLang="ko-KR" b="1" dirty="0" smtClean="0">
+                  <a:solidFill>
+                    <a:srgbClr val="00A204"/>
+                  </a:solidFill>
+                  <a:latin typeface="Segoe UI" pitchFamily="34" charset="0"/>
+                  <a:ea typeface="Segoe UI" pitchFamily="34" charset="0"/>
+                  <a:cs typeface="Segoe UI" pitchFamily="34" charset="0"/>
+                </a:rPr>
+                <a:t>+</a:t>
+              </a:r>
+              <a:endParaRPr lang="ko-KR" altLang="en-US" b="1" dirty="0">
+                <a:solidFill>
+                  <a:srgbClr val="00A204"/>
+                </a:solidFill>
+                <a:latin typeface="Segoe UI" pitchFamily="34" charset="0"/>
+                <a:cs typeface="Segoe UI" pitchFamily="34" charset="0"/>
+              </a:endParaRPr>
+            </a:p>
+          </p:txBody>
+        </p:sp>
+      </p:grpSp>
+      <p:pic>
+        <p:nvPicPr>
+          <p:cNvPr id="9" name="그림 8"/>
+          <p:cNvPicPr/>
+          <p:nvPr/>
+        </p:nvPicPr>
+        <p:blipFill>
+          <a:blip r:embed="rId3" cstate="print"/>
+          <a:srcRect/>
+          <a:stretch>
+            <a:fillRect/>
+          </a:stretch>
+        </p:blipFill>
+        <p:spPr bwMode="auto">
+          <a:xfrm>
+            <a:off x="525909" y="1772816"/>
+            <a:ext cx="3902075" cy="3487420"/>
+          </a:xfrm>
+          <a:prstGeom prst="rect">
+            <a:avLst/>
+          </a:prstGeom>
+          <a:noFill/>
+          <a:ln w="9525">
+            <a:noFill/>
+            <a:miter lim="800000"/>
+            <a:headEnd/>
+            <a:tailEnd/>
+          </a:ln>
+        </p:spPr>
+      </p:pic>
+      <p:pic>
+        <p:nvPicPr>
+          <p:cNvPr id="10" name="그림 9"/>
+          <p:cNvPicPr/>
+          <p:nvPr/>
+        </p:nvPicPr>
+        <p:blipFill>
+          <a:blip r:embed="rId4" cstate="print"/>
+          <a:srcRect/>
+          <a:stretch>
+            <a:fillRect/>
+          </a:stretch>
+        </p:blipFill>
+        <p:spPr bwMode="auto">
+          <a:xfrm>
+            <a:off x="4919821" y="1700808"/>
+            <a:ext cx="3912870" cy="3519170"/>
+          </a:xfrm>
+          <a:prstGeom prst="rect">
+            <a:avLst/>
+          </a:prstGeom>
+          <a:noFill/>
+          <a:ln w="9525">
+            <a:noFill/>
+            <a:miter lim="800000"/>
+            <a:headEnd/>
+            <a:tailEnd/>
+          </a:ln>
+        </p:spPr>
+      </p:pic>
+    </p:spTree>
+    <p:extLst>
+      <p:ext uri="{BB962C8B-B14F-4D97-AF65-F5344CB8AC3E}">
+        <p14:creationId xmlns:p14="http://schemas.microsoft.com/office/powerpoint/2010/main" val="2698438564"/>
+      </p:ext>
+    </p:extLst>
+  </p:cSld>
+  <p:clrMapOvr>
+    <a:masterClrMapping/>
+  </p:clrMapOvr>
+  <p:transition/>
+  <p:timing>
+    <p:tnLst>
+      <p:par>
+        <p:cTn id="1" dur="indefinite" restart="never" nodeType="tmRoot"/>
+      </p:par>
+    </p:tnLst>
+  </p:timing>
+</p:sld>
+</file>
+
+<file path=ppt/slides/slide18.xml><?xml version="1.0" encoding="utf-8"?>
+<p:sld xmlns:a="http://schemas.openxmlformats.org/drawingml/2006/main" xmlns:r="http://schemas.openxmlformats.org/officeDocument/2006/relationships" xmlns:p="http://schemas.openxmlformats.org/presentationml/2006/main" showMasterSp="0">
+  <p:cSld>
+    <p:spTree>
+      <p:nvGrpSpPr>
+        <p:cNvPr id="1" name=""/>
+        <p:cNvGrpSpPr/>
+        <p:nvPr/>
+      </p:nvGrpSpPr>
+      <p:grpSpPr>
+        <a:xfrm>
+          <a:off x="0" y="0"/>
+          <a:ext cx="0" cy="0"/>
+          <a:chOff x="0" y="0"/>
+          <a:chExt cx="0" cy="0"/>
+        </a:xfrm>
+      </p:grpSpPr>
+      <p:cxnSp>
+        <p:nvCxnSpPr>
+          <p:cNvPr id="15" name="직선 연결선 14"/>
+          <p:cNvCxnSpPr/>
+          <p:nvPr/>
+        </p:nvCxnSpPr>
+        <p:spPr>
+          <a:xfrm>
+            <a:off x="251520" y="332656"/>
+            <a:ext cx="8640960" cy="0"/>
+          </a:xfrm>
+          <a:prstGeom prst="line">
+            <a:avLst/>
+          </a:prstGeom>
+          <a:ln w="3175">
+            <a:solidFill>
+              <a:srgbClr val="68727E"/>
+            </a:solidFill>
+          </a:ln>
+        </p:spPr>
+        <p:style>
+          <a:lnRef idx="1">
+            <a:schemeClr val="accent1"/>
+          </a:lnRef>
+          <a:fillRef idx="0">
+            <a:schemeClr val="accent1"/>
+          </a:fillRef>
+          <a:effectRef idx="0">
+            <a:schemeClr val="accent1"/>
+          </a:effectRef>
+          <a:fontRef idx="minor">
+            <a:schemeClr val="tx1"/>
+          </a:fontRef>
+        </p:style>
+      </p:cxnSp>
+      <p:sp>
+        <p:nvSpPr>
+          <p:cNvPr id="12" name="TextBox 11"/>
+          <p:cNvSpPr txBox="1"/>
+          <p:nvPr/>
+        </p:nvSpPr>
+        <p:spPr>
+          <a:xfrm>
+            <a:off x="179512" y="461804"/>
+            <a:ext cx="6696744" cy="424732"/>
+          </a:xfrm>
+          <a:prstGeom prst="rect">
+            <a:avLst/>
+          </a:prstGeom>
+          <a:noFill/>
+        </p:spPr>
+        <p:txBody>
+          <a:bodyPr wrap="square" rtlCol="0">
+            <a:spAutoFit/>
+          </a:bodyPr>
+          <a:lstStyle/>
+          <a:p>
+            <a:pPr>
+              <a:lnSpc>
+                <a:spcPct val="90000"/>
+              </a:lnSpc>
+            </a:pPr>
+            <a:r>
+              <a:rPr lang="ko-KR" altLang="en-US" sz="2400" b="1" spc="-30" dirty="0" smtClean="0">
+                <a:solidFill>
+                  <a:srgbClr val="00A204"/>
+                </a:solidFill>
+                <a:latin typeface="+mn-ea"/>
+              </a:rPr>
+              <a:t>개발계획 </a:t>
+            </a:r>
+            <a:r>
+              <a:rPr lang="en-US" altLang="ko-KR" sz="2400" b="1" spc="-30" dirty="0" smtClean="0">
+                <a:solidFill>
+                  <a:srgbClr val="00A204"/>
+                </a:solidFill>
+                <a:latin typeface="+mn-ea"/>
+              </a:rPr>
+              <a:t>- </a:t>
+            </a:r>
+            <a:r>
+              <a:rPr lang="ko-KR" altLang="en-US" sz="2400" b="1" spc="-30" dirty="0" err="1" smtClean="0">
+                <a:solidFill>
+                  <a:srgbClr val="00A204"/>
+                </a:solidFill>
+                <a:latin typeface="+mn-ea"/>
+              </a:rPr>
+              <a:t>데이타베이스</a:t>
+            </a:r>
+            <a:endParaRPr lang="ko-KR" altLang="en-US" sz="2400" b="1" spc="-30" dirty="0">
+              <a:solidFill>
+                <a:srgbClr val="00A204"/>
+              </a:solidFill>
+              <a:latin typeface="+mn-ea"/>
+            </a:endParaRPr>
+          </a:p>
+        </p:txBody>
+      </p:sp>
+      <p:sp>
+        <p:nvSpPr>
+          <p:cNvPr id="16" name="TextBox 15"/>
+          <p:cNvSpPr txBox="1"/>
+          <p:nvPr/>
+        </p:nvSpPr>
+        <p:spPr>
+          <a:xfrm>
+            <a:off x="179512" y="92643"/>
+            <a:ext cx="2339976" cy="178510"/>
+          </a:xfrm>
+          <a:prstGeom prst="rect">
+            <a:avLst/>
+          </a:prstGeom>
+          <a:noFill/>
+        </p:spPr>
+        <p:txBody>
+          <a:bodyPr wrap="square" rtlCol="0">
+            <a:spAutoFit/>
+          </a:bodyPr>
+          <a:lstStyle/>
+          <a:p>
+            <a:pPr>
+              <a:lnSpc>
+                <a:spcPct val="80000"/>
+              </a:lnSpc>
+            </a:pPr>
+            <a:r>
+              <a:rPr lang="en-US" altLang="ko-KR" sz="700" b="1" dirty="0" smtClean="0">
+                <a:solidFill>
+                  <a:schemeClr val="tx1">
+                    <a:lumMod val="75000"/>
+                    <a:lumOff val="25000"/>
+                  </a:schemeClr>
+                </a:solidFill>
+                <a:latin typeface="나눔고딕" pitchFamily="50" charset="-127"/>
+                <a:ea typeface="나눔고딕" pitchFamily="50" charset="-127"/>
+              </a:rPr>
+              <a:t>Design Plan   |   </a:t>
+            </a:r>
+            <a:r>
+              <a:rPr lang="ko-KR" altLang="en-US" sz="700" b="1" dirty="0" smtClean="0">
+                <a:solidFill>
+                  <a:schemeClr val="tx1">
+                    <a:lumMod val="75000"/>
+                    <a:lumOff val="25000"/>
+                  </a:schemeClr>
+                </a:solidFill>
+                <a:latin typeface="나눔고딕" pitchFamily="50" charset="-127"/>
+                <a:ea typeface="나눔고딕" pitchFamily="50" charset="-127"/>
+              </a:rPr>
+              <a:t>구역</a:t>
+            </a:r>
+            <a:endParaRPr lang="ko-KR" altLang="en-US" sz="700" b="1" dirty="0">
+              <a:solidFill>
+                <a:schemeClr val="tx1">
+                  <a:lumMod val="75000"/>
+                  <a:lumOff val="25000"/>
+                </a:schemeClr>
+              </a:solidFill>
+              <a:latin typeface="나눔고딕" pitchFamily="50" charset="-127"/>
+              <a:ea typeface="나눔고딕" pitchFamily="50" charset="-127"/>
+            </a:endParaRPr>
+          </a:p>
+        </p:txBody>
+      </p:sp>
+      <p:grpSp>
+        <p:nvGrpSpPr>
+          <p:cNvPr id="37" name="그룹 36"/>
+          <p:cNvGrpSpPr/>
+          <p:nvPr/>
+        </p:nvGrpSpPr>
+        <p:grpSpPr>
+          <a:xfrm>
+            <a:off x="7956376" y="242064"/>
+            <a:ext cx="1080120" cy="450632"/>
+            <a:chOff x="3563888" y="683404"/>
+            <a:chExt cx="1080120" cy="450632"/>
+          </a:xfrm>
+        </p:grpSpPr>
+        <p:sp>
+          <p:nvSpPr>
+            <p:cNvPr id="38" name="TextBox 37"/>
+            <p:cNvSpPr txBox="1"/>
+            <p:nvPr/>
+          </p:nvSpPr>
+          <p:spPr>
+            <a:xfrm>
+              <a:off x="3563888" y="764704"/>
+              <a:ext cx="906034" cy="369332"/>
+            </a:xfrm>
+            <a:prstGeom prst="rect">
+              <a:avLst/>
+            </a:prstGeom>
+            <a:noFill/>
+          </p:spPr>
+          <p:txBody>
+            <a:bodyPr wrap="square" rtlCol="0">
+              <a:spAutoFit/>
+            </a:bodyPr>
+            <a:lstStyle/>
+            <a:p>
+              <a:r>
+                <a:rPr lang="en-US" altLang="ko-KR" b="1" spc="-300" dirty="0" err="1" smtClean="0">
+                  <a:solidFill>
+                    <a:srgbClr val="00A204"/>
+                  </a:solidFill>
+                  <a:latin typeface="Segoe UI" pitchFamily="34" charset="0"/>
+                  <a:ea typeface="Segoe UI" pitchFamily="34" charset="0"/>
+                  <a:cs typeface="Segoe UI" pitchFamily="34" charset="0"/>
+                </a:rPr>
+                <a:t>Akropolis</a:t>
+              </a:r>
+              <a:r>
+                <a:rPr lang="en-US" altLang="ko-KR" b="1" spc="-300" dirty="0" smtClean="0">
+                  <a:solidFill>
+                    <a:srgbClr val="00A204"/>
+                  </a:solidFill>
+                  <a:latin typeface="Segoe UI" pitchFamily="34" charset="0"/>
+                  <a:ea typeface="Segoe UI" pitchFamily="34" charset="0"/>
+                  <a:cs typeface="Segoe UI" pitchFamily="34" charset="0"/>
+                </a:rPr>
+                <a:t>  </a:t>
+              </a:r>
+              <a:endParaRPr lang="ko-KR" altLang="en-US" b="1" spc="-300" dirty="0">
+                <a:solidFill>
+                  <a:srgbClr val="00A204"/>
+                </a:solidFill>
+                <a:latin typeface="Segoe UI" pitchFamily="34" charset="0"/>
+                <a:ea typeface="HY목각파임B" pitchFamily="18" charset="-127"/>
+                <a:cs typeface="Segoe UI" pitchFamily="34" charset="0"/>
+              </a:endParaRPr>
+            </a:p>
+          </p:txBody>
+        </p:sp>
+        <p:sp>
+          <p:nvSpPr>
+            <p:cNvPr id="39" name="TextBox 38"/>
+            <p:cNvSpPr txBox="1"/>
+            <p:nvPr/>
+          </p:nvSpPr>
+          <p:spPr>
+            <a:xfrm>
+              <a:off x="4295836" y="683404"/>
+              <a:ext cx="348172" cy="369332"/>
+            </a:xfrm>
+            <a:prstGeom prst="rect">
+              <a:avLst/>
+            </a:prstGeom>
+            <a:noFill/>
+          </p:spPr>
+          <p:txBody>
+            <a:bodyPr wrap="none" rtlCol="0">
+              <a:spAutoFit/>
+            </a:bodyPr>
+            <a:lstStyle/>
+            <a:p>
+              <a:r>
+                <a:rPr lang="en-US" altLang="ko-KR" b="1" dirty="0" smtClean="0">
+                  <a:solidFill>
+                    <a:srgbClr val="00A204"/>
+                  </a:solidFill>
+                  <a:latin typeface="Segoe UI" pitchFamily="34" charset="0"/>
+                  <a:ea typeface="Segoe UI" pitchFamily="34" charset="0"/>
+                  <a:cs typeface="Segoe UI" pitchFamily="34" charset="0"/>
+                </a:rPr>
+                <a:t>+</a:t>
+              </a:r>
+              <a:endParaRPr lang="ko-KR" altLang="en-US" b="1" dirty="0">
+                <a:solidFill>
+                  <a:srgbClr val="00A204"/>
+                </a:solidFill>
+                <a:latin typeface="Segoe UI" pitchFamily="34" charset="0"/>
+                <a:cs typeface="Segoe UI" pitchFamily="34" charset="0"/>
+              </a:endParaRPr>
+            </a:p>
+          </p:txBody>
+        </p:sp>
+      </p:grpSp>
+      <p:pic>
+        <p:nvPicPr>
+          <p:cNvPr id="31" name="그림 30"/>
+          <p:cNvPicPr/>
+          <p:nvPr/>
+        </p:nvPicPr>
+        <p:blipFill>
+          <a:blip r:embed="rId3" cstate="print"/>
+          <a:srcRect/>
+          <a:stretch>
+            <a:fillRect/>
+          </a:stretch>
+        </p:blipFill>
+        <p:spPr bwMode="auto">
+          <a:xfrm>
+            <a:off x="598529" y="1412776"/>
+            <a:ext cx="7946941" cy="4608512"/>
+          </a:xfrm>
+          <a:prstGeom prst="rect">
+            <a:avLst/>
+          </a:prstGeom>
+          <a:noFill/>
+          <a:ln w="9525">
+            <a:noFill/>
+            <a:miter lim="800000"/>
+            <a:headEnd/>
+            <a:tailEnd/>
+          </a:ln>
+        </p:spPr>
+      </p:pic>
+    </p:spTree>
+    <p:extLst>
+      <p:ext uri="{BB962C8B-B14F-4D97-AF65-F5344CB8AC3E}">
+        <p14:creationId xmlns:p14="http://schemas.microsoft.com/office/powerpoint/2010/main" val="3007504413"/>
+      </p:ext>
+    </p:extLst>
+  </p:cSld>
+  <p:clrMapOvr>
+    <a:masterClrMapping/>
+  </p:clrMapOvr>
+  <p:transition/>
+  <p:timing>
+    <p:tnLst>
+      <p:par>
+        <p:cTn id="1" dur="indefinite" restart="never" nodeType="tmRoot"/>
+      </p:par>
+    </p:tnLst>
+  </p:timing>
+</p:sld>
+</file>
+
+<file path=ppt/slides/slide19.xml><?xml version="1.0" encoding="utf-8"?>
+<p:sld xmlns:a="http://schemas.openxmlformats.org/drawingml/2006/main" xmlns:r="http://schemas.openxmlformats.org/officeDocument/2006/relationships" xmlns:p="http://schemas.openxmlformats.org/presentationml/2006/main" showMasterSp="0">
+  <p:cSld>
+    <p:spTree>
+      <p:nvGrpSpPr>
+        <p:cNvPr id="1" name=""/>
+        <p:cNvGrpSpPr/>
+        <p:nvPr/>
+      </p:nvGrpSpPr>
+      <p:grpSpPr>
+        <a:xfrm>
+          <a:off x="0" y="0"/>
+          <a:ext cx="0" cy="0"/>
+          <a:chOff x="0" y="0"/>
+          <a:chExt cx="0" cy="0"/>
+        </a:xfrm>
+      </p:grpSpPr>
+      <p:cxnSp>
+        <p:nvCxnSpPr>
+          <p:cNvPr id="15" name="직선 연결선 14"/>
+          <p:cNvCxnSpPr/>
+          <p:nvPr/>
+        </p:nvCxnSpPr>
+        <p:spPr>
+          <a:xfrm>
+            <a:off x="251520" y="332656"/>
+            <a:ext cx="8640960" cy="0"/>
+          </a:xfrm>
+          <a:prstGeom prst="line">
+            <a:avLst/>
+          </a:prstGeom>
+          <a:ln w="3175">
+            <a:solidFill>
+              <a:srgbClr val="68727E"/>
+            </a:solidFill>
+          </a:ln>
+        </p:spPr>
+        <p:style>
+          <a:lnRef idx="1">
+            <a:schemeClr val="accent1"/>
+          </a:lnRef>
+          <a:fillRef idx="0">
+            <a:schemeClr val="accent1"/>
+          </a:fillRef>
+          <a:effectRef idx="0">
+            <a:schemeClr val="accent1"/>
+          </a:effectRef>
+          <a:fontRef idx="minor">
+            <a:schemeClr val="tx1"/>
+          </a:fontRef>
+        </p:style>
+      </p:cxnSp>
+      <p:sp>
+        <p:nvSpPr>
+          <p:cNvPr id="12" name="TextBox 11"/>
+          <p:cNvSpPr txBox="1"/>
+          <p:nvPr/>
+        </p:nvSpPr>
+        <p:spPr>
+          <a:xfrm>
+            <a:off x="179512" y="461804"/>
+            <a:ext cx="6696744" cy="424732"/>
+          </a:xfrm>
+          <a:prstGeom prst="rect">
+            <a:avLst/>
+          </a:prstGeom>
+          <a:noFill/>
+        </p:spPr>
+        <p:txBody>
+          <a:bodyPr wrap="square" rtlCol="0">
+            <a:spAutoFit/>
+          </a:bodyPr>
+          <a:lstStyle/>
+          <a:p>
+            <a:pPr>
+              <a:lnSpc>
+                <a:spcPct val="90000"/>
+              </a:lnSpc>
+            </a:pPr>
+            <a:r>
+              <a:rPr lang="ko-KR" altLang="en-US" sz="2400" b="1" spc="-30" dirty="0" smtClean="0">
+                <a:solidFill>
+                  <a:srgbClr val="00A204"/>
+                </a:solidFill>
+                <a:latin typeface="+mn-ea"/>
+              </a:rPr>
+              <a:t>개발계획 </a:t>
+            </a:r>
+            <a:r>
+              <a:rPr lang="en-US" altLang="ko-KR" sz="2400" b="1" spc="-30" dirty="0" smtClean="0">
+                <a:solidFill>
+                  <a:srgbClr val="00A204"/>
+                </a:solidFill>
+                <a:latin typeface="+mn-ea"/>
+              </a:rPr>
+              <a:t>- </a:t>
+            </a:r>
+            <a:r>
+              <a:rPr lang="ko-KR" altLang="en-US" sz="2400" b="1" spc="-30" dirty="0" smtClean="0">
+                <a:solidFill>
+                  <a:srgbClr val="00A204"/>
+                </a:solidFill>
+                <a:latin typeface="+mn-ea"/>
+              </a:rPr>
+              <a:t>기반기술</a:t>
+            </a:r>
+            <a:endParaRPr lang="ko-KR" altLang="en-US" sz="2400" b="1" spc="-30" dirty="0">
+              <a:solidFill>
+                <a:srgbClr val="00A204"/>
+              </a:solidFill>
+              <a:latin typeface="+mn-ea"/>
+            </a:endParaRPr>
+          </a:p>
+        </p:txBody>
+      </p:sp>
+      <p:sp>
+        <p:nvSpPr>
+          <p:cNvPr id="16" name="TextBox 15"/>
+          <p:cNvSpPr txBox="1"/>
+          <p:nvPr/>
+        </p:nvSpPr>
+        <p:spPr>
+          <a:xfrm>
+            <a:off x="179512" y="92643"/>
+            <a:ext cx="2339976" cy="178510"/>
+          </a:xfrm>
+          <a:prstGeom prst="rect">
+            <a:avLst/>
+          </a:prstGeom>
+          <a:noFill/>
+        </p:spPr>
+        <p:txBody>
+          <a:bodyPr wrap="square" rtlCol="0">
+            <a:spAutoFit/>
+          </a:bodyPr>
+          <a:lstStyle/>
+          <a:p>
+            <a:pPr>
+              <a:lnSpc>
+                <a:spcPct val="80000"/>
+              </a:lnSpc>
+            </a:pPr>
+            <a:r>
+              <a:rPr lang="en-US" altLang="ko-KR" sz="700" b="1" dirty="0" smtClean="0">
+                <a:solidFill>
+                  <a:schemeClr val="tx1">
+                    <a:lumMod val="75000"/>
+                    <a:lumOff val="25000"/>
+                  </a:schemeClr>
+                </a:solidFill>
+                <a:latin typeface="나눔고딕" pitchFamily="50" charset="-127"/>
+                <a:ea typeface="나눔고딕" pitchFamily="50" charset="-127"/>
+              </a:rPr>
+              <a:t>Design Plan   |   </a:t>
+            </a:r>
+            <a:r>
+              <a:rPr lang="ko-KR" altLang="en-US" sz="700" b="1" dirty="0" smtClean="0">
+                <a:solidFill>
+                  <a:schemeClr val="tx1">
+                    <a:lumMod val="75000"/>
+                    <a:lumOff val="25000"/>
+                  </a:schemeClr>
+                </a:solidFill>
+                <a:latin typeface="나눔고딕" pitchFamily="50" charset="-127"/>
+                <a:ea typeface="나눔고딕" pitchFamily="50" charset="-127"/>
+              </a:rPr>
+              <a:t>구역</a:t>
+            </a:r>
+            <a:endParaRPr lang="ko-KR" altLang="en-US" sz="700" b="1" dirty="0">
+              <a:solidFill>
+                <a:schemeClr val="tx1">
+                  <a:lumMod val="75000"/>
+                  <a:lumOff val="25000"/>
+                </a:schemeClr>
+              </a:solidFill>
+              <a:latin typeface="나눔고딕" pitchFamily="50" charset="-127"/>
+              <a:ea typeface="나눔고딕" pitchFamily="50" charset="-127"/>
+            </a:endParaRPr>
+          </a:p>
+        </p:txBody>
+      </p:sp>
+      <p:sp>
+        <p:nvSpPr>
+          <p:cNvPr id="2" name="모서리가 둥근 직사각형 1"/>
+          <p:cNvSpPr/>
+          <p:nvPr/>
+        </p:nvSpPr>
+        <p:spPr>
+          <a:xfrm>
+            <a:off x="1586102" y="1565573"/>
+            <a:ext cx="1872208" cy="504056"/>
+          </a:xfrm>
+          <a:prstGeom prst="roundRect">
+            <a:avLst/>
+          </a:prstGeom>
+        </p:spPr>
+        <p:style>
+          <a:lnRef idx="2">
+            <a:schemeClr val="accent1">
+              <a:shade val="50000"/>
+            </a:schemeClr>
+          </a:lnRef>
+          <a:fillRef idx="1">
+            <a:schemeClr val="accent1"/>
+          </a:fillRef>
+          <a:effectRef idx="0">
+            <a:schemeClr val="accent1"/>
+          </a:effectRef>
+          <a:fontRef idx="minor">
+            <a:schemeClr val="lt1"/>
+          </a:fontRef>
+        </p:style>
+        <p:txBody>
+          <a:bodyPr rtlCol="0" anchor="ctr"/>
+          <a:lstStyle/>
+          <a:p>
+            <a:pPr algn="ctr"/>
+            <a:r>
+              <a:rPr lang="en-US" altLang="ko-KR" dirty="0" smtClean="0"/>
+              <a:t>HTML</a:t>
+            </a:r>
+            <a:endParaRPr lang="ko-KR" altLang="en-US" dirty="0"/>
+          </a:p>
+        </p:txBody>
+      </p:sp>
+      <p:sp>
+        <p:nvSpPr>
+          <p:cNvPr id="10" name="모서리가 둥근 직사각형 9"/>
+          <p:cNvSpPr/>
+          <p:nvPr/>
+        </p:nvSpPr>
+        <p:spPr>
+          <a:xfrm>
+            <a:off x="3710202" y="1108500"/>
+            <a:ext cx="1872208" cy="504056"/>
+          </a:xfrm>
+          <a:prstGeom prst="roundRect">
+            <a:avLst/>
+          </a:prstGeom>
+        </p:spPr>
+        <p:style>
+          <a:lnRef idx="2">
+            <a:schemeClr val="accent1">
+              <a:shade val="50000"/>
+            </a:schemeClr>
+          </a:lnRef>
+          <a:fillRef idx="1">
+            <a:schemeClr val="accent1"/>
+          </a:fillRef>
+          <a:effectRef idx="0">
+            <a:schemeClr val="accent1"/>
+          </a:effectRef>
+          <a:fontRef idx="minor">
+            <a:schemeClr val="lt1"/>
+          </a:fontRef>
+        </p:style>
+        <p:txBody>
+          <a:bodyPr rtlCol="0" anchor="ctr"/>
+          <a:lstStyle/>
+          <a:p>
+            <a:pPr algn="ctr"/>
+            <a:r>
+              <a:rPr lang="en-US" altLang="ko-KR" dirty="0" smtClean="0"/>
+              <a:t>JavaScript</a:t>
+            </a:r>
+            <a:endParaRPr lang="ko-KR" altLang="en-US" dirty="0"/>
+          </a:p>
+        </p:txBody>
+      </p:sp>
+      <p:sp>
+        <p:nvSpPr>
+          <p:cNvPr id="13" name="모서리가 둥근 직사각형 12"/>
+          <p:cNvSpPr/>
+          <p:nvPr/>
+        </p:nvSpPr>
+        <p:spPr>
+          <a:xfrm>
+            <a:off x="3710202" y="1916832"/>
+            <a:ext cx="1872208" cy="504056"/>
+          </a:xfrm>
+          <a:prstGeom prst="roundRect">
+            <a:avLst/>
+          </a:prstGeom>
+        </p:spPr>
+        <p:style>
+          <a:lnRef idx="2">
+            <a:schemeClr val="accent1">
+              <a:shade val="50000"/>
+            </a:schemeClr>
+          </a:lnRef>
+          <a:fillRef idx="1">
+            <a:schemeClr val="accent1"/>
+          </a:fillRef>
+          <a:effectRef idx="0">
+            <a:schemeClr val="accent1"/>
+          </a:effectRef>
+          <a:fontRef idx="minor">
+            <a:schemeClr val="lt1"/>
+          </a:fontRef>
+        </p:style>
+        <p:txBody>
+          <a:bodyPr rtlCol="0" anchor="ctr"/>
+          <a:lstStyle/>
+          <a:p>
+            <a:pPr algn="ctr"/>
+            <a:r>
+              <a:rPr lang="en-US" altLang="ko-KR" dirty="0" smtClean="0"/>
+              <a:t>CSS</a:t>
+            </a:r>
+            <a:endParaRPr lang="ko-KR" altLang="en-US" dirty="0"/>
+          </a:p>
+        </p:txBody>
+      </p:sp>
+      <p:sp>
+        <p:nvSpPr>
+          <p:cNvPr id="14" name="모서리가 둥근 직사각형 13"/>
+          <p:cNvSpPr/>
+          <p:nvPr/>
+        </p:nvSpPr>
+        <p:spPr>
+          <a:xfrm>
+            <a:off x="6012160" y="1108500"/>
+            <a:ext cx="1872208" cy="504056"/>
+          </a:xfrm>
+          <a:prstGeom prst="roundRect">
+            <a:avLst/>
+          </a:prstGeom>
+        </p:spPr>
+        <p:style>
+          <a:lnRef idx="2">
+            <a:schemeClr val="accent1">
+              <a:shade val="50000"/>
+            </a:schemeClr>
+          </a:lnRef>
+          <a:fillRef idx="1">
+            <a:schemeClr val="accent1"/>
+          </a:fillRef>
+          <a:effectRef idx="0">
+            <a:schemeClr val="accent1"/>
+          </a:effectRef>
+          <a:fontRef idx="minor">
+            <a:schemeClr val="lt1"/>
+          </a:fontRef>
+        </p:style>
+        <p:txBody>
+          <a:bodyPr rtlCol="0" anchor="ctr"/>
+          <a:lstStyle/>
+          <a:p>
+            <a:pPr algn="ctr"/>
+            <a:r>
+              <a:rPr lang="en-US" altLang="ko-KR" dirty="0" err="1" smtClean="0"/>
+              <a:t>JQuery</a:t>
+            </a:r>
+            <a:endParaRPr lang="ko-KR" altLang="en-US" dirty="0"/>
+          </a:p>
+        </p:txBody>
+      </p:sp>
+      <p:sp>
+        <p:nvSpPr>
+          <p:cNvPr id="17" name="모서리가 둥근 직사각형 16"/>
+          <p:cNvSpPr/>
+          <p:nvPr/>
+        </p:nvSpPr>
+        <p:spPr>
+          <a:xfrm>
+            <a:off x="6012160" y="1916832"/>
+            <a:ext cx="1872208" cy="504056"/>
+          </a:xfrm>
+          <a:prstGeom prst="roundRect">
+            <a:avLst/>
+          </a:prstGeom>
+        </p:spPr>
+        <p:style>
+          <a:lnRef idx="2">
+            <a:schemeClr val="accent1">
+              <a:shade val="50000"/>
+            </a:schemeClr>
+          </a:lnRef>
+          <a:fillRef idx="1">
+            <a:schemeClr val="accent1"/>
+          </a:fillRef>
+          <a:effectRef idx="0">
+            <a:schemeClr val="accent1"/>
+          </a:effectRef>
+          <a:fontRef idx="minor">
+            <a:schemeClr val="lt1"/>
+          </a:fontRef>
+        </p:style>
+        <p:txBody>
+          <a:bodyPr rtlCol="0" anchor="ctr"/>
+          <a:lstStyle/>
+          <a:p>
+            <a:pPr algn="ctr"/>
+            <a:r>
+              <a:rPr lang="en-US" altLang="ko-KR" dirty="0" err="1" smtClean="0"/>
+              <a:t>BootStrap</a:t>
+            </a:r>
+            <a:endParaRPr lang="ko-KR" altLang="en-US" dirty="0"/>
+          </a:p>
+        </p:txBody>
+      </p:sp>
+      <p:sp>
+        <p:nvSpPr>
+          <p:cNvPr id="18" name="모서리가 둥근 직사각형 17"/>
+          <p:cNvSpPr/>
+          <p:nvPr/>
+        </p:nvSpPr>
+        <p:spPr>
+          <a:xfrm>
+            <a:off x="1586102" y="2884401"/>
+            <a:ext cx="1872208" cy="504056"/>
+          </a:xfrm>
+          <a:prstGeom prst="roundRect">
+            <a:avLst/>
+          </a:prstGeom>
+        </p:spPr>
+        <p:style>
+          <a:lnRef idx="2">
+            <a:schemeClr val="accent1">
+              <a:shade val="50000"/>
+            </a:schemeClr>
+          </a:lnRef>
+          <a:fillRef idx="1">
+            <a:schemeClr val="accent1"/>
+          </a:fillRef>
+          <a:effectRef idx="0">
+            <a:schemeClr val="accent1"/>
+          </a:effectRef>
+          <a:fontRef idx="minor">
+            <a:schemeClr val="lt1"/>
+          </a:fontRef>
+        </p:style>
+        <p:txBody>
+          <a:bodyPr rtlCol="0" anchor="ctr"/>
+          <a:lstStyle/>
+          <a:p>
+            <a:pPr algn="ctr"/>
+            <a:r>
+              <a:rPr lang="en-US" altLang="ko-KR" dirty="0" smtClean="0"/>
+              <a:t>Servlet</a:t>
+            </a:r>
+            <a:endParaRPr lang="ko-KR" altLang="en-US" dirty="0"/>
+          </a:p>
+        </p:txBody>
+      </p:sp>
+      <p:sp>
+        <p:nvSpPr>
+          <p:cNvPr id="19" name="모서리가 둥근 직사각형 18"/>
+          <p:cNvSpPr/>
+          <p:nvPr/>
+        </p:nvSpPr>
+        <p:spPr>
+          <a:xfrm>
+            <a:off x="4895056" y="2884401"/>
+            <a:ext cx="1872208" cy="504056"/>
+          </a:xfrm>
+          <a:prstGeom prst="roundRect">
+            <a:avLst/>
+          </a:prstGeom>
+        </p:spPr>
+        <p:style>
+          <a:lnRef idx="2">
+            <a:schemeClr val="accent1">
+              <a:shade val="50000"/>
+            </a:schemeClr>
+          </a:lnRef>
+          <a:fillRef idx="1">
+            <a:schemeClr val="accent1"/>
+          </a:fillRef>
+          <a:effectRef idx="0">
+            <a:schemeClr val="accent1"/>
+          </a:effectRef>
+          <a:fontRef idx="minor">
+            <a:schemeClr val="lt1"/>
+          </a:fontRef>
+        </p:style>
+        <p:txBody>
+          <a:bodyPr rtlCol="0" anchor="ctr"/>
+          <a:lstStyle/>
+          <a:p>
+            <a:pPr algn="ctr"/>
+            <a:r>
+              <a:rPr lang="en-US" altLang="ko-KR" dirty="0" smtClean="0"/>
+              <a:t>JSP</a:t>
+            </a:r>
+            <a:endParaRPr lang="ko-KR" altLang="en-US" dirty="0"/>
+          </a:p>
+        </p:txBody>
+      </p:sp>
+      <p:sp>
+        <p:nvSpPr>
+          <p:cNvPr id="20" name="모서리가 둥근 직사각형 19"/>
+          <p:cNvSpPr/>
+          <p:nvPr/>
+        </p:nvSpPr>
+        <p:spPr>
+          <a:xfrm>
+            <a:off x="3962366" y="4653136"/>
+            <a:ext cx="1872208" cy="504056"/>
+          </a:xfrm>
+          <a:prstGeom prst="roundRect">
+            <a:avLst/>
+          </a:prstGeom>
+        </p:spPr>
+        <p:style>
+          <a:lnRef idx="2">
+            <a:schemeClr val="accent1">
+              <a:shade val="50000"/>
+            </a:schemeClr>
+          </a:lnRef>
+          <a:fillRef idx="1">
+            <a:schemeClr val="accent1"/>
+          </a:fillRef>
+          <a:effectRef idx="0">
+            <a:schemeClr val="accent1"/>
+          </a:effectRef>
+          <a:fontRef idx="minor">
+            <a:schemeClr val="lt1"/>
+          </a:fontRef>
+        </p:style>
+        <p:txBody>
+          <a:bodyPr rtlCol="0" anchor="ctr"/>
+          <a:lstStyle/>
+          <a:p>
+            <a:pPr algn="ctr"/>
+            <a:r>
+              <a:rPr lang="en-US" altLang="ko-KR" dirty="0" smtClean="0"/>
+              <a:t>MySQL</a:t>
+            </a:r>
+            <a:endParaRPr lang="ko-KR" altLang="en-US" dirty="0"/>
+          </a:p>
+        </p:txBody>
+      </p:sp>
+      <p:sp>
+        <p:nvSpPr>
+          <p:cNvPr id="21" name="모서리가 둥근 직사각형 20"/>
+          <p:cNvSpPr/>
+          <p:nvPr/>
+        </p:nvSpPr>
+        <p:spPr>
+          <a:xfrm>
+            <a:off x="1586102" y="4653136"/>
+            <a:ext cx="1872208" cy="504056"/>
+          </a:xfrm>
+          <a:prstGeom prst="roundRect">
+            <a:avLst/>
+          </a:prstGeom>
+        </p:spPr>
+        <p:style>
+          <a:lnRef idx="2">
+            <a:schemeClr val="accent1">
+              <a:shade val="50000"/>
+            </a:schemeClr>
+          </a:lnRef>
+          <a:fillRef idx="1">
+            <a:schemeClr val="accent1"/>
+          </a:fillRef>
+          <a:effectRef idx="0">
+            <a:schemeClr val="accent1"/>
+          </a:effectRef>
+          <a:fontRef idx="minor">
+            <a:schemeClr val="lt1"/>
+          </a:fontRef>
+        </p:style>
+        <p:txBody>
+          <a:bodyPr rtlCol="0" anchor="ctr"/>
+          <a:lstStyle/>
+          <a:p>
+            <a:pPr algn="ctr"/>
+            <a:r>
+              <a:rPr lang="en-US" altLang="ko-KR" dirty="0" smtClean="0"/>
+              <a:t>JDBC</a:t>
+            </a:r>
+            <a:endParaRPr lang="ko-KR" altLang="en-US" dirty="0"/>
+          </a:p>
+        </p:txBody>
+      </p:sp>
+      <p:sp>
+        <p:nvSpPr>
+          <p:cNvPr id="22" name="모서리가 둥근 직사각형 21"/>
+          <p:cNvSpPr/>
+          <p:nvPr/>
+        </p:nvSpPr>
+        <p:spPr>
+          <a:xfrm>
+            <a:off x="1586102" y="3800103"/>
+            <a:ext cx="1872208" cy="504056"/>
+          </a:xfrm>
+          <a:prstGeom prst="roundRect">
+            <a:avLst/>
+          </a:prstGeom>
+        </p:spPr>
+        <p:style>
+          <a:lnRef idx="2">
+            <a:schemeClr val="accent1">
+              <a:shade val="50000"/>
+            </a:schemeClr>
+          </a:lnRef>
+          <a:fillRef idx="1">
+            <a:schemeClr val="accent1"/>
+          </a:fillRef>
+          <a:effectRef idx="0">
+            <a:schemeClr val="accent1"/>
+          </a:effectRef>
+          <a:fontRef idx="minor">
+            <a:schemeClr val="lt1"/>
+          </a:fontRef>
+        </p:style>
+        <p:txBody>
+          <a:bodyPr rtlCol="0" anchor="ctr"/>
+          <a:lstStyle/>
+          <a:p>
+            <a:pPr algn="ctr"/>
+            <a:r>
+              <a:rPr lang="en-US" altLang="ko-KR" dirty="0" err="1" smtClean="0"/>
+              <a:t>MyBatis</a:t>
+            </a:r>
+            <a:endParaRPr lang="ko-KR" altLang="en-US" dirty="0"/>
+          </a:p>
+        </p:txBody>
+      </p:sp>
+      <p:cxnSp>
+        <p:nvCxnSpPr>
+          <p:cNvPr id="4" name="직선 연결선 3"/>
+          <p:cNvCxnSpPr>
+            <a:stCxn id="2" idx="3"/>
+            <a:endCxn id="10" idx="1"/>
+          </p:cNvCxnSpPr>
+          <p:nvPr/>
+        </p:nvCxnSpPr>
+        <p:spPr>
+          <a:xfrm flipV="1">
+            <a:off x="3458310" y="1360528"/>
+            <a:ext cx="251892" cy="457073"/>
+          </a:xfrm>
+          <a:prstGeom prst="line">
+            <a:avLst/>
+          </a:prstGeom>
+        </p:spPr>
+        <p:style>
+          <a:lnRef idx="1">
+            <a:schemeClr val="accent1"/>
+          </a:lnRef>
+          <a:fillRef idx="0">
+            <a:schemeClr val="accent1"/>
+          </a:fillRef>
+          <a:effectRef idx="0">
+            <a:schemeClr val="accent1"/>
+          </a:effectRef>
+          <a:fontRef idx="minor">
+            <a:schemeClr val="tx1"/>
+          </a:fontRef>
+        </p:style>
+      </p:cxnSp>
+      <p:cxnSp>
+        <p:nvCxnSpPr>
+          <p:cNvPr id="6" name="직선 연결선 5"/>
+          <p:cNvCxnSpPr>
+            <a:stCxn id="2" idx="3"/>
+          </p:cNvCxnSpPr>
+          <p:nvPr/>
+        </p:nvCxnSpPr>
+        <p:spPr>
+          <a:xfrm>
+            <a:off x="3458310" y="1817601"/>
+            <a:ext cx="329226" cy="351259"/>
+          </a:xfrm>
+          <a:prstGeom prst="line">
+            <a:avLst/>
+          </a:prstGeom>
+        </p:spPr>
+        <p:style>
+          <a:lnRef idx="1">
+            <a:schemeClr val="accent1"/>
+          </a:lnRef>
+          <a:fillRef idx="0">
+            <a:schemeClr val="accent1"/>
+          </a:fillRef>
+          <a:effectRef idx="0">
+            <a:schemeClr val="accent1"/>
+          </a:effectRef>
+          <a:fontRef idx="minor">
+            <a:schemeClr val="tx1"/>
+          </a:fontRef>
+        </p:style>
+      </p:cxnSp>
+      <p:cxnSp>
+        <p:nvCxnSpPr>
+          <p:cNvPr id="8" name="직선 연결선 7"/>
+          <p:cNvCxnSpPr>
+            <a:stCxn id="10" idx="3"/>
+          </p:cNvCxnSpPr>
+          <p:nvPr/>
+        </p:nvCxnSpPr>
+        <p:spPr>
+          <a:xfrm>
+            <a:off x="5582410" y="1360528"/>
+            <a:ext cx="573766" cy="0"/>
+          </a:xfrm>
+          <a:prstGeom prst="line">
+            <a:avLst/>
+          </a:prstGeom>
+        </p:spPr>
+        <p:style>
+          <a:lnRef idx="1">
+            <a:schemeClr val="accent1"/>
+          </a:lnRef>
+          <a:fillRef idx="0">
+            <a:schemeClr val="accent1"/>
+          </a:fillRef>
+          <a:effectRef idx="0">
+            <a:schemeClr val="accent1"/>
+          </a:effectRef>
+          <a:fontRef idx="minor">
+            <a:schemeClr val="tx1"/>
+          </a:fontRef>
+        </p:style>
+      </p:cxnSp>
+      <p:cxnSp>
+        <p:nvCxnSpPr>
+          <p:cNvPr id="23" name="직선 연결선 22"/>
+          <p:cNvCxnSpPr>
+            <a:stCxn id="13" idx="3"/>
+          </p:cNvCxnSpPr>
+          <p:nvPr/>
+        </p:nvCxnSpPr>
+        <p:spPr>
+          <a:xfrm>
+            <a:off x="5582410" y="2168860"/>
+            <a:ext cx="645774" cy="0"/>
+          </a:xfrm>
+          <a:prstGeom prst="line">
+            <a:avLst/>
+          </a:prstGeom>
+        </p:spPr>
+        <p:style>
+          <a:lnRef idx="1">
+            <a:schemeClr val="accent1"/>
+          </a:lnRef>
+          <a:fillRef idx="0">
+            <a:schemeClr val="accent1"/>
+          </a:fillRef>
+          <a:effectRef idx="0">
+            <a:schemeClr val="accent1"/>
+          </a:effectRef>
+          <a:fontRef idx="minor">
+            <a:schemeClr val="tx1"/>
+          </a:fontRef>
+        </p:style>
+      </p:cxnSp>
+      <p:cxnSp>
+        <p:nvCxnSpPr>
+          <p:cNvPr id="25" name="직선 연결선 24"/>
+          <p:cNvCxnSpPr>
+            <a:stCxn id="2" idx="2"/>
+          </p:cNvCxnSpPr>
+          <p:nvPr/>
+        </p:nvCxnSpPr>
+        <p:spPr>
+          <a:xfrm flipH="1">
+            <a:off x="2519488" y="2069629"/>
+            <a:ext cx="2718" cy="1143347"/>
+          </a:xfrm>
+          <a:prstGeom prst="line">
+            <a:avLst/>
+          </a:prstGeom>
+        </p:spPr>
+        <p:style>
+          <a:lnRef idx="1">
+            <a:schemeClr val="accent1"/>
+          </a:lnRef>
+          <a:fillRef idx="0">
+            <a:schemeClr val="accent1"/>
+          </a:fillRef>
+          <a:effectRef idx="0">
+            <a:schemeClr val="accent1"/>
+          </a:effectRef>
+          <a:fontRef idx="minor">
+            <a:schemeClr val="tx1"/>
+          </a:fontRef>
+        </p:style>
+      </p:cxnSp>
+      <p:cxnSp>
+        <p:nvCxnSpPr>
+          <p:cNvPr id="30" name="직선 연결선 29"/>
+          <p:cNvCxnSpPr>
+            <a:stCxn id="18" idx="2"/>
+          </p:cNvCxnSpPr>
+          <p:nvPr/>
+        </p:nvCxnSpPr>
+        <p:spPr>
+          <a:xfrm>
+            <a:off x="2522206" y="3388457"/>
+            <a:ext cx="0" cy="663674"/>
+          </a:xfrm>
+          <a:prstGeom prst="line">
+            <a:avLst/>
+          </a:prstGeom>
+        </p:spPr>
+        <p:style>
+          <a:lnRef idx="1">
+            <a:schemeClr val="accent1"/>
+          </a:lnRef>
+          <a:fillRef idx="0">
+            <a:schemeClr val="accent1"/>
+          </a:fillRef>
+          <a:effectRef idx="0">
+            <a:schemeClr val="accent1"/>
+          </a:effectRef>
+          <a:fontRef idx="minor">
+            <a:schemeClr val="tx1"/>
+          </a:fontRef>
+        </p:style>
+      </p:cxnSp>
+      <p:cxnSp>
+        <p:nvCxnSpPr>
+          <p:cNvPr id="32" name="직선 연결선 31"/>
+          <p:cNvCxnSpPr>
+            <a:stCxn id="22" idx="2"/>
+            <a:endCxn id="21" idx="0"/>
+          </p:cNvCxnSpPr>
+          <p:nvPr/>
+        </p:nvCxnSpPr>
+        <p:spPr>
+          <a:xfrm>
+            <a:off x="2522206" y="4304159"/>
+            <a:ext cx="0" cy="348977"/>
+          </a:xfrm>
+          <a:prstGeom prst="line">
+            <a:avLst/>
+          </a:prstGeom>
+        </p:spPr>
+        <p:style>
+          <a:lnRef idx="1">
+            <a:schemeClr val="accent1"/>
+          </a:lnRef>
+          <a:fillRef idx="0">
+            <a:schemeClr val="accent1"/>
+          </a:fillRef>
+          <a:effectRef idx="0">
+            <a:schemeClr val="accent1"/>
+          </a:effectRef>
+          <a:fontRef idx="minor">
+            <a:schemeClr val="tx1"/>
+          </a:fontRef>
+        </p:style>
+      </p:cxnSp>
+      <p:cxnSp>
+        <p:nvCxnSpPr>
+          <p:cNvPr id="34" name="직선 연결선 33"/>
+          <p:cNvCxnSpPr>
+            <a:stCxn id="18" idx="3"/>
+          </p:cNvCxnSpPr>
+          <p:nvPr/>
+        </p:nvCxnSpPr>
+        <p:spPr>
+          <a:xfrm>
+            <a:off x="3458310" y="3136429"/>
+            <a:ext cx="1761762" cy="0"/>
+          </a:xfrm>
+          <a:prstGeom prst="line">
+            <a:avLst/>
+          </a:prstGeom>
+        </p:spPr>
+        <p:style>
+          <a:lnRef idx="1">
+            <a:schemeClr val="accent1"/>
+          </a:lnRef>
+          <a:fillRef idx="0">
+            <a:schemeClr val="accent1"/>
+          </a:fillRef>
+          <a:effectRef idx="0">
+            <a:schemeClr val="accent1"/>
+          </a:effectRef>
+          <a:fontRef idx="minor">
+            <a:schemeClr val="tx1"/>
+          </a:fontRef>
+        </p:style>
+      </p:cxnSp>
+      <p:cxnSp>
+        <p:nvCxnSpPr>
+          <p:cNvPr id="36" name="직선 연결선 35"/>
+          <p:cNvCxnSpPr>
+            <a:stCxn id="21" idx="3"/>
+            <a:endCxn id="20" idx="1"/>
+          </p:cNvCxnSpPr>
+          <p:nvPr/>
+        </p:nvCxnSpPr>
+        <p:spPr>
+          <a:xfrm>
+            <a:off x="3458310" y="4905164"/>
+            <a:ext cx="504056" cy="0"/>
+          </a:xfrm>
+          <a:prstGeom prst="line">
+            <a:avLst/>
+          </a:prstGeom>
+        </p:spPr>
+        <p:style>
+          <a:lnRef idx="1">
+            <a:schemeClr val="accent1"/>
+          </a:lnRef>
+          <a:fillRef idx="0">
+            <a:schemeClr val="accent1"/>
+          </a:fillRef>
+          <a:effectRef idx="0">
+            <a:schemeClr val="accent1"/>
+          </a:effectRef>
+          <a:fontRef idx="minor">
+            <a:schemeClr val="tx1"/>
+          </a:fontRef>
+        </p:style>
+      </p:cxnSp>
+      <p:grpSp>
+        <p:nvGrpSpPr>
+          <p:cNvPr id="37" name="그룹 36"/>
+          <p:cNvGrpSpPr/>
+          <p:nvPr/>
+        </p:nvGrpSpPr>
+        <p:grpSpPr>
+          <a:xfrm>
+            <a:off x="7956376" y="242064"/>
+            <a:ext cx="1080120" cy="450632"/>
+            <a:chOff x="3563888" y="683404"/>
+            <a:chExt cx="1080120" cy="450632"/>
+          </a:xfrm>
+        </p:grpSpPr>
+        <p:sp>
+          <p:nvSpPr>
+            <p:cNvPr id="38" name="TextBox 37"/>
+            <p:cNvSpPr txBox="1"/>
+            <p:nvPr/>
+          </p:nvSpPr>
+          <p:spPr>
+            <a:xfrm>
+              <a:off x="3563888" y="764704"/>
+              <a:ext cx="906034" cy="369332"/>
+            </a:xfrm>
+            <a:prstGeom prst="rect">
+              <a:avLst/>
+            </a:prstGeom>
+            <a:noFill/>
+          </p:spPr>
+          <p:txBody>
+            <a:bodyPr wrap="square" rtlCol="0">
+              <a:spAutoFit/>
+            </a:bodyPr>
+            <a:lstStyle/>
+            <a:p>
+              <a:r>
+                <a:rPr lang="en-US" altLang="ko-KR" b="1" spc="-300" dirty="0" err="1" smtClean="0">
+                  <a:solidFill>
+                    <a:srgbClr val="00A204"/>
+                  </a:solidFill>
+                  <a:latin typeface="Segoe UI" pitchFamily="34" charset="0"/>
+                  <a:ea typeface="Segoe UI" pitchFamily="34" charset="0"/>
+                  <a:cs typeface="Segoe UI" pitchFamily="34" charset="0"/>
+                </a:rPr>
+                <a:t>Akropolis</a:t>
+              </a:r>
+              <a:r>
+                <a:rPr lang="en-US" altLang="ko-KR" b="1" spc="-300" dirty="0" smtClean="0">
+                  <a:solidFill>
+                    <a:srgbClr val="00A204"/>
+                  </a:solidFill>
+                  <a:latin typeface="Segoe UI" pitchFamily="34" charset="0"/>
+                  <a:ea typeface="Segoe UI" pitchFamily="34" charset="0"/>
+                  <a:cs typeface="Segoe UI" pitchFamily="34" charset="0"/>
+                </a:rPr>
+                <a:t>  </a:t>
+              </a:r>
+              <a:endParaRPr lang="ko-KR" altLang="en-US" b="1" spc="-300" dirty="0">
+                <a:solidFill>
+                  <a:srgbClr val="00A204"/>
+                </a:solidFill>
+                <a:latin typeface="Segoe UI" pitchFamily="34" charset="0"/>
+                <a:ea typeface="HY목각파임B" pitchFamily="18" charset="-127"/>
+                <a:cs typeface="Segoe UI" pitchFamily="34" charset="0"/>
+              </a:endParaRPr>
+            </a:p>
+          </p:txBody>
+        </p:sp>
+        <p:sp>
+          <p:nvSpPr>
+            <p:cNvPr id="39" name="TextBox 38"/>
+            <p:cNvSpPr txBox="1"/>
+            <p:nvPr/>
+          </p:nvSpPr>
+          <p:spPr>
+            <a:xfrm>
+              <a:off x="4295836" y="683404"/>
+              <a:ext cx="348172" cy="369332"/>
+            </a:xfrm>
+            <a:prstGeom prst="rect">
+              <a:avLst/>
+            </a:prstGeom>
+            <a:noFill/>
+          </p:spPr>
+          <p:txBody>
+            <a:bodyPr wrap="none" rtlCol="0">
+              <a:spAutoFit/>
+            </a:bodyPr>
+            <a:lstStyle/>
+            <a:p>
+              <a:r>
+                <a:rPr lang="en-US" altLang="ko-KR" b="1" dirty="0" smtClean="0">
+                  <a:solidFill>
+                    <a:srgbClr val="00A204"/>
+                  </a:solidFill>
+                  <a:latin typeface="Segoe UI" pitchFamily="34" charset="0"/>
+                  <a:ea typeface="Segoe UI" pitchFamily="34" charset="0"/>
+                  <a:cs typeface="Segoe UI" pitchFamily="34" charset="0"/>
+                </a:rPr>
+                <a:t>+</a:t>
+              </a:r>
+              <a:endParaRPr lang="ko-KR" altLang="en-US" b="1" dirty="0">
+                <a:solidFill>
+                  <a:srgbClr val="00A204"/>
+                </a:solidFill>
+                <a:latin typeface="Segoe UI" pitchFamily="34" charset="0"/>
+                <a:cs typeface="Segoe UI" pitchFamily="34" charset="0"/>
+              </a:endParaRPr>
+            </a:p>
+          </p:txBody>
+        </p:sp>
+      </p:grpSp>
+    </p:spTree>
+    <p:extLst>
+      <p:ext uri="{BB962C8B-B14F-4D97-AF65-F5344CB8AC3E}">
+        <p14:creationId xmlns:p14="http://schemas.microsoft.com/office/powerpoint/2010/main" val="2458126143"/>
+      </p:ext>
+    </p:extLst>
+  </p:cSld>
+  <p:clrMapOvr>
+    <a:masterClrMapping/>
+  </p:clrMapOvr>
+  <p:transition/>
+  <p:timing>
+    <p:tnLst>
+      <p:par>
+        <p:cTn id="1" dur="indefinite" restart="never" nodeType="tmRoot"/>
+      </p:par>
+    </p:tnLst>
+  </p:timing>
+</p:sld>
+</file>
+
+<file path=ppt/slides/slide2.xml><?xml version="1.0" encoding="utf-8"?>
 <p:sld xmlns:a="http://schemas.openxmlformats.org/drawingml/2006/main" xmlns:r="http://schemas.openxmlformats.org/officeDocument/2006/relationships" xmlns:p="http://schemas.openxmlformats.org/presentationml/2006/main" showMasterSp="0">
   <p:cSld>
     <p:spTree>
@@ -11025,7 +14883,7 @@
                 </a:gradFill>
                 <a:latin typeface="+mn-ea"/>
               </a:rPr>
-              <a:t>일정</a:t>
+              <a:t>개발계획 및 일정</a:t>
             </a:r>
             <a:endParaRPr lang="en-US" altLang="ko-KR" b="1" dirty="0">
               <a:gradFill>
@@ -11570,7 +15428,7 @@
 </p:sld>
 </file>
 
-<file path=ppt/slides/slide4.xml><?xml version="1.0" encoding="utf-8"?>
+<file path=ppt/slides/slide20.xml><?xml version="1.0" encoding="utf-8"?>
 <p:sld xmlns:a="http://schemas.openxmlformats.org/drawingml/2006/main" xmlns:r="http://schemas.openxmlformats.org/officeDocument/2006/relationships" xmlns:p="http://schemas.openxmlformats.org/presentationml/2006/main" showMasterSp="0">
   <p:cSld>
     <p:spTree>
@@ -11622,6 +15480,692 @@
           </a:fontRef>
         </p:style>
       </p:cxnSp>
+      <p:sp>
+        <p:nvSpPr>
+          <p:cNvPr id="12" name="TextBox 11"/>
+          <p:cNvSpPr txBox="1"/>
+          <p:nvPr/>
+        </p:nvSpPr>
+        <p:spPr>
+          <a:xfrm>
+            <a:off x="179512" y="461805"/>
+            <a:ext cx="4392488" cy="369332"/>
+          </a:xfrm>
+          <a:prstGeom prst="rect">
+            <a:avLst/>
+          </a:prstGeom>
+          <a:noFill/>
+        </p:spPr>
+        <p:txBody>
+          <a:bodyPr wrap="square" rtlCol="0">
+            <a:spAutoFit/>
+          </a:bodyPr>
+          <a:lstStyle/>
+          <a:p>
+            <a:pPr>
+              <a:lnSpc>
+                <a:spcPct val="90000"/>
+              </a:lnSpc>
+            </a:pPr>
+            <a:r>
+              <a:rPr lang="ko-KR" altLang="en-US" sz="2000" b="1" spc="300" dirty="0" smtClean="0">
+                <a:solidFill>
+                  <a:srgbClr val="00A204"/>
+                </a:solidFill>
+                <a:latin typeface="+mn-ea"/>
+              </a:rPr>
+              <a:t>개발계획 </a:t>
+            </a:r>
+            <a:r>
+              <a:rPr lang="en-US" altLang="ko-KR" sz="2000" b="1" spc="300" dirty="0" smtClean="0">
+                <a:solidFill>
+                  <a:srgbClr val="00A204"/>
+                </a:solidFill>
+                <a:latin typeface="+mn-ea"/>
+              </a:rPr>
+              <a:t>- </a:t>
+            </a:r>
+            <a:r>
+              <a:rPr lang="ko-KR" altLang="en-US" sz="2000" b="1" spc="300" dirty="0" smtClean="0">
+                <a:solidFill>
+                  <a:srgbClr val="00A204"/>
+                </a:solidFill>
+                <a:latin typeface="+mn-ea"/>
+              </a:rPr>
+              <a:t>일정</a:t>
+            </a:r>
+            <a:endParaRPr lang="ko-KR" altLang="en-US" sz="2000" b="1" spc="300" dirty="0">
+              <a:solidFill>
+                <a:srgbClr val="00A204"/>
+              </a:solidFill>
+              <a:latin typeface="+mn-ea"/>
+            </a:endParaRPr>
+          </a:p>
+        </p:txBody>
+      </p:sp>
+      <p:sp>
+        <p:nvSpPr>
+          <p:cNvPr id="33" name="TextBox 32"/>
+          <p:cNvSpPr txBox="1"/>
+          <p:nvPr/>
+        </p:nvSpPr>
+        <p:spPr>
+          <a:xfrm>
+            <a:off x="179512" y="92643"/>
+            <a:ext cx="2339976" cy="178510"/>
+          </a:xfrm>
+          <a:prstGeom prst="rect">
+            <a:avLst/>
+          </a:prstGeom>
+          <a:noFill/>
+        </p:spPr>
+        <p:txBody>
+          <a:bodyPr wrap="square" rtlCol="0">
+            <a:spAutoFit/>
+          </a:bodyPr>
+          <a:lstStyle/>
+          <a:p>
+            <a:pPr>
+              <a:lnSpc>
+                <a:spcPct val="80000"/>
+              </a:lnSpc>
+            </a:pPr>
+            <a:r>
+              <a:rPr lang="en-US" altLang="ko-KR" sz="700" b="1" dirty="0" smtClean="0">
+                <a:solidFill>
+                  <a:schemeClr val="tx1">
+                    <a:lumMod val="75000"/>
+                    <a:lumOff val="25000"/>
+                  </a:schemeClr>
+                </a:solidFill>
+                <a:latin typeface="나눔고딕" pitchFamily="50" charset="-127"/>
+                <a:ea typeface="나눔고딕" pitchFamily="50" charset="-127"/>
+              </a:rPr>
+              <a:t>Title</a:t>
+            </a:r>
+            <a:endParaRPr lang="ko-KR" altLang="en-US" sz="700" b="1" dirty="0">
+              <a:solidFill>
+                <a:schemeClr val="tx1">
+                  <a:lumMod val="75000"/>
+                  <a:lumOff val="25000"/>
+                </a:schemeClr>
+              </a:solidFill>
+              <a:latin typeface="나눔고딕" pitchFamily="50" charset="-127"/>
+              <a:ea typeface="나눔고딕" pitchFamily="50" charset="-127"/>
+            </a:endParaRPr>
+          </a:p>
+        </p:txBody>
+      </p:sp>
+      <p:pic>
+        <p:nvPicPr>
+          <p:cNvPr id="6" name="그림 5"/>
+          <p:cNvPicPr/>
+          <p:nvPr/>
+        </p:nvPicPr>
+        <p:blipFill>
+          <a:blip r:embed="rId3" cstate="print"/>
+          <a:srcRect/>
+          <a:stretch>
+            <a:fillRect/>
+          </a:stretch>
+        </p:blipFill>
+        <p:spPr bwMode="auto">
+          <a:xfrm>
+            <a:off x="539552" y="1484784"/>
+            <a:ext cx="7934578" cy="1541907"/>
+          </a:xfrm>
+          <a:prstGeom prst="rect">
+            <a:avLst/>
+          </a:prstGeom>
+          <a:noFill/>
+          <a:ln w="9525">
+            <a:noFill/>
+            <a:miter lim="800000"/>
+            <a:headEnd/>
+            <a:tailEnd/>
+          </a:ln>
+        </p:spPr>
+      </p:pic>
+      <p:pic>
+        <p:nvPicPr>
+          <p:cNvPr id="7" name="그림 6"/>
+          <p:cNvPicPr/>
+          <p:nvPr/>
+        </p:nvPicPr>
+        <p:blipFill>
+          <a:blip r:embed="rId4" cstate="print"/>
+          <a:srcRect/>
+          <a:stretch>
+            <a:fillRect/>
+          </a:stretch>
+        </p:blipFill>
+        <p:spPr bwMode="auto">
+          <a:xfrm>
+            <a:off x="539552" y="3604736"/>
+            <a:ext cx="7934578" cy="1552456"/>
+          </a:xfrm>
+          <a:prstGeom prst="rect">
+            <a:avLst/>
+          </a:prstGeom>
+          <a:noFill/>
+          <a:ln w="9525">
+            <a:noFill/>
+            <a:miter lim="800000"/>
+            <a:headEnd/>
+            <a:tailEnd/>
+          </a:ln>
+        </p:spPr>
+      </p:pic>
+      <p:grpSp>
+        <p:nvGrpSpPr>
+          <p:cNvPr id="9" name="그룹 8"/>
+          <p:cNvGrpSpPr/>
+          <p:nvPr/>
+        </p:nvGrpSpPr>
+        <p:grpSpPr>
+          <a:xfrm>
+            <a:off x="7956376" y="242064"/>
+            <a:ext cx="1080120" cy="450632"/>
+            <a:chOff x="3563888" y="683404"/>
+            <a:chExt cx="1080120" cy="450632"/>
+          </a:xfrm>
+        </p:grpSpPr>
+        <p:sp>
+          <p:nvSpPr>
+            <p:cNvPr id="10" name="TextBox 9"/>
+            <p:cNvSpPr txBox="1"/>
+            <p:nvPr/>
+          </p:nvSpPr>
+          <p:spPr>
+            <a:xfrm>
+              <a:off x="3563888" y="764704"/>
+              <a:ext cx="906034" cy="369332"/>
+            </a:xfrm>
+            <a:prstGeom prst="rect">
+              <a:avLst/>
+            </a:prstGeom>
+            <a:noFill/>
+          </p:spPr>
+          <p:txBody>
+            <a:bodyPr wrap="square" rtlCol="0">
+              <a:spAutoFit/>
+            </a:bodyPr>
+            <a:lstStyle/>
+            <a:p>
+              <a:r>
+                <a:rPr lang="en-US" altLang="ko-KR" b="1" spc="-300" dirty="0" err="1" smtClean="0">
+                  <a:solidFill>
+                    <a:srgbClr val="00A204"/>
+                  </a:solidFill>
+                  <a:latin typeface="Segoe UI" pitchFamily="34" charset="0"/>
+                  <a:ea typeface="Segoe UI" pitchFamily="34" charset="0"/>
+                  <a:cs typeface="Segoe UI" pitchFamily="34" charset="0"/>
+                </a:rPr>
+                <a:t>Akropolis</a:t>
+              </a:r>
+              <a:r>
+                <a:rPr lang="en-US" altLang="ko-KR" b="1" spc="-300" dirty="0" smtClean="0">
+                  <a:solidFill>
+                    <a:srgbClr val="00A204"/>
+                  </a:solidFill>
+                  <a:latin typeface="Segoe UI" pitchFamily="34" charset="0"/>
+                  <a:ea typeface="Segoe UI" pitchFamily="34" charset="0"/>
+                  <a:cs typeface="Segoe UI" pitchFamily="34" charset="0"/>
+                </a:rPr>
+                <a:t>  </a:t>
+              </a:r>
+              <a:endParaRPr lang="ko-KR" altLang="en-US" b="1" spc="-300" dirty="0">
+                <a:solidFill>
+                  <a:srgbClr val="00A204"/>
+                </a:solidFill>
+                <a:latin typeface="Segoe UI" pitchFamily="34" charset="0"/>
+                <a:ea typeface="HY목각파임B" pitchFamily="18" charset="-127"/>
+                <a:cs typeface="Segoe UI" pitchFamily="34" charset="0"/>
+              </a:endParaRPr>
+            </a:p>
+          </p:txBody>
+        </p:sp>
+        <p:sp>
+          <p:nvSpPr>
+            <p:cNvPr id="11" name="TextBox 10"/>
+            <p:cNvSpPr txBox="1"/>
+            <p:nvPr/>
+          </p:nvSpPr>
+          <p:spPr>
+            <a:xfrm>
+              <a:off x="4295836" y="683404"/>
+              <a:ext cx="348172" cy="369332"/>
+            </a:xfrm>
+            <a:prstGeom prst="rect">
+              <a:avLst/>
+            </a:prstGeom>
+            <a:noFill/>
+          </p:spPr>
+          <p:txBody>
+            <a:bodyPr wrap="none" rtlCol="0">
+              <a:spAutoFit/>
+            </a:bodyPr>
+            <a:lstStyle/>
+            <a:p>
+              <a:r>
+                <a:rPr lang="en-US" altLang="ko-KR" b="1" dirty="0" smtClean="0">
+                  <a:solidFill>
+                    <a:srgbClr val="00A204"/>
+                  </a:solidFill>
+                  <a:latin typeface="Segoe UI" pitchFamily="34" charset="0"/>
+                  <a:ea typeface="Segoe UI" pitchFamily="34" charset="0"/>
+                  <a:cs typeface="Segoe UI" pitchFamily="34" charset="0"/>
+                </a:rPr>
+                <a:t>+</a:t>
+              </a:r>
+              <a:endParaRPr lang="ko-KR" altLang="en-US" b="1" dirty="0">
+                <a:solidFill>
+                  <a:srgbClr val="00A204"/>
+                </a:solidFill>
+                <a:latin typeface="Segoe UI" pitchFamily="34" charset="0"/>
+                <a:cs typeface="Segoe UI" pitchFamily="34" charset="0"/>
+              </a:endParaRPr>
+            </a:p>
+          </p:txBody>
+        </p:sp>
+      </p:grpSp>
+    </p:spTree>
+  </p:cSld>
+  <p:clrMapOvr>
+    <a:masterClrMapping/>
+  </p:clrMapOvr>
+  <p:transition/>
+  <p:timing>
+    <p:tnLst>
+      <p:par>
+        <p:cTn id="1" dur="indefinite" restart="never" nodeType="tmRoot"/>
+      </p:par>
+    </p:tnLst>
+  </p:timing>
+</p:sld>
+</file>
+
+<file path=ppt/slides/slide21.xml><?xml version="1.0" encoding="utf-8"?>
+<p:sld xmlns:a="http://schemas.openxmlformats.org/drawingml/2006/main" xmlns:r="http://schemas.openxmlformats.org/officeDocument/2006/relationships" xmlns:p="http://schemas.openxmlformats.org/presentationml/2006/main" showMasterSp="0">
+  <p:cSld>
+    <p:spTree>
+      <p:nvGrpSpPr>
+        <p:cNvPr id="1" name=""/>
+        <p:cNvGrpSpPr/>
+        <p:nvPr/>
+      </p:nvGrpSpPr>
+      <p:grpSpPr>
+        <a:xfrm>
+          <a:off x="0" y="0"/>
+          <a:ext cx="0" cy="0"/>
+          <a:chOff x="0" y="0"/>
+          <a:chExt cx="0" cy="0"/>
+        </a:xfrm>
+      </p:grpSpPr>
+      <p:sp>
+        <p:nvSpPr>
+          <p:cNvPr id="20" name="TextBox 19"/>
+          <p:cNvSpPr txBox="1"/>
+          <p:nvPr/>
+        </p:nvSpPr>
+        <p:spPr>
+          <a:xfrm>
+            <a:off x="1295636" y="2918032"/>
+            <a:ext cx="6552728" cy="720197"/>
+          </a:xfrm>
+          <a:prstGeom prst="rect">
+            <a:avLst/>
+          </a:prstGeom>
+          <a:noFill/>
+        </p:spPr>
+        <p:txBody>
+          <a:bodyPr wrap="square" rtlCol="0">
+            <a:spAutoFit/>
+          </a:bodyPr>
+          <a:lstStyle/>
+          <a:p>
+            <a:pPr>
+              <a:lnSpc>
+                <a:spcPct val="85000"/>
+              </a:lnSpc>
+            </a:pPr>
+            <a:r>
+              <a:rPr lang="en-US" altLang="ko-KR" sz="4800" dirty="0" smtClean="0">
+                <a:solidFill>
+                  <a:srgbClr val="00A204"/>
+                </a:solidFill>
+                <a:latin typeface="나눔고딕" pitchFamily="50" charset="-127"/>
+                <a:ea typeface="나눔고딕" pitchFamily="50" charset="-127"/>
+              </a:rPr>
+              <a:t>QA &amp;&amp; </a:t>
+            </a:r>
+            <a:r>
+              <a:rPr lang="ko-KR" altLang="en-US" sz="4800" dirty="0" smtClean="0">
+                <a:solidFill>
+                  <a:srgbClr val="00A204"/>
+                </a:solidFill>
+                <a:latin typeface="나눔고딕" pitchFamily="50" charset="-127"/>
+                <a:ea typeface="나눔고딕" pitchFamily="50" charset="-127"/>
+              </a:rPr>
+              <a:t>의견</a:t>
+            </a:r>
+            <a:endParaRPr lang="ko-KR" altLang="en-US" sz="4800" dirty="0">
+              <a:solidFill>
+                <a:srgbClr val="00A204"/>
+              </a:solidFill>
+              <a:latin typeface="나눔고딕" pitchFamily="50" charset="-127"/>
+              <a:ea typeface="나눔고딕" pitchFamily="50" charset="-127"/>
+            </a:endParaRPr>
+          </a:p>
+        </p:txBody>
+      </p:sp>
+      <p:cxnSp>
+        <p:nvCxnSpPr>
+          <p:cNvPr id="11" name="직선 연결선 10"/>
+          <p:cNvCxnSpPr/>
+          <p:nvPr/>
+        </p:nvCxnSpPr>
+        <p:spPr>
+          <a:xfrm>
+            <a:off x="251520" y="332656"/>
+            <a:ext cx="8640960" cy="0"/>
+          </a:xfrm>
+          <a:prstGeom prst="line">
+            <a:avLst/>
+          </a:prstGeom>
+          <a:ln w="3175">
+            <a:solidFill>
+              <a:schemeClr val="tx1">
+                <a:lumMod val="75000"/>
+                <a:lumOff val="25000"/>
+              </a:schemeClr>
+            </a:solidFill>
+          </a:ln>
+        </p:spPr>
+        <p:style>
+          <a:lnRef idx="1">
+            <a:schemeClr val="accent1"/>
+          </a:lnRef>
+          <a:fillRef idx="0">
+            <a:schemeClr val="accent1"/>
+          </a:fillRef>
+          <a:effectRef idx="0">
+            <a:schemeClr val="accent1"/>
+          </a:effectRef>
+          <a:fontRef idx="minor">
+            <a:schemeClr val="tx1"/>
+          </a:fontRef>
+        </p:style>
+      </p:cxnSp>
+      <p:sp>
+        <p:nvSpPr>
+          <p:cNvPr id="4" name="TextBox 3"/>
+          <p:cNvSpPr txBox="1"/>
+          <p:nvPr/>
+        </p:nvSpPr>
+        <p:spPr>
+          <a:xfrm>
+            <a:off x="179512" y="6415444"/>
+            <a:ext cx="4039705" cy="253916"/>
+          </a:xfrm>
+          <a:prstGeom prst="rect">
+            <a:avLst/>
+          </a:prstGeom>
+          <a:noFill/>
+        </p:spPr>
+        <p:txBody>
+          <a:bodyPr wrap="square" rtlCol="0">
+            <a:spAutoFit/>
+          </a:bodyPr>
+          <a:lstStyle/>
+          <a:p>
+            <a:pPr>
+              <a:lnSpc>
+                <a:spcPct val="150000"/>
+              </a:lnSpc>
+            </a:pPr>
+            <a:r>
+              <a:rPr lang="ko-KR" altLang="en-US" sz="700" dirty="0" smtClean="0">
+                <a:solidFill>
+                  <a:srgbClr val="68727E"/>
+                </a:solidFill>
+                <a:latin typeface="나눔고딕" pitchFamily="50" charset="-127"/>
+                <a:ea typeface="나눔고딕" pitchFamily="50" charset="-127"/>
+              </a:rPr>
+              <a:t>이 문서는 </a:t>
+            </a:r>
+            <a:r>
+              <a:rPr lang="ko-KR" altLang="en-US" sz="700" dirty="0" err="1" smtClean="0">
+                <a:solidFill>
+                  <a:srgbClr val="68727E"/>
+                </a:solidFill>
+                <a:latin typeface="나눔고딕" pitchFamily="50" charset="-127"/>
+                <a:ea typeface="나눔고딕" pitchFamily="50" charset="-127"/>
+              </a:rPr>
+              <a:t>나눔글꼴로</a:t>
+            </a:r>
+            <a:r>
+              <a:rPr lang="ko-KR" altLang="en-US" sz="700" dirty="0" smtClean="0">
+                <a:solidFill>
+                  <a:srgbClr val="68727E"/>
+                </a:solidFill>
+                <a:latin typeface="나눔고딕" pitchFamily="50" charset="-127"/>
+                <a:ea typeface="나눔고딕" pitchFamily="50" charset="-127"/>
+              </a:rPr>
+              <a:t> 작성되었습니다</a:t>
+            </a:r>
+            <a:r>
+              <a:rPr lang="en-US" altLang="ko-KR" sz="700" dirty="0" smtClean="0">
+                <a:solidFill>
+                  <a:srgbClr val="68727E"/>
+                </a:solidFill>
+                <a:latin typeface="나눔고딕" pitchFamily="50" charset="-127"/>
+                <a:ea typeface="나눔고딕" pitchFamily="50" charset="-127"/>
+              </a:rPr>
+              <a:t>. </a:t>
+            </a:r>
+            <a:r>
+              <a:rPr lang="ko-KR" altLang="en-US" sz="700" u="sng" dirty="0" smtClean="0">
+                <a:solidFill>
+                  <a:srgbClr val="68727E"/>
+                </a:solidFill>
+                <a:latin typeface="나눔고딕" pitchFamily="50" charset="-127"/>
+                <a:ea typeface="나눔고딕" pitchFamily="50" charset="-127"/>
+                <a:hlinkClick r:id="rId3"/>
+              </a:rPr>
+              <a:t>설치하기</a:t>
+            </a:r>
+            <a:endParaRPr lang="en-US" altLang="ko-KR" sz="700" u="sng" dirty="0" smtClean="0">
+              <a:solidFill>
+                <a:srgbClr val="68727E"/>
+              </a:solidFill>
+              <a:latin typeface="나눔고딕" pitchFamily="50" charset="-127"/>
+              <a:ea typeface="나눔고딕" pitchFamily="50" charset="-127"/>
+            </a:endParaRPr>
+          </a:p>
+        </p:txBody>
+      </p:sp>
+      <p:grpSp>
+        <p:nvGrpSpPr>
+          <p:cNvPr id="5" name="그룹 4"/>
+          <p:cNvGrpSpPr/>
+          <p:nvPr/>
+        </p:nvGrpSpPr>
+        <p:grpSpPr>
+          <a:xfrm>
+            <a:off x="7956376" y="242064"/>
+            <a:ext cx="1080120" cy="450632"/>
+            <a:chOff x="3563888" y="683404"/>
+            <a:chExt cx="1080120" cy="450632"/>
+          </a:xfrm>
+        </p:grpSpPr>
+        <p:sp>
+          <p:nvSpPr>
+            <p:cNvPr id="6" name="TextBox 5"/>
+            <p:cNvSpPr txBox="1"/>
+            <p:nvPr/>
+          </p:nvSpPr>
+          <p:spPr>
+            <a:xfrm>
+              <a:off x="3563888" y="764704"/>
+              <a:ext cx="906034" cy="369332"/>
+            </a:xfrm>
+            <a:prstGeom prst="rect">
+              <a:avLst/>
+            </a:prstGeom>
+            <a:noFill/>
+          </p:spPr>
+          <p:txBody>
+            <a:bodyPr wrap="square" rtlCol="0">
+              <a:spAutoFit/>
+            </a:bodyPr>
+            <a:lstStyle/>
+            <a:p>
+              <a:r>
+                <a:rPr lang="en-US" altLang="ko-KR" b="1" spc="-300" dirty="0" err="1" smtClean="0">
+                  <a:solidFill>
+                    <a:srgbClr val="00A204"/>
+                  </a:solidFill>
+                  <a:latin typeface="Segoe UI" pitchFamily="34" charset="0"/>
+                  <a:ea typeface="Segoe UI" pitchFamily="34" charset="0"/>
+                  <a:cs typeface="Segoe UI" pitchFamily="34" charset="0"/>
+                </a:rPr>
+                <a:t>Akropolis</a:t>
+              </a:r>
+              <a:r>
+                <a:rPr lang="en-US" altLang="ko-KR" b="1" spc="-300" dirty="0" smtClean="0">
+                  <a:solidFill>
+                    <a:srgbClr val="00A204"/>
+                  </a:solidFill>
+                  <a:latin typeface="Segoe UI" pitchFamily="34" charset="0"/>
+                  <a:ea typeface="Segoe UI" pitchFamily="34" charset="0"/>
+                  <a:cs typeface="Segoe UI" pitchFamily="34" charset="0"/>
+                </a:rPr>
+                <a:t>  </a:t>
+              </a:r>
+              <a:endParaRPr lang="ko-KR" altLang="en-US" b="1" spc="-300" dirty="0">
+                <a:solidFill>
+                  <a:srgbClr val="00A204"/>
+                </a:solidFill>
+                <a:latin typeface="Segoe UI" pitchFamily="34" charset="0"/>
+                <a:ea typeface="HY목각파임B" pitchFamily="18" charset="-127"/>
+                <a:cs typeface="Segoe UI" pitchFamily="34" charset="0"/>
+              </a:endParaRPr>
+            </a:p>
+          </p:txBody>
+        </p:sp>
+        <p:sp>
+          <p:nvSpPr>
+            <p:cNvPr id="7" name="TextBox 6"/>
+            <p:cNvSpPr txBox="1"/>
+            <p:nvPr/>
+          </p:nvSpPr>
+          <p:spPr>
+            <a:xfrm>
+              <a:off x="4295836" y="683404"/>
+              <a:ext cx="348172" cy="369332"/>
+            </a:xfrm>
+            <a:prstGeom prst="rect">
+              <a:avLst/>
+            </a:prstGeom>
+            <a:noFill/>
+          </p:spPr>
+          <p:txBody>
+            <a:bodyPr wrap="none" rtlCol="0">
+              <a:spAutoFit/>
+            </a:bodyPr>
+            <a:lstStyle/>
+            <a:p>
+              <a:r>
+                <a:rPr lang="en-US" altLang="ko-KR" b="1" dirty="0" smtClean="0">
+                  <a:solidFill>
+                    <a:srgbClr val="00A204"/>
+                  </a:solidFill>
+                  <a:latin typeface="Segoe UI" pitchFamily="34" charset="0"/>
+                  <a:ea typeface="Segoe UI" pitchFamily="34" charset="0"/>
+                  <a:cs typeface="Segoe UI" pitchFamily="34" charset="0"/>
+                </a:rPr>
+                <a:t>+</a:t>
+              </a:r>
+              <a:endParaRPr lang="ko-KR" altLang="en-US" b="1" dirty="0">
+                <a:solidFill>
+                  <a:srgbClr val="00A204"/>
+                </a:solidFill>
+                <a:latin typeface="Segoe UI" pitchFamily="34" charset="0"/>
+                <a:cs typeface="Segoe UI" pitchFamily="34" charset="0"/>
+              </a:endParaRPr>
+            </a:p>
+          </p:txBody>
+        </p:sp>
+      </p:grpSp>
+    </p:spTree>
+  </p:cSld>
+  <p:clrMapOvr>
+    <a:masterClrMapping/>
+  </p:clrMapOvr>
+  <p:transition/>
+  <p:timing>
+    <p:tnLst>
+      <p:par>
+        <p:cTn id="1" dur="indefinite" restart="never" nodeType="tmRoot"/>
+      </p:par>
+    </p:tnLst>
+  </p:timing>
+</p:sld>
+</file>
+
+<file path=ppt/slides/slide3.xml><?xml version="1.0" encoding="utf-8"?>
+<p:sld xmlns:a="http://schemas.openxmlformats.org/drawingml/2006/main" xmlns:r="http://schemas.openxmlformats.org/officeDocument/2006/relationships" xmlns:p="http://schemas.openxmlformats.org/presentationml/2006/main" showMasterSp="0">
+  <p:cSld>
+    <p:spTree>
+      <p:nvGrpSpPr>
+        <p:cNvPr id="1" name=""/>
+        <p:cNvGrpSpPr/>
+        <p:nvPr/>
+      </p:nvGrpSpPr>
+      <p:grpSpPr>
+        <a:xfrm>
+          <a:off x="0" y="0"/>
+          <a:ext cx="0" cy="0"/>
+          <a:chOff x="0" y="0"/>
+          <a:chExt cx="0" cy="0"/>
+        </a:xfrm>
+      </p:grpSpPr>
+      <p:cxnSp>
+        <p:nvCxnSpPr>
+          <p:cNvPr id="15" name="직선 연결선 14"/>
+          <p:cNvCxnSpPr/>
+          <p:nvPr/>
+        </p:nvCxnSpPr>
+        <p:spPr>
+          <a:xfrm>
+            <a:off x="251520" y="332656"/>
+            <a:ext cx="8640960" cy="0"/>
+          </a:xfrm>
+          <a:prstGeom prst="line">
+            <a:avLst/>
+          </a:prstGeom>
+          <a:ln w="3175">
+            <a:solidFill>
+              <a:srgbClr val="68727E"/>
+            </a:solidFill>
+          </a:ln>
+        </p:spPr>
+        <p:style>
+          <a:lnRef idx="1">
+            <a:schemeClr val="accent1"/>
+          </a:lnRef>
+          <a:fillRef idx="0">
+            <a:schemeClr val="accent1"/>
+          </a:fillRef>
+          <a:effectRef idx="0">
+            <a:schemeClr val="accent1"/>
+          </a:effectRef>
+          <a:fontRef idx="minor">
+            <a:schemeClr val="tx1"/>
+          </a:fontRef>
+        </p:style>
+      </p:cxnSp>
       <p:cxnSp>
         <p:nvCxnSpPr>
           <p:cNvPr id="19" name="직선 연결선 18"/>
@@ -11932,77 +16476,6 @@
                 </a:gsLst>
                 <a:lin ang="5400000" scaled="0"/>
               </a:gradFill>
-              <a:latin typeface="나눔고딕" pitchFamily="50" charset="-127"/>
-              <a:ea typeface="나눔고딕" pitchFamily="50" charset="-127"/>
-            </a:endParaRPr>
-          </a:p>
-        </p:txBody>
-      </p:sp>
-      <p:sp>
-        <p:nvSpPr>
-          <p:cNvPr id="26" name="TextBox 25"/>
-          <p:cNvSpPr txBox="1"/>
-          <p:nvPr/>
-        </p:nvSpPr>
-        <p:spPr>
-          <a:xfrm>
-            <a:off x="6660232" y="92643"/>
-            <a:ext cx="2339976" cy="178510"/>
-          </a:xfrm>
-          <a:prstGeom prst="rect">
-            <a:avLst/>
-          </a:prstGeom>
-          <a:noFill/>
-        </p:spPr>
-        <p:txBody>
-          <a:bodyPr wrap="square" rtlCol="0">
-            <a:spAutoFit/>
-          </a:bodyPr>
-          <a:lstStyle/>
-          <a:p>
-            <a:pPr algn="r">
-              <a:lnSpc>
-                <a:spcPct val="80000"/>
-              </a:lnSpc>
-            </a:pPr>
-            <a:fld id="{828B5CB4-B095-413D-B8C5-1DA2C2E14324}" type="slidenum">
-              <a:rPr lang="en-US" altLang="ko-KR" sz="700" b="1" smtClean="0">
-                <a:solidFill>
-                  <a:schemeClr val="tx1">
-                    <a:lumMod val="75000"/>
-                    <a:lumOff val="25000"/>
-                  </a:schemeClr>
-                </a:solidFill>
-                <a:latin typeface="나눔고딕" pitchFamily="50" charset="-127"/>
-                <a:ea typeface="나눔고딕" pitchFamily="50" charset="-127"/>
-              </a:rPr>
-              <a:pPr algn="r">
-                <a:lnSpc>
-                  <a:spcPct val="80000"/>
-                </a:lnSpc>
-              </a:pPr>
-              <a:t>4</a:t>
-            </a:fld>
-            <a:r>
-              <a:rPr lang="en-US" altLang="ko-KR" sz="700" b="1" dirty="0" smtClean="0">
-                <a:solidFill>
-                  <a:schemeClr val="tx1">
-                    <a:lumMod val="75000"/>
-                    <a:lumOff val="25000"/>
-                  </a:schemeClr>
-                </a:solidFill>
-                <a:latin typeface="나눔고딕" pitchFamily="50" charset="-127"/>
-                <a:ea typeface="나눔고딕" pitchFamily="50" charset="-127"/>
-              </a:rPr>
-              <a:t>   |  42</a:t>
-            </a:r>
-            <a:endParaRPr lang="ko-KR" altLang="en-US" sz="700" b="1" dirty="0">
-              <a:solidFill>
-                <a:schemeClr val="tx1">
-                  <a:lumMod val="75000"/>
-                  <a:lumOff val="25000"/>
-                </a:schemeClr>
-              </a:solidFill>
               <a:latin typeface="나눔고딕" pitchFamily="50" charset="-127"/>
               <a:ea typeface="나눔고딕" pitchFamily="50" charset="-127"/>
             </a:endParaRPr>
@@ -12154,13 +16627,6 @@
                 <a:ea typeface="맑은 고딕" pitchFamily="50" charset="-127"/>
               </a:rPr>
               <a:t>. </a:t>
-            </a:r>
-            <a:r>
-              <a:rPr lang="ko-KR" altLang="en-US" sz="2000" dirty="0" smtClean="0">
-                <a:latin typeface="맑은 고딕" pitchFamily="50" charset="-127"/>
-                <a:ea typeface="맑은 고딕" pitchFamily="50" charset="-127"/>
-              </a:rPr>
-              <a:t>믿거나 말거나</a:t>
             </a:r>
             <a:endParaRPr lang="en-US" altLang="ko-KR" sz="1600" dirty="0" smtClean="0">
               <a:latin typeface="맑은 고딕" pitchFamily="50" charset="-127"/>
@@ -12396,7 +16862,7 @@
 </p:sld>
 </file>
 
-<file path=ppt/slides/slide5.xml><?xml version="1.0" encoding="utf-8"?>
+<file path=ppt/slides/slide4.xml><?xml version="1.0" encoding="utf-8"?>
 <p:sld xmlns:a="http://schemas.openxmlformats.org/drawingml/2006/main" xmlns:r="http://schemas.openxmlformats.org/officeDocument/2006/relationships" xmlns:p="http://schemas.openxmlformats.org/presentationml/2006/main" showMasterSp="0">
   <p:cSld>
     <p:spTree>
@@ -12569,77 +17035,6 @@
                 <a:ea typeface="나눔고딕" pitchFamily="50" charset="-127"/>
               </a:rPr>
               <a:t>Portfolio</a:t>
-            </a:r>
-            <a:endParaRPr lang="ko-KR" altLang="en-US" sz="700" b="1" dirty="0">
-              <a:solidFill>
-                <a:schemeClr val="tx1">
-                  <a:lumMod val="75000"/>
-                  <a:lumOff val="25000"/>
-                </a:schemeClr>
-              </a:solidFill>
-              <a:latin typeface="나눔고딕" pitchFamily="50" charset="-127"/>
-              <a:ea typeface="나눔고딕" pitchFamily="50" charset="-127"/>
-            </a:endParaRPr>
-          </a:p>
-        </p:txBody>
-      </p:sp>
-      <p:sp>
-        <p:nvSpPr>
-          <p:cNvPr id="46" name="TextBox 45"/>
-          <p:cNvSpPr txBox="1"/>
-          <p:nvPr/>
-        </p:nvSpPr>
-        <p:spPr>
-          <a:xfrm>
-            <a:off x="6660232" y="92643"/>
-            <a:ext cx="2339976" cy="178510"/>
-          </a:xfrm>
-          <a:prstGeom prst="rect">
-            <a:avLst/>
-          </a:prstGeom>
-          <a:noFill/>
-        </p:spPr>
-        <p:txBody>
-          <a:bodyPr wrap="square" rtlCol="0">
-            <a:spAutoFit/>
-          </a:bodyPr>
-          <a:lstStyle/>
-          <a:p>
-            <a:pPr algn="r">
-              <a:lnSpc>
-                <a:spcPct val="80000"/>
-              </a:lnSpc>
-            </a:pPr>
-            <a:fld id="{828B5CB4-B095-413D-B8C5-1DA2C2E14324}" type="slidenum">
-              <a:rPr lang="en-US" altLang="ko-KR" sz="700" b="1" smtClean="0">
-                <a:solidFill>
-                  <a:schemeClr val="tx1">
-                    <a:lumMod val="75000"/>
-                    <a:lumOff val="25000"/>
-                  </a:schemeClr>
-                </a:solidFill>
-                <a:latin typeface="나눔고딕" pitchFamily="50" charset="-127"/>
-                <a:ea typeface="나눔고딕" pitchFamily="50" charset="-127"/>
-              </a:rPr>
-              <a:pPr algn="r">
-                <a:lnSpc>
-                  <a:spcPct val="80000"/>
-                </a:lnSpc>
-              </a:pPr>
-              <a:t>5</a:t>
-            </a:fld>
-            <a:r>
-              <a:rPr lang="en-US" altLang="ko-KR" sz="700" b="1" dirty="0" smtClean="0">
-                <a:solidFill>
-                  <a:schemeClr val="tx1">
-                    <a:lumMod val="75000"/>
-                    <a:lumOff val="25000"/>
-                  </a:schemeClr>
-                </a:solidFill>
-                <a:latin typeface="나눔고딕" pitchFamily="50" charset="-127"/>
-                <a:ea typeface="나눔고딕" pitchFamily="50" charset="-127"/>
-              </a:rPr>
-              <a:t>   |  42</a:t>
             </a:r>
             <a:endParaRPr lang="ko-KR" altLang="en-US" sz="700" b="1" dirty="0">
               <a:solidFill>
@@ -12988,7 +17383,7 @@
 </p:sld>
 </file>
 
-<file path=ppt/slides/slide6.xml><?xml version="1.0" encoding="utf-8"?>
+<file path=ppt/slides/slide5.xml><?xml version="1.0" encoding="utf-8"?>
 <p:sld xmlns:a="http://schemas.openxmlformats.org/drawingml/2006/main" xmlns:r="http://schemas.openxmlformats.org/officeDocument/2006/relationships" xmlns:p="http://schemas.openxmlformats.org/presentationml/2006/main">
   <p:cSld>
     <p:spTree>
@@ -13159,77 +17554,6 @@
                 <a:ea typeface="나눔고딕" pitchFamily="50" charset="-127"/>
               </a:rPr>
               <a:t>Portfolio</a:t>
-            </a:r>
-            <a:endParaRPr lang="ko-KR" altLang="en-US" sz="700" b="1" dirty="0">
-              <a:solidFill>
-                <a:schemeClr val="tx1">
-                  <a:lumMod val="75000"/>
-                  <a:lumOff val="25000"/>
-                </a:schemeClr>
-              </a:solidFill>
-              <a:latin typeface="나눔고딕" pitchFamily="50" charset="-127"/>
-              <a:ea typeface="나눔고딕" pitchFamily="50" charset="-127"/>
-            </a:endParaRPr>
-          </a:p>
-        </p:txBody>
-      </p:sp>
-      <p:sp>
-        <p:nvSpPr>
-          <p:cNvPr id="46" name="TextBox 45"/>
-          <p:cNvSpPr txBox="1"/>
-          <p:nvPr/>
-        </p:nvSpPr>
-        <p:spPr>
-          <a:xfrm>
-            <a:off x="6660232" y="92643"/>
-            <a:ext cx="2339976" cy="178510"/>
-          </a:xfrm>
-          <a:prstGeom prst="rect">
-            <a:avLst/>
-          </a:prstGeom>
-          <a:noFill/>
-        </p:spPr>
-        <p:txBody>
-          <a:bodyPr wrap="square" rtlCol="0">
-            <a:spAutoFit/>
-          </a:bodyPr>
-          <a:lstStyle/>
-          <a:p>
-            <a:pPr algn="r">
-              <a:lnSpc>
-                <a:spcPct val="80000"/>
-              </a:lnSpc>
-            </a:pPr>
-            <a:fld id="{828B5CB4-B095-413D-B8C5-1DA2C2E14324}" type="slidenum">
-              <a:rPr lang="en-US" altLang="ko-KR" sz="700" b="1" smtClean="0">
-                <a:solidFill>
-                  <a:schemeClr val="tx1">
-                    <a:lumMod val="75000"/>
-                    <a:lumOff val="25000"/>
-                  </a:schemeClr>
-                </a:solidFill>
-                <a:latin typeface="나눔고딕" pitchFamily="50" charset="-127"/>
-                <a:ea typeface="나눔고딕" pitchFamily="50" charset="-127"/>
-              </a:rPr>
-              <a:pPr algn="r">
-                <a:lnSpc>
-                  <a:spcPct val="80000"/>
-                </a:lnSpc>
-              </a:pPr>
-              <a:t>6</a:t>
-            </a:fld>
-            <a:r>
-              <a:rPr lang="en-US" altLang="ko-KR" sz="700" b="1" dirty="0" smtClean="0">
-                <a:solidFill>
-                  <a:schemeClr val="tx1">
-                    <a:lumMod val="75000"/>
-                    <a:lumOff val="25000"/>
-                  </a:schemeClr>
-                </a:solidFill>
-                <a:latin typeface="나눔고딕" pitchFamily="50" charset="-127"/>
-                <a:ea typeface="나눔고딕" pitchFamily="50" charset="-127"/>
-              </a:rPr>
-              <a:t>   |  42</a:t>
             </a:r>
             <a:endParaRPr lang="ko-KR" altLang="en-US" sz="700" b="1" dirty="0">
               <a:solidFill>
@@ -13450,6 +17774,518 @@
 </p:sld>
 </file>
 
+<file path=ppt/slides/slide6.xml><?xml version="1.0" encoding="utf-8"?>
+<p:sld xmlns:a="http://schemas.openxmlformats.org/drawingml/2006/main" xmlns:r="http://schemas.openxmlformats.org/officeDocument/2006/relationships" xmlns:p="http://schemas.openxmlformats.org/presentationml/2006/main">
+  <p:cSld>
+    <p:spTree>
+      <p:nvGrpSpPr>
+        <p:cNvPr id="1" name=""/>
+        <p:cNvGrpSpPr/>
+        <p:nvPr/>
+      </p:nvGrpSpPr>
+      <p:grpSpPr>
+        <a:xfrm>
+          <a:off x="0" y="0"/>
+          <a:ext cx="0" cy="0"/>
+          <a:chOff x="0" y="0"/>
+          <a:chExt cx="0" cy="0"/>
+        </a:xfrm>
+      </p:grpSpPr>
+      <p:cxnSp>
+        <p:nvCxnSpPr>
+          <p:cNvPr id="15" name="직선 연결선 14"/>
+          <p:cNvCxnSpPr/>
+          <p:nvPr/>
+        </p:nvCxnSpPr>
+        <p:spPr>
+          <a:xfrm>
+            <a:off x="251520" y="332656"/>
+            <a:ext cx="8640960" cy="0"/>
+          </a:xfrm>
+          <a:prstGeom prst="line">
+            <a:avLst/>
+          </a:prstGeom>
+          <a:ln w="3175">
+            <a:solidFill>
+              <a:srgbClr val="68727E"/>
+            </a:solidFill>
+          </a:ln>
+        </p:spPr>
+        <p:style>
+          <a:lnRef idx="1">
+            <a:schemeClr val="accent1"/>
+          </a:lnRef>
+          <a:fillRef idx="0">
+            <a:schemeClr val="accent1"/>
+          </a:fillRef>
+          <a:effectRef idx="0">
+            <a:schemeClr val="accent1"/>
+          </a:effectRef>
+          <a:fontRef idx="minor">
+            <a:schemeClr val="tx1"/>
+          </a:fontRef>
+        </p:style>
+      </p:cxnSp>
+      <p:cxnSp>
+        <p:nvCxnSpPr>
+          <p:cNvPr id="19" name="직선 연결선 18"/>
+          <p:cNvCxnSpPr/>
+          <p:nvPr/>
+        </p:nvCxnSpPr>
+        <p:spPr>
+          <a:xfrm>
+            <a:off x="251520" y="2132856"/>
+            <a:ext cx="8640960" cy="0"/>
+          </a:xfrm>
+          <a:prstGeom prst="line">
+            <a:avLst/>
+          </a:prstGeom>
+          <a:ln w="3175">
+            <a:solidFill>
+              <a:srgbClr val="68727E"/>
+            </a:solidFill>
+          </a:ln>
+        </p:spPr>
+        <p:style>
+          <a:lnRef idx="1">
+            <a:schemeClr val="accent1"/>
+          </a:lnRef>
+          <a:fillRef idx="0">
+            <a:schemeClr val="accent1"/>
+          </a:fillRef>
+          <a:effectRef idx="0">
+            <a:schemeClr val="accent1"/>
+          </a:effectRef>
+          <a:fontRef idx="minor">
+            <a:schemeClr val="tx1"/>
+          </a:fontRef>
+        </p:style>
+      </p:cxnSp>
+      <p:sp>
+        <p:nvSpPr>
+          <p:cNvPr id="12" name="TextBox 11"/>
+          <p:cNvSpPr txBox="1"/>
+          <p:nvPr/>
+        </p:nvSpPr>
+        <p:spPr>
+          <a:xfrm>
+            <a:off x="179512" y="461805"/>
+            <a:ext cx="4680520" cy="424732"/>
+          </a:xfrm>
+          <a:prstGeom prst="rect">
+            <a:avLst/>
+          </a:prstGeom>
+          <a:noFill/>
+        </p:spPr>
+        <p:txBody>
+          <a:bodyPr wrap="square" rtlCol="0">
+            <a:spAutoFit/>
+          </a:bodyPr>
+          <a:lstStyle/>
+          <a:p>
+            <a:pPr>
+              <a:lnSpc>
+                <a:spcPct val="90000"/>
+              </a:lnSpc>
+            </a:pPr>
+            <a:r>
+              <a:rPr lang="ko-KR" altLang="en-US" sz="2400" b="1" spc="300" dirty="0" smtClean="0">
+                <a:solidFill>
+                  <a:srgbClr val="00A204"/>
+                </a:solidFill>
+                <a:latin typeface="+mn-ea"/>
+              </a:rPr>
+              <a:t>무엇을 만들려 하는가</a:t>
+            </a:r>
+            <a:endParaRPr lang="ko-KR" altLang="en-US" sz="2400" b="1" spc="300" dirty="0">
+              <a:solidFill>
+                <a:srgbClr val="00A204"/>
+              </a:solidFill>
+              <a:latin typeface="+mn-ea"/>
+            </a:endParaRPr>
+          </a:p>
+        </p:txBody>
+      </p:sp>
+      <p:sp>
+        <p:nvSpPr>
+          <p:cNvPr id="21" name="TextBox 20"/>
+          <p:cNvSpPr txBox="1"/>
+          <p:nvPr/>
+        </p:nvSpPr>
+        <p:spPr>
+          <a:xfrm>
+            <a:off x="179512" y="92643"/>
+            <a:ext cx="2339976" cy="178510"/>
+          </a:xfrm>
+          <a:prstGeom prst="rect">
+            <a:avLst/>
+          </a:prstGeom>
+          <a:noFill/>
+        </p:spPr>
+        <p:txBody>
+          <a:bodyPr wrap="square" rtlCol="0">
+            <a:spAutoFit/>
+          </a:bodyPr>
+          <a:lstStyle/>
+          <a:p>
+            <a:pPr>
+              <a:lnSpc>
+                <a:spcPct val="80000"/>
+              </a:lnSpc>
+            </a:pPr>
+            <a:r>
+              <a:rPr lang="en-US" altLang="ko-KR" sz="700" b="1" dirty="0" smtClean="0">
+                <a:solidFill>
+                  <a:schemeClr val="tx1">
+                    <a:lumMod val="75000"/>
+                    <a:lumOff val="25000"/>
+                  </a:schemeClr>
+                </a:solidFill>
+                <a:latin typeface="나눔고딕" pitchFamily="50" charset="-127"/>
+                <a:ea typeface="나눔고딕" pitchFamily="50" charset="-127"/>
+              </a:rPr>
+              <a:t>Portfolio</a:t>
+            </a:r>
+            <a:endParaRPr lang="ko-KR" altLang="en-US" sz="700" b="1" dirty="0">
+              <a:solidFill>
+                <a:schemeClr val="tx1">
+                  <a:lumMod val="75000"/>
+                  <a:lumOff val="25000"/>
+                </a:schemeClr>
+              </a:solidFill>
+              <a:latin typeface="나눔고딕" pitchFamily="50" charset="-127"/>
+              <a:ea typeface="나눔고딕" pitchFamily="50" charset="-127"/>
+            </a:endParaRPr>
+          </a:p>
+        </p:txBody>
+      </p:sp>
+      <p:grpSp>
+        <p:nvGrpSpPr>
+          <p:cNvPr id="9" name="그룹 8"/>
+          <p:cNvGrpSpPr/>
+          <p:nvPr/>
+        </p:nvGrpSpPr>
+        <p:grpSpPr>
+          <a:xfrm>
+            <a:off x="7956376" y="242064"/>
+            <a:ext cx="1080120" cy="450632"/>
+            <a:chOff x="3563888" y="683404"/>
+            <a:chExt cx="1080120" cy="450632"/>
+          </a:xfrm>
+        </p:grpSpPr>
+        <p:sp>
+          <p:nvSpPr>
+            <p:cNvPr id="10" name="TextBox 9"/>
+            <p:cNvSpPr txBox="1"/>
+            <p:nvPr/>
+          </p:nvSpPr>
+          <p:spPr>
+            <a:xfrm>
+              <a:off x="3563888" y="764704"/>
+              <a:ext cx="906034" cy="369332"/>
+            </a:xfrm>
+            <a:prstGeom prst="rect">
+              <a:avLst/>
+            </a:prstGeom>
+            <a:noFill/>
+          </p:spPr>
+          <p:txBody>
+            <a:bodyPr wrap="square" rtlCol="0">
+              <a:spAutoFit/>
+            </a:bodyPr>
+            <a:lstStyle/>
+            <a:p>
+              <a:r>
+                <a:rPr lang="en-US" altLang="ko-KR" b="1" spc="-300" dirty="0" err="1" smtClean="0">
+                  <a:solidFill>
+                    <a:srgbClr val="00A204"/>
+                  </a:solidFill>
+                  <a:latin typeface="Segoe UI" pitchFamily="34" charset="0"/>
+                  <a:ea typeface="Segoe UI" pitchFamily="34" charset="0"/>
+                  <a:cs typeface="Segoe UI" pitchFamily="34" charset="0"/>
+                </a:rPr>
+                <a:t>Akropolis</a:t>
+              </a:r>
+              <a:r>
+                <a:rPr lang="en-US" altLang="ko-KR" b="1" spc="-300" dirty="0" smtClean="0">
+                  <a:solidFill>
+                    <a:srgbClr val="00A204"/>
+                  </a:solidFill>
+                  <a:latin typeface="Segoe UI" pitchFamily="34" charset="0"/>
+                  <a:ea typeface="Segoe UI" pitchFamily="34" charset="0"/>
+                  <a:cs typeface="Segoe UI" pitchFamily="34" charset="0"/>
+                </a:rPr>
+                <a:t>  </a:t>
+              </a:r>
+              <a:endParaRPr lang="ko-KR" altLang="en-US" b="1" spc="-300" dirty="0">
+                <a:solidFill>
+                  <a:srgbClr val="00A204"/>
+                </a:solidFill>
+                <a:latin typeface="Segoe UI" pitchFamily="34" charset="0"/>
+                <a:ea typeface="HY목각파임B" pitchFamily="18" charset="-127"/>
+                <a:cs typeface="Segoe UI" pitchFamily="34" charset="0"/>
+              </a:endParaRPr>
+            </a:p>
+          </p:txBody>
+        </p:sp>
+        <p:sp>
+          <p:nvSpPr>
+            <p:cNvPr id="11" name="TextBox 10"/>
+            <p:cNvSpPr txBox="1"/>
+            <p:nvPr/>
+          </p:nvSpPr>
+          <p:spPr>
+            <a:xfrm>
+              <a:off x="4295836" y="683404"/>
+              <a:ext cx="348172" cy="369332"/>
+            </a:xfrm>
+            <a:prstGeom prst="rect">
+              <a:avLst/>
+            </a:prstGeom>
+            <a:noFill/>
+          </p:spPr>
+          <p:txBody>
+            <a:bodyPr wrap="none" rtlCol="0">
+              <a:spAutoFit/>
+            </a:bodyPr>
+            <a:lstStyle/>
+            <a:p>
+              <a:r>
+                <a:rPr lang="en-US" altLang="ko-KR" b="1" dirty="0" smtClean="0">
+                  <a:solidFill>
+                    <a:srgbClr val="00A204"/>
+                  </a:solidFill>
+                  <a:latin typeface="Segoe UI" pitchFamily="34" charset="0"/>
+                  <a:ea typeface="Segoe UI" pitchFamily="34" charset="0"/>
+                  <a:cs typeface="Segoe UI" pitchFamily="34" charset="0"/>
+                </a:rPr>
+                <a:t>+</a:t>
+              </a:r>
+              <a:endParaRPr lang="ko-KR" altLang="en-US" b="1" dirty="0">
+                <a:solidFill>
+                  <a:srgbClr val="00A204"/>
+                </a:solidFill>
+                <a:latin typeface="Segoe UI" pitchFamily="34" charset="0"/>
+                <a:cs typeface="Segoe UI" pitchFamily="34" charset="0"/>
+              </a:endParaRPr>
+            </a:p>
+          </p:txBody>
+        </p:sp>
+      </p:grpSp>
+      <p:sp>
+        <p:nvSpPr>
+          <p:cNvPr id="13" name="TextBox 12"/>
+          <p:cNvSpPr txBox="1"/>
+          <p:nvPr/>
+        </p:nvSpPr>
+        <p:spPr>
+          <a:xfrm>
+            <a:off x="3248853" y="1126485"/>
+            <a:ext cx="2646294" cy="646331"/>
+          </a:xfrm>
+          <a:prstGeom prst="rect">
+            <a:avLst/>
+          </a:prstGeom>
+          <a:noFill/>
+        </p:spPr>
+        <p:txBody>
+          <a:bodyPr wrap="square" rtlCol="0">
+            <a:spAutoFit/>
+          </a:bodyPr>
+          <a:lstStyle/>
+          <a:p>
+            <a:pPr algn="dist">
+              <a:lnSpc>
+                <a:spcPct val="90000"/>
+              </a:lnSpc>
+            </a:pPr>
+            <a:r>
+              <a:rPr lang="ko-KR" altLang="en-US" sz="4000" b="1" spc="300" dirty="0" smtClean="0">
+                <a:solidFill>
+                  <a:srgbClr val="00A204"/>
+                </a:solidFill>
+                <a:latin typeface="나눔고딕" pitchFamily="50" charset="-127"/>
+                <a:ea typeface="나눔고딕" pitchFamily="50" charset="-127"/>
+              </a:rPr>
+              <a:t>벤치마크</a:t>
+            </a:r>
+            <a:endParaRPr lang="ko-KR" altLang="en-US" sz="4000" b="1" spc="300" dirty="0">
+              <a:solidFill>
+                <a:srgbClr val="00A204"/>
+              </a:solidFill>
+              <a:latin typeface="나눔고딕" pitchFamily="50" charset="-127"/>
+              <a:ea typeface="나눔고딕" pitchFamily="50" charset="-127"/>
+            </a:endParaRPr>
+          </a:p>
+        </p:txBody>
+      </p:sp>
+      <p:pic>
+        <p:nvPicPr>
+          <p:cNvPr id="2050" name="Picture 2" descr="http://twitter.co.kr/image/logo1.gif"/>
+          <p:cNvPicPr>
+            <a:picLocks noChangeAspect="1" noChangeArrowheads="1"/>
+          </p:cNvPicPr>
+          <p:nvPr/>
+        </p:nvPicPr>
+        <p:blipFill>
+          <a:blip r:embed="rId3">
+            <a:extLst>
+              <a:ext uri="{28A0092B-C50C-407E-A947-70E740481C1C}">
+                <a14:useLocalDpi xmlns:a14="http://schemas.microsoft.com/office/drawing/2010/main" val="0"/>
+              </a:ext>
+            </a:extLst>
+          </a:blip>
+          <a:srcRect/>
+          <a:stretch>
+            <a:fillRect/>
+          </a:stretch>
+        </p:blipFill>
+        <p:spPr bwMode="auto">
+          <a:xfrm>
+            <a:off x="6610672" y="4077072"/>
+            <a:ext cx="2209800" cy="685800"/>
+          </a:xfrm>
+          <a:prstGeom prst="rect">
+            <a:avLst/>
+          </a:prstGeom>
+          <a:noFill/>
+          <a:extLst>
+            <a:ext uri="{909E8E84-426E-40DD-AFC4-6F175D3DCCD1}">
+              <a14:hiddenFill xmlns:a14="http://schemas.microsoft.com/office/drawing/2010/main">
+                <a:solidFill>
+                  <a:srgbClr val="FFFFFF"/>
+                </a:solidFill>
+              </a14:hiddenFill>
+            </a:ext>
+          </a:extLst>
+        </p:spPr>
+      </p:pic>
+      <p:pic>
+        <p:nvPicPr>
+          <p:cNvPr id="2051" name="Picture 3"/>
+          <p:cNvPicPr>
+            <a:picLocks noChangeAspect="1" noChangeArrowheads="1"/>
+          </p:cNvPicPr>
+          <p:nvPr/>
+        </p:nvPicPr>
+        <p:blipFill>
+          <a:blip r:embed="rId4">
+            <a:extLst>
+              <a:ext uri="{28A0092B-C50C-407E-A947-70E740481C1C}">
+                <a14:useLocalDpi xmlns:a14="http://schemas.microsoft.com/office/drawing/2010/main" val="0"/>
+              </a:ext>
+            </a:extLst>
+          </a:blip>
+          <a:srcRect/>
+          <a:stretch>
+            <a:fillRect/>
+          </a:stretch>
+        </p:blipFill>
+        <p:spPr bwMode="auto">
+          <a:xfrm>
+            <a:off x="683568" y="4200897"/>
+            <a:ext cx="1695450" cy="438150"/>
+          </a:xfrm>
+          <a:prstGeom prst="rect">
+            <a:avLst/>
+          </a:prstGeom>
+          <a:noFill/>
+          <a:ln>
+            <a:noFill/>
+          </a:ln>
+          <a:effectLst/>
+          <a:extLst>
+            <a:ext uri="{909E8E84-426E-40DD-AFC4-6F175D3DCCD1}">
+              <a14:hiddenFill xmlns:a14="http://schemas.microsoft.com/office/drawing/2010/main">
+                <a:solidFill>
+                  <a:schemeClr val="accent1"/>
+                </a:solidFill>
+              </a14:hiddenFill>
+            </a:ext>
+            <a:ext uri="{91240B29-F687-4F45-9708-019B960494DF}">
+              <a14:hiddenLine xmlns:a14="http://schemas.microsoft.com/office/drawing/2010/main" w="9525">
+                <a:solidFill>
+                  <a:schemeClr val="tx1"/>
+                </a:solidFill>
+                <a:miter lim="800000"/>
+                <a:headEnd/>
+                <a:tailEnd/>
+              </a14:hiddenLine>
+            </a:ext>
+            <a:ext uri="{AF507438-7753-43E0-B8FC-AC1667EBCBE1}">
+              <a14:hiddenEffects xmlns:a14="http://schemas.microsoft.com/office/drawing/2010/main">
+                <a:effectLst>
+                  <a:outerShdw dist="35921" dir="2700000" algn="ctr" rotWithShape="0">
+                    <a:schemeClr val="bg2"/>
+                  </a:outerShdw>
+                </a:effectLst>
+              </a14:hiddenEffects>
+            </a:ext>
+          </a:extLst>
+        </p:spPr>
+      </p:pic>
+      <p:pic>
+        <p:nvPicPr>
+          <p:cNvPr id="2053" name="Picture 5" descr="http://pds2.egloos.com/pds/1/200609/29/42/c0071442_4532734.gif"/>
+          <p:cNvPicPr>
+            <a:picLocks noChangeAspect="1" noChangeArrowheads="1"/>
+          </p:cNvPicPr>
+          <p:nvPr/>
+        </p:nvPicPr>
+        <p:blipFill>
+          <a:blip r:embed="rId5">
+            <a:extLst>
+              <a:ext uri="{28A0092B-C50C-407E-A947-70E740481C1C}">
+                <a14:useLocalDpi xmlns:a14="http://schemas.microsoft.com/office/drawing/2010/main" val="0"/>
+              </a:ext>
+            </a:extLst>
+          </a:blip>
+          <a:srcRect/>
+          <a:stretch>
+            <a:fillRect/>
+          </a:stretch>
+        </p:blipFill>
+        <p:spPr bwMode="auto">
+          <a:xfrm>
+            <a:off x="2984475" y="3352318"/>
+            <a:ext cx="3175050" cy="2135308"/>
+          </a:xfrm>
+          <a:prstGeom prst="rect">
+            <a:avLst/>
+          </a:prstGeom>
+          <a:noFill/>
+          <a:extLst>
+            <a:ext uri="{909E8E84-426E-40DD-AFC4-6F175D3DCCD1}">
+              <a14:hiddenFill xmlns:a14="http://schemas.microsoft.com/office/drawing/2010/main">
+                <a:solidFill>
+                  <a:srgbClr val="FFFFFF"/>
+                </a:solidFill>
+              </a14:hiddenFill>
+            </a:ext>
+          </a:extLst>
+        </p:spPr>
+      </p:pic>
+    </p:spTree>
+    <p:extLst>
+      <p:ext uri="{BB962C8B-B14F-4D97-AF65-F5344CB8AC3E}">
+        <p14:creationId xmlns:p14="http://schemas.microsoft.com/office/powerpoint/2010/main" val="2723720121"/>
+      </p:ext>
+    </p:extLst>
+  </p:cSld>
+  <p:clrMapOvr>
+    <a:masterClrMapping/>
+  </p:clrMapOvr>
+  <p:transition/>
+  <p:timing>
+    <p:tnLst>
+      <p:par>
+        <p:cTn id="1" dur="indefinite" restart="never" nodeType="tmRoot"/>
+      </p:par>
+    </p:tnLst>
+  </p:timing>
+</p:sld>
+</file>
+
 <file path=ppt/slides/slide7.xml><?xml version="1.0" encoding="utf-8"?>
 <p:sld xmlns:a="http://schemas.openxmlformats.org/drawingml/2006/main" xmlns:r="http://schemas.openxmlformats.org/officeDocument/2006/relationships" xmlns:p="http://schemas.openxmlformats.org/presentationml/2006/main">
   <p:cSld>
@@ -13633,77 +18469,6 @@
                 <a:ea typeface="나눔고딕" pitchFamily="50" charset="-127"/>
               </a:rPr>
               <a:t>Portfolio</a:t>
-            </a:r>
-            <a:endParaRPr lang="ko-KR" altLang="en-US" sz="700" b="1" dirty="0">
-              <a:solidFill>
-                <a:schemeClr val="tx1">
-                  <a:lumMod val="75000"/>
-                  <a:lumOff val="25000"/>
-                </a:schemeClr>
-              </a:solidFill>
-              <a:latin typeface="나눔고딕" pitchFamily="50" charset="-127"/>
-              <a:ea typeface="나눔고딕" pitchFamily="50" charset="-127"/>
-            </a:endParaRPr>
-          </a:p>
-        </p:txBody>
-      </p:sp>
-      <p:sp>
-        <p:nvSpPr>
-          <p:cNvPr id="46" name="TextBox 45"/>
-          <p:cNvSpPr txBox="1"/>
-          <p:nvPr/>
-        </p:nvSpPr>
-        <p:spPr>
-          <a:xfrm>
-            <a:off x="6660232" y="92643"/>
-            <a:ext cx="2339976" cy="178510"/>
-          </a:xfrm>
-          <a:prstGeom prst="rect">
-            <a:avLst/>
-          </a:prstGeom>
-          <a:noFill/>
-        </p:spPr>
-        <p:txBody>
-          <a:bodyPr wrap="square" rtlCol="0">
-            <a:spAutoFit/>
-          </a:bodyPr>
-          <a:lstStyle/>
-          <a:p>
-            <a:pPr algn="r">
-              <a:lnSpc>
-                <a:spcPct val="80000"/>
-              </a:lnSpc>
-            </a:pPr>
-            <a:fld id="{828B5CB4-B095-413D-B8C5-1DA2C2E14324}" type="slidenum">
-              <a:rPr lang="en-US" altLang="ko-KR" sz="700" b="1" smtClean="0">
-                <a:solidFill>
-                  <a:schemeClr val="tx1">
-                    <a:lumMod val="75000"/>
-                    <a:lumOff val="25000"/>
-                  </a:schemeClr>
-                </a:solidFill>
-                <a:latin typeface="나눔고딕" pitchFamily="50" charset="-127"/>
-                <a:ea typeface="나눔고딕" pitchFamily="50" charset="-127"/>
-              </a:rPr>
-              <a:pPr algn="r">
-                <a:lnSpc>
-                  <a:spcPct val="80000"/>
-                </a:lnSpc>
-              </a:pPr>
-              <a:t>7</a:t>
-            </a:fld>
-            <a:r>
-              <a:rPr lang="en-US" altLang="ko-KR" sz="700" b="1" dirty="0" smtClean="0">
-                <a:solidFill>
-                  <a:schemeClr val="tx1">
-                    <a:lumMod val="75000"/>
-                    <a:lumOff val="25000"/>
-                  </a:schemeClr>
-                </a:solidFill>
-                <a:latin typeface="나눔고딕" pitchFamily="50" charset="-127"/>
-                <a:ea typeface="나눔고딕" pitchFamily="50" charset="-127"/>
-              </a:rPr>
-              <a:t>   |  42</a:t>
             </a:r>
             <a:endParaRPr lang="ko-KR" altLang="en-US" sz="700" b="1" dirty="0">
               <a:solidFill>
@@ -14051,6 +18816,97 @@
           </a:extLst>
         </p:spPr>
       </p:pic>
+      <p:sp>
+        <p:nvSpPr>
+          <p:cNvPr id="2" name="모서리가 둥근 사각형 설명선 1"/>
+          <p:cNvSpPr/>
+          <p:nvPr/>
+        </p:nvSpPr>
+        <p:spPr>
+          <a:xfrm>
+            <a:off x="3779912" y="3195957"/>
+            <a:ext cx="2664296" cy="886924"/>
+          </a:xfrm>
+          <a:prstGeom prst="wedgeRoundRectCallout">
+            <a:avLst>
+              <a:gd name="adj1" fmla="val 38513"/>
+              <a:gd name="adj2" fmla="val 90422"/>
+              <a:gd name="adj3" fmla="val 16667"/>
+            </a:avLst>
+          </a:prstGeom>
+          <a:solidFill>
+            <a:schemeClr val="bg1"/>
+          </a:solidFill>
+          <a:ln>
+            <a:solidFill>
+              <a:schemeClr val="accent4">
+                <a:lumMod val="40000"/>
+                <a:lumOff val="60000"/>
+              </a:schemeClr>
+            </a:solidFill>
+          </a:ln>
+        </p:spPr>
+        <p:style>
+          <a:lnRef idx="2">
+            <a:schemeClr val="accent1">
+              <a:shade val="50000"/>
+            </a:schemeClr>
+          </a:lnRef>
+          <a:fillRef idx="1">
+            <a:schemeClr val="accent1"/>
+          </a:fillRef>
+          <a:effectRef idx="0">
+            <a:schemeClr val="accent1"/>
+          </a:effectRef>
+          <a:fontRef idx="minor">
+            <a:schemeClr val="lt1"/>
+          </a:fontRef>
+        </p:style>
+        <p:txBody>
+          <a:bodyPr rtlCol="0" anchor="ctr"/>
+          <a:lstStyle/>
+          <a:p>
+            <a:pPr algn="ctr"/>
+            <a:r>
+              <a:rPr lang="ko-KR" altLang="en-US" dirty="0" smtClean="0">
+                <a:solidFill>
+                  <a:schemeClr val="tx1"/>
+                </a:solidFill>
+              </a:rPr>
+              <a:t>손님 여기서 이러시면 </a:t>
+            </a:r>
+            <a:endParaRPr lang="en-US" altLang="ko-KR" dirty="0" smtClean="0">
+              <a:solidFill>
+                <a:schemeClr val="tx1"/>
+              </a:solidFill>
+            </a:endParaRPr>
+          </a:p>
+          <a:p>
+            <a:pPr algn="ctr"/>
+            <a:r>
+              <a:rPr lang="ko-KR" altLang="en-US" dirty="0" smtClean="0">
+                <a:solidFill>
+                  <a:schemeClr val="tx1"/>
+                </a:solidFill>
+              </a:rPr>
+              <a:t>곤란합니다</a:t>
+            </a:r>
+            <a:r>
+              <a:rPr lang="en-US" altLang="ko-KR" dirty="0" smtClean="0">
+                <a:solidFill>
+                  <a:schemeClr val="tx1"/>
+                </a:solidFill>
+              </a:rPr>
+              <a:t>.</a:t>
+            </a:r>
+            <a:endParaRPr lang="ko-KR" altLang="en-US" dirty="0">
+              <a:solidFill>
+                <a:schemeClr val="tx1"/>
+              </a:solidFill>
+            </a:endParaRPr>
+          </a:p>
+        </p:txBody>
+      </p:sp>
     </p:spTree>
     <p:extLst>
       <p:ext uri="{BB962C8B-B14F-4D97-AF65-F5344CB8AC3E}">
@@ -14313,77 +19169,6 @@
       </p:sp>
       <p:sp>
         <p:nvSpPr>
-          <p:cNvPr id="46" name="TextBox 45"/>
-          <p:cNvSpPr txBox="1"/>
-          <p:nvPr/>
-        </p:nvSpPr>
-        <p:spPr>
-          <a:xfrm>
-            <a:off x="6660232" y="92643"/>
-            <a:ext cx="2339976" cy="178510"/>
-          </a:xfrm>
-          <a:prstGeom prst="rect">
-            <a:avLst/>
-          </a:prstGeom>
-          <a:noFill/>
-        </p:spPr>
-        <p:txBody>
-          <a:bodyPr wrap="square" rtlCol="0">
-            <a:spAutoFit/>
-          </a:bodyPr>
-          <a:lstStyle/>
-          <a:p>
-            <a:pPr algn="r">
-              <a:lnSpc>
-                <a:spcPct val="80000"/>
-              </a:lnSpc>
-            </a:pPr>
-            <a:fld id="{828B5CB4-B095-413D-B8C5-1DA2C2E14324}" type="slidenum">
-              <a:rPr lang="en-US" altLang="ko-KR" sz="700" b="1" smtClean="0">
-                <a:solidFill>
-                  <a:schemeClr val="tx1">
-                    <a:lumMod val="75000"/>
-                    <a:lumOff val="25000"/>
-                  </a:schemeClr>
-                </a:solidFill>
-                <a:latin typeface="나눔고딕" pitchFamily="50" charset="-127"/>
-                <a:ea typeface="나눔고딕" pitchFamily="50" charset="-127"/>
-              </a:rPr>
-              <a:pPr algn="r">
-                <a:lnSpc>
-                  <a:spcPct val="80000"/>
-                </a:lnSpc>
-              </a:pPr>
-              <a:t>8</a:t>
-            </a:fld>
-            <a:r>
-              <a:rPr lang="en-US" altLang="ko-KR" sz="700" b="1" dirty="0" smtClean="0">
-                <a:solidFill>
-                  <a:schemeClr val="tx1">
-                    <a:lumMod val="75000"/>
-                    <a:lumOff val="25000"/>
-                  </a:schemeClr>
-                </a:solidFill>
-                <a:latin typeface="나눔고딕" pitchFamily="50" charset="-127"/>
-                <a:ea typeface="나눔고딕" pitchFamily="50" charset="-127"/>
-              </a:rPr>
-              <a:t>   |  42</a:t>
-            </a:r>
-            <a:endParaRPr lang="ko-KR" altLang="en-US" sz="700" b="1" dirty="0">
-              <a:solidFill>
-                <a:schemeClr val="tx1">
-                  <a:lumMod val="75000"/>
-                  <a:lumOff val="25000"/>
-                </a:schemeClr>
-              </a:solidFill>
-              <a:latin typeface="나눔고딕" pitchFamily="50" charset="-127"/>
-              <a:ea typeface="나눔고딕" pitchFamily="50" charset="-127"/>
-            </a:endParaRPr>
-          </a:p>
-        </p:txBody>
-      </p:sp>
-      <p:sp>
-        <p:nvSpPr>
           <p:cNvPr id="17" name="직사각형 16"/>
           <p:cNvSpPr/>
           <p:nvPr/>
@@ -15078,77 +19863,6 @@
                 <a:ea typeface="나눔고딕" pitchFamily="50" charset="-127"/>
               </a:rPr>
               <a:t>Portfolio</a:t>
-            </a:r>
-            <a:endParaRPr lang="ko-KR" altLang="en-US" sz="700" b="1" dirty="0">
-              <a:solidFill>
-                <a:schemeClr val="tx1">
-                  <a:lumMod val="75000"/>
-                  <a:lumOff val="25000"/>
-                </a:schemeClr>
-              </a:solidFill>
-              <a:latin typeface="나눔고딕" pitchFamily="50" charset="-127"/>
-              <a:ea typeface="나눔고딕" pitchFamily="50" charset="-127"/>
-            </a:endParaRPr>
-          </a:p>
-        </p:txBody>
-      </p:sp>
-      <p:sp>
-        <p:nvSpPr>
-          <p:cNvPr id="46" name="TextBox 45"/>
-          <p:cNvSpPr txBox="1"/>
-          <p:nvPr/>
-        </p:nvSpPr>
-        <p:spPr>
-          <a:xfrm>
-            <a:off x="6660232" y="92643"/>
-            <a:ext cx="2339976" cy="178510"/>
-          </a:xfrm>
-          <a:prstGeom prst="rect">
-            <a:avLst/>
-          </a:prstGeom>
-          <a:noFill/>
-        </p:spPr>
-        <p:txBody>
-          <a:bodyPr wrap="square" rtlCol="0">
-            <a:spAutoFit/>
-          </a:bodyPr>
-          <a:lstStyle/>
-          <a:p>
-            <a:pPr algn="r">
-              <a:lnSpc>
-                <a:spcPct val="80000"/>
-              </a:lnSpc>
-            </a:pPr>
-            <a:fld id="{828B5CB4-B095-413D-B8C5-1DA2C2E14324}" type="slidenum">
-              <a:rPr lang="en-US" altLang="ko-KR" sz="700" b="1" smtClean="0">
-                <a:solidFill>
-                  <a:schemeClr val="tx1">
-                    <a:lumMod val="75000"/>
-                    <a:lumOff val="25000"/>
-                  </a:schemeClr>
-                </a:solidFill>
-                <a:latin typeface="나눔고딕" pitchFamily="50" charset="-127"/>
-                <a:ea typeface="나눔고딕" pitchFamily="50" charset="-127"/>
-              </a:rPr>
-              <a:pPr algn="r">
-                <a:lnSpc>
-                  <a:spcPct val="80000"/>
-                </a:lnSpc>
-              </a:pPr>
-              <a:t>9</a:t>
-            </a:fld>
-            <a:r>
-              <a:rPr lang="en-US" altLang="ko-KR" sz="700" b="1" dirty="0" smtClean="0">
-                <a:solidFill>
-                  <a:schemeClr val="tx1">
-                    <a:lumMod val="75000"/>
-                    <a:lumOff val="25000"/>
-                  </a:schemeClr>
-                </a:solidFill>
-                <a:latin typeface="나눔고딕" pitchFamily="50" charset="-127"/>
-                <a:ea typeface="나눔고딕" pitchFamily="50" charset="-127"/>
-              </a:rPr>
-              <a:t>   |  42</a:t>
             </a:r>
             <a:endParaRPr lang="ko-KR" altLang="en-US" sz="700" b="1" dirty="0">
               <a:solidFill>

--- a/document/Mid_Presentation_templet.pptx
+++ b/document/Mid_Presentation_templet.pptx
@@ -37,35 +37,35 @@
   <p:notesSz cx="6858000" cy="9144000"/>
   <p:embeddedFontLst>
     <p:embeddedFont>
-      <p:font typeface="나눔고딕" pitchFamily="50" charset="-127"/>
+      <p:font typeface="Segoe UI" pitchFamily="34" charset="0"/>
       <p:regular r:id="rId25"/>
       <p:bold r:id="rId26"/>
+      <p:italic r:id="rId27"/>
+      <p:boldItalic r:id="rId28"/>
+    </p:embeddedFont>
+    <p:embeddedFont>
+      <p:font typeface="Calibri" pitchFamily="34" charset="0"/>
+      <p:regular r:id="rId29"/>
+      <p:bold r:id="rId30"/>
+      <p:italic r:id="rId31"/>
+      <p:boldItalic r:id="rId32"/>
+    </p:embeddedFont>
+    <p:embeddedFont>
+      <p:font typeface="나눔고딕" pitchFamily="50" charset="-127"/>
+      <p:regular r:id="rId33"/>
+      <p:bold r:id="rId34"/>
     </p:embeddedFont>
     <p:embeddedFont>
       <p:font typeface="Georgia" pitchFamily="18" charset="0"/>
-      <p:regular r:id="rId27"/>
-      <p:bold r:id="rId28"/>
-      <p:italic r:id="rId29"/>
-      <p:boldItalic r:id="rId30"/>
+      <p:regular r:id="rId35"/>
+      <p:bold r:id="rId36"/>
+      <p:italic r:id="rId37"/>
+      <p:boldItalic r:id="rId38"/>
     </p:embeddedFont>
     <p:embeddedFont>
       <p:font typeface="맑은 고딕" pitchFamily="50" charset="-127"/>
-      <p:regular r:id="rId31"/>
-      <p:bold r:id="rId32"/>
-    </p:embeddedFont>
-    <p:embeddedFont>
-      <p:font typeface="Segoe UI" pitchFamily="34" charset="0"/>
-      <p:regular r:id="rId33"/>
-      <p:bold r:id="rId34"/>
-      <p:italic r:id="rId35"/>
-      <p:boldItalic r:id="rId36"/>
-    </p:embeddedFont>
-    <p:embeddedFont>
-      <p:font typeface="Calibri" pitchFamily="34" charset="0"/>
-      <p:regular r:id="rId37"/>
-      <p:bold r:id="rId38"/>
-      <p:italic r:id="rId39"/>
-      <p:boldItalic r:id="rId40"/>
+      <p:regular r:id="rId39"/>
+      <p:bold r:id="rId40"/>
     </p:embeddedFont>
     <p:embeddedFont>
       <p:font typeface="HY목각파임B" pitchFamily="18" charset="-127"/>
@@ -13040,12 +13040,20 @@
       </p:grpSp>
       <p:pic>
         <p:nvPicPr>
-          <p:cNvPr id="31" name="그림 30"/>
-          <p:cNvPicPr/>
+          <p:cNvPr id="1027" name="Picture 3"/>
+          <p:cNvPicPr>
+            <a:picLocks noChangeAspect="1" noChangeArrowheads="1"/>
+          </p:cNvPicPr>
           <p:nvPr/>
         </p:nvPicPr>
         <p:blipFill>
-          <a:blip r:embed="rId3" cstate="print"/>
+          <a:blip r:embed="rId3">
+            <a:extLst>
+              <a:ext uri="{28A0092B-C50C-407E-A947-70E740481C1C}">
+                <a14:useLocalDpi xmlns:a14="http://schemas.microsoft.com/office/drawing/2010/main" val="0"/>
+              </a:ext>
+            </a:extLst>
+          </a:blip>
           <a:srcRect/>
           <a:stretch>
             <a:fillRect/>
@@ -13053,19 +13061,45 @@
         </p:blipFill>
         <p:spPr bwMode="auto">
           <a:xfrm>
-            <a:off x="598529" y="1412776"/>
-            <a:ext cx="7946941" cy="4608512"/>
+            <a:off x="239588" y="1145629"/>
+            <a:ext cx="8724900" cy="5019675"/>
           </a:xfrm>
           <a:prstGeom prst="rect">
             <a:avLst/>
           </a:prstGeom>
           <a:noFill/>
-          <a:ln w="9525">
+          <a:ln>
             <a:noFill/>
-            <a:miter lim="800000"/>
-            <a:headEnd/>
-            <a:tailEnd/>
           </a:ln>
+          <a:effectLst/>
+          <a:extLst>
+            <a:ext uri="{909E8E84-426E-40DD-AFC4-6F175D3DCCD1}">
+              <a14:hiddenFill xmlns:a14="http://schemas.microsoft.com/office/drawing/2010/main">
+                <a:solidFill>
+                  <a:schemeClr val="accent1"/>
+                </a:solidFill>
+              </a14:hiddenFill>
+            </a:ext>
+            <a:ext uri="{91240B29-F687-4F45-9708-019B960494DF}">
+              <a14:hiddenLine xmlns:a14="http://schemas.microsoft.com/office/drawing/2010/main" w="9525">
+                <a:solidFill>
+                  <a:schemeClr val="tx1"/>
+                </a:solidFill>
+                <a:miter lim="800000"/>
+                <a:headEnd/>
+                <a:tailEnd/>
+              </a14:hiddenLine>
+            </a:ext>
+            <a:ext uri="{AF507438-7753-43E0-B8FC-AC1667EBCBE1}">
+              <a14:hiddenEffects xmlns:a14="http://schemas.microsoft.com/office/drawing/2010/main">
+                <a:effectLst>
+                  <a:outerShdw dist="35921" dir="2700000" algn="ctr" rotWithShape="0">
+                    <a:schemeClr val="bg2"/>
+                  </a:outerShdw>
+                </a:effectLst>
+              </a14:hiddenEffects>
+            </a:ext>
+          </a:extLst>
         </p:spPr>
       </p:pic>
     </p:spTree>
